--- a/Thorium Reactors.pptx
+++ b/Thorium Reactors.pptx
@@ -5,25 +5,29 @@
     <p:sldMasterId id="2147483648" r:id="rId1"/>
   </p:sldMasterIdLst>
   <p:notesMasterIdLst>
-    <p:notesMasterId r:id="rId18"/>
+    <p:notesMasterId r:id="rId22"/>
   </p:notesMasterIdLst>
   <p:sldIdLst>
     <p:sldId id="256" r:id="rId2"/>
     <p:sldId id="257" r:id="rId3"/>
     <p:sldId id="258" r:id="rId4"/>
-    <p:sldId id="266" r:id="rId5"/>
-    <p:sldId id="268" r:id="rId6"/>
-    <p:sldId id="264" r:id="rId7"/>
-    <p:sldId id="265" r:id="rId8"/>
-    <p:sldId id="259" r:id="rId9"/>
+    <p:sldId id="274" r:id="rId5"/>
+    <p:sldId id="266" r:id="rId6"/>
+    <p:sldId id="268" r:id="rId7"/>
+    <p:sldId id="264" r:id="rId8"/>
+    <p:sldId id="265" r:id="rId9"/>
     <p:sldId id="260" r:id="rId10"/>
     <p:sldId id="262" r:id="rId11"/>
     <p:sldId id="261" r:id="rId12"/>
     <p:sldId id="263" r:id="rId13"/>
-    <p:sldId id="267" r:id="rId14"/>
-    <p:sldId id="269" r:id="rId15"/>
-    <p:sldId id="270" r:id="rId16"/>
-    <p:sldId id="271" r:id="rId17"/>
+    <p:sldId id="259" r:id="rId14"/>
+    <p:sldId id="267" r:id="rId15"/>
+    <p:sldId id="269" r:id="rId16"/>
+    <p:sldId id="270" r:id="rId17"/>
+    <p:sldId id="271" r:id="rId18"/>
+    <p:sldId id="273" r:id="rId19"/>
+    <p:sldId id="275" r:id="rId20"/>
+    <p:sldId id="272" r:id="rId21"/>
   </p:sldIdLst>
   <p:sldSz cx="9144000" cy="6858000" type="screen4x3"/>
   <p:notesSz cx="6858000" cy="9144000"/>
@@ -207,7 +211,7 @@
           <a:p>
             <a:fld id="{29201BD4-4DF6-4717-A593-B2B71686CB47}" type="datetimeFigureOut">
               <a:rPr lang="en-US" smtClean="0"/>
-              <a:t>11/3/2018</a:t>
+              <a:t>11/6/2018</a:t>
             </a:fld>
             <a:endParaRPr lang="en-US"/>
           </a:p>
@@ -1048,7 +1052,7 @@
           <a:p>
             <a:fld id="{C26FFE9C-D722-4EBF-AC71-68D449D824E4}" type="datetimeFigureOut">
               <a:rPr lang="en-US" smtClean="0"/>
-              <a:t>11/3/2018</a:t>
+              <a:t>11/6/2018</a:t>
             </a:fld>
             <a:endParaRPr lang="en-US"/>
           </a:p>
@@ -1218,7 +1222,7 @@
           <a:p>
             <a:fld id="{C26FFE9C-D722-4EBF-AC71-68D449D824E4}" type="datetimeFigureOut">
               <a:rPr lang="en-US" smtClean="0"/>
-              <a:t>11/3/2018</a:t>
+              <a:t>11/6/2018</a:t>
             </a:fld>
             <a:endParaRPr lang="en-US"/>
           </a:p>
@@ -1398,7 +1402,7 @@
           <a:p>
             <a:fld id="{C26FFE9C-D722-4EBF-AC71-68D449D824E4}" type="datetimeFigureOut">
               <a:rPr lang="en-US" smtClean="0"/>
-              <a:t>11/3/2018</a:t>
+              <a:t>11/6/2018</a:t>
             </a:fld>
             <a:endParaRPr lang="en-US"/>
           </a:p>
@@ -1568,7 +1572,7 @@
           <a:p>
             <a:fld id="{C26FFE9C-D722-4EBF-AC71-68D449D824E4}" type="datetimeFigureOut">
               <a:rPr lang="en-US" smtClean="0"/>
-              <a:t>11/3/2018</a:t>
+              <a:t>11/6/2018</a:t>
             </a:fld>
             <a:endParaRPr lang="en-US"/>
           </a:p>
@@ -1814,7 +1818,7 @@
           <a:p>
             <a:fld id="{C26FFE9C-D722-4EBF-AC71-68D449D824E4}" type="datetimeFigureOut">
               <a:rPr lang="en-US" smtClean="0"/>
-              <a:t>11/3/2018</a:t>
+              <a:t>11/6/2018</a:t>
             </a:fld>
             <a:endParaRPr lang="en-US"/>
           </a:p>
@@ -2102,7 +2106,7 @@
           <a:p>
             <a:fld id="{C26FFE9C-D722-4EBF-AC71-68D449D824E4}" type="datetimeFigureOut">
               <a:rPr lang="en-US" smtClean="0"/>
-              <a:t>11/3/2018</a:t>
+              <a:t>11/6/2018</a:t>
             </a:fld>
             <a:endParaRPr lang="en-US"/>
           </a:p>
@@ -2524,7 +2528,7 @@
           <a:p>
             <a:fld id="{C26FFE9C-D722-4EBF-AC71-68D449D824E4}" type="datetimeFigureOut">
               <a:rPr lang="en-US" smtClean="0"/>
-              <a:t>11/3/2018</a:t>
+              <a:t>11/6/2018</a:t>
             </a:fld>
             <a:endParaRPr lang="en-US"/>
           </a:p>
@@ -2642,7 +2646,7 @@
           <a:p>
             <a:fld id="{C26FFE9C-D722-4EBF-AC71-68D449D824E4}" type="datetimeFigureOut">
               <a:rPr lang="en-US" smtClean="0"/>
-              <a:t>11/3/2018</a:t>
+              <a:t>11/6/2018</a:t>
             </a:fld>
             <a:endParaRPr lang="en-US"/>
           </a:p>
@@ -2737,7 +2741,7 @@
           <a:p>
             <a:fld id="{C26FFE9C-D722-4EBF-AC71-68D449D824E4}" type="datetimeFigureOut">
               <a:rPr lang="en-US" smtClean="0"/>
-              <a:t>11/3/2018</a:t>
+              <a:t>11/6/2018</a:t>
             </a:fld>
             <a:endParaRPr lang="en-US"/>
           </a:p>
@@ -3014,7 +3018,7 @@
           <a:p>
             <a:fld id="{C26FFE9C-D722-4EBF-AC71-68D449D824E4}" type="datetimeFigureOut">
               <a:rPr lang="en-US" smtClean="0"/>
-              <a:t>11/3/2018</a:t>
+              <a:t>11/6/2018</a:t>
             </a:fld>
             <a:endParaRPr lang="en-US"/>
           </a:p>
@@ -3267,7 +3271,7 @@
           <a:p>
             <a:fld id="{C26FFE9C-D722-4EBF-AC71-68D449D824E4}" type="datetimeFigureOut">
               <a:rPr lang="en-US" smtClean="0"/>
-              <a:t>11/3/2018</a:t>
+              <a:t>11/6/2018</a:t>
             </a:fld>
             <a:endParaRPr lang="en-US"/>
           </a:p>
@@ -3480,7 +3484,7 @@
           <a:p>
             <a:fld id="{C26FFE9C-D722-4EBF-AC71-68D449D824E4}" type="datetimeFigureOut">
               <a:rPr lang="en-US" smtClean="0"/>
-              <a:t>11/3/2018</a:t>
+              <a:t>11/6/2018</a:t>
             </a:fld>
             <a:endParaRPr lang="en-US"/>
           </a:p>
@@ -3875,16 +3879,8 @@
               <a:t>Thorium und </a:t>
             </a:r>
             <a:r>
-              <a:rPr lang="en-US" dirty="0" err="1" smtClean="0"/>
-              <a:t>Gesmolzeneesalze</a:t>
-            </a:r>
-            <a:r>
-              <a:rPr lang="en-US" dirty="0" smtClean="0"/>
-              <a:t> </a:t>
-            </a:r>
-            <a:r>
-              <a:rPr lang="en-US" dirty="0" err="1" smtClean="0"/>
-              <a:t>Reaktoren</a:t>
+              <a:rPr lang="en-US" dirty="0" smtClean="0"/>
+              <a:t>Molten Salt Reactors</a:t>
             </a:r>
             <a:endParaRPr lang="en-US" dirty="0"/>
           </a:p>
@@ -4325,6 +4321,220 @@
         </p:nvSpPr>
         <p:spPr/>
         <p:txBody>
+          <a:bodyPr>
+            <a:normAutofit fontScale="90000"/>
+          </a:bodyPr>
+          <a:lstStyle/>
+          <a:p>
+            <a:r>
+              <a:rPr lang="de-DE" dirty="0" smtClean="0"/>
+              <a:t>Unterschied zwischen Uran und Thorium Kraftwerke</a:t>
+            </a:r>
+            <a:endParaRPr lang="en-US" dirty="0"/>
+          </a:p>
+        </p:txBody>
+      </p:sp>
+      <p:sp>
+        <p:nvSpPr>
+          <p:cNvPr id="3" name="Content Placeholder 2"/>
+          <p:cNvSpPr>
+            <a:spLocks noGrp="1"/>
+          </p:cNvSpPr>
+          <p:nvPr>
+            <p:ph idx="1"/>
+          </p:nvPr>
+        </p:nvSpPr>
+        <p:spPr/>
+        <p:txBody>
+          <a:bodyPr>
+            <a:normAutofit lnSpcReduction="10000"/>
+          </a:bodyPr>
+          <a:lstStyle/>
+          <a:p>
+            <a:r>
+              <a:rPr lang="de-DE" dirty="0" smtClean="0"/>
+              <a:t>Verschiedene Zyklen</a:t>
+            </a:r>
+          </a:p>
+          <a:p>
+            <a:r>
+              <a:rPr lang="de-DE" dirty="0" smtClean="0"/>
+              <a:t>Thorium tretet dreimal so oft auf wie Uran</a:t>
+            </a:r>
+          </a:p>
+          <a:p>
+            <a:r>
+              <a:rPr lang="en-US" dirty="0" smtClean="0"/>
+              <a:t>197.9 MeV</a:t>
+            </a:r>
+            <a:endParaRPr lang="en-US" dirty="0"/>
+          </a:p>
+          <a:p>
+            <a:r>
+              <a:rPr lang="en-US" dirty="0" smtClean="0"/>
+              <a:t>Either burn 235 in thermal or 238 bred in fast</a:t>
+            </a:r>
+          </a:p>
+          <a:p>
+            <a:r>
+              <a:rPr lang="en-US" dirty="0" smtClean="0"/>
+              <a:t>By surrounding the reactor core with a moderator and then a layer (blanket) of </a:t>
+            </a:r>
+            <a:r>
+              <a:rPr lang="en-US" baseline="30000" dirty="0" smtClean="0">
+                <a:effectLst/>
+              </a:rPr>
+              <a:t>238</a:t>
+            </a:r>
+            <a:r>
+              <a:rPr lang="en-US" dirty="0" smtClean="0">
+                <a:effectLst/>
+              </a:rPr>
+              <a:t/>
+            </a:r>
+            <a:br>
+              <a:rPr lang="en-US" dirty="0" smtClean="0">
+                <a:effectLst/>
+              </a:rPr>
+            </a:br>
+            <a:r>
+              <a:rPr lang="en-US" dirty="0" smtClean="0"/>
+              <a:t>U, those neutrons can be captured and used to breed more </a:t>
+            </a:r>
+            <a:r>
+              <a:rPr lang="en-US" baseline="30000" dirty="0" smtClean="0">
+                <a:effectLst/>
+              </a:rPr>
+              <a:t>239</a:t>
+            </a:r>
+            <a:r>
+              <a:rPr lang="en-US" dirty="0" smtClean="0"/>
+              <a:t>Pu. Don’t exist because of proliferation concerns</a:t>
+            </a:r>
+          </a:p>
+          <a:p>
+            <a:endParaRPr lang="en-US" dirty="0"/>
+          </a:p>
+        </p:txBody>
+      </p:sp>
+      <p:sp>
+        <p:nvSpPr>
+          <p:cNvPr id="5" name="AutoShape 2" descr="{\displaystyle {\ce {{\overset {neutron}{n}}+{^{232}_{90}Th}-&gt;{^{233}_{90}Th}-&gt;[\beta ^{-}]{^{233}_{91}Pa}-&gt;[\beta ^{-}]{\overset {fuel}{^{233}_{92}U}}}}}"/>
+          <p:cNvSpPr>
+            <a:spLocks noChangeAspect="1" noChangeArrowheads="1"/>
+          </p:cNvSpPr>
+          <p:nvPr/>
+        </p:nvSpPr>
+        <p:spPr bwMode="auto">
+          <a:xfrm>
+            <a:off x="155575" y="-144463"/>
+            <a:ext cx="304800" cy="304801"/>
+          </a:xfrm>
+          <a:prstGeom prst="rect">
+            <a:avLst/>
+          </a:prstGeom>
+          <a:noFill/>
+          <a:extLst>
+            <a:ext uri="{909E8E84-426E-40DD-AFC4-6F175D3DCCD1}">
+              <a14:hiddenFill xmlns:a14="http://schemas.microsoft.com/office/drawing/2010/main">
+                <a:solidFill>
+                  <a:srgbClr val="FFFFFF"/>
+                </a:solidFill>
+              </a14:hiddenFill>
+            </a:ext>
+          </a:extLst>
+        </p:spPr>
+        <p:txBody>
+          <a:bodyPr vert="horz" wrap="square" lIns="91440" tIns="45720" rIns="91440" bIns="45720" numCol="1" anchor="t" anchorCtr="0" compatLnSpc="1">
+            <a:prstTxWarp prst="textNoShape">
+              <a:avLst/>
+            </a:prstTxWarp>
+          </a:bodyPr>
+          <a:lstStyle/>
+          <a:p>
+            <a:endParaRPr lang="en-US"/>
+          </a:p>
+        </p:txBody>
+      </p:sp>
+      <p:pic>
+        <p:nvPicPr>
+          <p:cNvPr id="6" name="Picture 5"/>
+          <p:cNvPicPr>
+            <a:picLocks noChangeAspect="1"/>
+          </p:cNvPicPr>
+          <p:nvPr/>
+        </p:nvPicPr>
+        <p:blipFill>
+          <a:blip r:embed="rId2">
+            <a:extLst>
+              <a:ext uri="{28A0092B-C50C-407E-A947-70E740481C1C}">
+                <a14:useLocalDpi xmlns:a14="http://schemas.microsoft.com/office/drawing/2010/main" val="0"/>
+              </a:ext>
+            </a:extLst>
+          </a:blip>
+          <a:stretch>
+            <a:fillRect/>
+          </a:stretch>
+        </p:blipFill>
+        <p:spPr>
+          <a:xfrm>
+            <a:off x="4267200" y="1524000"/>
+            <a:ext cx="4374259" cy="518205"/>
+          </a:xfrm>
+          <a:prstGeom prst="rect">
+            <a:avLst/>
+          </a:prstGeom>
+        </p:spPr>
+      </p:pic>
+    </p:spTree>
+    <p:extLst>
+      <p:ext uri="{BB962C8B-B14F-4D97-AF65-F5344CB8AC3E}">
+        <p14:creationId xmlns:p14="http://schemas.microsoft.com/office/powerpoint/2010/main" val="3493112808"/>
+      </p:ext>
+    </p:extLst>
+  </p:cSld>
+  <p:clrMapOvr>
+    <a:masterClrMapping/>
+  </p:clrMapOvr>
+  <p:timing>
+    <p:tnLst>
+      <p:par>
+        <p:cTn id="1" dur="indefinite" restart="never" nodeType="tmRoot"/>
+      </p:par>
+    </p:tnLst>
+  </p:timing>
+</p:sld>
+</file>
+
+<file path=ppt/slides/slide14.xml><?xml version="1.0" encoding="utf-8"?>
+<p:sld xmlns:a="http://schemas.openxmlformats.org/drawingml/2006/main" xmlns:r="http://schemas.openxmlformats.org/officeDocument/2006/relationships" xmlns:p="http://schemas.openxmlformats.org/presentationml/2006/main">
+  <p:cSld>
+    <p:spTree>
+      <p:nvGrpSpPr>
+        <p:cNvPr id="1" name=""/>
+        <p:cNvGrpSpPr/>
+        <p:nvPr/>
+      </p:nvGrpSpPr>
+      <p:grpSpPr>
+        <a:xfrm>
+          <a:off x="0" y="0"/>
+          <a:ext cx="0" cy="0"/>
+          <a:chOff x="0" y="0"/>
+          <a:chExt cx="0" cy="0"/>
+        </a:xfrm>
+      </p:grpSpPr>
+      <p:sp>
+        <p:nvSpPr>
+          <p:cNvPr id="2" name="Title 1"/>
+          <p:cNvSpPr>
+            <a:spLocks noGrp="1"/>
+          </p:cNvSpPr>
+          <p:nvPr>
+            <p:ph type="title"/>
+          </p:nvPr>
+        </p:nvSpPr>
+        <p:spPr/>
+        <p:txBody>
           <a:bodyPr/>
           <a:lstStyle/>
           <a:p>
@@ -4599,7 +4809,7 @@
 </p:sld>
 </file>
 
-<file path=ppt/slides/slide14.xml><?xml version="1.0" encoding="utf-8"?>
+<file path=ppt/slides/slide15.xml><?xml version="1.0" encoding="utf-8"?>
 <p:sld xmlns:a="http://schemas.openxmlformats.org/drawingml/2006/main" xmlns:r="http://schemas.openxmlformats.org/officeDocument/2006/relationships" xmlns:p="http://schemas.openxmlformats.org/presentationml/2006/main">
   <p:cSld>
     <p:spTree>
@@ -4675,7 +4885,7 @@
             </a:r>
             <a:r>
               <a:rPr lang="en-US" sz="2000" dirty="0" err="1" smtClean="0"/>
-              <a:t>Reservem</a:t>
+              <a:t>Reserven</a:t>
             </a:r>
             <a:endParaRPr lang="en-US" sz="2000" dirty="0" smtClean="0"/>
           </a:p>
@@ -4868,15 +5078,7 @@
             </a:r>
             <a:r>
               <a:rPr lang="en-US" sz="2000" dirty="0" smtClean="0"/>
-              <a:t> </a:t>
-            </a:r>
-            <a:r>
-              <a:rPr lang="en-US" sz="2000" dirty="0" smtClean="0"/>
-              <a:t>Moderator </a:t>
-            </a:r>
-            <a:r>
-              <a:rPr lang="en-US" sz="2000" dirty="0" smtClean="0"/>
-              <a:t>die </a:t>
+              <a:t> Moderator die </a:t>
             </a:r>
             <a:r>
               <a:rPr lang="en-US" sz="2000" dirty="0" err="1" smtClean="0"/>
@@ -4942,7 +5144,33 @@
               <a:rPr lang="en-US" sz="2000" dirty="0" smtClean="0"/>
               <a:t>.</a:t>
             </a:r>
-            <a:endParaRPr lang="en-US" sz="2000" dirty="0"/>
+          </a:p>
+          <a:p>
+            <a:r>
+              <a:rPr lang="en-US" sz="2400" dirty="0" err="1" smtClean="0"/>
+              <a:t>Wahrscheinlich</a:t>
+            </a:r>
+            <a:r>
+              <a:rPr lang="en-US" sz="2400" dirty="0" smtClean="0"/>
+              <a:t> </a:t>
+            </a:r>
+            <a:r>
+              <a:rPr lang="en-US" sz="2400" dirty="0" err="1" smtClean="0"/>
+              <a:t>billiger</a:t>
+            </a:r>
+            <a:r>
+              <a:rPr lang="en-US" sz="2400" dirty="0" smtClean="0"/>
+              <a:t> </a:t>
+            </a:r>
+            <a:r>
+              <a:rPr lang="en-US" sz="2400" dirty="0" err="1" smtClean="0"/>
+              <a:t>als</a:t>
+            </a:r>
+            <a:r>
+              <a:rPr lang="en-US" sz="2400" dirty="0" smtClean="0"/>
+              <a:t> U238</a:t>
+            </a:r>
+            <a:endParaRPr lang="en-US" sz="2400" dirty="0"/>
           </a:p>
         </p:txBody>
       </p:sp>
@@ -4966,7 +5194,7 @@
 </p:sld>
 </file>
 
-<file path=ppt/slides/slide15.xml><?xml version="1.0" encoding="utf-8"?>
+<file path=ppt/slides/slide16.xml><?xml version="1.0" encoding="utf-8"?>
 <p:sld xmlns:a="http://schemas.openxmlformats.org/drawingml/2006/main" xmlns:r="http://schemas.openxmlformats.org/officeDocument/2006/relationships" xmlns:p="http://schemas.openxmlformats.org/presentationml/2006/main">
   <p:cSld>
     <p:spTree>
@@ -5204,7 +5432,7 @@
 </p:sld>
 </file>
 
-<file path=ppt/slides/slide16.xml><?xml version="1.0" encoding="utf-8"?>
+<file path=ppt/slides/slide17.xml><?xml version="1.0" encoding="utf-8"?>
 <p:sld xmlns:a="http://schemas.openxmlformats.org/drawingml/2006/main" xmlns:r="http://schemas.openxmlformats.org/officeDocument/2006/relationships" xmlns:p="http://schemas.openxmlformats.org/presentationml/2006/main">
   <p:cSld>
     <p:spTree>
@@ -5376,48 +5604,6 @@
             <a:r>
               <a:rPr lang="en-US" sz="2000" dirty="0" err="1" smtClean="0"/>
               <a:t>verbrennen</a:t>
-            </a:r>
-            <a:endParaRPr lang="en-US" sz="2000" dirty="0" smtClean="0"/>
-          </a:p>
-          <a:p>
-            <a:r>
-              <a:rPr lang="en-US" sz="2000" dirty="0" smtClean="0"/>
-              <a:t>“</a:t>
-            </a:r>
-            <a:r>
-              <a:rPr lang="en-US" sz="2000" dirty="0" err="1" smtClean="0"/>
-              <a:t>Weglauf</a:t>
-            </a:r>
-            <a:r>
-              <a:rPr lang="en-US" sz="2000" dirty="0" smtClean="0"/>
-              <a:t>” </a:t>
-            </a:r>
-            <a:r>
-              <a:rPr lang="en-US" sz="2000" dirty="0" err="1" smtClean="0"/>
-              <a:t>Sicherheit</a:t>
-            </a:r>
-            <a:endParaRPr lang="en-US" sz="2000" dirty="0" smtClean="0"/>
-          </a:p>
-          <a:p>
-            <a:r>
-              <a:rPr lang="en-US" sz="2000" dirty="0" err="1" smtClean="0"/>
-              <a:t>Hoehere</a:t>
-            </a:r>
-            <a:r>
-              <a:rPr lang="en-US" sz="2000" dirty="0" smtClean="0"/>
-              <a:t> </a:t>
-            </a:r>
-            <a:r>
-              <a:rPr lang="en-US" sz="2000" dirty="0" err="1" smtClean="0"/>
-              <a:t>thermische</a:t>
-            </a:r>
-            <a:r>
-              <a:rPr lang="en-US" sz="2000" dirty="0" smtClean="0"/>
-              <a:t> </a:t>
-            </a:r>
-            <a:r>
-              <a:rPr lang="en-US" sz="2000" dirty="0" err="1" smtClean="0"/>
-              <a:t>Efficienz</a:t>
             </a:r>
             <a:endParaRPr lang="en-US" sz="2000" dirty="0" smtClean="0"/>
           </a:p>
@@ -5505,6 +5691,1281 @@
 </p:sld>
 </file>
 
+<file path=ppt/slides/slide18.xml><?xml version="1.0" encoding="utf-8"?>
+<p:sld xmlns:a="http://schemas.openxmlformats.org/drawingml/2006/main" xmlns:r="http://schemas.openxmlformats.org/officeDocument/2006/relationships" xmlns:p="http://schemas.openxmlformats.org/presentationml/2006/main">
+  <p:cSld>
+    <p:spTree>
+      <p:nvGrpSpPr>
+        <p:cNvPr id="1" name=""/>
+        <p:cNvGrpSpPr/>
+        <p:nvPr/>
+      </p:nvGrpSpPr>
+      <p:grpSpPr>
+        <a:xfrm>
+          <a:off x="0" y="0"/>
+          <a:ext cx="0" cy="0"/>
+          <a:chOff x="0" y="0"/>
+          <a:chExt cx="0" cy="0"/>
+        </a:xfrm>
+      </p:grpSpPr>
+      <p:sp>
+        <p:nvSpPr>
+          <p:cNvPr id="2" name="Title 1"/>
+          <p:cNvSpPr>
+            <a:spLocks noGrp="1"/>
+          </p:cNvSpPr>
+          <p:nvPr>
+            <p:ph type="title"/>
+          </p:nvPr>
+        </p:nvSpPr>
+        <p:spPr/>
+        <p:txBody>
+          <a:bodyPr/>
+          <a:lstStyle/>
+          <a:p>
+            <a:r>
+              <a:rPr lang="en-US" dirty="0" err="1" smtClean="0"/>
+              <a:t>Kernreaktoren</a:t>
+            </a:r>
+            <a:r>
+              <a:rPr lang="en-US" dirty="0" smtClean="0"/>
+              <a:t> 2</a:t>
+            </a:r>
+            <a:endParaRPr lang="en-US" dirty="0"/>
+          </a:p>
+        </p:txBody>
+      </p:sp>
+      <p:sp>
+        <p:nvSpPr>
+          <p:cNvPr id="3" name="Content Placeholder 2"/>
+          <p:cNvSpPr>
+            <a:spLocks noGrp="1"/>
+          </p:cNvSpPr>
+          <p:nvPr>
+            <p:ph idx="1"/>
+          </p:nvPr>
+        </p:nvSpPr>
+        <p:spPr/>
+        <p:txBody>
+          <a:bodyPr/>
+          <a:lstStyle/>
+          <a:p>
+            <a:r>
+              <a:rPr lang="de-DE" dirty="0" smtClean="0"/>
+              <a:t>Abfallprodukte koennen chemische seperiert werden</a:t>
+            </a:r>
+          </a:p>
+          <a:p>
+            <a:r>
+              <a:rPr lang="en-US" dirty="0" smtClean="0"/>
+              <a:t>“Walk </a:t>
+            </a:r>
+            <a:r>
+              <a:rPr lang="en-US" dirty="0"/>
+              <a:t>away” </a:t>
+            </a:r>
+            <a:r>
+              <a:rPr lang="en-US" dirty="0" err="1"/>
+              <a:t>Sicherheit</a:t>
+            </a:r>
+            <a:endParaRPr lang="en-US" dirty="0"/>
+          </a:p>
+          <a:p>
+            <a:r>
+              <a:rPr lang="en-US" dirty="0" err="1"/>
+              <a:t>Hoehere</a:t>
+            </a:r>
+            <a:r>
+              <a:rPr lang="en-US" dirty="0"/>
+              <a:t> </a:t>
+            </a:r>
+            <a:r>
+              <a:rPr lang="en-US" dirty="0" err="1"/>
+              <a:t>thermische</a:t>
+            </a:r>
+            <a:r>
+              <a:rPr lang="en-US" dirty="0"/>
+              <a:t> </a:t>
+            </a:r>
+            <a:r>
+              <a:rPr lang="en-US" dirty="0" err="1"/>
+              <a:t>Efficienz</a:t>
+            </a:r>
+            <a:endParaRPr lang="en-US" dirty="0"/>
+          </a:p>
+          <a:p>
+            <a:pPr marL="0" indent="0">
+              <a:buNone/>
+            </a:pPr>
+            <a:r>
+              <a:rPr lang="en-US" dirty="0"/>
+              <a:t>	(Carnot)</a:t>
+            </a:r>
+          </a:p>
+          <a:p>
+            <a:r>
+              <a:rPr lang="en-US" dirty="0" err="1"/>
+              <a:t>Kein</a:t>
+            </a:r>
+            <a:r>
+              <a:rPr lang="en-US" dirty="0"/>
+              <a:t> </a:t>
+            </a:r>
+            <a:r>
+              <a:rPr lang="en-US" dirty="0" err="1"/>
+              <a:t>hoch</a:t>
+            </a:r>
+            <a:r>
+              <a:rPr lang="en-US" dirty="0"/>
+              <a:t> </a:t>
+            </a:r>
+            <a:r>
+              <a:rPr lang="en-US" dirty="0" err="1"/>
+              <a:t>Druck</a:t>
+            </a:r>
+            <a:endParaRPr lang="en-US" dirty="0"/>
+          </a:p>
+          <a:p>
+            <a:endParaRPr lang="de-DE" dirty="0"/>
+          </a:p>
+        </p:txBody>
+      </p:sp>
+    </p:spTree>
+    <p:extLst>
+      <p:ext uri="{BB962C8B-B14F-4D97-AF65-F5344CB8AC3E}">
+        <p14:creationId xmlns:p14="http://schemas.microsoft.com/office/powerpoint/2010/main" val="2539409231"/>
+      </p:ext>
+    </p:extLst>
+  </p:cSld>
+  <p:clrMapOvr>
+    <a:masterClrMapping/>
+  </p:clrMapOvr>
+</p:sld>
+</file>
+
+<file path=ppt/slides/slide19.xml><?xml version="1.0" encoding="utf-8"?>
+<p:sld xmlns:a="http://schemas.openxmlformats.org/drawingml/2006/main" xmlns:r="http://schemas.openxmlformats.org/officeDocument/2006/relationships" xmlns:p="http://schemas.openxmlformats.org/presentationml/2006/main">
+  <p:cSld>
+    <p:spTree>
+      <p:nvGrpSpPr>
+        <p:cNvPr id="1" name=""/>
+        <p:cNvGrpSpPr/>
+        <p:nvPr/>
+      </p:nvGrpSpPr>
+      <p:grpSpPr>
+        <a:xfrm>
+          <a:off x="0" y="0"/>
+          <a:ext cx="0" cy="0"/>
+          <a:chOff x="0" y="0"/>
+          <a:chExt cx="0" cy="0"/>
+        </a:xfrm>
+      </p:grpSpPr>
+      <p:sp>
+        <p:nvSpPr>
+          <p:cNvPr id="4" name="Donut 3"/>
+          <p:cNvSpPr/>
+          <p:nvPr/>
+        </p:nvSpPr>
+        <p:spPr>
+          <a:xfrm>
+            <a:off x="2933700" y="2095500"/>
+            <a:ext cx="2514600" cy="2514600"/>
+          </a:xfrm>
+          <a:prstGeom prst="donut">
+            <a:avLst>
+              <a:gd name="adj" fmla="val 20541"/>
+            </a:avLst>
+          </a:prstGeom>
+          <a:solidFill>
+            <a:srgbClr val="92D050"/>
+          </a:solidFill>
+          <a:ln>
+            <a:solidFill>
+              <a:srgbClr val="92D050"/>
+            </a:solidFill>
+          </a:ln>
+        </p:spPr>
+        <p:style>
+          <a:lnRef idx="2">
+            <a:schemeClr val="accent1">
+              <a:shade val="50000"/>
+            </a:schemeClr>
+          </a:lnRef>
+          <a:fillRef idx="1">
+            <a:schemeClr val="accent1"/>
+          </a:fillRef>
+          <a:effectRef idx="0">
+            <a:schemeClr val="accent1"/>
+          </a:effectRef>
+          <a:fontRef idx="minor">
+            <a:schemeClr val="lt1"/>
+          </a:fontRef>
+        </p:style>
+        <p:txBody>
+          <a:bodyPr rtlCol="0" anchor="ctr"/>
+          <a:lstStyle/>
+          <a:p>
+            <a:pPr algn="ctr"/>
+            <a:endParaRPr lang="en-US">
+              <a:solidFill>
+                <a:schemeClr val="tx1"/>
+              </a:solidFill>
+            </a:endParaRPr>
+          </a:p>
+        </p:txBody>
+      </p:sp>
+      <p:sp>
+        <p:nvSpPr>
+          <p:cNvPr id="6" name="Oval 5"/>
+          <p:cNvSpPr/>
+          <p:nvPr/>
+        </p:nvSpPr>
+        <p:spPr>
+          <a:xfrm>
+            <a:off x="3467100" y="2628900"/>
+            <a:ext cx="1447800" cy="1447800"/>
+          </a:xfrm>
+          <a:prstGeom prst="ellipse">
+            <a:avLst/>
+          </a:prstGeom>
+          <a:solidFill>
+            <a:schemeClr val="accent3">
+              <a:lumMod val="40000"/>
+              <a:lumOff val="60000"/>
+            </a:schemeClr>
+          </a:solidFill>
+        </p:spPr>
+        <p:style>
+          <a:lnRef idx="2">
+            <a:schemeClr val="accent1">
+              <a:shade val="50000"/>
+            </a:schemeClr>
+          </a:lnRef>
+          <a:fillRef idx="1">
+            <a:schemeClr val="accent1"/>
+          </a:fillRef>
+          <a:effectRef idx="0">
+            <a:schemeClr val="accent1"/>
+          </a:effectRef>
+          <a:fontRef idx="minor">
+            <a:schemeClr val="lt1"/>
+          </a:fontRef>
+        </p:style>
+        <p:txBody>
+          <a:bodyPr rtlCol="0" anchor="ctr"/>
+          <a:lstStyle/>
+          <a:p>
+            <a:pPr algn="ctr"/>
+            <a:endParaRPr lang="en-US"/>
+          </a:p>
+        </p:txBody>
+      </p:sp>
+      <p:sp>
+        <p:nvSpPr>
+          <p:cNvPr id="7" name="TextBox 6"/>
+          <p:cNvSpPr txBox="1"/>
+          <p:nvPr/>
+        </p:nvSpPr>
+        <p:spPr>
+          <a:xfrm>
+            <a:off x="3848100" y="3159615"/>
+            <a:ext cx="685800" cy="369332"/>
+          </a:xfrm>
+          <a:prstGeom prst="rect">
+            <a:avLst/>
+          </a:prstGeom>
+          <a:noFill/>
+        </p:spPr>
+        <p:txBody>
+          <a:bodyPr wrap="square" rtlCol="0">
+            <a:spAutoFit/>
+          </a:bodyPr>
+          <a:lstStyle/>
+          <a:p>
+            <a:r>
+              <a:rPr lang="en-US" dirty="0" smtClean="0"/>
+              <a:t>U233</a:t>
+            </a:r>
+            <a:endParaRPr lang="en-US" dirty="0"/>
+          </a:p>
+        </p:txBody>
+      </p:sp>
+      <p:cxnSp>
+        <p:nvCxnSpPr>
+          <p:cNvPr id="12" name="Straight Arrow Connector 11"/>
+          <p:cNvCxnSpPr/>
+          <p:nvPr/>
+        </p:nvCxnSpPr>
+        <p:spPr>
+          <a:xfrm flipV="1">
+            <a:off x="2743200" y="4038600"/>
+            <a:ext cx="685800" cy="609600"/>
+          </a:xfrm>
+          <a:prstGeom prst="straightConnector1">
+            <a:avLst/>
+          </a:prstGeom>
+          <a:ln>
+            <a:tailEnd type="arrow"/>
+          </a:ln>
+        </p:spPr>
+        <p:style>
+          <a:lnRef idx="1">
+            <a:schemeClr val="accent1"/>
+          </a:lnRef>
+          <a:fillRef idx="0">
+            <a:schemeClr val="accent1"/>
+          </a:fillRef>
+          <a:effectRef idx="0">
+            <a:schemeClr val="accent1"/>
+          </a:effectRef>
+          <a:fontRef idx="minor">
+            <a:schemeClr val="tx1"/>
+          </a:fontRef>
+        </p:style>
+      </p:cxnSp>
+      <p:sp>
+        <p:nvSpPr>
+          <p:cNvPr id="13" name="TextBox 12"/>
+          <p:cNvSpPr txBox="1"/>
+          <p:nvPr/>
+        </p:nvSpPr>
+        <p:spPr>
+          <a:xfrm>
+            <a:off x="2240327" y="4648200"/>
+            <a:ext cx="990600" cy="1446550"/>
+          </a:xfrm>
+          <a:prstGeom prst="rect">
+            <a:avLst/>
+          </a:prstGeom>
+          <a:noFill/>
+        </p:spPr>
+        <p:txBody>
+          <a:bodyPr wrap="square" rtlCol="0">
+            <a:spAutoFit/>
+          </a:bodyPr>
+          <a:lstStyle/>
+          <a:p>
+            <a:r>
+              <a:rPr lang="en-US" sz="1400" dirty="0" smtClean="0"/>
+              <a:t>Thorium Blanket- </a:t>
+            </a:r>
+            <a:r>
+              <a:rPr lang="en-US" sz="1400" dirty="0" err="1" smtClean="0"/>
+              <a:t>Hier</a:t>
+            </a:r>
+            <a:r>
+              <a:rPr lang="en-US" sz="1400" dirty="0" smtClean="0"/>
+              <a:t> </a:t>
+            </a:r>
+            <a:r>
+              <a:rPr lang="en-US" sz="1400" dirty="0" err="1" smtClean="0"/>
+              <a:t>wird</a:t>
+            </a:r>
+            <a:r>
+              <a:rPr lang="en-US" sz="1400" dirty="0" smtClean="0"/>
+              <a:t> das U233 </a:t>
+            </a:r>
+            <a:r>
+              <a:rPr lang="en-US" sz="1400" dirty="0" err="1" smtClean="0"/>
+              <a:t>gezeuchtet</a:t>
+            </a:r>
+            <a:endParaRPr lang="en-US" sz="1400" dirty="0" smtClean="0"/>
+          </a:p>
+          <a:p>
+            <a:endParaRPr lang="en-US" dirty="0"/>
+          </a:p>
+        </p:txBody>
+      </p:sp>
+      <p:cxnSp>
+        <p:nvCxnSpPr>
+          <p:cNvPr id="17" name="Straight Arrow Connector 16"/>
+          <p:cNvCxnSpPr/>
+          <p:nvPr/>
+        </p:nvCxnSpPr>
+        <p:spPr>
+          <a:xfrm flipV="1">
+            <a:off x="4191000" y="2628900"/>
+            <a:ext cx="342900" cy="342900"/>
+          </a:xfrm>
+          <a:prstGeom prst="straightConnector1">
+            <a:avLst/>
+          </a:prstGeom>
+          <a:ln>
+            <a:tailEnd type="arrow"/>
+          </a:ln>
+        </p:spPr>
+        <p:style>
+          <a:lnRef idx="1">
+            <a:schemeClr val="accent1"/>
+          </a:lnRef>
+          <a:fillRef idx="0">
+            <a:schemeClr val="accent1"/>
+          </a:fillRef>
+          <a:effectRef idx="0">
+            <a:schemeClr val="accent1"/>
+          </a:effectRef>
+          <a:fontRef idx="minor">
+            <a:schemeClr val="tx1"/>
+          </a:fontRef>
+        </p:style>
+      </p:cxnSp>
+      <p:sp>
+        <p:nvSpPr>
+          <p:cNvPr id="18" name="TextBox 17"/>
+          <p:cNvSpPr txBox="1"/>
+          <p:nvPr/>
+        </p:nvSpPr>
+        <p:spPr>
+          <a:xfrm>
+            <a:off x="4029075" y="2781300"/>
+            <a:ext cx="152400" cy="646331"/>
+          </a:xfrm>
+          <a:prstGeom prst="rect">
+            <a:avLst/>
+          </a:prstGeom>
+          <a:noFill/>
+        </p:spPr>
+        <p:txBody>
+          <a:bodyPr wrap="square" rtlCol="0">
+            <a:spAutoFit/>
+          </a:bodyPr>
+          <a:lstStyle/>
+          <a:p>
+            <a:r>
+              <a:rPr lang="en-US" dirty="0" smtClean="0">
+                <a:latin typeface="Gabriola" panose="04040605051002020D02" pitchFamily="82" charset="0"/>
+              </a:rPr>
+              <a:t>n</a:t>
+            </a:r>
+          </a:p>
+          <a:p>
+            <a:endParaRPr lang="en-US" dirty="0"/>
+          </a:p>
+        </p:txBody>
+      </p:sp>
+      <p:sp>
+        <p:nvSpPr>
+          <p:cNvPr id="19" name="Right Arrow 18"/>
+          <p:cNvSpPr/>
+          <p:nvPr/>
+        </p:nvSpPr>
+        <p:spPr>
+          <a:xfrm>
+            <a:off x="1676400" y="3104465"/>
+            <a:ext cx="1219200" cy="382019"/>
+          </a:xfrm>
+          <a:prstGeom prst="rightArrow">
+            <a:avLst/>
+          </a:prstGeom>
+          <a:solidFill>
+            <a:srgbClr val="92D050"/>
+          </a:solidFill>
+          <a:ln>
+            <a:solidFill>
+              <a:schemeClr val="bg1"/>
+            </a:solidFill>
+          </a:ln>
+        </p:spPr>
+        <p:style>
+          <a:lnRef idx="2">
+            <a:schemeClr val="accent1">
+              <a:shade val="50000"/>
+            </a:schemeClr>
+          </a:lnRef>
+          <a:fillRef idx="1">
+            <a:schemeClr val="accent1"/>
+          </a:fillRef>
+          <a:effectRef idx="0">
+            <a:schemeClr val="accent1"/>
+          </a:effectRef>
+          <a:fontRef idx="minor">
+            <a:schemeClr val="lt1"/>
+          </a:fontRef>
+        </p:style>
+        <p:txBody>
+          <a:bodyPr rtlCol="0" anchor="ctr"/>
+          <a:lstStyle/>
+          <a:p>
+            <a:pPr algn="ctr"/>
+            <a:endParaRPr lang="en-US"/>
+          </a:p>
+        </p:txBody>
+      </p:sp>
+      <p:sp>
+        <p:nvSpPr>
+          <p:cNvPr id="21" name="TextBox 20"/>
+          <p:cNvSpPr txBox="1"/>
+          <p:nvPr/>
+        </p:nvSpPr>
+        <p:spPr>
+          <a:xfrm>
+            <a:off x="1866900" y="3141585"/>
+            <a:ext cx="1028700" cy="307777"/>
+          </a:xfrm>
+          <a:prstGeom prst="rect">
+            <a:avLst/>
+          </a:prstGeom>
+          <a:noFill/>
+        </p:spPr>
+        <p:txBody>
+          <a:bodyPr wrap="square" rtlCol="0">
+            <a:spAutoFit/>
+          </a:bodyPr>
+          <a:lstStyle/>
+          <a:p>
+            <a:r>
+              <a:rPr lang="en-US" sz="1400" dirty="0" smtClean="0"/>
+              <a:t>Th232</a:t>
+            </a:r>
+            <a:endParaRPr lang="en-US" sz="1400" dirty="0"/>
+          </a:p>
+        </p:txBody>
+      </p:sp>
+      <p:sp>
+        <p:nvSpPr>
+          <p:cNvPr id="22" name="Down Arrow 21"/>
+          <p:cNvSpPr/>
+          <p:nvPr/>
+        </p:nvSpPr>
+        <p:spPr>
+          <a:xfrm>
+            <a:off x="4105275" y="1676400"/>
+            <a:ext cx="257175" cy="952500"/>
+          </a:xfrm>
+          <a:prstGeom prst="downArrow">
+            <a:avLst/>
+          </a:prstGeom>
+          <a:solidFill>
+            <a:schemeClr val="accent3">
+              <a:lumMod val="40000"/>
+              <a:lumOff val="60000"/>
+            </a:schemeClr>
+          </a:solidFill>
+          <a:ln>
+            <a:solidFill>
+              <a:schemeClr val="accent3">
+                <a:lumMod val="40000"/>
+                <a:lumOff val="60000"/>
+              </a:schemeClr>
+            </a:solidFill>
+          </a:ln>
+        </p:spPr>
+        <p:style>
+          <a:lnRef idx="2">
+            <a:schemeClr val="accent1">
+              <a:shade val="50000"/>
+            </a:schemeClr>
+          </a:lnRef>
+          <a:fillRef idx="1">
+            <a:schemeClr val="accent1"/>
+          </a:fillRef>
+          <a:effectRef idx="0">
+            <a:schemeClr val="accent1"/>
+          </a:effectRef>
+          <a:fontRef idx="minor">
+            <a:schemeClr val="lt1"/>
+          </a:fontRef>
+        </p:style>
+        <p:txBody>
+          <a:bodyPr rtlCol="0" anchor="ctr"/>
+          <a:lstStyle/>
+          <a:p>
+            <a:pPr algn="ctr"/>
+            <a:endParaRPr lang="en-US"/>
+          </a:p>
+        </p:txBody>
+      </p:sp>
+      <p:sp>
+        <p:nvSpPr>
+          <p:cNvPr id="23" name="Rectangle 22"/>
+          <p:cNvSpPr/>
+          <p:nvPr/>
+        </p:nvSpPr>
+        <p:spPr>
+          <a:xfrm>
+            <a:off x="504825" y="2800349"/>
+            <a:ext cx="1219200" cy="1390651"/>
+          </a:xfrm>
+          <a:prstGeom prst="rect">
+            <a:avLst/>
+          </a:prstGeom>
+          <a:solidFill>
+            <a:schemeClr val="accent3">
+              <a:lumMod val="60000"/>
+              <a:lumOff val="40000"/>
+            </a:schemeClr>
+          </a:solidFill>
+          <a:ln>
+            <a:solidFill>
+              <a:schemeClr val="bg1"/>
+            </a:solidFill>
+          </a:ln>
+        </p:spPr>
+        <p:style>
+          <a:lnRef idx="2">
+            <a:schemeClr val="accent1">
+              <a:shade val="50000"/>
+            </a:schemeClr>
+          </a:lnRef>
+          <a:fillRef idx="1">
+            <a:schemeClr val="accent1"/>
+          </a:fillRef>
+          <a:effectRef idx="0">
+            <a:schemeClr val="accent1"/>
+          </a:effectRef>
+          <a:fontRef idx="minor">
+            <a:schemeClr val="lt1"/>
+          </a:fontRef>
+        </p:style>
+        <p:txBody>
+          <a:bodyPr rtlCol="0" anchor="ctr"/>
+          <a:lstStyle/>
+          <a:p>
+            <a:pPr algn="ctr"/>
+            <a:endParaRPr lang="en-US"/>
+          </a:p>
+        </p:txBody>
+      </p:sp>
+      <p:sp>
+        <p:nvSpPr>
+          <p:cNvPr id="24" name="TextBox 23"/>
+          <p:cNvSpPr txBox="1"/>
+          <p:nvPr/>
+        </p:nvSpPr>
+        <p:spPr>
+          <a:xfrm>
+            <a:off x="590550" y="2870931"/>
+            <a:ext cx="1066800" cy="1231106"/>
+          </a:xfrm>
+          <a:prstGeom prst="rect">
+            <a:avLst/>
+          </a:prstGeom>
+          <a:solidFill>
+            <a:schemeClr val="accent3">
+              <a:lumMod val="60000"/>
+              <a:lumOff val="40000"/>
+            </a:schemeClr>
+          </a:solidFill>
+          <a:ln>
+            <a:solidFill>
+              <a:schemeClr val="accent3">
+                <a:lumMod val="60000"/>
+                <a:lumOff val="40000"/>
+              </a:schemeClr>
+            </a:solidFill>
+          </a:ln>
+        </p:spPr>
+        <p:txBody>
+          <a:bodyPr wrap="square" rtlCol="0">
+            <a:spAutoFit/>
+          </a:bodyPr>
+          <a:lstStyle/>
+          <a:p>
+            <a:pPr algn="ctr"/>
+            <a:r>
+              <a:rPr lang="de-DE" sz="1400" dirty="0" smtClean="0"/>
+              <a:t>Chemische Trennung von U233 und Th232</a:t>
+            </a:r>
+          </a:p>
+          <a:p>
+            <a:endParaRPr lang="en-US" dirty="0"/>
+          </a:p>
+        </p:txBody>
+      </p:sp>
+      <p:sp>
+        <p:nvSpPr>
+          <p:cNvPr id="25" name="Up Arrow 24"/>
+          <p:cNvSpPr/>
+          <p:nvPr/>
+        </p:nvSpPr>
+        <p:spPr>
+          <a:xfrm>
+            <a:off x="1114425" y="1676400"/>
+            <a:ext cx="257175" cy="1104900"/>
+          </a:xfrm>
+          <a:prstGeom prst="upArrow">
+            <a:avLst/>
+          </a:prstGeom>
+          <a:solidFill>
+            <a:schemeClr val="accent3">
+              <a:lumMod val="40000"/>
+              <a:lumOff val="60000"/>
+            </a:schemeClr>
+          </a:solidFill>
+          <a:ln>
+            <a:solidFill>
+              <a:schemeClr val="accent3">
+                <a:lumMod val="40000"/>
+                <a:lumOff val="60000"/>
+              </a:schemeClr>
+            </a:solidFill>
+          </a:ln>
+        </p:spPr>
+        <p:style>
+          <a:lnRef idx="2">
+            <a:schemeClr val="accent1">
+              <a:shade val="50000"/>
+            </a:schemeClr>
+          </a:lnRef>
+          <a:fillRef idx="1">
+            <a:schemeClr val="accent1"/>
+          </a:fillRef>
+          <a:effectRef idx="0">
+            <a:schemeClr val="accent1"/>
+          </a:effectRef>
+          <a:fontRef idx="minor">
+            <a:schemeClr val="lt1"/>
+          </a:fontRef>
+        </p:style>
+        <p:txBody>
+          <a:bodyPr rtlCol="0" anchor="ctr"/>
+          <a:lstStyle/>
+          <a:p>
+            <a:pPr algn="ctr"/>
+            <a:endParaRPr lang="en-US"/>
+          </a:p>
+        </p:txBody>
+      </p:sp>
+      <p:sp>
+        <p:nvSpPr>
+          <p:cNvPr id="26" name="Right Arrow 25"/>
+          <p:cNvSpPr/>
+          <p:nvPr/>
+        </p:nvSpPr>
+        <p:spPr>
+          <a:xfrm>
+            <a:off x="1243012" y="1447800"/>
+            <a:ext cx="2990850" cy="304800"/>
+          </a:xfrm>
+          <a:prstGeom prst="rightArrow">
+            <a:avLst/>
+          </a:prstGeom>
+          <a:solidFill>
+            <a:schemeClr val="accent3">
+              <a:lumMod val="40000"/>
+              <a:lumOff val="60000"/>
+            </a:schemeClr>
+          </a:solidFill>
+          <a:ln>
+            <a:solidFill>
+              <a:schemeClr val="accent3">
+                <a:lumMod val="40000"/>
+                <a:lumOff val="60000"/>
+              </a:schemeClr>
+            </a:solidFill>
+          </a:ln>
+        </p:spPr>
+        <p:style>
+          <a:lnRef idx="2">
+            <a:schemeClr val="accent1">
+              <a:shade val="50000"/>
+            </a:schemeClr>
+          </a:lnRef>
+          <a:fillRef idx="1">
+            <a:schemeClr val="accent1"/>
+          </a:fillRef>
+          <a:effectRef idx="0">
+            <a:schemeClr val="accent1"/>
+          </a:effectRef>
+          <a:fontRef idx="minor">
+            <a:schemeClr val="lt1"/>
+          </a:fontRef>
+        </p:style>
+        <p:txBody>
+          <a:bodyPr rtlCol="0" anchor="ctr"/>
+          <a:lstStyle/>
+          <a:p>
+            <a:pPr algn="ctr"/>
+            <a:endParaRPr lang="en-US"/>
+          </a:p>
+        </p:txBody>
+      </p:sp>
+      <p:sp>
+        <p:nvSpPr>
+          <p:cNvPr id="27" name="Right Arrow 26"/>
+          <p:cNvSpPr/>
+          <p:nvPr/>
+        </p:nvSpPr>
+        <p:spPr>
+          <a:xfrm>
+            <a:off x="4914900" y="3171736"/>
+            <a:ext cx="2324100" cy="362127"/>
+          </a:xfrm>
+          <a:prstGeom prst="rightArrow">
+            <a:avLst/>
+          </a:prstGeom>
+          <a:solidFill>
+            <a:schemeClr val="accent3">
+              <a:lumMod val="40000"/>
+              <a:lumOff val="60000"/>
+            </a:schemeClr>
+          </a:solidFill>
+          <a:ln>
+            <a:solidFill>
+              <a:schemeClr val="accent3">
+                <a:lumMod val="40000"/>
+                <a:lumOff val="60000"/>
+              </a:schemeClr>
+            </a:solidFill>
+          </a:ln>
+        </p:spPr>
+        <p:style>
+          <a:lnRef idx="2">
+            <a:schemeClr val="accent1">
+              <a:shade val="50000"/>
+            </a:schemeClr>
+          </a:lnRef>
+          <a:fillRef idx="1">
+            <a:schemeClr val="accent1"/>
+          </a:fillRef>
+          <a:effectRef idx="0">
+            <a:schemeClr val="accent1"/>
+          </a:effectRef>
+          <a:fontRef idx="minor">
+            <a:schemeClr val="lt1"/>
+          </a:fontRef>
+        </p:style>
+        <p:txBody>
+          <a:bodyPr rtlCol="0" anchor="ctr"/>
+          <a:lstStyle/>
+          <a:p>
+            <a:pPr algn="ctr"/>
+            <a:endParaRPr lang="en-US"/>
+          </a:p>
+        </p:txBody>
+      </p:sp>
+      <p:sp>
+        <p:nvSpPr>
+          <p:cNvPr id="28" name="Rectangle 27"/>
+          <p:cNvSpPr/>
+          <p:nvPr/>
+        </p:nvSpPr>
+        <p:spPr>
+          <a:xfrm>
+            <a:off x="7239000" y="2639431"/>
+            <a:ext cx="1447800" cy="1409700"/>
+          </a:xfrm>
+          <a:prstGeom prst="rect">
+            <a:avLst/>
+          </a:prstGeom>
+          <a:solidFill>
+            <a:srgbClr val="E5491F"/>
+          </a:solidFill>
+          <a:ln>
+            <a:solidFill>
+              <a:srgbClr val="E5491F"/>
+            </a:solidFill>
+          </a:ln>
+        </p:spPr>
+        <p:style>
+          <a:lnRef idx="2">
+            <a:schemeClr val="accent1">
+              <a:shade val="50000"/>
+            </a:schemeClr>
+          </a:lnRef>
+          <a:fillRef idx="1">
+            <a:schemeClr val="accent1"/>
+          </a:fillRef>
+          <a:effectRef idx="0">
+            <a:schemeClr val="accent1"/>
+          </a:effectRef>
+          <a:fontRef idx="minor">
+            <a:schemeClr val="lt1"/>
+          </a:fontRef>
+        </p:style>
+        <p:txBody>
+          <a:bodyPr rtlCol="0" anchor="ctr"/>
+          <a:lstStyle/>
+          <a:p>
+            <a:pPr algn="ctr"/>
+            <a:r>
+              <a:rPr lang="en-US" dirty="0" err="1" smtClean="0"/>
+              <a:t>Warme</a:t>
+            </a:r>
+            <a:r>
+              <a:rPr lang="en-US" dirty="0" smtClean="0"/>
+              <a:t> -</a:t>
+            </a:r>
+            <a:r>
+              <a:rPr lang="en-US" dirty="0" err="1" smtClean="0"/>
+              <a:t>Austausch</a:t>
+            </a:r>
+            <a:endParaRPr lang="en-US" dirty="0"/>
+          </a:p>
+        </p:txBody>
+      </p:sp>
+      <p:sp>
+        <p:nvSpPr>
+          <p:cNvPr id="29" name="Rectangle 28"/>
+          <p:cNvSpPr/>
+          <p:nvPr/>
+        </p:nvSpPr>
+        <p:spPr>
+          <a:xfrm>
+            <a:off x="6757987" y="896838"/>
+            <a:ext cx="1447800" cy="857250"/>
+          </a:xfrm>
+          <a:prstGeom prst="rect">
+            <a:avLst/>
+          </a:prstGeom>
+          <a:solidFill>
+            <a:schemeClr val="accent3">
+              <a:lumMod val="20000"/>
+              <a:lumOff val="80000"/>
+            </a:schemeClr>
+          </a:solidFill>
+          <a:ln>
+            <a:solidFill>
+              <a:schemeClr val="accent3">
+                <a:lumMod val="20000"/>
+                <a:lumOff val="80000"/>
+              </a:schemeClr>
+            </a:solidFill>
+          </a:ln>
+        </p:spPr>
+        <p:style>
+          <a:lnRef idx="2">
+            <a:schemeClr val="accent1">
+              <a:shade val="50000"/>
+            </a:schemeClr>
+          </a:lnRef>
+          <a:fillRef idx="1">
+            <a:schemeClr val="accent1"/>
+          </a:fillRef>
+          <a:effectRef idx="0">
+            <a:schemeClr val="accent1"/>
+          </a:effectRef>
+          <a:fontRef idx="minor">
+            <a:schemeClr val="lt1"/>
+          </a:fontRef>
+        </p:style>
+        <p:txBody>
+          <a:bodyPr rtlCol="0" anchor="ctr"/>
+          <a:lstStyle/>
+          <a:p>
+            <a:pPr algn="ctr"/>
+            <a:endParaRPr lang="en-US" b="1">
+              <a:ln w="12700">
+                <a:solidFill>
+                  <a:schemeClr val="tx2">
+                    <a:satMod val="155000"/>
+                  </a:schemeClr>
+                </a:solidFill>
+                <a:prstDash val="solid"/>
+              </a:ln>
+              <a:solidFill>
+                <a:schemeClr val="bg2">
+                  <a:tint val="85000"/>
+                  <a:satMod val="155000"/>
+                </a:schemeClr>
+              </a:solidFill>
+              <a:effectLst>
+                <a:outerShdw blurRad="41275" dist="20320" dir="1800000" algn="tl" rotWithShape="0">
+                  <a:srgbClr val="000000">
+                    <a:alpha val="40000"/>
+                  </a:srgbClr>
+                </a:outerShdw>
+              </a:effectLst>
+            </a:endParaRPr>
+          </a:p>
+        </p:txBody>
+      </p:sp>
+      <p:sp>
+        <p:nvSpPr>
+          <p:cNvPr id="30" name="TextBox 29"/>
+          <p:cNvSpPr txBox="1"/>
+          <p:nvPr/>
+        </p:nvSpPr>
+        <p:spPr>
+          <a:xfrm>
+            <a:off x="6824662" y="1060072"/>
+            <a:ext cx="1314450" cy="523220"/>
+          </a:xfrm>
+          <a:prstGeom prst="rect">
+            <a:avLst/>
+          </a:prstGeom>
+          <a:noFill/>
+        </p:spPr>
+        <p:txBody>
+          <a:bodyPr wrap="square" rtlCol="0">
+            <a:spAutoFit/>
+          </a:bodyPr>
+          <a:lstStyle/>
+          <a:p>
+            <a:pPr algn="ctr"/>
+            <a:r>
+              <a:rPr lang="en-US" sz="1400" dirty="0" err="1" smtClean="0"/>
+              <a:t>Abfallprodukte</a:t>
+            </a:r>
+            <a:r>
+              <a:rPr lang="en-US" sz="1400" dirty="0" smtClean="0"/>
+              <a:t>- </a:t>
+            </a:r>
+            <a:r>
+              <a:rPr lang="en-US" sz="1400" dirty="0" err="1" smtClean="0"/>
+              <a:t>Trennung</a:t>
+            </a:r>
+            <a:endParaRPr lang="en-US" sz="1400" dirty="0"/>
+          </a:p>
+        </p:txBody>
+      </p:sp>
+      <p:sp>
+        <p:nvSpPr>
+          <p:cNvPr id="31" name="Up Arrow 30"/>
+          <p:cNvSpPr/>
+          <p:nvPr/>
+        </p:nvSpPr>
+        <p:spPr>
+          <a:xfrm>
+            <a:off x="7772400" y="1768375"/>
+            <a:ext cx="304800" cy="871056"/>
+          </a:xfrm>
+          <a:prstGeom prst="upArrow">
+            <a:avLst/>
+          </a:prstGeom>
+        </p:spPr>
+        <p:style>
+          <a:lnRef idx="2">
+            <a:schemeClr val="accent1">
+              <a:shade val="50000"/>
+            </a:schemeClr>
+          </a:lnRef>
+          <a:fillRef idx="1">
+            <a:schemeClr val="accent1"/>
+          </a:fillRef>
+          <a:effectRef idx="0">
+            <a:schemeClr val="accent1"/>
+          </a:effectRef>
+          <a:fontRef idx="minor">
+            <a:schemeClr val="lt1"/>
+          </a:fontRef>
+        </p:style>
+        <p:txBody>
+          <a:bodyPr rtlCol="0" anchor="ctr"/>
+          <a:lstStyle/>
+          <a:p>
+            <a:pPr algn="ctr"/>
+            <a:endParaRPr lang="en-US"/>
+          </a:p>
+        </p:txBody>
+      </p:sp>
+      <p:sp>
+        <p:nvSpPr>
+          <p:cNvPr id="32" name="Left Arrow 31"/>
+          <p:cNvSpPr/>
+          <p:nvPr/>
+        </p:nvSpPr>
+        <p:spPr>
+          <a:xfrm>
+            <a:off x="4238624" y="1434699"/>
+            <a:ext cx="2438400" cy="331001"/>
+          </a:xfrm>
+          <a:prstGeom prst="leftArrow">
+            <a:avLst/>
+          </a:prstGeom>
+          <a:solidFill>
+            <a:schemeClr val="accent3">
+              <a:lumMod val="40000"/>
+              <a:lumOff val="60000"/>
+            </a:schemeClr>
+          </a:solidFill>
+          <a:ln>
+            <a:solidFill>
+              <a:schemeClr val="accent3">
+                <a:lumMod val="40000"/>
+                <a:lumOff val="60000"/>
+              </a:schemeClr>
+            </a:solidFill>
+          </a:ln>
+        </p:spPr>
+        <p:style>
+          <a:lnRef idx="2">
+            <a:schemeClr val="accent1">
+              <a:shade val="50000"/>
+            </a:schemeClr>
+          </a:lnRef>
+          <a:fillRef idx="1">
+            <a:schemeClr val="accent1"/>
+          </a:fillRef>
+          <a:effectRef idx="0">
+            <a:schemeClr val="accent1"/>
+          </a:effectRef>
+          <a:fontRef idx="minor">
+            <a:schemeClr val="lt1"/>
+          </a:fontRef>
+        </p:style>
+        <p:txBody>
+          <a:bodyPr rtlCol="0" anchor="ctr"/>
+          <a:lstStyle/>
+          <a:p>
+            <a:pPr algn="ctr"/>
+            <a:endParaRPr lang="en-US"/>
+          </a:p>
+        </p:txBody>
+      </p:sp>
+      <p:sp>
+        <p:nvSpPr>
+          <p:cNvPr id="33" name="TextBox 32"/>
+          <p:cNvSpPr txBox="1"/>
+          <p:nvPr/>
+        </p:nvSpPr>
+        <p:spPr>
+          <a:xfrm>
+            <a:off x="2667000" y="1451413"/>
+            <a:ext cx="990600" cy="523220"/>
+          </a:xfrm>
+          <a:prstGeom prst="rect">
+            <a:avLst/>
+          </a:prstGeom>
+          <a:noFill/>
+        </p:spPr>
+        <p:txBody>
+          <a:bodyPr wrap="square" rtlCol="0">
+            <a:spAutoFit/>
+          </a:bodyPr>
+          <a:lstStyle/>
+          <a:p>
+            <a:r>
+              <a:rPr lang="en-US" sz="1400" dirty="0" smtClean="0"/>
+              <a:t>U233</a:t>
+            </a:r>
+          </a:p>
+          <a:p>
+            <a:endParaRPr lang="en-US" sz="1400" dirty="0"/>
+          </a:p>
+        </p:txBody>
+      </p:sp>
+      <p:sp>
+        <p:nvSpPr>
+          <p:cNvPr id="34" name="TextBox 33"/>
+          <p:cNvSpPr txBox="1"/>
+          <p:nvPr/>
+        </p:nvSpPr>
+        <p:spPr>
+          <a:xfrm>
+            <a:off x="4914900" y="1434110"/>
+            <a:ext cx="723900" cy="307777"/>
+          </a:xfrm>
+          <a:prstGeom prst="rect">
+            <a:avLst/>
+          </a:prstGeom>
+          <a:noFill/>
+        </p:spPr>
+        <p:txBody>
+          <a:bodyPr wrap="square" rtlCol="0">
+            <a:spAutoFit/>
+          </a:bodyPr>
+          <a:lstStyle/>
+          <a:p>
+            <a:r>
+              <a:rPr lang="en-US" sz="1400" dirty="0" smtClean="0"/>
+              <a:t>U233</a:t>
+            </a:r>
+            <a:endParaRPr lang="en-US" sz="1400" dirty="0"/>
+          </a:p>
+        </p:txBody>
+      </p:sp>
+      <p:sp>
+        <p:nvSpPr>
+          <p:cNvPr id="35" name="Left Arrow 34"/>
+          <p:cNvSpPr/>
+          <p:nvPr/>
+        </p:nvSpPr>
+        <p:spPr>
+          <a:xfrm>
+            <a:off x="4724400" y="762000"/>
+            <a:ext cx="1971674" cy="457200"/>
+          </a:xfrm>
+          <a:prstGeom prst="leftArrow">
+            <a:avLst/>
+          </a:prstGeom>
+          <a:solidFill>
+            <a:srgbClr val="FFC000"/>
+          </a:solidFill>
+          <a:ln>
+            <a:solidFill>
+              <a:schemeClr val="accent6">
+                <a:lumMod val="50000"/>
+              </a:schemeClr>
+            </a:solidFill>
+          </a:ln>
+        </p:spPr>
+        <p:style>
+          <a:lnRef idx="2">
+            <a:schemeClr val="accent1">
+              <a:shade val="50000"/>
+            </a:schemeClr>
+          </a:lnRef>
+          <a:fillRef idx="1">
+            <a:schemeClr val="accent1"/>
+          </a:fillRef>
+          <a:effectRef idx="0">
+            <a:schemeClr val="accent1"/>
+          </a:effectRef>
+          <a:fontRef idx="minor">
+            <a:schemeClr val="lt1"/>
+          </a:fontRef>
+        </p:style>
+        <p:txBody>
+          <a:bodyPr rtlCol="0" anchor="ctr"/>
+          <a:lstStyle/>
+          <a:p>
+            <a:pPr algn="ctr"/>
+            <a:endParaRPr lang="en-US"/>
+          </a:p>
+        </p:txBody>
+      </p:sp>
+      <p:sp>
+        <p:nvSpPr>
+          <p:cNvPr id="36" name="TextBox 35"/>
+          <p:cNvSpPr txBox="1"/>
+          <p:nvPr/>
+        </p:nvSpPr>
+        <p:spPr>
+          <a:xfrm>
+            <a:off x="4843462" y="840343"/>
+            <a:ext cx="1981200" cy="307777"/>
+          </a:xfrm>
+          <a:prstGeom prst="rect">
+            <a:avLst/>
+          </a:prstGeom>
+          <a:noFill/>
+        </p:spPr>
+        <p:txBody>
+          <a:bodyPr wrap="square" rtlCol="0">
+            <a:spAutoFit/>
+          </a:bodyPr>
+          <a:lstStyle/>
+          <a:p>
+            <a:pPr algn="ctr"/>
+            <a:r>
+              <a:rPr lang="de-DE" sz="1400" dirty="0" smtClean="0"/>
+              <a:t>Abfall(Xe, Kr, He, Etc.)</a:t>
+            </a:r>
+            <a:endParaRPr lang="en-US" sz="1400" dirty="0"/>
+          </a:p>
+        </p:txBody>
+      </p:sp>
+    </p:spTree>
+    <p:extLst>
+      <p:ext uri="{BB962C8B-B14F-4D97-AF65-F5344CB8AC3E}">
+        <p14:creationId xmlns:p14="http://schemas.microsoft.com/office/powerpoint/2010/main" val="1897662768"/>
+      </p:ext>
+    </p:extLst>
+  </p:cSld>
+  <p:clrMapOvr>
+    <a:masterClrMapping/>
+  </p:clrMapOvr>
+  <p:timing>
+    <p:tnLst>
+      <p:par>
+        <p:cTn id="1" dur="indefinite" restart="never" nodeType="tmRoot"/>
+      </p:par>
+    </p:tnLst>
+  </p:timing>
+</p:sld>
+</file>
+
 <file path=ppt/slides/slide2.xml><?xml version="1.0" encoding="utf-8"?>
 <p:sld xmlns:a="http://schemas.openxmlformats.org/drawingml/2006/main" xmlns:r="http://schemas.openxmlformats.org/officeDocument/2006/relationships" xmlns:p="http://schemas.openxmlformats.org/presentationml/2006/main">
   <p:cSld>
@@ -5635,6 +7096,440 @@
     <p:extLst>
       <p:ext uri="{BB962C8B-B14F-4D97-AF65-F5344CB8AC3E}">
         <p14:creationId xmlns:p14="http://schemas.microsoft.com/office/powerpoint/2010/main" val="3601328185"/>
+      </p:ext>
+    </p:extLst>
+  </p:cSld>
+  <p:clrMapOvr>
+    <a:masterClrMapping/>
+  </p:clrMapOvr>
+  <p:timing>
+    <p:tnLst>
+      <p:par>
+        <p:cTn id="1" dur="indefinite" restart="never" nodeType="tmRoot"/>
+      </p:par>
+    </p:tnLst>
+  </p:timing>
+</p:sld>
+</file>
+
+<file path=ppt/slides/slide20.xml><?xml version="1.0" encoding="utf-8"?>
+<p:sld xmlns:a="http://schemas.openxmlformats.org/drawingml/2006/main" xmlns:r="http://schemas.openxmlformats.org/officeDocument/2006/relationships" xmlns:p="http://schemas.openxmlformats.org/presentationml/2006/main">
+  <p:cSld>
+    <p:spTree>
+      <p:nvGrpSpPr>
+        <p:cNvPr id="1" name=""/>
+        <p:cNvGrpSpPr/>
+        <p:nvPr/>
+      </p:nvGrpSpPr>
+      <p:grpSpPr>
+        <a:xfrm>
+          <a:off x="0" y="0"/>
+          <a:ext cx="0" cy="0"/>
+          <a:chOff x="0" y="0"/>
+          <a:chExt cx="0" cy="0"/>
+        </a:xfrm>
+      </p:grpSpPr>
+      <p:sp>
+        <p:nvSpPr>
+          <p:cNvPr id="2" name="Title 1"/>
+          <p:cNvSpPr>
+            <a:spLocks noGrp="1"/>
+          </p:cNvSpPr>
+          <p:nvPr>
+            <p:ph type="title"/>
+          </p:nvPr>
+        </p:nvSpPr>
+        <p:spPr/>
+        <p:txBody>
+          <a:bodyPr>
+            <a:normAutofit fontScale="90000"/>
+          </a:bodyPr>
+          <a:lstStyle/>
+          <a:p>
+            <a:r>
+              <a:rPr lang="en-US" dirty="0" smtClean="0"/>
+              <a:t>Was </a:t>
+            </a:r>
+            <a:r>
+              <a:rPr lang="en-US" dirty="0" err="1" smtClean="0"/>
+              <a:t>fuer</a:t>
+            </a:r>
+            <a:r>
+              <a:rPr lang="en-US" dirty="0" smtClean="0"/>
+              <a:t> </a:t>
+            </a:r>
+            <a:r>
+              <a:rPr lang="en-US" dirty="0" err="1" smtClean="0"/>
+              <a:t>andere</a:t>
+            </a:r>
+            <a:r>
+              <a:rPr lang="en-US" dirty="0" smtClean="0"/>
+              <a:t> </a:t>
+            </a:r>
+            <a:r>
+              <a:rPr lang="en-US" dirty="0" err="1" smtClean="0"/>
+              <a:t>Gruende</a:t>
+            </a:r>
+            <a:r>
+              <a:rPr lang="en-US" dirty="0" smtClean="0"/>
+              <a:t> </a:t>
+            </a:r>
+            <a:r>
+              <a:rPr lang="en-US" dirty="0" err="1" smtClean="0"/>
+              <a:t>gibt</a:t>
+            </a:r>
+            <a:r>
+              <a:rPr lang="en-US" dirty="0" smtClean="0"/>
+              <a:t> </a:t>
+            </a:r>
+            <a:r>
+              <a:rPr lang="en-US" dirty="0" err="1" smtClean="0"/>
+              <a:t>es</a:t>
+            </a:r>
+            <a:r>
+              <a:rPr lang="en-US" dirty="0" smtClean="0"/>
+              <a:t> </a:t>
+            </a:r>
+            <a:r>
+              <a:rPr lang="en-US" dirty="0" err="1" smtClean="0"/>
+              <a:t>Kernkraftwerke</a:t>
+            </a:r>
+            <a:r>
+              <a:rPr lang="en-US" dirty="0" smtClean="0"/>
+              <a:t> </a:t>
+            </a:r>
+            <a:r>
+              <a:rPr lang="en-US" dirty="0" err="1" smtClean="0"/>
+              <a:t>zu</a:t>
+            </a:r>
+            <a:r>
+              <a:rPr lang="en-US" dirty="0" smtClean="0"/>
+              <a:t> </a:t>
+            </a:r>
+            <a:r>
+              <a:rPr lang="en-US" dirty="0" err="1" smtClean="0"/>
+              <a:t>bauen</a:t>
+            </a:r>
+            <a:r>
+              <a:rPr lang="en-US" dirty="0" smtClean="0"/>
+              <a:t>?</a:t>
+            </a:r>
+            <a:endParaRPr lang="en-US" dirty="0"/>
+          </a:p>
+        </p:txBody>
+      </p:sp>
+      <p:sp>
+        <p:nvSpPr>
+          <p:cNvPr id="3" name="Content Placeholder 2"/>
+          <p:cNvSpPr>
+            <a:spLocks noGrp="1"/>
+          </p:cNvSpPr>
+          <p:nvPr>
+            <p:ph idx="1"/>
+          </p:nvPr>
+        </p:nvSpPr>
+        <p:spPr/>
+        <p:txBody>
+          <a:bodyPr/>
+          <a:lstStyle/>
+          <a:p>
+            <a:r>
+              <a:rPr lang="en-US" dirty="0" err="1" smtClean="0"/>
+              <a:t>Kolonization</a:t>
+            </a:r>
+            <a:r>
+              <a:rPr lang="en-US" dirty="0" smtClean="0"/>
+              <a:t>- auf den Mars </a:t>
+            </a:r>
+            <a:r>
+              <a:rPr lang="en-US" dirty="0" err="1" smtClean="0"/>
+              <a:t>sind</a:t>
+            </a:r>
+            <a:r>
+              <a:rPr lang="en-US" dirty="0" smtClean="0"/>
+              <a:t> </a:t>
+            </a:r>
+            <a:r>
+              <a:rPr lang="en-US" dirty="0" err="1"/>
+              <a:t>S</a:t>
+            </a:r>
+            <a:r>
+              <a:rPr lang="en-US" dirty="0" err="1" smtClean="0"/>
+              <a:t>olarzellen</a:t>
+            </a:r>
+            <a:r>
+              <a:rPr lang="en-US" dirty="0" smtClean="0"/>
+              <a:t> </a:t>
+            </a:r>
+            <a:r>
+              <a:rPr lang="en-US" dirty="0" err="1" smtClean="0"/>
+              <a:t>nur</a:t>
+            </a:r>
+            <a:r>
+              <a:rPr lang="en-US" dirty="0" smtClean="0"/>
+              <a:t> </a:t>
+            </a:r>
+            <a:r>
+              <a:rPr lang="en-US" dirty="0" err="1" smtClean="0"/>
+              <a:t>halb</a:t>
+            </a:r>
+            <a:r>
+              <a:rPr lang="en-US" dirty="0" smtClean="0"/>
+              <a:t> so </a:t>
+            </a:r>
+            <a:r>
+              <a:rPr lang="en-US" dirty="0" err="1" smtClean="0"/>
+              <a:t>effektiv</a:t>
+            </a:r>
+            <a:r>
+              <a:rPr lang="en-US" dirty="0" smtClean="0"/>
+              <a:t>, </a:t>
+            </a:r>
+            <a:r>
+              <a:rPr lang="en-US" dirty="0" err="1" smtClean="0"/>
+              <a:t>Batterien</a:t>
+            </a:r>
+            <a:r>
+              <a:rPr lang="en-US" dirty="0" smtClean="0"/>
+              <a:t> </a:t>
+            </a:r>
+            <a:r>
+              <a:rPr lang="en-US" dirty="0" err="1" smtClean="0"/>
+              <a:t>sind</a:t>
+            </a:r>
+            <a:r>
+              <a:rPr lang="en-US" dirty="0" smtClean="0"/>
+              <a:t> </a:t>
+            </a:r>
+            <a:r>
+              <a:rPr lang="en-US" dirty="0" err="1" smtClean="0"/>
+              <a:t>zu</a:t>
+            </a:r>
+            <a:r>
+              <a:rPr lang="en-US" dirty="0" smtClean="0"/>
+              <a:t> </a:t>
+            </a:r>
+            <a:r>
+              <a:rPr lang="en-US" dirty="0" err="1" smtClean="0"/>
+              <a:t>schwer</a:t>
+            </a:r>
+            <a:endParaRPr lang="en-US" dirty="0" smtClean="0"/>
+          </a:p>
+          <a:p>
+            <a:r>
+              <a:rPr lang="en-US" dirty="0" err="1" smtClean="0"/>
+              <a:t>Sehr</a:t>
+            </a:r>
+            <a:r>
+              <a:rPr lang="en-US" dirty="0" smtClean="0"/>
+              <a:t> </a:t>
+            </a:r>
+            <a:r>
+              <a:rPr lang="en-US" dirty="0" err="1" smtClean="0"/>
+              <a:t>Kosten</a:t>
+            </a:r>
+            <a:r>
+              <a:rPr lang="en-US" dirty="0" smtClean="0"/>
+              <a:t> </a:t>
+            </a:r>
+            <a:r>
+              <a:rPr lang="en-US" dirty="0" err="1" smtClean="0"/>
+              <a:t>effektiv</a:t>
+            </a:r>
+            <a:endParaRPr lang="en-US" dirty="0" smtClean="0"/>
+          </a:p>
+          <a:p>
+            <a:r>
+              <a:rPr lang="en-US" dirty="0" err="1" smtClean="0"/>
+              <a:t>Besser</a:t>
+            </a:r>
+            <a:r>
+              <a:rPr lang="en-US" dirty="0" smtClean="0"/>
+              <a:t> </a:t>
+            </a:r>
+            <a:r>
+              <a:rPr lang="en-US" dirty="0" err="1" smtClean="0"/>
+              <a:t>fuer</a:t>
+            </a:r>
+            <a:r>
+              <a:rPr lang="en-US" dirty="0" smtClean="0"/>
+              <a:t> die Umwelt</a:t>
+            </a:r>
+          </a:p>
+          <a:p>
+            <a:pPr lvl="1"/>
+            <a:r>
+              <a:rPr lang="en-US" dirty="0" err="1" smtClean="0"/>
+              <a:t>Auch</a:t>
+            </a:r>
+            <a:r>
+              <a:rPr lang="en-US" dirty="0" smtClean="0"/>
+              <a:t> </a:t>
+            </a:r>
+            <a:r>
+              <a:rPr lang="en-US" dirty="0" err="1" smtClean="0"/>
+              <a:t>wenn</a:t>
+            </a:r>
+            <a:r>
+              <a:rPr lang="en-US" dirty="0" smtClean="0"/>
+              <a:t> </a:t>
+            </a:r>
+            <a:r>
+              <a:rPr lang="en-US" dirty="0" err="1" smtClean="0"/>
+              <a:t>es</a:t>
+            </a:r>
+            <a:r>
+              <a:rPr lang="en-US" dirty="0" smtClean="0"/>
+              <a:t> </a:t>
+            </a:r>
+            <a:r>
+              <a:rPr lang="en-US" dirty="0" err="1" smtClean="0"/>
+              <a:t>Abfall</a:t>
+            </a:r>
+            <a:r>
+              <a:rPr lang="en-US" dirty="0" smtClean="0"/>
+              <a:t> </a:t>
+            </a:r>
+            <a:r>
+              <a:rPr lang="en-US" dirty="0" err="1" smtClean="0"/>
+              <a:t>gibts</a:t>
+            </a:r>
+            <a:r>
+              <a:rPr lang="en-US" dirty="0"/>
+              <a:t> </a:t>
+            </a:r>
+            <a:r>
+              <a:rPr lang="en-US" dirty="0" smtClean="0"/>
+              <a:t>               “The solution to pollution is </a:t>
+            </a:r>
+            <a:r>
+              <a:rPr lang="en-US" dirty="0" err="1" smtClean="0"/>
+              <a:t>dillution</a:t>
+            </a:r>
+            <a:r>
+              <a:rPr lang="en-US" dirty="0" smtClean="0"/>
+              <a:t>”</a:t>
+            </a:r>
+          </a:p>
+          <a:p>
+            <a:r>
+              <a:rPr lang="en-US" dirty="0" err="1"/>
+              <a:t>m</a:t>
+            </a:r>
+            <a:r>
+              <a:rPr lang="en-US" dirty="0" err="1" smtClean="0"/>
+              <a:t>edizinische</a:t>
+            </a:r>
+            <a:r>
+              <a:rPr lang="en-US" dirty="0" smtClean="0"/>
+              <a:t> </a:t>
+            </a:r>
+            <a:r>
+              <a:rPr lang="en-US" dirty="0" err="1" smtClean="0"/>
+              <a:t>Produkte</a:t>
+            </a:r>
+            <a:r>
+              <a:rPr lang="en-US" dirty="0" smtClean="0"/>
+              <a:t> und Pu238(RTGs)</a:t>
+            </a:r>
+          </a:p>
+          <a:p>
+            <a:r>
+              <a:rPr lang="en-US" dirty="0" err="1" smtClean="0"/>
+              <a:t>es</a:t>
+            </a:r>
+            <a:r>
+              <a:rPr lang="en-US" dirty="0" smtClean="0"/>
+              <a:t> </a:t>
+            </a:r>
+            <a:r>
+              <a:rPr lang="en-US" dirty="0" err="1" smtClean="0"/>
+              <a:t>ist</a:t>
+            </a:r>
+            <a:r>
+              <a:rPr lang="en-US" dirty="0" smtClean="0"/>
+              <a:t> </a:t>
+            </a:r>
+            <a:r>
+              <a:rPr lang="en-US" dirty="0" err="1" smtClean="0"/>
+              <a:t>sowieso</a:t>
+            </a:r>
+            <a:r>
+              <a:rPr lang="en-US" dirty="0" smtClean="0"/>
+              <a:t> in </a:t>
+            </a:r>
+            <a:r>
+              <a:rPr lang="en-US" dirty="0" err="1" smtClean="0"/>
+              <a:t>unsere</a:t>
+            </a:r>
+            <a:r>
+              <a:rPr lang="en-US" dirty="0" smtClean="0"/>
+              <a:t> </a:t>
+            </a:r>
+            <a:r>
+              <a:rPr lang="en-US" dirty="0" err="1" smtClean="0"/>
+              <a:t>Zukunft</a:t>
+            </a:r>
+            <a:r>
+              <a:rPr lang="en-US" dirty="0" smtClean="0"/>
+              <a:t>(</a:t>
+            </a:r>
+            <a:r>
+              <a:rPr lang="en-US" dirty="0" err="1" smtClean="0"/>
+              <a:t>dyson</a:t>
+            </a:r>
+            <a:r>
+              <a:rPr lang="en-US" dirty="0" smtClean="0"/>
+              <a:t> swarm)</a:t>
+            </a:r>
+            <a:endParaRPr lang="en-US" dirty="0"/>
+          </a:p>
+        </p:txBody>
+      </p:sp>
+      <p:sp>
+        <p:nvSpPr>
+          <p:cNvPr id="4" name="Right Arrow 3"/>
+          <p:cNvSpPr/>
+          <p:nvPr/>
+        </p:nvSpPr>
+        <p:spPr>
+          <a:xfrm>
+            <a:off x="5181600" y="3872484"/>
+            <a:ext cx="978408" cy="484632"/>
+          </a:xfrm>
+          <a:prstGeom prst="rightArrow">
+            <a:avLst/>
+          </a:prstGeom>
+        </p:spPr>
+        <p:style>
+          <a:lnRef idx="2">
+            <a:schemeClr val="accent1">
+              <a:shade val="50000"/>
+            </a:schemeClr>
+          </a:lnRef>
+          <a:fillRef idx="1">
+            <a:schemeClr val="accent1"/>
+          </a:fillRef>
+          <a:effectRef idx="0">
+            <a:schemeClr val="accent1"/>
+          </a:effectRef>
+          <a:fontRef idx="minor">
+            <a:schemeClr val="lt1"/>
+          </a:fontRef>
+        </p:style>
+        <p:txBody>
+          <a:bodyPr rtlCol="0" anchor="ctr"/>
+          <a:lstStyle/>
+          <a:p>
+            <a:pPr algn="ctr"/>
+            <a:endParaRPr lang="en-US"/>
+          </a:p>
+        </p:txBody>
+      </p:sp>
+    </p:spTree>
+    <p:extLst>
+      <p:ext uri="{BB962C8B-B14F-4D97-AF65-F5344CB8AC3E}">
+        <p14:creationId xmlns:p14="http://schemas.microsoft.com/office/powerpoint/2010/main" val="3845806171"/>
       </p:ext>
     </p:extLst>
   </p:cSld>
@@ -5753,6 +7648,206 @@
 </file>
 
 <file path=ppt/slides/slide4.xml><?xml version="1.0" encoding="utf-8"?>
+<p:sld xmlns:a="http://schemas.openxmlformats.org/drawingml/2006/main" xmlns:r="http://schemas.openxmlformats.org/officeDocument/2006/relationships" xmlns:p="http://schemas.openxmlformats.org/presentationml/2006/main">
+  <p:cSld>
+    <p:spTree>
+      <p:nvGrpSpPr>
+        <p:cNvPr id="1" name=""/>
+        <p:cNvGrpSpPr/>
+        <p:nvPr/>
+      </p:nvGrpSpPr>
+      <p:grpSpPr>
+        <a:xfrm>
+          <a:off x="0" y="0"/>
+          <a:ext cx="0" cy="0"/>
+          <a:chOff x="0" y="0"/>
+          <a:chExt cx="0" cy="0"/>
+        </a:xfrm>
+      </p:grpSpPr>
+      <p:sp>
+        <p:nvSpPr>
+          <p:cNvPr id="2" name="Title 1"/>
+          <p:cNvSpPr>
+            <a:spLocks noGrp="1"/>
+          </p:cNvSpPr>
+          <p:nvPr>
+            <p:ph type="title"/>
+          </p:nvPr>
+        </p:nvSpPr>
+        <p:spPr/>
+        <p:txBody>
+          <a:bodyPr>
+            <a:normAutofit/>
+          </a:bodyPr>
+          <a:lstStyle/>
+          <a:p>
+            <a:r>
+              <a:rPr lang="en-US" sz="3200" dirty="0" smtClean="0"/>
+              <a:t>Kern</a:t>
+            </a:r>
+            <a:endParaRPr lang="en-US" sz="3200" dirty="0"/>
+          </a:p>
+        </p:txBody>
+      </p:sp>
+      <p:sp>
+        <p:nvSpPr>
+          <p:cNvPr id="3" name="Content Placeholder 2"/>
+          <p:cNvSpPr>
+            <a:spLocks noGrp="1"/>
+          </p:cNvSpPr>
+          <p:nvPr>
+            <p:ph idx="1"/>
+          </p:nvPr>
+        </p:nvSpPr>
+        <p:spPr>
+          <a:xfrm>
+            <a:off x="457200" y="1447800"/>
+            <a:ext cx="8229600" cy="4525963"/>
+          </a:xfrm>
+        </p:spPr>
+        <p:txBody>
+          <a:bodyPr/>
+          <a:lstStyle/>
+          <a:p>
+            <a:r>
+              <a:rPr lang="en-US" sz="2000" dirty="0" smtClean="0"/>
+              <a:t>Man muss </a:t>
+            </a:r>
+            <a:r>
+              <a:rPr lang="en-US" sz="2000" dirty="0" err="1" smtClean="0"/>
+              <a:t>eine</a:t>
+            </a:r>
+            <a:r>
+              <a:rPr lang="en-US" sz="2000" dirty="0" smtClean="0"/>
+              <a:t> </a:t>
+            </a:r>
+            <a:r>
+              <a:rPr lang="en-US" sz="2000" dirty="0" err="1" smtClean="0"/>
+              <a:t>Kettenreaktion</a:t>
+            </a:r>
+            <a:r>
+              <a:rPr lang="en-US" sz="2000" dirty="0" smtClean="0"/>
+              <a:t> </a:t>
+            </a:r>
+            <a:r>
+              <a:rPr lang="en-US" sz="2000" dirty="0" err="1" smtClean="0"/>
+              <a:t>ausloesen</a:t>
+            </a:r>
+            <a:endParaRPr lang="en-US" sz="2000" dirty="0" smtClean="0"/>
+          </a:p>
+          <a:p>
+            <a:pPr lvl="1"/>
+            <a:r>
+              <a:rPr lang="en-US" sz="2000" dirty="0" err="1"/>
+              <a:t>b</a:t>
+            </a:r>
+            <a:r>
+              <a:rPr lang="en-US" sz="2000" dirty="0" err="1" smtClean="0"/>
+              <a:t>edeutet</a:t>
+            </a:r>
+            <a:r>
+              <a:rPr lang="en-US" sz="2000" dirty="0" smtClean="0"/>
+              <a:t> </a:t>
+            </a:r>
+            <a:r>
+              <a:rPr lang="en-US" sz="2000" dirty="0" err="1" smtClean="0"/>
+              <a:t>mindestens</a:t>
+            </a:r>
+            <a:r>
+              <a:rPr lang="en-US" sz="2000" dirty="0" smtClean="0"/>
+              <a:t> </a:t>
+            </a:r>
+            <a:r>
+              <a:rPr lang="en-US" sz="2000" dirty="0" err="1" smtClean="0"/>
+              <a:t>mehr</a:t>
+            </a:r>
+            <a:r>
+              <a:rPr lang="en-US" sz="2000" dirty="0" smtClean="0"/>
+              <a:t> </a:t>
+            </a:r>
+            <a:r>
+              <a:rPr lang="en-US" sz="2000" dirty="0" err="1" smtClean="0"/>
+              <a:t>als</a:t>
+            </a:r>
+            <a:r>
+              <a:rPr lang="en-US" sz="2000" dirty="0" smtClean="0"/>
+              <a:t> 1 </a:t>
+            </a:r>
+            <a:r>
+              <a:rPr lang="en-US" sz="2000" dirty="0" err="1" smtClean="0"/>
+              <a:t>Neutronen</a:t>
+            </a:r>
+            <a:r>
+              <a:rPr lang="en-US" sz="2000" dirty="0" smtClean="0"/>
+              <a:t> pro </a:t>
+            </a:r>
+            <a:r>
+              <a:rPr lang="en-US" sz="2000" dirty="0" err="1" smtClean="0"/>
+              <a:t>Spaltung</a:t>
+            </a:r>
+            <a:endParaRPr lang="en-US" sz="2000" dirty="0" smtClean="0"/>
+          </a:p>
+          <a:p>
+            <a:pPr lvl="1"/>
+            <a:endParaRPr lang="en-US" dirty="0"/>
+          </a:p>
+        </p:txBody>
+      </p:sp>
+      <p:pic>
+        <p:nvPicPr>
+          <p:cNvPr id="1026" name="Picture 2" descr="Image result for nuclear chain reaction"/>
+          <p:cNvPicPr>
+            <a:picLocks noChangeAspect="1" noChangeArrowheads="1"/>
+          </p:cNvPicPr>
+          <p:nvPr/>
+        </p:nvPicPr>
+        <p:blipFill>
+          <a:blip r:embed="rId2" cstate="print">
+            <a:extLst>
+              <a:ext uri="{28A0092B-C50C-407E-A947-70E740481C1C}">
+                <a14:useLocalDpi xmlns:a14="http://schemas.microsoft.com/office/drawing/2010/main" val="0"/>
+              </a:ext>
+            </a:extLst>
+          </a:blip>
+          <a:srcRect/>
+          <a:stretch>
+            <a:fillRect/>
+          </a:stretch>
+        </p:blipFill>
+        <p:spPr bwMode="auto">
+          <a:xfrm>
+            <a:off x="533400" y="2286000"/>
+            <a:ext cx="3193502" cy="4000500"/>
+          </a:xfrm>
+          <a:prstGeom prst="rect">
+            <a:avLst/>
+          </a:prstGeom>
+          <a:noFill/>
+          <a:extLst>
+            <a:ext uri="{909E8E84-426E-40DD-AFC4-6F175D3DCCD1}">
+              <a14:hiddenFill xmlns:a14="http://schemas.microsoft.com/office/drawing/2010/main">
+                <a:solidFill>
+                  <a:srgbClr val="FFFFFF"/>
+                </a:solidFill>
+              </a14:hiddenFill>
+            </a:ext>
+          </a:extLst>
+        </p:spPr>
+      </p:pic>
+    </p:spTree>
+    <p:extLst>
+      <p:ext uri="{BB962C8B-B14F-4D97-AF65-F5344CB8AC3E}">
+        <p14:creationId xmlns:p14="http://schemas.microsoft.com/office/powerpoint/2010/main" val="4071473041"/>
+      </p:ext>
+    </p:extLst>
+  </p:cSld>
+  <p:clrMapOvr>
+    <a:masterClrMapping/>
+  </p:clrMapOvr>
+</p:sld>
+</file>
+
+<file path=ppt/slides/slide5.xml><?xml version="1.0" encoding="utf-8"?>
 <p:sld xmlns:a="http://schemas.openxmlformats.org/drawingml/2006/main" xmlns:r="http://schemas.openxmlformats.org/officeDocument/2006/relationships" xmlns:p="http://schemas.openxmlformats.org/presentationml/2006/main">
   <p:cSld>
     <p:spTree>
@@ -6098,7 +8193,7 @@
 </p:sld>
 </file>
 
-<file path=ppt/slides/slide5.xml><?xml version="1.0" encoding="utf-8"?>
+<file path=ppt/slides/slide6.xml><?xml version="1.0" encoding="utf-8"?>
 <p:sld xmlns:a="http://schemas.openxmlformats.org/drawingml/2006/main" xmlns:r="http://schemas.openxmlformats.org/officeDocument/2006/relationships" xmlns:p="http://schemas.openxmlformats.org/presentationml/2006/main">
   <p:cSld>
     <p:spTree>
@@ -6408,7 +8503,7 @@
 </p:sld>
 </file>
 
-<file path=ppt/slides/slide6.xml><?xml version="1.0" encoding="utf-8"?>
+<file path=ppt/slides/slide7.xml><?xml version="1.0" encoding="utf-8"?>
 <p:sld xmlns:a="http://schemas.openxmlformats.org/drawingml/2006/main" xmlns:r="http://schemas.openxmlformats.org/officeDocument/2006/relationships" xmlns:p="http://schemas.openxmlformats.org/presentationml/2006/main">
   <p:cSld>
     <p:spTree>
@@ -6513,7 +8608,7 @@
 </p:sld>
 </file>
 
-<file path=ppt/slides/slide7.xml><?xml version="1.0" encoding="utf-8"?>
+<file path=ppt/slides/slide8.xml><?xml version="1.0" encoding="utf-8"?>
 <p:sld xmlns:a="http://schemas.openxmlformats.org/drawingml/2006/main" xmlns:r="http://schemas.openxmlformats.org/officeDocument/2006/relationships" xmlns:p="http://schemas.openxmlformats.org/presentationml/2006/main">
   <p:cSld>
     <p:spTree>
@@ -6569,220 +8664,6 @@
   <p:clrMapOvr>
     <a:masterClrMapping/>
   </p:clrMapOvr>
-</p:sld>
-</file>
-
-<file path=ppt/slides/slide8.xml><?xml version="1.0" encoding="utf-8"?>
-<p:sld xmlns:a="http://schemas.openxmlformats.org/drawingml/2006/main" xmlns:r="http://schemas.openxmlformats.org/officeDocument/2006/relationships" xmlns:p="http://schemas.openxmlformats.org/presentationml/2006/main">
-  <p:cSld>
-    <p:spTree>
-      <p:nvGrpSpPr>
-        <p:cNvPr id="1" name=""/>
-        <p:cNvGrpSpPr/>
-        <p:nvPr/>
-      </p:nvGrpSpPr>
-      <p:grpSpPr>
-        <a:xfrm>
-          <a:off x="0" y="0"/>
-          <a:ext cx="0" cy="0"/>
-          <a:chOff x="0" y="0"/>
-          <a:chExt cx="0" cy="0"/>
-        </a:xfrm>
-      </p:grpSpPr>
-      <p:sp>
-        <p:nvSpPr>
-          <p:cNvPr id="2" name="Title 1"/>
-          <p:cNvSpPr>
-            <a:spLocks noGrp="1"/>
-          </p:cNvSpPr>
-          <p:nvPr>
-            <p:ph type="title"/>
-          </p:nvPr>
-        </p:nvSpPr>
-        <p:spPr/>
-        <p:txBody>
-          <a:bodyPr>
-            <a:normAutofit fontScale="90000"/>
-          </a:bodyPr>
-          <a:lstStyle/>
-          <a:p>
-            <a:r>
-              <a:rPr lang="de-DE" dirty="0" smtClean="0"/>
-              <a:t>Unterschied zwischen Uran und Thorium Kraftwerke</a:t>
-            </a:r>
-            <a:endParaRPr lang="en-US" dirty="0"/>
-          </a:p>
-        </p:txBody>
-      </p:sp>
-      <p:sp>
-        <p:nvSpPr>
-          <p:cNvPr id="3" name="Content Placeholder 2"/>
-          <p:cNvSpPr>
-            <a:spLocks noGrp="1"/>
-          </p:cNvSpPr>
-          <p:nvPr>
-            <p:ph idx="1"/>
-          </p:nvPr>
-        </p:nvSpPr>
-        <p:spPr/>
-        <p:txBody>
-          <a:bodyPr>
-            <a:normAutofit lnSpcReduction="10000"/>
-          </a:bodyPr>
-          <a:lstStyle/>
-          <a:p>
-            <a:r>
-              <a:rPr lang="de-DE" dirty="0" smtClean="0"/>
-              <a:t>Verschiedene Zyklen</a:t>
-            </a:r>
-          </a:p>
-          <a:p>
-            <a:r>
-              <a:rPr lang="de-DE" dirty="0" smtClean="0"/>
-              <a:t>Thorium tretet dreimal so oft auf wie Uran</a:t>
-            </a:r>
-          </a:p>
-          <a:p>
-            <a:r>
-              <a:rPr lang="en-US" dirty="0" smtClean="0"/>
-              <a:t>197.9 MeV</a:t>
-            </a:r>
-            <a:endParaRPr lang="en-US" dirty="0"/>
-          </a:p>
-          <a:p>
-            <a:r>
-              <a:rPr lang="en-US" dirty="0" smtClean="0"/>
-              <a:t>Either burn 235 in thermal or 238 bred in fast</a:t>
-            </a:r>
-          </a:p>
-          <a:p>
-            <a:r>
-              <a:rPr lang="en-US" dirty="0" smtClean="0"/>
-              <a:t>By surrounding the reactor core with a moderator and then a layer (blanket) of </a:t>
-            </a:r>
-            <a:r>
-              <a:rPr lang="en-US" baseline="30000" dirty="0" smtClean="0">
-                <a:effectLst/>
-              </a:rPr>
-              <a:t>238</a:t>
-            </a:r>
-            <a:r>
-              <a:rPr lang="en-US" dirty="0" smtClean="0">
-                <a:effectLst/>
-              </a:rPr>
-              <a:t/>
-            </a:r>
-            <a:br>
-              <a:rPr lang="en-US" dirty="0" smtClean="0">
-                <a:effectLst/>
-              </a:rPr>
-            </a:br>
-            <a:r>
-              <a:rPr lang="en-US" dirty="0" smtClean="0"/>
-              <a:t>U, those neutrons can be captured and used to breed more </a:t>
-            </a:r>
-            <a:r>
-              <a:rPr lang="en-US" baseline="30000" dirty="0" smtClean="0">
-                <a:effectLst/>
-              </a:rPr>
-              <a:t>239</a:t>
-            </a:r>
-            <a:r>
-              <a:rPr lang="en-US" dirty="0" smtClean="0"/>
-              <a:t>Pu. Don’t exist because of proliferation concerns</a:t>
-            </a:r>
-          </a:p>
-          <a:p>
-            <a:endParaRPr lang="en-US" dirty="0"/>
-          </a:p>
-        </p:txBody>
-      </p:sp>
-      <p:sp>
-        <p:nvSpPr>
-          <p:cNvPr id="5" name="AutoShape 2" descr="{\displaystyle {\ce {{\overset {neutron}{n}}+{^{232}_{90}Th}-&gt;{^{233}_{90}Th}-&gt;[\beta ^{-}]{^{233}_{91}Pa}-&gt;[\beta ^{-}]{\overset {fuel}{^{233}_{92}U}}}}}"/>
-          <p:cNvSpPr>
-            <a:spLocks noChangeAspect="1" noChangeArrowheads="1"/>
-          </p:cNvSpPr>
-          <p:nvPr/>
-        </p:nvSpPr>
-        <p:spPr bwMode="auto">
-          <a:xfrm>
-            <a:off x="155575" y="-144463"/>
-            <a:ext cx="304800" cy="304801"/>
-          </a:xfrm>
-          <a:prstGeom prst="rect">
-            <a:avLst/>
-          </a:prstGeom>
-          <a:noFill/>
-          <a:extLst>
-            <a:ext uri="{909E8E84-426E-40DD-AFC4-6F175D3DCCD1}">
-              <a14:hiddenFill xmlns:a14="http://schemas.microsoft.com/office/drawing/2010/main">
-                <a:solidFill>
-                  <a:srgbClr val="FFFFFF"/>
-                </a:solidFill>
-              </a14:hiddenFill>
-            </a:ext>
-          </a:extLst>
-        </p:spPr>
-        <p:txBody>
-          <a:bodyPr vert="horz" wrap="square" lIns="91440" tIns="45720" rIns="91440" bIns="45720" numCol="1" anchor="t" anchorCtr="0" compatLnSpc="1">
-            <a:prstTxWarp prst="textNoShape">
-              <a:avLst/>
-            </a:prstTxWarp>
-          </a:bodyPr>
-          <a:lstStyle/>
-          <a:p>
-            <a:endParaRPr lang="en-US"/>
-          </a:p>
-        </p:txBody>
-      </p:sp>
-      <p:pic>
-        <p:nvPicPr>
-          <p:cNvPr id="6" name="Picture 5"/>
-          <p:cNvPicPr>
-            <a:picLocks noChangeAspect="1"/>
-          </p:cNvPicPr>
-          <p:nvPr/>
-        </p:nvPicPr>
-        <p:blipFill>
-          <a:blip r:embed="rId2">
-            <a:extLst>
-              <a:ext uri="{28A0092B-C50C-407E-A947-70E740481C1C}">
-                <a14:useLocalDpi xmlns:a14="http://schemas.microsoft.com/office/drawing/2010/main" val="0"/>
-              </a:ext>
-            </a:extLst>
-          </a:blip>
-          <a:stretch>
-            <a:fillRect/>
-          </a:stretch>
-        </p:blipFill>
-        <p:spPr>
-          <a:xfrm>
-            <a:off x="4267200" y="1524000"/>
-            <a:ext cx="4374259" cy="518205"/>
-          </a:xfrm>
-          <a:prstGeom prst="rect">
-            <a:avLst/>
-          </a:prstGeom>
-        </p:spPr>
-      </p:pic>
-    </p:spTree>
-    <p:extLst>
-      <p:ext uri="{BB962C8B-B14F-4D97-AF65-F5344CB8AC3E}">
-        <p14:creationId xmlns:p14="http://schemas.microsoft.com/office/powerpoint/2010/main" val="3493112808"/>
-      </p:ext>
-    </p:extLst>
-  </p:cSld>
-  <p:clrMapOvr>
-    <a:masterClrMapping/>
-  </p:clrMapOvr>
-  <p:timing>
-    <p:tnLst>
-      <p:par>
-        <p:cTn id="1" dur="indefinite" restart="never" nodeType="tmRoot"/>
-      </p:par>
-    </p:tnLst>
-  </p:timing>
 </p:sld>
 </file>
 

--- a/Thorium Reactors.pptx
+++ b/Thorium Reactors.pptx
@@ -126,6 +126,22 @@
       </a:defRPr>
     </a:lvl9pPr>
   </p:defaultTextStyle>
+  <p:extLst>
+    <p:ext uri="{EFAFB233-063F-42B5-8137-9DF3F51BA10A}">
+      <p15:sldGuideLst xmlns:p15="http://schemas.microsoft.com/office/powerpoint/2012/main">
+        <p15:guide id="1" orient="horz" pos="2160">
+          <p15:clr>
+            <a:srgbClr val="A4A3A4"/>
+          </p15:clr>
+        </p15:guide>
+        <p15:guide id="2" pos="2880">
+          <p15:clr>
+            <a:srgbClr val="A4A3A4"/>
+          </p15:clr>
+        </p15:guide>
+      </p15:sldGuideLst>
+    </p:ext>
+  </p:extLst>
 </p:presentation>
 </file>
 
@@ -211,7 +227,7 @@
           <a:p>
             <a:fld id="{29201BD4-4DF6-4717-A593-B2B71686CB47}" type="datetimeFigureOut">
               <a:rPr lang="en-US" smtClean="0"/>
-              <a:t>11/6/2018</a:t>
+              <a:t>11/8/2018</a:t>
             </a:fld>
             <a:endParaRPr lang="en-US"/>
           </a:p>
@@ -275,38 +291,37 @@
           <a:p>
             <a:pPr lvl="0"/>
             <a:r>
-              <a:rPr lang="en-US" smtClean="0"/>
+              <a:rPr lang="en-US"/>
               <a:t>Click to edit Master text styles</a:t>
             </a:r>
           </a:p>
           <a:p>
             <a:pPr lvl="1"/>
             <a:r>
-              <a:rPr lang="en-US" smtClean="0"/>
+              <a:rPr lang="en-US"/>
               <a:t>Second level</a:t>
             </a:r>
           </a:p>
           <a:p>
             <a:pPr lvl="2"/>
             <a:r>
-              <a:rPr lang="en-US" smtClean="0"/>
+              <a:rPr lang="en-US"/>
               <a:t>Third level</a:t>
             </a:r>
           </a:p>
           <a:p>
             <a:pPr lvl="3"/>
             <a:r>
-              <a:rPr lang="en-US" smtClean="0"/>
+              <a:rPr lang="en-US"/>
               <a:t>Fourth level</a:t>
             </a:r>
           </a:p>
           <a:p>
             <a:pPr lvl="4"/>
             <a:r>
-              <a:rPr lang="en-US" smtClean="0"/>
+              <a:rPr lang="en-US"/>
               <a:t>Fifth level</a:t>
             </a:r>
-            <a:endParaRPr lang="en-US"/>
           </a:p>
         </p:txBody>
       </p:sp>
@@ -524,11 +539,11 @@
           <a:lstStyle/>
           <a:p>
             <a:r>
-              <a:rPr lang="en-US" dirty="0" smtClean="0"/>
+              <a:rPr lang="en-US" dirty="0"/>
               <a:t>Even numbered neutrons</a:t>
             </a:r>
             <a:r>
-              <a:rPr lang="en-US" baseline="0" dirty="0" smtClean="0"/>
+              <a:rPr lang="en-US" baseline="0" dirty="0"/>
               <a:t> leads to smaller neutron capture cross section</a:t>
             </a:r>
             <a:endParaRPr lang="en-US" dirty="0"/>
@@ -616,219 +631,219 @@
           <a:lstStyle/>
           <a:p>
             <a:r>
-              <a:rPr lang="en-US" dirty="0" smtClean="0"/>
+              <a:rPr lang="en-US" dirty="0"/>
               <a:t>U235</a:t>
             </a:r>
             <a:r>
-              <a:rPr lang="en-US" baseline="0" dirty="0" smtClean="0"/>
-              <a:t> </a:t>
-            </a:r>
-            <a:r>
-              <a:rPr lang="en-US" baseline="0" dirty="0" err="1" smtClean="0"/>
+              <a:rPr lang="en-US" baseline="0" dirty="0"/>
+              <a:t> </a:t>
+            </a:r>
+            <a:r>
+              <a:rPr lang="en-US" baseline="0" dirty="0" err="1"/>
               <a:t>kann</a:t>
             </a:r>
             <a:r>
-              <a:rPr lang="en-US" baseline="0" dirty="0" smtClean="0"/>
+              <a:rPr lang="en-US" baseline="0" dirty="0"/>
               <a:t> in </a:t>
             </a:r>
             <a:r>
-              <a:rPr lang="en-US" baseline="0" dirty="0" err="1" smtClean="0"/>
+              <a:rPr lang="en-US" baseline="0" dirty="0" err="1"/>
               <a:t>ein</a:t>
             </a:r>
             <a:r>
-              <a:rPr lang="en-US" baseline="0" dirty="0" smtClean="0"/>
+              <a:rPr lang="en-US" baseline="0" dirty="0"/>
               <a:t> Fast </a:t>
             </a:r>
             <a:r>
-              <a:rPr lang="en-US" baseline="0" dirty="0" err="1" smtClean="0"/>
+              <a:rPr lang="en-US" baseline="0" dirty="0" err="1"/>
               <a:t>Kraftwerk</a:t>
             </a:r>
             <a:r>
-              <a:rPr lang="en-US" baseline="0" dirty="0" smtClean="0"/>
-              <a:t> </a:t>
-            </a:r>
-            <a:r>
-              <a:rPr lang="en-US" baseline="0" dirty="0" err="1" smtClean="0"/>
+              <a:rPr lang="en-US" baseline="0" dirty="0"/>
+              <a:t> </a:t>
+            </a:r>
+            <a:r>
+              <a:rPr lang="en-US" baseline="0" dirty="0" err="1"/>
               <a:t>benutzt</a:t>
             </a:r>
             <a:r>
-              <a:rPr lang="en-US" baseline="0" dirty="0" smtClean="0"/>
-              <a:t> </a:t>
-            </a:r>
-            <a:r>
-              <a:rPr lang="en-US" baseline="0" dirty="0" err="1" smtClean="0"/>
+              <a:rPr lang="en-US" baseline="0" dirty="0"/>
+              <a:t> </a:t>
+            </a:r>
+            <a:r>
+              <a:rPr lang="en-US" baseline="0" dirty="0" err="1"/>
               <a:t>werden</a:t>
             </a:r>
             <a:r>
-              <a:rPr lang="en-US" baseline="0" dirty="0" smtClean="0"/>
+              <a:rPr lang="en-US" baseline="0" dirty="0"/>
               <a:t>, </a:t>
             </a:r>
             <a:r>
-              <a:rPr lang="en-US" baseline="0" dirty="0" err="1" smtClean="0"/>
+              <a:rPr lang="en-US" baseline="0" dirty="0" err="1"/>
               <a:t>bloss</a:t>
             </a:r>
             <a:r>
-              <a:rPr lang="en-US" baseline="0" dirty="0" smtClean="0"/>
-              <a:t> </a:t>
-            </a:r>
-            <a:r>
-              <a:rPr lang="en-US" baseline="0" dirty="0" err="1" smtClean="0"/>
+              <a:rPr lang="en-US" baseline="0" dirty="0"/>
+              <a:t> </a:t>
+            </a:r>
+            <a:r>
+              <a:rPr lang="en-US" baseline="0" dirty="0" err="1"/>
               <a:t>dann</a:t>
             </a:r>
             <a:r>
-              <a:rPr lang="en-US" baseline="0" dirty="0" smtClean="0"/>
-              <a:t> </a:t>
-            </a:r>
-            <a:r>
-              <a:rPr lang="en-US" baseline="0" dirty="0" err="1" smtClean="0"/>
+              <a:rPr lang="en-US" baseline="0" dirty="0"/>
+              <a:t> </a:t>
+            </a:r>
+            <a:r>
+              <a:rPr lang="en-US" baseline="0" dirty="0" err="1"/>
               <a:t>braucht</a:t>
             </a:r>
             <a:r>
-              <a:rPr lang="en-US" baseline="0" dirty="0" smtClean="0"/>
+              <a:rPr lang="en-US" baseline="0" dirty="0"/>
               <a:t> man </a:t>
             </a:r>
             <a:r>
-              <a:rPr lang="en-US" baseline="0" dirty="0" err="1" smtClean="0"/>
+              <a:rPr lang="en-US" baseline="0" dirty="0" err="1"/>
               <a:t>viel</a:t>
             </a:r>
             <a:r>
-              <a:rPr lang="en-US" baseline="0" dirty="0" smtClean="0"/>
-              <a:t> </a:t>
-            </a:r>
-            <a:r>
-              <a:rPr lang="en-US" baseline="0" dirty="0" err="1" smtClean="0"/>
+              <a:rPr lang="en-US" baseline="0" dirty="0"/>
+              <a:t> </a:t>
+            </a:r>
+            <a:r>
+              <a:rPr lang="en-US" baseline="0" dirty="0" err="1"/>
               <a:t>mehr</a:t>
             </a:r>
             <a:r>
-              <a:rPr lang="en-US" baseline="0" dirty="0" smtClean="0"/>
-              <a:t> </a:t>
-            </a:r>
-            <a:r>
-              <a:rPr lang="en-US" baseline="0" dirty="0" err="1" smtClean="0"/>
+              <a:rPr lang="en-US" baseline="0" dirty="0"/>
+              <a:t> </a:t>
+            </a:r>
+            <a:r>
+              <a:rPr lang="en-US" baseline="0" dirty="0" err="1"/>
               <a:t>Uran</a:t>
             </a:r>
             <a:r>
-              <a:rPr lang="en-US" baseline="0" dirty="0" smtClean="0"/>
-              <a:t> </a:t>
-            </a:r>
-            <a:r>
-              <a:rPr lang="en-US" baseline="0" dirty="0" err="1" smtClean="0"/>
+              <a:rPr lang="en-US" baseline="0" dirty="0"/>
+              <a:t> </a:t>
+            </a:r>
+            <a:r>
+              <a:rPr lang="en-US" baseline="0" dirty="0" err="1"/>
               <a:t>dafuer</a:t>
             </a:r>
             <a:r>
-              <a:rPr lang="en-US" baseline="0" dirty="0" smtClean="0"/>
+              <a:rPr lang="en-US" baseline="0" dirty="0"/>
               <a:t>. </a:t>
             </a:r>
             <a:r>
-              <a:rPr lang="en-US" baseline="0" dirty="0" err="1" smtClean="0"/>
+              <a:rPr lang="en-US" baseline="0" dirty="0" err="1"/>
               <a:t>Deswegen</a:t>
             </a:r>
             <a:r>
-              <a:rPr lang="en-US" baseline="0" dirty="0" smtClean="0"/>
-              <a:t> </a:t>
-            </a:r>
-            <a:r>
-              <a:rPr lang="en-US" baseline="0" dirty="0" err="1" smtClean="0"/>
+              <a:rPr lang="en-US" baseline="0" dirty="0"/>
+              <a:t> </a:t>
+            </a:r>
+            <a:r>
+              <a:rPr lang="en-US" baseline="0" dirty="0" err="1"/>
               <a:t>sind</a:t>
             </a:r>
             <a:r>
-              <a:rPr lang="en-US" baseline="0" dirty="0" smtClean="0"/>
+              <a:rPr lang="en-US" baseline="0" dirty="0"/>
               <a:t> die </a:t>
             </a:r>
             <a:r>
-              <a:rPr lang="en-US" baseline="0" dirty="0" err="1" smtClean="0"/>
+              <a:rPr lang="en-US" baseline="0" dirty="0" err="1"/>
               <a:t>heutigen</a:t>
             </a:r>
             <a:r>
-              <a:rPr lang="en-US" baseline="0" dirty="0" smtClean="0"/>
-              <a:t> </a:t>
-            </a:r>
-            <a:r>
-              <a:rPr lang="en-US" baseline="0" dirty="0" err="1" smtClean="0"/>
+              <a:rPr lang="en-US" baseline="0" dirty="0"/>
+              <a:t> </a:t>
+            </a:r>
+            <a:r>
+              <a:rPr lang="en-US" baseline="0" dirty="0" err="1"/>
               <a:t>Kernkraftwerke</a:t>
             </a:r>
             <a:r>
-              <a:rPr lang="en-US" baseline="0" dirty="0" smtClean="0"/>
-              <a:t> </a:t>
-            </a:r>
-            <a:r>
-              <a:rPr lang="en-US" baseline="0" dirty="0" err="1" smtClean="0"/>
+              <a:rPr lang="en-US" baseline="0" dirty="0"/>
+              <a:t> </a:t>
+            </a:r>
+            <a:r>
+              <a:rPr lang="en-US" baseline="0" dirty="0" err="1"/>
               <a:t>meistens</a:t>
             </a:r>
             <a:r>
-              <a:rPr lang="en-US" baseline="0" dirty="0" smtClean="0"/>
+              <a:rPr lang="en-US" baseline="0" dirty="0"/>
               <a:t> Thermal. Die </a:t>
             </a:r>
             <a:r>
-              <a:rPr lang="en-US" baseline="0" dirty="0" err="1" smtClean="0"/>
+              <a:rPr lang="en-US" baseline="0" dirty="0" err="1"/>
               <a:t>kann</a:t>
             </a:r>
             <a:r>
-              <a:rPr lang="en-US" baseline="0" dirty="0" smtClean="0"/>
+              <a:rPr lang="en-US" baseline="0" dirty="0"/>
               <a:t> man </a:t>
             </a:r>
             <a:r>
-              <a:rPr lang="en-US" baseline="0" dirty="0" err="1" smtClean="0"/>
+              <a:rPr lang="en-US" baseline="0" dirty="0" err="1"/>
               <a:t>mit</a:t>
             </a:r>
             <a:r>
-              <a:rPr lang="en-US" baseline="0" dirty="0" smtClean="0"/>
-              <a:t> </a:t>
-            </a:r>
-            <a:r>
-              <a:rPr lang="en-US" baseline="0" dirty="0" err="1" smtClean="0"/>
+              <a:rPr lang="en-US" baseline="0" dirty="0"/>
+              <a:t> </a:t>
+            </a:r>
+            <a:r>
+              <a:rPr lang="en-US" baseline="0" dirty="0" err="1"/>
               <a:t>weniger</a:t>
             </a:r>
             <a:r>
-              <a:rPr lang="en-US" baseline="0" dirty="0" smtClean="0"/>
-              <a:t> </a:t>
-            </a:r>
-            <a:r>
-              <a:rPr lang="en-US" baseline="0" dirty="0" err="1" smtClean="0"/>
+              <a:rPr lang="en-US" baseline="0" dirty="0"/>
+              <a:t> </a:t>
+            </a:r>
+            <a:r>
+              <a:rPr lang="en-US" baseline="0" dirty="0" err="1"/>
               <a:t>Uran</a:t>
             </a:r>
             <a:r>
-              <a:rPr lang="en-US" baseline="0" dirty="0" smtClean="0"/>
-              <a:t> </a:t>
-            </a:r>
-            <a:r>
-              <a:rPr lang="en-US" baseline="0" dirty="0" err="1" smtClean="0"/>
+              <a:rPr lang="en-US" baseline="0" dirty="0"/>
+              <a:t> </a:t>
+            </a:r>
+            <a:r>
+              <a:rPr lang="en-US" baseline="0" dirty="0" err="1"/>
               <a:t>betreiben</a:t>
             </a:r>
             <a:r>
-              <a:rPr lang="en-US" baseline="0" dirty="0" smtClean="0"/>
+              <a:rPr lang="en-US" baseline="0" dirty="0"/>
               <a:t>. </a:t>
             </a:r>
             <a:r>
-              <a:rPr lang="en-US" baseline="0" dirty="0" err="1" smtClean="0"/>
+              <a:rPr lang="en-US" baseline="0" dirty="0" err="1"/>
               <a:t>Es</a:t>
             </a:r>
             <a:r>
-              <a:rPr lang="en-US" baseline="0" dirty="0" smtClean="0"/>
+              <a:rPr lang="en-US" baseline="0" dirty="0"/>
               <a:t> hat </a:t>
             </a:r>
             <a:r>
-              <a:rPr lang="en-US" baseline="0" dirty="0" err="1" smtClean="0"/>
+              <a:rPr lang="en-US" baseline="0" dirty="0" err="1"/>
               <a:t>auch</a:t>
             </a:r>
             <a:r>
-              <a:rPr lang="en-US" baseline="0" dirty="0" smtClean="0"/>
-              <a:t> </a:t>
-            </a:r>
-            <a:r>
-              <a:rPr lang="en-US" baseline="0" dirty="0" err="1" smtClean="0"/>
+              <a:rPr lang="en-US" baseline="0" dirty="0"/>
+              <a:t> </a:t>
+            </a:r>
+            <a:r>
+              <a:rPr lang="en-US" baseline="0" dirty="0" err="1"/>
               <a:t>ein</a:t>
             </a:r>
             <a:r>
-              <a:rPr lang="en-US" baseline="0" dirty="0" smtClean="0"/>
-              <a:t> </a:t>
-            </a:r>
-            <a:r>
-              <a:rPr lang="en-US" baseline="0" dirty="0" err="1" smtClean="0"/>
+              <a:rPr lang="en-US" baseline="0" dirty="0"/>
+              <a:t> </a:t>
+            </a:r>
+            <a:r>
+              <a:rPr lang="en-US" baseline="0" dirty="0" err="1"/>
               <a:t>sicherheitsvorteil</a:t>
             </a:r>
             <a:r>
-              <a:rPr lang="en-US" baseline="0" dirty="0" smtClean="0"/>
+              <a:rPr lang="en-US" baseline="0" dirty="0"/>
               <a:t>.</a:t>
             </a:r>
             <a:endParaRPr lang="en-US" dirty="0"/>
@@ -909,10 +924,9 @@
           <a:lstStyle/>
           <a:p>
             <a:r>
-              <a:rPr lang="en-US" smtClean="0"/>
+              <a:rPr lang="en-US"/>
               <a:t>Click to edit Master title style</a:t>
             </a:r>
-            <a:endParaRPr lang="en-US"/>
           </a:p>
         </p:txBody>
       </p:sp>
@@ -1028,10 +1042,9 @@
           </a:lstStyle>
           <a:p>
             <a:r>
-              <a:rPr lang="en-US" smtClean="0"/>
+              <a:rPr lang="en-US"/>
               <a:t>Click to edit Master subtitle style</a:t>
             </a:r>
-            <a:endParaRPr lang="en-US"/>
           </a:p>
         </p:txBody>
       </p:sp>
@@ -1052,7 +1065,7 @@
           <a:p>
             <a:fld id="{C26FFE9C-D722-4EBF-AC71-68D449D824E4}" type="datetimeFigureOut">
               <a:rPr lang="en-US" smtClean="0"/>
-              <a:t>11/6/2018</a:t>
+              <a:t>11/8/2018</a:t>
             </a:fld>
             <a:endParaRPr lang="en-US"/>
           </a:p>
@@ -1146,10 +1159,9 @@
           <a:lstStyle/>
           <a:p>
             <a:r>
-              <a:rPr lang="en-US" smtClean="0"/>
+              <a:rPr lang="en-US"/>
               <a:t>Click to edit Master title style</a:t>
             </a:r>
-            <a:endParaRPr lang="en-US"/>
           </a:p>
         </p:txBody>
       </p:sp>
@@ -1170,38 +1182,37 @@
           <a:p>
             <a:pPr lvl="0"/>
             <a:r>
-              <a:rPr lang="en-US" smtClean="0"/>
+              <a:rPr lang="en-US"/>
               <a:t>Click to edit Master text styles</a:t>
             </a:r>
           </a:p>
           <a:p>
             <a:pPr lvl="1"/>
             <a:r>
-              <a:rPr lang="en-US" smtClean="0"/>
+              <a:rPr lang="en-US"/>
               <a:t>Second level</a:t>
             </a:r>
           </a:p>
           <a:p>
             <a:pPr lvl="2"/>
             <a:r>
-              <a:rPr lang="en-US" smtClean="0"/>
+              <a:rPr lang="en-US"/>
               <a:t>Third level</a:t>
             </a:r>
           </a:p>
           <a:p>
             <a:pPr lvl="3"/>
             <a:r>
-              <a:rPr lang="en-US" smtClean="0"/>
+              <a:rPr lang="en-US"/>
               <a:t>Fourth level</a:t>
             </a:r>
           </a:p>
           <a:p>
             <a:pPr lvl="4"/>
             <a:r>
-              <a:rPr lang="en-US" smtClean="0"/>
+              <a:rPr lang="en-US"/>
               <a:t>Fifth level</a:t>
             </a:r>
-            <a:endParaRPr lang="en-US"/>
           </a:p>
         </p:txBody>
       </p:sp>
@@ -1222,7 +1233,7 @@
           <a:p>
             <a:fld id="{C26FFE9C-D722-4EBF-AC71-68D449D824E4}" type="datetimeFigureOut">
               <a:rPr lang="en-US" smtClean="0"/>
-              <a:t>11/6/2018</a:t>
+              <a:t>11/8/2018</a:t>
             </a:fld>
             <a:endParaRPr lang="en-US"/>
           </a:p>
@@ -1321,10 +1332,9 @@
           <a:lstStyle/>
           <a:p>
             <a:r>
-              <a:rPr lang="en-US" smtClean="0"/>
+              <a:rPr lang="en-US"/>
               <a:t>Click to edit Master title style</a:t>
             </a:r>
-            <a:endParaRPr lang="en-US"/>
           </a:p>
         </p:txBody>
       </p:sp>
@@ -1350,38 +1360,37 @@
           <a:p>
             <a:pPr lvl="0"/>
             <a:r>
-              <a:rPr lang="en-US" smtClean="0"/>
+              <a:rPr lang="en-US"/>
               <a:t>Click to edit Master text styles</a:t>
             </a:r>
           </a:p>
           <a:p>
             <a:pPr lvl="1"/>
             <a:r>
-              <a:rPr lang="en-US" smtClean="0"/>
+              <a:rPr lang="en-US"/>
               <a:t>Second level</a:t>
             </a:r>
           </a:p>
           <a:p>
             <a:pPr lvl="2"/>
             <a:r>
-              <a:rPr lang="en-US" smtClean="0"/>
+              <a:rPr lang="en-US"/>
               <a:t>Third level</a:t>
             </a:r>
           </a:p>
           <a:p>
             <a:pPr lvl="3"/>
             <a:r>
-              <a:rPr lang="en-US" smtClean="0"/>
+              <a:rPr lang="en-US"/>
               <a:t>Fourth level</a:t>
             </a:r>
           </a:p>
           <a:p>
             <a:pPr lvl="4"/>
             <a:r>
-              <a:rPr lang="en-US" smtClean="0"/>
+              <a:rPr lang="en-US"/>
               <a:t>Fifth level</a:t>
             </a:r>
-            <a:endParaRPr lang="en-US"/>
           </a:p>
         </p:txBody>
       </p:sp>
@@ -1402,7 +1411,7 @@
           <a:p>
             <a:fld id="{C26FFE9C-D722-4EBF-AC71-68D449D824E4}" type="datetimeFigureOut">
               <a:rPr lang="en-US" smtClean="0"/>
-              <a:t>11/6/2018</a:t>
+              <a:t>11/8/2018</a:t>
             </a:fld>
             <a:endParaRPr lang="en-US"/>
           </a:p>
@@ -1496,10 +1505,9 @@
           <a:lstStyle/>
           <a:p>
             <a:r>
-              <a:rPr lang="en-US" smtClean="0"/>
+              <a:rPr lang="en-US"/>
               <a:t>Click to edit Master title style</a:t>
             </a:r>
-            <a:endParaRPr lang="en-US"/>
           </a:p>
         </p:txBody>
       </p:sp>
@@ -1520,38 +1528,37 @@
           <a:p>
             <a:pPr lvl="0"/>
             <a:r>
-              <a:rPr lang="en-US" smtClean="0"/>
+              <a:rPr lang="en-US"/>
               <a:t>Click to edit Master text styles</a:t>
             </a:r>
           </a:p>
           <a:p>
             <a:pPr lvl="1"/>
             <a:r>
-              <a:rPr lang="en-US" smtClean="0"/>
+              <a:rPr lang="en-US"/>
               <a:t>Second level</a:t>
             </a:r>
           </a:p>
           <a:p>
             <a:pPr lvl="2"/>
             <a:r>
-              <a:rPr lang="en-US" smtClean="0"/>
+              <a:rPr lang="en-US"/>
               <a:t>Third level</a:t>
             </a:r>
           </a:p>
           <a:p>
             <a:pPr lvl="3"/>
             <a:r>
-              <a:rPr lang="en-US" smtClean="0"/>
+              <a:rPr lang="en-US"/>
               <a:t>Fourth level</a:t>
             </a:r>
           </a:p>
           <a:p>
             <a:pPr lvl="4"/>
             <a:r>
-              <a:rPr lang="en-US" smtClean="0"/>
+              <a:rPr lang="en-US"/>
               <a:t>Fifth level</a:t>
             </a:r>
-            <a:endParaRPr lang="en-US"/>
           </a:p>
         </p:txBody>
       </p:sp>
@@ -1572,7 +1579,7 @@
           <a:p>
             <a:fld id="{C26FFE9C-D722-4EBF-AC71-68D449D824E4}" type="datetimeFigureOut">
               <a:rPr lang="en-US" smtClean="0"/>
-              <a:t>11/6/2018</a:t>
+              <a:t>11/8/2018</a:t>
             </a:fld>
             <a:endParaRPr lang="en-US"/>
           </a:p>
@@ -1675,10 +1682,9 @@
           </a:lstStyle>
           <a:p>
             <a:r>
-              <a:rPr lang="en-US" smtClean="0"/>
+              <a:rPr lang="en-US"/>
               <a:t>Click to edit Master title style</a:t>
             </a:r>
-            <a:endParaRPr lang="en-US"/>
           </a:p>
         </p:txBody>
       </p:sp>
@@ -1795,7 +1801,7 @@
           <a:p>
             <a:pPr lvl="0"/>
             <a:r>
-              <a:rPr lang="en-US" smtClean="0"/>
+              <a:rPr lang="en-US"/>
               <a:t>Click to edit Master text styles</a:t>
             </a:r>
           </a:p>
@@ -1818,7 +1824,7 @@
           <a:p>
             <a:fld id="{C26FFE9C-D722-4EBF-AC71-68D449D824E4}" type="datetimeFigureOut">
               <a:rPr lang="en-US" smtClean="0"/>
-              <a:t>11/6/2018</a:t>
+              <a:t>11/8/2018</a:t>
             </a:fld>
             <a:endParaRPr lang="en-US"/>
           </a:p>
@@ -1912,10 +1918,9 @@
           <a:lstStyle/>
           <a:p>
             <a:r>
-              <a:rPr lang="en-US" smtClean="0"/>
+              <a:rPr lang="en-US"/>
               <a:t>Click to edit Master title style</a:t>
             </a:r>
-            <a:endParaRPr lang="en-US"/>
           </a:p>
         </p:txBody>
       </p:sp>
@@ -1969,38 +1974,37 @@
           <a:p>
             <a:pPr lvl="0"/>
             <a:r>
-              <a:rPr lang="en-US" smtClean="0"/>
+              <a:rPr lang="en-US"/>
               <a:t>Click to edit Master text styles</a:t>
             </a:r>
           </a:p>
           <a:p>
             <a:pPr lvl="1"/>
             <a:r>
-              <a:rPr lang="en-US" smtClean="0"/>
+              <a:rPr lang="en-US"/>
               <a:t>Second level</a:t>
             </a:r>
           </a:p>
           <a:p>
             <a:pPr lvl="2"/>
             <a:r>
-              <a:rPr lang="en-US" smtClean="0"/>
+              <a:rPr lang="en-US"/>
               <a:t>Third level</a:t>
             </a:r>
           </a:p>
           <a:p>
             <a:pPr lvl="3"/>
             <a:r>
-              <a:rPr lang="en-US" smtClean="0"/>
+              <a:rPr lang="en-US"/>
               <a:t>Fourth level</a:t>
             </a:r>
           </a:p>
           <a:p>
             <a:pPr lvl="4"/>
             <a:r>
-              <a:rPr lang="en-US" smtClean="0"/>
+              <a:rPr lang="en-US"/>
               <a:t>Fifth level</a:t>
             </a:r>
-            <a:endParaRPr lang="en-US"/>
           </a:p>
         </p:txBody>
       </p:sp>
@@ -2054,38 +2058,37 @@
           <a:p>
             <a:pPr lvl="0"/>
             <a:r>
-              <a:rPr lang="en-US" smtClean="0"/>
+              <a:rPr lang="en-US"/>
               <a:t>Click to edit Master text styles</a:t>
             </a:r>
           </a:p>
           <a:p>
             <a:pPr lvl="1"/>
             <a:r>
-              <a:rPr lang="en-US" smtClean="0"/>
+              <a:rPr lang="en-US"/>
               <a:t>Second level</a:t>
             </a:r>
           </a:p>
           <a:p>
             <a:pPr lvl="2"/>
             <a:r>
-              <a:rPr lang="en-US" smtClean="0"/>
+              <a:rPr lang="en-US"/>
               <a:t>Third level</a:t>
             </a:r>
           </a:p>
           <a:p>
             <a:pPr lvl="3"/>
             <a:r>
-              <a:rPr lang="en-US" smtClean="0"/>
+              <a:rPr lang="en-US"/>
               <a:t>Fourth level</a:t>
             </a:r>
           </a:p>
           <a:p>
             <a:pPr lvl="4"/>
             <a:r>
-              <a:rPr lang="en-US" smtClean="0"/>
+              <a:rPr lang="en-US"/>
               <a:t>Fifth level</a:t>
             </a:r>
-            <a:endParaRPr lang="en-US"/>
           </a:p>
         </p:txBody>
       </p:sp>
@@ -2106,7 +2109,7 @@
           <a:p>
             <a:fld id="{C26FFE9C-D722-4EBF-AC71-68D449D824E4}" type="datetimeFigureOut">
               <a:rPr lang="en-US" smtClean="0"/>
-              <a:t>11/6/2018</a:t>
+              <a:t>11/8/2018</a:t>
             </a:fld>
             <a:endParaRPr lang="en-US"/>
           </a:p>
@@ -2204,10 +2207,9 @@
           </a:lstStyle>
           <a:p>
             <a:r>
-              <a:rPr lang="en-US" smtClean="0"/>
+              <a:rPr lang="en-US"/>
               <a:t>Click to edit Master title style</a:t>
             </a:r>
-            <a:endParaRPr lang="en-US"/>
           </a:p>
         </p:txBody>
       </p:sp>
@@ -2270,7 +2272,7 @@
           <a:p>
             <a:pPr lvl="0"/>
             <a:r>
-              <a:rPr lang="en-US" smtClean="0"/>
+              <a:rPr lang="en-US"/>
               <a:t>Click to edit Master text styles</a:t>
             </a:r>
           </a:p>
@@ -2326,38 +2328,37 @@
           <a:p>
             <a:pPr lvl="0"/>
             <a:r>
-              <a:rPr lang="en-US" smtClean="0"/>
+              <a:rPr lang="en-US"/>
               <a:t>Click to edit Master text styles</a:t>
             </a:r>
           </a:p>
           <a:p>
             <a:pPr lvl="1"/>
             <a:r>
-              <a:rPr lang="en-US" smtClean="0"/>
+              <a:rPr lang="en-US"/>
               <a:t>Second level</a:t>
             </a:r>
           </a:p>
           <a:p>
             <a:pPr lvl="2"/>
             <a:r>
-              <a:rPr lang="en-US" smtClean="0"/>
+              <a:rPr lang="en-US"/>
               <a:t>Third level</a:t>
             </a:r>
           </a:p>
           <a:p>
             <a:pPr lvl="3"/>
             <a:r>
-              <a:rPr lang="en-US" smtClean="0"/>
+              <a:rPr lang="en-US"/>
               <a:t>Fourth level</a:t>
             </a:r>
           </a:p>
           <a:p>
             <a:pPr lvl="4"/>
             <a:r>
-              <a:rPr lang="en-US" smtClean="0"/>
+              <a:rPr lang="en-US"/>
               <a:t>Fifth level</a:t>
             </a:r>
-            <a:endParaRPr lang="en-US"/>
           </a:p>
         </p:txBody>
       </p:sp>
@@ -2420,7 +2421,7 @@
           <a:p>
             <a:pPr lvl="0"/>
             <a:r>
-              <a:rPr lang="en-US" smtClean="0"/>
+              <a:rPr lang="en-US"/>
               <a:t>Click to edit Master text styles</a:t>
             </a:r>
           </a:p>
@@ -2476,38 +2477,37 @@
           <a:p>
             <a:pPr lvl="0"/>
             <a:r>
-              <a:rPr lang="en-US" smtClean="0"/>
+              <a:rPr lang="en-US"/>
               <a:t>Click to edit Master text styles</a:t>
             </a:r>
           </a:p>
           <a:p>
             <a:pPr lvl="1"/>
             <a:r>
-              <a:rPr lang="en-US" smtClean="0"/>
+              <a:rPr lang="en-US"/>
               <a:t>Second level</a:t>
             </a:r>
           </a:p>
           <a:p>
             <a:pPr lvl="2"/>
             <a:r>
-              <a:rPr lang="en-US" smtClean="0"/>
+              <a:rPr lang="en-US"/>
               <a:t>Third level</a:t>
             </a:r>
           </a:p>
           <a:p>
             <a:pPr lvl="3"/>
             <a:r>
-              <a:rPr lang="en-US" smtClean="0"/>
+              <a:rPr lang="en-US"/>
               <a:t>Fourth level</a:t>
             </a:r>
           </a:p>
           <a:p>
             <a:pPr lvl="4"/>
             <a:r>
-              <a:rPr lang="en-US" smtClean="0"/>
+              <a:rPr lang="en-US"/>
               <a:t>Fifth level</a:t>
             </a:r>
-            <a:endParaRPr lang="en-US"/>
           </a:p>
         </p:txBody>
       </p:sp>
@@ -2528,7 +2528,7 @@
           <a:p>
             <a:fld id="{C26FFE9C-D722-4EBF-AC71-68D449D824E4}" type="datetimeFigureOut">
               <a:rPr lang="en-US" smtClean="0"/>
-              <a:t>11/6/2018</a:t>
+              <a:t>11/8/2018</a:t>
             </a:fld>
             <a:endParaRPr lang="en-US"/>
           </a:p>
@@ -2622,10 +2622,9 @@
           <a:lstStyle/>
           <a:p>
             <a:r>
-              <a:rPr lang="en-US" smtClean="0"/>
+              <a:rPr lang="en-US"/>
               <a:t>Click to edit Master title style</a:t>
             </a:r>
-            <a:endParaRPr lang="en-US"/>
           </a:p>
         </p:txBody>
       </p:sp>
@@ -2646,7 +2645,7 @@
           <a:p>
             <a:fld id="{C26FFE9C-D722-4EBF-AC71-68D449D824E4}" type="datetimeFigureOut">
               <a:rPr lang="en-US" smtClean="0"/>
-              <a:t>11/6/2018</a:t>
+              <a:t>11/8/2018</a:t>
             </a:fld>
             <a:endParaRPr lang="en-US"/>
           </a:p>
@@ -2741,7 +2740,7 @@
           <a:p>
             <a:fld id="{C26FFE9C-D722-4EBF-AC71-68D449D824E4}" type="datetimeFigureOut">
               <a:rPr lang="en-US" smtClean="0"/>
-              <a:t>11/6/2018</a:t>
+              <a:t>11/8/2018</a:t>
             </a:fld>
             <a:endParaRPr lang="en-US"/>
           </a:p>
@@ -2844,10 +2843,9 @@
           </a:lstStyle>
           <a:p>
             <a:r>
-              <a:rPr lang="en-US" smtClean="0"/>
+              <a:rPr lang="en-US"/>
               <a:t>Click to edit Master title style</a:t>
             </a:r>
-            <a:endParaRPr lang="en-US"/>
           </a:p>
         </p:txBody>
       </p:sp>
@@ -2901,38 +2899,37 @@
           <a:p>
             <a:pPr lvl="0"/>
             <a:r>
-              <a:rPr lang="en-US" smtClean="0"/>
+              <a:rPr lang="en-US"/>
               <a:t>Click to edit Master text styles</a:t>
             </a:r>
           </a:p>
           <a:p>
             <a:pPr lvl="1"/>
             <a:r>
-              <a:rPr lang="en-US" smtClean="0"/>
+              <a:rPr lang="en-US"/>
               <a:t>Second level</a:t>
             </a:r>
           </a:p>
           <a:p>
             <a:pPr lvl="2"/>
             <a:r>
-              <a:rPr lang="en-US" smtClean="0"/>
+              <a:rPr lang="en-US"/>
               <a:t>Third level</a:t>
             </a:r>
           </a:p>
           <a:p>
             <a:pPr lvl="3"/>
             <a:r>
-              <a:rPr lang="en-US" smtClean="0"/>
+              <a:rPr lang="en-US"/>
               <a:t>Fourth level</a:t>
             </a:r>
           </a:p>
           <a:p>
             <a:pPr lvl="4"/>
             <a:r>
-              <a:rPr lang="en-US" smtClean="0"/>
+              <a:rPr lang="en-US"/>
               <a:t>Fifth level</a:t>
             </a:r>
-            <a:endParaRPr lang="en-US"/>
           </a:p>
         </p:txBody>
       </p:sp>
@@ -2995,7 +2992,7 @@
           <a:p>
             <a:pPr lvl="0"/>
             <a:r>
-              <a:rPr lang="en-US" smtClean="0"/>
+              <a:rPr lang="en-US"/>
               <a:t>Click to edit Master text styles</a:t>
             </a:r>
           </a:p>
@@ -3018,7 +3015,7 @@
           <a:p>
             <a:fld id="{C26FFE9C-D722-4EBF-AC71-68D449D824E4}" type="datetimeFigureOut">
               <a:rPr lang="en-US" smtClean="0"/>
-              <a:t>11/6/2018</a:t>
+              <a:t>11/8/2018</a:t>
             </a:fld>
             <a:endParaRPr lang="en-US"/>
           </a:p>
@@ -3121,10 +3118,9 @@
           </a:lstStyle>
           <a:p>
             <a:r>
-              <a:rPr lang="en-US" smtClean="0"/>
+              <a:rPr lang="en-US"/>
               <a:t>Click to edit Master title style</a:t>
             </a:r>
-            <a:endParaRPr lang="en-US"/>
           </a:p>
         </p:txBody>
       </p:sp>
@@ -3248,7 +3244,7 @@
           <a:p>
             <a:pPr lvl="0"/>
             <a:r>
-              <a:rPr lang="en-US" smtClean="0"/>
+              <a:rPr lang="en-US"/>
               <a:t>Click to edit Master text styles</a:t>
             </a:r>
           </a:p>
@@ -3271,7 +3267,7 @@
           <a:p>
             <a:fld id="{C26FFE9C-D722-4EBF-AC71-68D449D824E4}" type="datetimeFigureOut">
               <a:rPr lang="en-US" smtClean="0"/>
-              <a:t>11/6/2018</a:t>
+              <a:t>11/8/2018</a:t>
             </a:fld>
             <a:endParaRPr lang="en-US"/>
           </a:p>
@@ -3380,10 +3376,9 @@
           <a:lstStyle/>
           <a:p>
             <a:r>
-              <a:rPr lang="en-US" smtClean="0"/>
+              <a:rPr lang="en-US"/>
               <a:t>Click to edit Master title style</a:t>
             </a:r>
-            <a:endParaRPr lang="en-US"/>
           </a:p>
         </p:txBody>
       </p:sp>
@@ -3414,38 +3409,37 @@
           <a:p>
             <a:pPr lvl="0"/>
             <a:r>
-              <a:rPr lang="en-US" smtClean="0"/>
+              <a:rPr lang="en-US"/>
               <a:t>Click to edit Master text styles</a:t>
             </a:r>
           </a:p>
           <a:p>
             <a:pPr lvl="1"/>
             <a:r>
-              <a:rPr lang="en-US" smtClean="0"/>
+              <a:rPr lang="en-US"/>
               <a:t>Second level</a:t>
             </a:r>
           </a:p>
           <a:p>
             <a:pPr lvl="2"/>
             <a:r>
-              <a:rPr lang="en-US" smtClean="0"/>
+              <a:rPr lang="en-US"/>
               <a:t>Third level</a:t>
             </a:r>
           </a:p>
           <a:p>
             <a:pPr lvl="3"/>
             <a:r>
-              <a:rPr lang="en-US" smtClean="0"/>
+              <a:rPr lang="en-US"/>
               <a:t>Fourth level</a:t>
             </a:r>
           </a:p>
           <a:p>
             <a:pPr lvl="4"/>
             <a:r>
-              <a:rPr lang="en-US" smtClean="0"/>
+              <a:rPr lang="en-US"/>
               <a:t>Fifth level</a:t>
             </a:r>
-            <a:endParaRPr lang="en-US"/>
           </a:p>
         </p:txBody>
       </p:sp>
@@ -3484,7 +3478,7 @@
           <a:p>
             <a:fld id="{C26FFE9C-D722-4EBF-AC71-68D449D824E4}" type="datetimeFigureOut">
               <a:rPr lang="en-US" smtClean="0"/>
-              <a:t>11/6/2018</a:t>
+              <a:t>11/8/2018</a:t>
             </a:fld>
             <a:endParaRPr lang="en-US"/>
           </a:p>
@@ -3875,14 +3869,9 @@
           <a:lstStyle/>
           <a:p>
             <a:r>
-              <a:rPr lang="en-US" dirty="0" smtClean="0"/>
-              <a:t>Thorium und </a:t>
-            </a:r>
-            <a:r>
-              <a:rPr lang="en-US" dirty="0" smtClean="0"/>
-              <a:t>Molten Salt Reactors</a:t>
-            </a:r>
-            <a:endParaRPr lang="en-US" dirty="0"/>
+              <a:rPr lang="en-US" dirty="0"/>
+              <a:t>Thorium und Molten Salt Reactors</a:t>
+            </a:r>
           </a:p>
         </p:txBody>
       </p:sp>
@@ -3915,13 +3904,6 @@
   <p:clrMapOvr>
     <a:masterClrMapping/>
   </p:clrMapOvr>
-  <p:timing>
-    <p:tnLst>
-      <p:par>
-        <p:cTn id="1" dur="indefinite" restart="never" nodeType="tmRoot"/>
-      </p:par>
-    </p:tnLst>
-  </p:timing>
 </p:sld>
 </file>
 
@@ -3993,13 +3975,6 @@
   <p:clrMapOvr>
     <a:masterClrMapping/>
   </p:clrMapOvr>
-  <p:timing>
-    <p:tnLst>
-      <p:par>
-        <p:cTn id="1" dur="indefinite" restart="never" nodeType="tmRoot"/>
-      </p:par>
-    </p:tnLst>
-  </p:timing>
 </p:sld>
 </file>
 
@@ -4072,7 +4047,7 @@
           <a:lstStyle/>
           <a:p>
             <a:r>
-              <a:rPr lang="en-US" dirty="0" smtClean="0"/>
+              <a:rPr lang="en-US" dirty="0"/>
               <a:t>Pu 239 Thermal</a:t>
             </a:r>
           </a:p>
@@ -4104,10 +4079,9 @@
           <a:lstStyle/>
           <a:p>
             <a:r>
-              <a:rPr lang="en-US" dirty="0" smtClean="0"/>
+              <a:rPr lang="en-US" dirty="0"/>
               <a:t>Pu 239 Fast</a:t>
             </a:r>
-            <a:endParaRPr lang="en-US" dirty="0"/>
           </a:p>
         </p:txBody>
       </p:sp>
@@ -4121,13 +4095,6 @@
   <p:clrMapOvr>
     <a:masterClrMapping/>
   </p:clrMapOvr>
-  <p:timing>
-    <p:tnLst>
-      <p:par>
-        <p:cTn id="1" dur="indefinite" restart="never" nodeType="tmRoot"/>
-      </p:par>
-    </p:tnLst>
-  </p:timing>
 </p:sld>
 </file>
 
@@ -4164,10 +4131,9 @@
           <a:lstStyle/>
           <a:p>
             <a:r>
-              <a:rPr lang="de-DE" dirty="0" smtClean="0"/>
+              <a:rPr lang="de-DE" dirty="0"/>
               <a:t>Verlangsamung der Neutronen</a:t>
             </a:r>
-            <a:endParaRPr lang="de-DE" dirty="0"/>
           </a:p>
         </p:txBody>
       </p:sp>
@@ -4187,85 +4153,81 @@
           <a:lstStyle/>
           <a:p>
             <a:r>
-              <a:rPr lang="de-DE" dirty="0" smtClean="0"/>
+              <a:rPr lang="de-DE" dirty="0"/>
               <a:t>Wasser</a:t>
             </a:r>
             <a:r>
-              <a:rPr lang="en-US" dirty="0" smtClean="0"/>
+              <a:rPr lang="en-US" dirty="0"/>
               <a:t>-</a:t>
             </a:r>
             <a:r>
-              <a:rPr lang="en-US" dirty="0" err="1" smtClean="0"/>
+              <a:rPr lang="en-US" dirty="0" err="1"/>
               <a:t>Leicht</a:t>
             </a:r>
             <a:r>
-              <a:rPr lang="en-US" dirty="0" smtClean="0"/>
-              <a:t> </a:t>
-            </a:r>
-            <a:r>
-              <a:rPr lang="en-US" dirty="0" err="1" smtClean="0"/>
+              <a:rPr lang="en-US" dirty="0"/>
+              <a:t> </a:t>
+            </a:r>
+            <a:r>
+              <a:rPr lang="en-US" dirty="0" err="1"/>
               <a:t>oder</a:t>
             </a:r>
             <a:r>
-              <a:rPr lang="en-US" dirty="0" smtClean="0"/>
-              <a:t> </a:t>
-            </a:r>
-            <a:r>
-              <a:rPr lang="en-US" dirty="0" err="1" smtClean="0"/>
+              <a:rPr lang="en-US" dirty="0"/>
+              <a:t> </a:t>
+            </a:r>
+            <a:r>
+              <a:rPr lang="en-US" dirty="0" err="1"/>
               <a:t>Schwer</a:t>
             </a:r>
-            <a:endParaRPr lang="en-US" dirty="0" smtClean="0"/>
-          </a:p>
-          <a:p>
-            <a:r>
-              <a:rPr lang="en-US" dirty="0" err="1" smtClean="0"/>
+            <a:endParaRPr lang="en-US" dirty="0"/>
+          </a:p>
+          <a:p>
+            <a:r>
+              <a:rPr lang="en-US" dirty="0" err="1"/>
               <a:t>Graphit</a:t>
             </a:r>
-            <a:endParaRPr lang="en-US" dirty="0" smtClean="0"/>
-          </a:p>
-          <a:p>
-            <a:r>
-              <a:rPr lang="en-US" dirty="0" smtClean="0"/>
+            <a:endParaRPr lang="en-US" dirty="0"/>
+          </a:p>
+          <a:p>
+            <a:r>
+              <a:rPr lang="en-US" dirty="0"/>
               <a:t>Momentum </a:t>
             </a:r>
             <a:r>
-              <a:rPr lang="en-US" dirty="0" err="1" smtClean="0"/>
+              <a:rPr lang="en-US" dirty="0" err="1"/>
               <a:t>abgeben</a:t>
             </a:r>
             <a:r>
-              <a:rPr lang="en-US" dirty="0" smtClean="0"/>
-              <a:t> </a:t>
-            </a:r>
-            <a:r>
-              <a:rPr lang="en-US" dirty="0" err="1" smtClean="0"/>
+              <a:rPr lang="en-US" dirty="0"/>
+              <a:t> </a:t>
+            </a:r>
+            <a:r>
+              <a:rPr lang="en-US" dirty="0" err="1"/>
               <a:t>bis</a:t>
             </a:r>
             <a:r>
-              <a:rPr lang="en-US" dirty="0" smtClean="0"/>
+              <a:rPr lang="en-US" dirty="0"/>
               <a:t> die </a:t>
             </a:r>
             <a:r>
-              <a:rPr lang="en-US" dirty="0" err="1" smtClean="0"/>
+              <a:rPr lang="en-US" dirty="0" err="1"/>
               <a:t>Neutronen</a:t>
             </a:r>
             <a:r>
               <a:rPr lang="en-US" dirty="0"/>
-              <a:t> </a:t>
-            </a:r>
-            <a:r>
-              <a:rPr lang="en-US" dirty="0" smtClean="0"/>
-              <a:t>“</a:t>
-            </a:r>
-            <a:r>
-              <a:rPr lang="de-DE" dirty="0" smtClean="0"/>
+              <a:t> “</a:t>
+            </a:r>
+            <a:r>
+              <a:rPr lang="de-DE" dirty="0"/>
               <a:t>Thermalierzt</a:t>
             </a:r>
             <a:r>
-              <a:rPr lang="en-US" dirty="0" smtClean="0"/>
+              <a:rPr lang="en-US" dirty="0"/>
               <a:t>” </a:t>
             </a:r>
             <a:r>
-              <a:rPr lang="en-US" dirty="0" err="1" smtClean="0"/>
+              <a:rPr lang="en-US" dirty="0" err="1"/>
               <a:t>sind</a:t>
             </a:r>
             <a:endParaRPr lang="en-US" dirty="0"/>
@@ -4282,13 +4244,6 @@
   <p:clrMapOvr>
     <a:masterClrMapping/>
   </p:clrMapOvr>
-  <p:timing>
-    <p:tnLst>
-      <p:par>
-        <p:cTn id="1" dur="indefinite" restart="never" nodeType="tmRoot"/>
-      </p:par>
-    </p:tnLst>
-  </p:timing>
 </p:sld>
 </file>
 
@@ -4327,7 +4282,7 @@
           <a:lstStyle/>
           <a:p>
             <a:r>
-              <a:rPr lang="de-DE" dirty="0" smtClean="0"/>
+              <a:rPr lang="de-DE" dirty="0"/>
               <a:t>Unterschied zwischen Uran und Thorium Kraftwerke</a:t>
             </a:r>
             <a:endParaRPr lang="en-US" dirty="0"/>
@@ -4347,72 +4302,113 @@
         <p:spPr/>
         <p:txBody>
           <a:bodyPr>
-            <a:normAutofit lnSpcReduction="10000"/>
+            <a:normAutofit/>
           </a:bodyPr>
           <a:lstStyle/>
           <a:p>
             <a:r>
-              <a:rPr lang="de-DE" dirty="0" smtClean="0"/>
+              <a:rPr lang="de-DE" dirty="0"/>
               <a:t>Verschiedene Zyklen</a:t>
             </a:r>
           </a:p>
           <a:p>
             <a:r>
-              <a:rPr lang="de-DE" dirty="0" smtClean="0"/>
+              <a:rPr lang="de-DE" dirty="0"/>
               <a:t>Thorium tretet dreimal so oft auf wie Uran</a:t>
             </a:r>
           </a:p>
           <a:p>
-            <a:r>
-              <a:rPr lang="en-US" dirty="0" smtClean="0"/>
-              <a:t>197.9 MeV</a:t>
-            </a:r>
             <a:endParaRPr lang="en-US" dirty="0"/>
           </a:p>
           <a:p>
             <a:r>
-              <a:rPr lang="en-US" dirty="0" smtClean="0"/>
-              <a:t>Either burn 235 in thermal or 238 bred in fast</a:t>
-            </a:r>
-          </a:p>
-          <a:p>
-            <a:r>
-              <a:rPr lang="en-US" dirty="0" smtClean="0"/>
-              <a:t>By surrounding the reactor core with a moderator and then a layer (blanket) of </a:t>
-            </a:r>
-            <a:r>
-              <a:rPr lang="en-US" baseline="30000" dirty="0" smtClean="0">
-                <a:effectLst/>
-              </a:rPr>
-              <a:t>238</a:t>
-            </a:r>
-            <a:r>
-              <a:rPr lang="en-US" dirty="0" smtClean="0">
-                <a:effectLst/>
-              </a:rPr>
-              <a:t/>
-            </a:r>
-            <a:br>
-              <a:rPr lang="en-US" dirty="0" smtClean="0">
-                <a:effectLst/>
-              </a:rPr>
-            </a:br>
-            <a:r>
-              <a:rPr lang="en-US" dirty="0" smtClean="0"/>
-              <a:t>U, those neutrons can be captured and used to breed more </a:t>
-            </a:r>
-            <a:r>
-              <a:rPr lang="en-US" baseline="30000" dirty="0" smtClean="0">
-                <a:effectLst/>
-              </a:rPr>
-              <a:t>239</a:t>
-            </a:r>
-            <a:r>
-              <a:rPr lang="en-US" dirty="0" smtClean="0"/>
-              <a:t>Pu. Don’t exist because of proliferation concerns</a:t>
-            </a:r>
-          </a:p>
-          <a:p>
+              <a:rPr lang="en-US" dirty="0" err="1"/>
+              <a:t>Entweder</a:t>
+            </a:r>
+            <a:r>
+              <a:rPr lang="en-US" dirty="0"/>
+              <a:t> U235 in Thermal </a:t>
+            </a:r>
+            <a:r>
+              <a:rPr lang="en-US" dirty="0" err="1"/>
+              <a:t>verbrenen</a:t>
+            </a:r>
+            <a:r>
+              <a:rPr lang="en-US" dirty="0"/>
+              <a:t> </a:t>
+            </a:r>
+            <a:r>
+              <a:rPr lang="en-US" dirty="0" err="1"/>
+              <a:t>oder</a:t>
+            </a:r>
+            <a:r>
+              <a:rPr lang="en-US" dirty="0"/>
+              <a:t> Pu239 in Fast </a:t>
+            </a:r>
+            <a:r>
+              <a:rPr lang="en-US" dirty="0" err="1"/>
+              <a:t>zeuchten</a:t>
+            </a:r>
+            <a:endParaRPr lang="en-US" dirty="0"/>
+          </a:p>
+          <a:p>
+            <a:pPr lvl="1"/>
+            <a:r>
+              <a:rPr lang="en-US" dirty="0"/>
+              <a:t>Kern </a:t>
+            </a:r>
+            <a:r>
+              <a:rPr lang="en-US" dirty="0" err="1"/>
+              <a:t>wird</a:t>
+            </a:r>
+            <a:r>
+              <a:rPr lang="en-US" dirty="0"/>
+              <a:t> </a:t>
+            </a:r>
+            <a:r>
+              <a:rPr lang="en-US" dirty="0" err="1"/>
+              <a:t>mit</a:t>
+            </a:r>
+            <a:r>
+              <a:rPr lang="en-US" dirty="0"/>
+              <a:t> </a:t>
+            </a:r>
+            <a:r>
+              <a:rPr lang="en-US" dirty="0" err="1"/>
+              <a:t>einiem</a:t>
+            </a:r>
+            <a:r>
+              <a:rPr lang="en-US" dirty="0"/>
+              <a:t> moderator </a:t>
+            </a:r>
+            <a:r>
+              <a:rPr lang="en-US" dirty="0" err="1"/>
+              <a:t>umwickelt</a:t>
+            </a:r>
+            <a:r>
+              <a:rPr lang="en-US" dirty="0"/>
+              <a:t> und </a:t>
+            </a:r>
+            <a:r>
+              <a:rPr lang="en-US" dirty="0" err="1"/>
+              <a:t>dann</a:t>
+            </a:r>
+            <a:r>
+              <a:rPr lang="en-US" dirty="0"/>
+              <a:t> </a:t>
+            </a:r>
+            <a:r>
+              <a:rPr lang="en-US" dirty="0" err="1"/>
+              <a:t>mit</a:t>
+            </a:r>
+            <a:r>
+              <a:rPr lang="en-US" dirty="0"/>
+              <a:t> U238 </a:t>
+            </a:r>
+            <a:r>
+              <a:rPr lang="en-US" dirty="0" err="1"/>
+              <a:t>unwickelt</a:t>
+            </a:r>
             <a:endParaRPr lang="en-US" dirty="0"/>
           </a:p>
         </p:txBody>
@@ -4478,8 +4474,44 @@
         </p:blipFill>
         <p:spPr>
           <a:xfrm>
-            <a:off x="4267200" y="1524000"/>
+            <a:off x="990600" y="2745114"/>
             <a:ext cx="4374259" cy="518205"/>
+          </a:xfrm>
+          <a:prstGeom prst="rect">
+            <a:avLst/>
+          </a:prstGeom>
+        </p:spPr>
+      </p:pic>
+      <p:pic>
+        <p:nvPicPr>
+          <p:cNvPr id="7" name="Picture 6">
+            <a:extLst>
+              <a:ext uri="{FF2B5EF4-FFF2-40B4-BE49-F238E27FC236}">
+                <a16:creationId xmlns:a16="http://schemas.microsoft.com/office/drawing/2014/main" id="{AA6AE425-6E7A-49CC-84E3-315F55BD4E4A}"/>
+              </a:ext>
+            </a:extLst>
+          </p:cNvPr>
+          <p:cNvPicPr>
+            <a:picLocks noChangeAspect="1"/>
+          </p:cNvPicPr>
+          <p:nvPr/>
+        </p:nvPicPr>
+        <p:blipFill>
+          <a:blip r:embed="rId3">
+            <a:extLst>
+              <a:ext uri="{28A0092B-C50C-407E-A947-70E740481C1C}">
+                <a14:useLocalDpi xmlns:a14="http://schemas.microsoft.com/office/drawing/2010/main" val="0"/>
+              </a:ext>
+            </a:extLst>
+          </a:blip>
+          <a:stretch>
+            <a:fillRect/>
+          </a:stretch>
+        </p:blipFill>
+        <p:spPr>
+          <a:xfrm>
+            <a:off x="1066800" y="5444643"/>
+            <a:ext cx="4671465" cy="929721"/>
           </a:xfrm>
           <a:prstGeom prst="rect">
             <a:avLst/>
@@ -4496,13 +4528,6 @@
   <p:clrMapOvr>
     <a:masterClrMapping/>
   </p:clrMapOvr>
-  <p:timing>
-    <p:tnLst>
-      <p:par>
-        <p:cTn id="1" dur="indefinite" restart="never" nodeType="tmRoot"/>
-      </p:par>
-    </p:tnLst>
-  </p:timing>
 </p:sld>
 </file>
 
@@ -4538,7 +4563,19 @@
           <a:bodyPr/>
           <a:lstStyle/>
           <a:p>
-            <a:endParaRPr lang="en-US"/>
+            <a:r>
+              <a:rPr lang="en-US" dirty="0" err="1"/>
+              <a:t>Heute</a:t>
+            </a:r>
+            <a:r>
+              <a:rPr lang="en-US" dirty="0"/>
+              <a:t> </a:t>
+            </a:r>
+            <a:r>
+              <a:rPr lang="en-US" dirty="0" err="1"/>
+              <a:t>Kraftwerke</a:t>
+            </a:r>
+            <a:endParaRPr lang="en-US" dirty="0"/>
           </a:p>
         </p:txBody>
       </p:sp>
@@ -4558,96 +4595,119 @@
           <a:lstStyle/>
           <a:p>
             <a:r>
-              <a:rPr lang="en-US" dirty="0" err="1" smtClean="0"/>
+              <a:rPr lang="en-US" dirty="0" err="1"/>
               <a:t>Heute</a:t>
             </a:r>
             <a:r>
-              <a:rPr lang="en-US" dirty="0" smtClean="0"/>
-              <a:t> </a:t>
-            </a:r>
-            <a:r>
-              <a:rPr lang="en-US" dirty="0" err="1" smtClean="0"/>
+              <a:rPr lang="en-US" dirty="0"/>
+              <a:t> </a:t>
+            </a:r>
+            <a:r>
+              <a:rPr lang="en-US" dirty="0" err="1"/>
               <a:t>verbrennt</a:t>
             </a:r>
             <a:r>
-              <a:rPr lang="en-US" dirty="0" smtClean="0"/>
-              <a:t> man U235</a:t>
+              <a:rPr lang="en-US" dirty="0"/>
+              <a:t> man U235 in Thermal </a:t>
+            </a:r>
+            <a:r>
+              <a:rPr lang="en-US" dirty="0" err="1"/>
+              <a:t>unter</a:t>
+            </a:r>
+            <a:r>
+              <a:rPr lang="en-US" dirty="0"/>
+              <a:t> </a:t>
+            </a:r>
+            <a:r>
+              <a:rPr lang="en-US" dirty="0" err="1"/>
+              <a:t>sehr</a:t>
+            </a:r>
+            <a:r>
+              <a:rPr lang="en-US" dirty="0"/>
+              <a:t> </a:t>
+            </a:r>
+            <a:r>
+              <a:rPr lang="en-US" dirty="0" err="1"/>
+              <a:t>hohen</a:t>
+            </a:r>
+            <a:r>
+              <a:rPr lang="en-US" dirty="0"/>
+              <a:t> </a:t>
+            </a:r>
+            <a:r>
+              <a:rPr lang="en-US" dirty="0" err="1"/>
+              <a:t>Druck</a:t>
+            </a:r>
+            <a:r>
+              <a:rPr lang="en-US" dirty="0"/>
+              <a:t> ≈ 30 Atm</a:t>
             </a:r>
           </a:p>
           <a:p>
             <a:pPr lvl="1"/>
             <a:r>
-              <a:rPr lang="en-US" dirty="0" err="1" smtClean="0"/>
-              <a:t>Es</a:t>
-            </a:r>
-            <a:r>
-              <a:rPr lang="en-US" dirty="0" smtClean="0"/>
-              <a:t> </a:t>
-            </a:r>
-            <a:r>
-              <a:rPr lang="en-US" dirty="0" err="1" smtClean="0"/>
+              <a:rPr lang="en-US" dirty="0"/>
+              <a:t>Es </a:t>
+            </a:r>
+            <a:r>
+              <a:rPr lang="en-US" dirty="0" err="1"/>
               <a:t>existiert</a:t>
             </a:r>
             <a:r>
-              <a:rPr lang="en-US" dirty="0" smtClean="0"/>
-              <a:t> </a:t>
-            </a:r>
-            <a:r>
-              <a:rPr lang="en-US" dirty="0" err="1" smtClean="0"/>
+              <a:rPr lang="en-US" dirty="0"/>
+              <a:t> </a:t>
+            </a:r>
+            <a:r>
+              <a:rPr lang="en-US" dirty="0" err="1"/>
               <a:t>aber</a:t>
             </a:r>
             <a:r>
-              <a:rPr lang="en-US" dirty="0" smtClean="0"/>
-              <a:t> </a:t>
-            </a:r>
-            <a:r>
-              <a:rPr lang="en-US" dirty="0" err="1" smtClean="0"/>
+              <a:rPr lang="en-US" dirty="0"/>
+              <a:t> </a:t>
+            </a:r>
+            <a:r>
+              <a:rPr lang="en-US" dirty="0" err="1"/>
               <a:t>nur</a:t>
             </a:r>
             <a:r>
-              <a:rPr lang="en-US" dirty="0" smtClean="0"/>
+              <a:rPr lang="en-US" dirty="0"/>
               <a:t> so </a:t>
             </a:r>
             <a:r>
-              <a:rPr lang="en-US" dirty="0" err="1" smtClean="0"/>
+              <a:rPr lang="en-US" dirty="0" err="1"/>
               <a:t>viel</a:t>
             </a:r>
             <a:r>
-              <a:rPr lang="en-US" dirty="0" smtClean="0"/>
+              <a:rPr lang="en-US" dirty="0"/>
               <a:t> U235 auf der </a:t>
             </a:r>
             <a:r>
-              <a:rPr lang="en-US" dirty="0" err="1" smtClean="0"/>
+              <a:rPr lang="en-US" dirty="0" err="1"/>
               <a:t>Erde</a:t>
             </a:r>
-            <a:endParaRPr lang="en-US" dirty="0" smtClean="0"/>
-          </a:p>
-          <a:p>
-            <a:r>
-              <a:rPr lang="en-US" dirty="0" err="1" smtClean="0"/>
-              <a:t>Entweder</a:t>
-            </a:r>
-            <a:r>
-              <a:rPr lang="en-US" dirty="0" smtClean="0"/>
-              <a:t> “Breeden” </a:t>
-            </a:r>
-            <a:r>
-              <a:rPr lang="en-US" dirty="0" err="1" smtClean="0"/>
-              <a:t>wir</a:t>
-            </a:r>
-            <a:r>
-              <a:rPr lang="en-US" dirty="0" smtClean="0"/>
-              <a:t> Pu239 </a:t>
-            </a:r>
-            <a:r>
-              <a:rPr lang="en-US" dirty="0" err="1" smtClean="0"/>
-              <a:t>oder</a:t>
-            </a:r>
-            <a:r>
-              <a:rPr lang="en-US" dirty="0" smtClean="0"/>
-              <a:t> U233</a:t>
-            </a:r>
             <a:endParaRPr lang="en-US" dirty="0"/>
+          </a:p>
+          <a:p>
+            <a:pPr lvl="1"/>
+            <a:r>
+              <a:rPr lang="en-US" dirty="0"/>
+              <a:t>.02025ppm</a:t>
+            </a:r>
+          </a:p>
+          <a:p>
+            <a:pPr lvl="1"/>
+            <a:r>
+              <a:rPr lang="en-US" dirty="0"/>
+              <a:t>Ag </a:t>
+            </a:r>
+            <a:r>
+              <a:rPr lang="en-US" dirty="0" err="1"/>
+              <a:t>ist</a:t>
+            </a:r>
+            <a:r>
+              <a:rPr lang="en-US" dirty="0"/>
+              <a:t> .070ppm</a:t>
+            </a:r>
           </a:p>
         </p:txBody>
       </p:sp>
@@ -4673,7 +4733,7 @@
         </p:blipFill>
         <p:spPr>
           <a:xfrm>
-            <a:off x="1142999" y="4724400"/>
+            <a:off x="1081355" y="5558569"/>
             <a:ext cx="4502523" cy="533400"/>
           </a:xfrm>
           <a:prstGeom prst="rect">
@@ -4781,7 +4841,7 @@
         </p:blipFill>
         <p:spPr>
           <a:xfrm>
-            <a:off x="1143000" y="3581400"/>
+            <a:off x="1081355" y="4714485"/>
             <a:ext cx="4671465" cy="929721"/>
           </a:xfrm>
           <a:prstGeom prst="rect">
@@ -4799,13 +4859,6 @@
   <p:clrMapOvr>
     <a:masterClrMapping/>
   </p:clrMapOvr>
-  <p:timing>
-    <p:tnLst>
-      <p:par>
-        <p:cTn id="1" dur="indefinite" restart="never" nodeType="tmRoot"/>
-      </p:par>
-    </p:tnLst>
-  </p:timing>
 </p:sld>
 </file>
 
@@ -4842,14 +4895,13 @@
           <a:lstStyle/>
           <a:p>
             <a:r>
-              <a:rPr lang="en-US" dirty="0" err="1" smtClean="0"/>
+              <a:rPr lang="en-US" dirty="0" err="1"/>
               <a:t>Vorteile</a:t>
             </a:r>
             <a:r>
-              <a:rPr lang="en-US" dirty="0" smtClean="0"/>
+              <a:rPr lang="en-US" dirty="0"/>
               <a:t> von U233</a:t>
             </a:r>
-            <a:endParaRPr lang="en-US" dirty="0"/>
           </a:p>
         </p:txBody>
       </p:sp>
@@ -4876,301 +4928,296 @@
           <a:lstStyle/>
           <a:p>
             <a:r>
-              <a:rPr lang="en-US" sz="2000" dirty="0" err="1" smtClean="0"/>
+              <a:rPr lang="en-US" sz="2000" dirty="0" err="1"/>
               <a:t>Groessere</a:t>
             </a:r>
             <a:r>
-              <a:rPr lang="en-US" sz="2000" dirty="0" smtClean="0"/>
-              <a:t> </a:t>
-            </a:r>
-            <a:r>
-              <a:rPr lang="en-US" sz="2000" dirty="0" err="1" smtClean="0"/>
+              <a:rPr lang="en-US" sz="2000" dirty="0"/>
+              <a:t> </a:t>
+            </a:r>
+            <a:r>
+              <a:rPr lang="en-US" sz="2000" dirty="0" err="1"/>
               <a:t>Reserven</a:t>
             </a:r>
-            <a:endParaRPr lang="en-US" sz="2000" dirty="0" smtClean="0"/>
-          </a:p>
-          <a:p>
-            <a:r>
-              <a:rPr lang="en-US" sz="2000" dirty="0" err="1" smtClean="0"/>
+            <a:endParaRPr lang="en-US" sz="2000" dirty="0"/>
+          </a:p>
+          <a:p>
+            <a:r>
+              <a:rPr lang="en-US" sz="2000" dirty="0" err="1"/>
               <a:t>Sehr</a:t>
             </a:r>
             <a:r>
-              <a:rPr lang="en-US" sz="2000" dirty="0" smtClean="0"/>
-              <a:t> </a:t>
-            </a:r>
-            <a:r>
-              <a:rPr lang="en-US" sz="2000" dirty="0" err="1" smtClean="0"/>
+              <a:rPr lang="en-US" sz="2000" dirty="0"/>
+              <a:t> </a:t>
+            </a:r>
+            <a:r>
+              <a:rPr lang="en-US" sz="2000" dirty="0" err="1"/>
               <a:t>schwer</a:t>
             </a:r>
             <a:r>
-              <a:rPr lang="en-US" sz="2000" dirty="0" smtClean="0"/>
+              <a:rPr lang="en-US" sz="2000" dirty="0"/>
               <a:t> Atom </a:t>
             </a:r>
             <a:r>
-              <a:rPr lang="en-US" sz="2000" dirty="0" err="1" smtClean="0"/>
+              <a:rPr lang="en-US" sz="2000" dirty="0" err="1"/>
               <a:t>Bomben</a:t>
             </a:r>
             <a:r>
-              <a:rPr lang="en-US" sz="2000" dirty="0" smtClean="0"/>
+              <a:rPr lang="en-US" sz="2000" dirty="0"/>
               <a:t> dammit </a:t>
             </a:r>
             <a:r>
-              <a:rPr lang="en-US" sz="2000" dirty="0" err="1" smtClean="0"/>
+              <a:rPr lang="en-US" sz="2000" dirty="0" err="1"/>
               <a:t>zu</a:t>
             </a:r>
             <a:r>
-              <a:rPr lang="en-US" sz="2000" dirty="0" smtClean="0"/>
-              <a:t> </a:t>
-            </a:r>
-            <a:r>
-              <a:rPr lang="en-US" sz="2000" dirty="0" err="1" smtClean="0"/>
+              <a:rPr lang="en-US" sz="2000" dirty="0"/>
+              <a:t> </a:t>
+            </a:r>
+            <a:r>
+              <a:rPr lang="en-US" sz="2000" dirty="0" err="1"/>
               <a:t>bauen</a:t>
             </a:r>
-            <a:endParaRPr lang="en-US" sz="2000" dirty="0" smtClean="0"/>
+            <a:endParaRPr lang="en-US" sz="2000" dirty="0"/>
           </a:p>
           <a:p>
             <a:pPr lvl="1"/>
             <a:r>
-              <a:rPr lang="en-US" sz="2000" dirty="0" err="1" smtClean="0"/>
+              <a:rPr lang="en-US" sz="2000" dirty="0" err="1"/>
               <a:t>Mit</a:t>
             </a:r>
             <a:r>
-              <a:rPr lang="en-US" sz="2000" dirty="0" smtClean="0"/>
-              <a:t> </a:t>
-            </a:r>
-            <a:r>
-              <a:rPr lang="en-US" sz="2000" dirty="0" err="1" smtClean="0"/>
+              <a:rPr lang="en-US" sz="2000" dirty="0"/>
+              <a:t> </a:t>
+            </a:r>
+            <a:r>
+              <a:rPr lang="en-US" sz="2000" dirty="0" err="1"/>
               <a:t>dem</a:t>
             </a:r>
             <a:r>
-              <a:rPr lang="en-US" sz="2000" dirty="0" smtClean="0"/>
-              <a:t> </a:t>
-            </a:r>
-            <a:r>
-              <a:rPr lang="en-US" sz="2000" dirty="0" err="1" smtClean="0"/>
+              <a:rPr lang="en-US" sz="2000" dirty="0"/>
+              <a:t> </a:t>
+            </a:r>
+            <a:r>
+              <a:rPr lang="en-US" sz="2000" dirty="0" err="1"/>
               <a:t>zuechten</a:t>
             </a:r>
             <a:r>
-              <a:rPr lang="en-US" sz="2000" dirty="0" smtClean="0"/>
+              <a:rPr lang="en-US" sz="2000" dirty="0"/>
               <a:t> von U233 </a:t>
             </a:r>
             <a:r>
-              <a:rPr lang="en-US" sz="2000" dirty="0" err="1" smtClean="0"/>
+              <a:rPr lang="en-US" sz="2000" dirty="0" err="1"/>
               <a:t>wird</a:t>
             </a:r>
             <a:r>
-              <a:rPr lang="en-US" sz="2000" dirty="0" smtClean="0"/>
-              <a:t> </a:t>
-            </a:r>
-            <a:r>
-              <a:rPr lang="en-US" sz="2000" dirty="0" err="1" smtClean="0"/>
+              <a:rPr lang="en-US" sz="2000" dirty="0"/>
+              <a:t> </a:t>
+            </a:r>
+            <a:r>
+              <a:rPr lang="en-US" sz="2000" dirty="0" err="1"/>
               <a:t>auch</a:t>
             </a:r>
             <a:r>
-              <a:rPr lang="en-US" sz="2000" dirty="0" smtClean="0"/>
+              <a:rPr lang="en-US" sz="2000" dirty="0"/>
               <a:t> U232 </a:t>
             </a:r>
             <a:r>
-              <a:rPr lang="en-US" sz="2000" dirty="0" err="1" smtClean="0"/>
+              <a:rPr lang="en-US" sz="2000" dirty="0" err="1"/>
               <a:t>erzeugt</a:t>
             </a:r>
             <a:r>
-              <a:rPr lang="en-US" sz="2000" dirty="0" smtClean="0"/>
+              <a:rPr lang="en-US" sz="2000" dirty="0"/>
               <a:t>. U232-Viel </a:t>
             </a:r>
             <a:r>
-              <a:rPr lang="en-US" sz="2000" dirty="0" err="1" smtClean="0"/>
+              <a:rPr lang="en-US" sz="2000" dirty="0" err="1"/>
               <a:t>Gammastrahlung</a:t>
             </a:r>
             <a:r>
-              <a:rPr lang="en-US" sz="2000" dirty="0" smtClean="0"/>
-              <a:t> </a:t>
-            </a:r>
-          </a:p>
-          <a:p>
-            <a:r>
-              <a:rPr lang="en-US" sz="2000" dirty="0" smtClean="0"/>
+              <a:rPr lang="en-US" sz="2000" dirty="0"/>
+              <a:t> </a:t>
+            </a:r>
+          </a:p>
+          <a:p>
+            <a:r>
+              <a:rPr lang="en-US" sz="2000" dirty="0"/>
               <a:t>Man </a:t>
             </a:r>
             <a:r>
-              <a:rPr lang="en-US" sz="2000" dirty="0" err="1" smtClean="0"/>
+              <a:rPr lang="en-US" sz="2000" dirty="0" err="1"/>
               <a:t>kann</a:t>
             </a:r>
             <a:r>
-              <a:rPr lang="en-US" sz="2000" dirty="0" smtClean="0"/>
-              <a:t> </a:t>
-            </a:r>
-            <a:r>
-              <a:rPr lang="en-US" sz="2000" dirty="0" err="1" smtClean="0"/>
+              <a:rPr lang="en-US" sz="2000" dirty="0"/>
+              <a:t> </a:t>
+            </a:r>
+            <a:r>
+              <a:rPr lang="en-US" sz="2000" dirty="0" err="1"/>
               <a:t>im</a:t>
             </a:r>
             <a:r>
-              <a:rPr lang="en-US" sz="2000" dirty="0" smtClean="0"/>
+              <a:rPr lang="en-US" sz="2000" dirty="0"/>
               <a:t> Thermal </a:t>
             </a:r>
             <a:r>
-              <a:rPr lang="en-US" sz="2000" dirty="0" err="1" smtClean="0"/>
+              <a:rPr lang="en-US" sz="2000" dirty="0" err="1"/>
               <a:t>Spektrum</a:t>
             </a:r>
             <a:r>
-              <a:rPr lang="en-US" sz="2000" dirty="0" smtClean="0"/>
-              <a:t> </a:t>
-            </a:r>
-            <a:r>
-              <a:rPr lang="en-US" sz="2000" dirty="0" err="1" smtClean="0"/>
+              <a:rPr lang="en-US" sz="2000" dirty="0"/>
+              <a:t> </a:t>
+            </a:r>
+            <a:r>
+              <a:rPr lang="en-US" sz="2000" dirty="0" err="1"/>
               <a:t>arbeiten</a:t>
             </a:r>
-            <a:endParaRPr lang="en-US" sz="2000" dirty="0" smtClean="0"/>
+            <a:endParaRPr lang="en-US" sz="2000" dirty="0"/>
           </a:p>
           <a:p>
             <a:pPr lvl="1"/>
             <a:r>
-              <a:rPr lang="en-US" sz="2000" dirty="0" smtClean="0"/>
+              <a:rPr lang="en-US" sz="2000" dirty="0"/>
               <a:t>Hat den </a:t>
             </a:r>
             <a:r>
-              <a:rPr lang="en-US" sz="2000" dirty="0" err="1" smtClean="0"/>
+              <a:rPr lang="en-US" sz="2000" dirty="0" err="1"/>
               <a:t>Vorteile</a:t>
             </a:r>
             <a:r>
-              <a:rPr lang="en-US" sz="2000" dirty="0" smtClean="0"/>
+              <a:rPr lang="en-US" sz="2000" dirty="0"/>
               <a:t>, </a:t>
             </a:r>
             <a:r>
-              <a:rPr lang="en-US" sz="2000" dirty="0" err="1" smtClean="0"/>
+              <a:rPr lang="en-US" sz="2000" dirty="0" err="1"/>
               <a:t>dass</a:t>
             </a:r>
             <a:r>
-              <a:rPr lang="en-US" sz="2000" dirty="0" smtClean="0"/>
-              <a:t> </a:t>
-            </a:r>
-            <a:r>
-              <a:rPr lang="en-US" sz="2000" dirty="0" err="1" smtClean="0"/>
+              <a:rPr lang="en-US" sz="2000" dirty="0"/>
+              <a:t> </a:t>
+            </a:r>
+            <a:r>
+              <a:rPr lang="en-US" sz="2000" dirty="0" err="1"/>
               <a:t>bei</a:t>
             </a:r>
             <a:r>
-              <a:rPr lang="en-US" sz="2000" dirty="0" smtClean="0"/>
-              <a:t> </a:t>
-            </a:r>
-            <a:r>
-              <a:rPr lang="en-US" sz="2000" dirty="0" err="1" smtClean="0"/>
+              <a:rPr lang="en-US" sz="2000" dirty="0"/>
+              <a:t> </a:t>
+            </a:r>
+            <a:r>
+              <a:rPr lang="en-US" sz="2000" dirty="0" err="1"/>
               <a:t>einen</a:t>
             </a:r>
             <a:r>
-              <a:rPr lang="en-US" sz="2000" dirty="0" smtClean="0"/>
+              <a:rPr lang="en-US" sz="2000" dirty="0"/>
               <a:t> </a:t>
             </a:r>
             <a:r>
               <a:rPr lang="en-US" sz="2000" dirty="0" err="1"/>
-              <a:t>V</a:t>
-            </a:r>
-            <a:r>
-              <a:rPr lang="en-US" sz="2000" dirty="0" err="1" smtClean="0"/>
-              <a:t>erlust</a:t>
-            </a:r>
-            <a:r>
-              <a:rPr lang="en-US" sz="2000" dirty="0" smtClean="0"/>
+              <a:t>Verlust</a:t>
+            </a:r>
+            <a:r>
+              <a:rPr lang="en-US" sz="2000" dirty="0"/>
               <a:t> von </a:t>
             </a:r>
             <a:r>
-              <a:rPr lang="en-US" sz="2000" dirty="0" err="1" smtClean="0"/>
+              <a:rPr lang="en-US" sz="2000" dirty="0" err="1"/>
               <a:t>dem</a:t>
             </a:r>
             <a:r>
-              <a:rPr lang="en-US" sz="2000" dirty="0" smtClean="0"/>
+              <a:rPr lang="en-US" sz="2000" dirty="0"/>
               <a:t> Moderator die </a:t>
             </a:r>
             <a:r>
-              <a:rPr lang="en-US" sz="2000" dirty="0" err="1" smtClean="0"/>
+              <a:rPr lang="en-US" sz="2000" dirty="0" err="1"/>
               <a:t>Neutronen</a:t>
             </a:r>
             <a:r>
-              <a:rPr lang="en-US" sz="2000" dirty="0" smtClean="0"/>
-              <a:t> </a:t>
-            </a:r>
-            <a:r>
-              <a:rPr lang="en-US" sz="2000" dirty="0" err="1" smtClean="0"/>
+              <a:rPr lang="en-US" sz="2000" dirty="0"/>
+              <a:t> </a:t>
+            </a:r>
+            <a:r>
+              <a:rPr lang="en-US" sz="2000" dirty="0" err="1"/>
               <a:t>zu</a:t>
             </a:r>
             <a:r>
-              <a:rPr lang="en-US" sz="2000" dirty="0" smtClean="0"/>
-              <a:t> </a:t>
-            </a:r>
-            <a:r>
-              <a:rPr lang="en-US" sz="2000" dirty="0" err="1" smtClean="0"/>
+              <a:rPr lang="en-US" sz="2000" dirty="0"/>
+              <a:t> </a:t>
+            </a:r>
+            <a:r>
+              <a:rPr lang="en-US" sz="2000" dirty="0" err="1"/>
               <a:t>schnell</a:t>
             </a:r>
             <a:r>
-              <a:rPr lang="en-US" sz="2000" dirty="0" smtClean="0"/>
-              <a:t> </a:t>
-            </a:r>
-            <a:r>
-              <a:rPr lang="en-US" sz="2000" dirty="0" err="1" smtClean="0"/>
+              <a:rPr lang="en-US" sz="2000" dirty="0"/>
+              <a:t> </a:t>
+            </a:r>
+            <a:r>
+              <a:rPr lang="en-US" sz="2000" dirty="0" err="1"/>
               <a:t>fliegen</a:t>
             </a:r>
             <a:r>
-              <a:rPr lang="en-US" sz="2000" dirty="0" smtClean="0"/>
+              <a:rPr lang="en-US" sz="2000" dirty="0"/>
               <a:t> und das </a:t>
             </a:r>
             <a:r>
-              <a:rPr lang="en-US" sz="2000" dirty="0" err="1" smtClean="0"/>
+              <a:rPr lang="en-US" sz="2000" dirty="0" err="1"/>
               <a:t>als</a:t>
             </a:r>
             <a:r>
-              <a:rPr lang="en-US" sz="2000" dirty="0" smtClean="0"/>
-              <a:t> </a:t>
-            </a:r>
-            <a:r>
-              <a:rPr lang="en-US" sz="2000" dirty="0" err="1" smtClean="0"/>
+              <a:rPr lang="en-US" sz="2000" dirty="0"/>
+              <a:t> </a:t>
+            </a:r>
+            <a:r>
+              <a:rPr lang="en-US" sz="2000" dirty="0" err="1"/>
               <a:t>Folge</a:t>
             </a:r>
             <a:r>
-              <a:rPr lang="en-US" sz="2000" dirty="0" smtClean="0"/>
+              <a:rPr lang="en-US" sz="2000" dirty="0"/>
               <a:t> die </a:t>
             </a:r>
             <a:r>
-              <a:rPr lang="en-US" sz="2000" dirty="0" err="1" smtClean="0"/>
+              <a:rPr lang="en-US" sz="2000" dirty="0" err="1"/>
               <a:t>Leistung</a:t>
             </a:r>
             <a:r>
-              <a:rPr lang="en-US" sz="2000" dirty="0" smtClean="0"/>
-              <a:t> </a:t>
-            </a:r>
-            <a:r>
-              <a:rPr lang="en-US" sz="2000" dirty="0" err="1" smtClean="0"/>
+              <a:rPr lang="en-US" sz="2000" dirty="0"/>
+              <a:t> </a:t>
+            </a:r>
+            <a:r>
+              <a:rPr lang="en-US" sz="2000" dirty="0" err="1"/>
               <a:t>faelt</a:t>
             </a:r>
             <a:r>
-              <a:rPr lang="en-US" sz="2000" dirty="0" smtClean="0"/>
+              <a:rPr lang="en-US" sz="2000" dirty="0"/>
               <a:t>.</a:t>
             </a:r>
           </a:p>
           <a:p>
             <a:r>
-              <a:rPr lang="en-US" sz="2400" dirty="0" err="1" smtClean="0"/>
+              <a:rPr lang="en-US" sz="2400" dirty="0" err="1"/>
               <a:t>Wahrscheinlich</a:t>
             </a:r>
             <a:r>
-              <a:rPr lang="en-US" sz="2400" dirty="0" smtClean="0"/>
-              <a:t> </a:t>
-            </a:r>
-            <a:r>
-              <a:rPr lang="en-US" sz="2400" dirty="0" err="1" smtClean="0"/>
+              <a:rPr lang="en-US" sz="2400" dirty="0"/>
+              <a:t> </a:t>
+            </a:r>
+            <a:r>
+              <a:rPr lang="en-US" sz="2400" dirty="0" err="1"/>
               <a:t>billiger</a:t>
             </a:r>
             <a:r>
-              <a:rPr lang="en-US" sz="2400" dirty="0" smtClean="0"/>
-              <a:t> </a:t>
-            </a:r>
-            <a:r>
-              <a:rPr lang="en-US" sz="2400" dirty="0" err="1" smtClean="0"/>
+              <a:rPr lang="en-US" sz="2400" dirty="0"/>
+              <a:t> </a:t>
+            </a:r>
+            <a:r>
+              <a:rPr lang="en-US" sz="2400" dirty="0" err="1"/>
               <a:t>als</a:t>
             </a:r>
             <a:r>
-              <a:rPr lang="en-US" sz="2400" dirty="0" smtClean="0"/>
+              <a:rPr lang="en-US" sz="2400" dirty="0"/>
               <a:t> U238</a:t>
             </a:r>
-            <a:endParaRPr lang="en-US" sz="2400" dirty="0"/>
           </a:p>
         </p:txBody>
       </p:sp>
@@ -5184,13 +5231,6 @@
   <p:clrMapOvr>
     <a:masterClrMapping/>
   </p:clrMapOvr>
-  <p:timing>
-    <p:tnLst>
-      <p:par>
-        <p:cTn id="1" dur="indefinite" restart="never" nodeType="tmRoot"/>
-      </p:par>
-    </p:tnLst>
-  </p:timing>
 </p:sld>
 </file>
 
@@ -5227,10 +5267,9 @@
           <a:lstStyle/>
           <a:p>
             <a:r>
-              <a:rPr lang="en-US" dirty="0" smtClean="0"/>
+              <a:rPr lang="en-US" dirty="0"/>
               <a:t>MSRs </a:t>
             </a:r>
-            <a:endParaRPr lang="en-US" dirty="0"/>
           </a:p>
         </p:txBody>
       </p:sp>
@@ -5244,77 +5283,82 @@
             <p:ph idx="1"/>
           </p:nvPr>
         </p:nvSpPr>
-        <p:spPr/>
+        <p:spPr>
+          <a:xfrm>
+            <a:off x="484598" y="1417638"/>
+            <a:ext cx="8229600" cy="4525963"/>
+          </a:xfrm>
+        </p:spPr>
         <p:txBody>
           <a:bodyPr/>
           <a:lstStyle/>
           <a:p>
             <a:r>
-              <a:rPr lang="en-US" sz="2000" dirty="0" err="1" smtClean="0"/>
+              <a:rPr lang="en-US" sz="2000" dirty="0" err="1"/>
               <a:t>Bis</a:t>
             </a:r>
             <a:r>
-              <a:rPr lang="en-US" sz="2000" dirty="0" smtClean="0"/>
-              <a:t> </a:t>
-            </a:r>
-            <a:r>
-              <a:rPr lang="en-US" sz="2000" dirty="0" err="1" smtClean="0"/>
+              <a:rPr lang="en-US" sz="2000" dirty="0"/>
+              <a:t> </a:t>
+            </a:r>
+            <a:r>
+              <a:rPr lang="en-US" sz="2000" dirty="0" err="1"/>
               <a:t>jetzt</a:t>
             </a:r>
             <a:r>
-              <a:rPr lang="en-US" sz="2000" dirty="0" smtClean="0"/>
-              <a:t> </a:t>
-            </a:r>
-            <a:r>
-              <a:rPr lang="en-US" sz="2000" dirty="0" err="1" smtClean="0"/>
+              <a:rPr lang="en-US" sz="2000" dirty="0"/>
+              <a:t> </a:t>
+            </a:r>
+            <a:r>
+              <a:rPr lang="en-US" sz="2000" dirty="0" err="1"/>
               <a:t>hab</a:t>
             </a:r>
             <a:r>
-              <a:rPr lang="en-US" sz="2000" dirty="0" smtClean="0"/>
-              <a:t> </a:t>
-            </a:r>
-            <a:r>
-              <a:rPr lang="en-US" sz="2000" dirty="0" err="1" smtClean="0"/>
+              <a:rPr lang="en-US" sz="2000" dirty="0"/>
+              <a:t> </a:t>
+            </a:r>
+            <a:r>
+              <a:rPr lang="en-US" sz="2000" dirty="0" err="1"/>
               <a:t>ich</a:t>
             </a:r>
             <a:r>
-              <a:rPr lang="en-US" sz="2000" dirty="0" smtClean="0"/>
-              <a:t> </a:t>
-            </a:r>
-            <a:r>
-              <a:rPr lang="en-US" sz="2000" dirty="0" err="1" smtClean="0"/>
+              <a:rPr lang="en-US" sz="2000" dirty="0"/>
+              <a:t> </a:t>
+            </a:r>
+            <a:r>
+              <a:rPr lang="en-US" sz="2000" dirty="0" err="1"/>
               <a:t>nur</a:t>
             </a:r>
             <a:r>
-              <a:rPr lang="en-US" sz="2000" dirty="0" smtClean="0"/>
-              <a:t> </a:t>
-            </a:r>
-            <a:r>
-              <a:rPr lang="en-US" sz="2000" dirty="0" err="1" smtClean="0"/>
+              <a:rPr lang="en-US" sz="2000" dirty="0"/>
+              <a:t> </a:t>
+            </a:r>
+            <a:r>
+              <a:rPr lang="en-US" sz="2000" dirty="0" err="1"/>
               <a:t>ueber</a:t>
             </a:r>
             <a:r>
-              <a:rPr lang="en-US" sz="2000" dirty="0" smtClean="0"/>
-              <a:t> </a:t>
-            </a:r>
-            <a:r>
-              <a:rPr lang="en-US" sz="2000" dirty="0" err="1" smtClean="0"/>
+              <a:rPr lang="en-US" sz="2000" dirty="0"/>
+              <a:t> </a:t>
+            </a:r>
+            <a:r>
+              <a:rPr lang="en-US" sz="2000" dirty="0" err="1"/>
               <a:t>Festen</a:t>
             </a:r>
             <a:r>
-              <a:rPr lang="en-US" sz="2000" dirty="0" smtClean="0"/>
-              <a:t> </a:t>
-            </a:r>
-            <a:r>
-              <a:rPr lang="en-US" sz="2000" dirty="0" err="1" smtClean="0"/>
+              <a:rPr lang="en-US" sz="2000" dirty="0"/>
+              <a:t> </a:t>
+            </a:r>
+            <a:r>
+              <a:rPr lang="en-US" sz="2000" dirty="0" err="1"/>
               <a:t>Brenstoff</a:t>
             </a:r>
             <a:r>
-              <a:rPr lang="en-US" sz="2000" dirty="0" smtClean="0"/>
-              <a:t> </a:t>
-            </a:r>
-            <a:r>
-              <a:rPr lang="en-US" sz="2000" dirty="0" err="1" smtClean="0"/>
+              <a:rPr lang="en-US" sz="2000" dirty="0"/>
+              <a:t> </a:t>
+            </a:r>
+            <a:r>
+              <a:rPr lang="en-US" sz="2000" dirty="0" err="1"/>
               <a:t>geredet</a:t>
             </a:r>
             <a:endParaRPr lang="en-US" sz="2000" dirty="0"/>
@@ -5322,52 +5366,51 @@
           <a:p>
             <a:pPr lvl="1"/>
             <a:r>
-              <a:rPr lang="en-US" sz="2000" dirty="0" err="1" smtClean="0"/>
+              <a:rPr lang="en-US" sz="2000" dirty="0" err="1"/>
               <a:t>Es</a:t>
             </a:r>
             <a:r>
-              <a:rPr lang="en-US" sz="2000" dirty="0" smtClean="0"/>
-              <a:t> </a:t>
-            </a:r>
-            <a:r>
-              <a:rPr lang="en-US" sz="2000" dirty="0" err="1" smtClean="0"/>
+              <a:rPr lang="en-US" sz="2000" dirty="0"/>
+              <a:t> </a:t>
+            </a:r>
+            <a:r>
+              <a:rPr lang="en-US" sz="2000" dirty="0" err="1"/>
               <a:t>gibts</a:t>
             </a:r>
             <a:r>
-              <a:rPr lang="en-US" sz="2000" dirty="0" smtClean="0"/>
-              <a:t> </a:t>
-            </a:r>
-            <a:r>
-              <a:rPr lang="en-US" sz="2000" dirty="0" err="1" smtClean="0"/>
+              <a:rPr lang="en-US" sz="2000" dirty="0"/>
+              <a:t> </a:t>
+            </a:r>
+            <a:r>
+              <a:rPr lang="en-US" sz="2000" dirty="0" err="1"/>
               <a:t>auch</a:t>
             </a:r>
             <a:r>
-              <a:rPr lang="en-US" sz="2000" dirty="0" smtClean="0"/>
-              <a:t> </a:t>
-            </a:r>
-            <a:r>
-              <a:rPr lang="en-US" sz="2000" dirty="0" err="1" smtClean="0"/>
+              <a:rPr lang="en-US" sz="2000" dirty="0"/>
+              <a:t> </a:t>
+            </a:r>
+            <a:r>
+              <a:rPr lang="en-US" sz="2000" dirty="0" err="1"/>
               <a:t>fluessige</a:t>
             </a:r>
             <a:r>
-              <a:rPr lang="en-US" sz="2000" dirty="0" smtClean="0"/>
-              <a:t> </a:t>
-            </a:r>
-            <a:r>
-              <a:rPr lang="en-US" sz="2000" dirty="0" err="1" smtClean="0"/>
+              <a:rPr lang="en-US" sz="2000" dirty="0"/>
+              <a:t> </a:t>
+            </a:r>
+            <a:r>
+              <a:rPr lang="en-US" sz="2000" dirty="0" err="1"/>
               <a:t>Kernreaktoren</a:t>
             </a:r>
             <a:r>
-              <a:rPr lang="en-US" dirty="0" smtClean="0"/>
+              <a:rPr lang="en-US" dirty="0"/>
               <a:t>	</a:t>
             </a:r>
-            <a:endParaRPr lang="en-US" dirty="0"/>
           </a:p>
           <a:p>
             <a:pPr marL="457200" lvl="1" indent="0">
               <a:buNone/>
             </a:pPr>
-            <a:endParaRPr lang="en-US" dirty="0" smtClean="0"/>
+            <a:endParaRPr lang="en-US" dirty="0"/>
           </a:p>
         </p:txBody>
       </p:sp>
@@ -5394,7 +5437,7 @@
         </p:blipFill>
         <p:spPr bwMode="auto">
           <a:xfrm>
-            <a:off x="685800" y="2362200"/>
+            <a:off x="762000" y="2242976"/>
             <a:ext cx="6248400" cy="4581633"/>
           </a:xfrm>
           <a:prstGeom prst="rect">
@@ -5422,13 +5465,6 @@
   <p:clrMapOvr>
     <a:masterClrMapping/>
   </p:clrMapOvr>
-  <p:timing>
-    <p:tnLst>
-      <p:par>
-        <p:cTn id="1" dur="indefinite" restart="never" nodeType="tmRoot"/>
-      </p:par>
-    </p:tnLst>
-  </p:timing>
 </p:sld>
 </file>
 
@@ -5465,7 +5501,7 @@
           <a:lstStyle/>
           <a:p>
             <a:r>
-              <a:rPr lang="en-US" dirty="0" err="1" smtClean="0"/>
+              <a:rPr lang="en-US" dirty="0" err="1"/>
               <a:t>Kernreacktoren</a:t>
             </a:r>
             <a:endParaRPr lang="en-US" dirty="0"/>
@@ -5493,27 +5529,27 @@
           <a:lstStyle/>
           <a:p>
             <a:r>
-              <a:rPr lang="en-US" sz="2000" dirty="0" err="1" smtClean="0"/>
+              <a:rPr lang="en-US" sz="2000" dirty="0" err="1"/>
               <a:t>Brennstaeben</a:t>
             </a:r>
             <a:r>
-              <a:rPr lang="en-US" sz="2000" dirty="0" smtClean="0"/>
-              <a:t> </a:t>
-            </a:r>
-            <a:r>
-              <a:rPr lang="en-US" sz="2000" dirty="0" err="1" smtClean="0"/>
+              <a:rPr lang="en-US" sz="2000" dirty="0"/>
+              <a:t> </a:t>
+            </a:r>
+            <a:r>
+              <a:rPr lang="en-US" sz="2000" dirty="0" err="1"/>
               <a:t>enthalten</a:t>
             </a:r>
             <a:r>
-              <a:rPr lang="en-US" sz="2000" dirty="0" smtClean="0"/>
-              <a:t> </a:t>
-            </a:r>
-            <a:r>
-              <a:rPr lang="en-US" sz="2000" dirty="0" err="1" smtClean="0"/>
+              <a:rPr lang="en-US" sz="2000" dirty="0"/>
+              <a:t> </a:t>
+            </a:r>
+            <a:r>
+              <a:rPr lang="en-US" sz="2000" dirty="0" err="1"/>
               <a:t>noch</a:t>
             </a:r>
             <a:r>
-              <a:rPr lang="en-US" sz="2000" dirty="0" smtClean="0"/>
+              <a:rPr lang="en-US" sz="2000" dirty="0"/>
               <a:t> 96%</a:t>
             </a:r>
           </a:p>
@@ -5523,30 +5559,26 @@
             </a:pPr>
             <a:r>
               <a:rPr lang="en-US" sz="2000" dirty="0" err="1"/>
-              <a:t>i</a:t>
-            </a:r>
-            <a:r>
-              <a:rPr lang="en-US" sz="2000" dirty="0" err="1" smtClean="0"/>
-              <a:t>hres</a:t>
-            </a:r>
-            <a:r>
-              <a:rPr lang="en-US" sz="2000" dirty="0" smtClean="0"/>
-              <a:t> </a:t>
-            </a:r>
-            <a:r>
-              <a:rPr lang="en-US" sz="2000" dirty="0" err="1" smtClean="0"/>
+              <a:t>ihres</a:t>
+            </a:r>
+            <a:r>
+              <a:rPr lang="en-US" sz="2000" dirty="0"/>
+              <a:t> </a:t>
+            </a:r>
+            <a:r>
+              <a:rPr lang="en-US" sz="2000" dirty="0" err="1"/>
               <a:t>urspruengliches</a:t>
             </a:r>
             <a:r>
-              <a:rPr lang="en-US" sz="2000" dirty="0" smtClean="0"/>
-              <a:t> </a:t>
-            </a:r>
-            <a:r>
-              <a:rPr lang="en-US" sz="2000" dirty="0" err="1" smtClean="0"/>
+              <a:rPr lang="en-US" sz="2000" dirty="0"/>
+              <a:t> </a:t>
+            </a:r>
+            <a:r>
+              <a:rPr lang="en-US" sz="2000" dirty="0" err="1"/>
               <a:t>Urans-davon</a:t>
             </a:r>
             <a:r>
-              <a:rPr lang="en-US" sz="2000" dirty="0" smtClean="0"/>
+              <a:rPr lang="en-US" sz="2000" dirty="0"/>
               <a:t> 1%</a:t>
             </a:r>
           </a:p>
@@ -5555,37 +5587,37 @@
               <a:buNone/>
             </a:pPr>
             <a:r>
-              <a:rPr lang="en-US" sz="2000" dirty="0" smtClean="0"/>
+              <a:rPr lang="en-US" sz="2000" dirty="0"/>
               <a:t>U235</a:t>
             </a:r>
           </a:p>
           <a:p>
             <a:r>
-              <a:rPr lang="en-US" sz="2000" dirty="0" smtClean="0"/>
+              <a:rPr lang="en-US" sz="2000" dirty="0"/>
               <a:t>MSRs </a:t>
             </a:r>
             <a:r>
-              <a:rPr lang="en-US" sz="2000" dirty="0" err="1" smtClean="0"/>
+              <a:rPr lang="en-US" sz="2000" dirty="0" err="1"/>
               <a:t>Koennen</a:t>
             </a:r>
             <a:r>
-              <a:rPr lang="en-US" sz="2000" dirty="0" smtClean="0"/>
-              <a:t> </a:t>
-            </a:r>
-            <a:r>
-              <a:rPr lang="en-US" sz="2000" dirty="0" err="1" smtClean="0"/>
+              <a:rPr lang="en-US" sz="2000" dirty="0"/>
+              <a:t> </a:t>
+            </a:r>
+            <a:r>
+              <a:rPr lang="en-US" sz="2000" dirty="0" err="1"/>
               <a:t>ihren</a:t>
             </a:r>
             <a:r>
-              <a:rPr lang="en-US" sz="2000" dirty="0" smtClean="0"/>
-              <a:t> </a:t>
-            </a:r>
-            <a:r>
-              <a:rPr lang="en-US" sz="2000" dirty="0" err="1" smtClean="0"/>
+              <a:rPr lang="en-US" sz="2000" dirty="0"/>
+              <a:t> </a:t>
+            </a:r>
+            <a:r>
+              <a:rPr lang="en-US" sz="2000" dirty="0" err="1"/>
               <a:t>ganzen</a:t>
             </a:r>
             <a:r>
-              <a:rPr lang="en-US" sz="2000" dirty="0" smtClean="0"/>
+              <a:rPr lang="en-US" sz="2000" dirty="0"/>
               <a:t> </a:t>
             </a:r>
           </a:p>
@@ -5594,18 +5626,18 @@
               <a:buNone/>
             </a:pPr>
             <a:r>
-              <a:rPr lang="en-US" sz="2000" dirty="0" err="1" smtClean="0"/>
+              <a:rPr lang="en-US" sz="2000" dirty="0" err="1"/>
               <a:t>Brennstoffbedarf</a:t>
             </a:r>
             <a:r>
-              <a:rPr lang="en-US" sz="2000" dirty="0" smtClean="0"/>
-              <a:t> </a:t>
-            </a:r>
-            <a:r>
-              <a:rPr lang="en-US" sz="2000" dirty="0" err="1" smtClean="0"/>
+              <a:rPr lang="en-US" sz="2000" dirty="0"/>
+              <a:t> </a:t>
+            </a:r>
+            <a:r>
+              <a:rPr lang="en-US" sz="2000" dirty="0" err="1"/>
               <a:t>verbrennen</a:t>
             </a:r>
-            <a:endParaRPr lang="en-US" sz="2000" dirty="0" smtClean="0"/>
+            <a:endParaRPr lang="en-US" sz="2000" dirty="0"/>
           </a:p>
           <a:p>
             <a:pPr marL="457200" lvl="1" indent="0">
@@ -5617,7 +5649,7 @@
             <a:pPr marL="457200" lvl="1" indent="0">
               <a:buNone/>
             </a:pPr>
-            <a:endParaRPr lang="en-US" dirty="0" smtClean="0"/>
+            <a:endParaRPr lang="en-US" dirty="0"/>
           </a:p>
           <a:p>
             <a:pPr lvl="1"/>
@@ -5627,13 +5659,13 @@
             <a:pPr marL="457200" lvl="1" indent="0">
               <a:buNone/>
             </a:pPr>
-            <a:endParaRPr lang="en-US" dirty="0" smtClean="0"/>
+            <a:endParaRPr lang="en-US" dirty="0"/>
           </a:p>
           <a:p>
             <a:pPr marL="0" indent="0">
               <a:buNone/>
             </a:pPr>
-            <a:endParaRPr lang="en-US" dirty="0" smtClean="0"/>
+            <a:endParaRPr lang="en-US" dirty="0"/>
           </a:p>
         </p:txBody>
       </p:sp>
@@ -5724,14 +5756,13 @@
           <a:lstStyle/>
           <a:p>
             <a:r>
-              <a:rPr lang="en-US" dirty="0" err="1" smtClean="0"/>
+              <a:rPr lang="en-US" dirty="0" err="1"/>
               <a:t>Kernreaktoren</a:t>
             </a:r>
             <a:r>
-              <a:rPr lang="en-US" dirty="0" smtClean="0"/>
+              <a:rPr lang="en-US" dirty="0"/>
               <a:t> 2</a:t>
             </a:r>
-            <a:endParaRPr lang="en-US" dirty="0"/>
           </a:p>
         </p:txBody>
       </p:sp>
@@ -5751,18 +5782,14 @@
           <a:lstStyle/>
           <a:p>
             <a:r>
-              <a:rPr lang="de-DE" dirty="0" smtClean="0"/>
+              <a:rPr lang="de-DE" dirty="0"/>
               <a:t>Abfallprodukte koennen chemische seperiert werden</a:t>
             </a:r>
           </a:p>
           <a:p>
             <a:r>
-              <a:rPr lang="en-US" dirty="0" smtClean="0"/>
-              <a:t>“Walk </a:t>
-            </a:r>
-            <a:r>
-              <a:rPr lang="en-US" dirty="0"/>
-              <a:t>away” </a:t>
+              <a:rPr lang="en-US" dirty="0"/>
+              <a:t>“Walk away” </a:t>
             </a:r>
             <a:r>
               <a:rPr lang="en-US" dirty="0" err="1"/>
@@ -5983,10 +6010,9 @@
           <a:lstStyle/>
           <a:p>
             <a:r>
-              <a:rPr lang="en-US" dirty="0" smtClean="0"/>
+              <a:rPr lang="en-US" dirty="0"/>
               <a:t>U233</a:t>
             </a:r>
-            <a:endParaRPr lang="en-US" dirty="0"/>
           </a:p>
         </p:txBody>
       </p:sp>
@@ -6046,30 +6072,30 @@
           <a:lstStyle/>
           <a:p>
             <a:r>
-              <a:rPr lang="en-US" sz="1400" dirty="0" smtClean="0"/>
+              <a:rPr lang="en-US" sz="1400" dirty="0"/>
               <a:t>Thorium Blanket- </a:t>
             </a:r>
             <a:r>
-              <a:rPr lang="en-US" sz="1400" dirty="0" err="1" smtClean="0"/>
+              <a:rPr lang="en-US" sz="1400" dirty="0" err="1"/>
               <a:t>Hier</a:t>
             </a:r>
             <a:r>
-              <a:rPr lang="en-US" sz="1400" dirty="0" smtClean="0"/>
-              <a:t> </a:t>
-            </a:r>
-            <a:r>
-              <a:rPr lang="en-US" sz="1400" dirty="0" err="1" smtClean="0"/>
+              <a:rPr lang="en-US" sz="1400" dirty="0"/>
+              <a:t> </a:t>
+            </a:r>
+            <a:r>
+              <a:rPr lang="en-US" sz="1400" dirty="0" err="1"/>
               <a:t>wird</a:t>
             </a:r>
             <a:r>
-              <a:rPr lang="en-US" sz="1400" dirty="0" smtClean="0"/>
+              <a:rPr lang="en-US" sz="1400" dirty="0"/>
               <a:t> das U233 </a:t>
             </a:r>
             <a:r>
-              <a:rPr lang="en-US" sz="1400" dirty="0" err="1" smtClean="0"/>
+              <a:rPr lang="en-US" sz="1400" dirty="0" err="1"/>
               <a:t>gezeuchtet</a:t>
             </a:r>
-            <a:endParaRPr lang="en-US" sz="1400" dirty="0" smtClean="0"/>
+            <a:endParaRPr lang="en-US" sz="1400" dirty="0"/>
           </a:p>
           <a:p>
             <a:endParaRPr lang="en-US" dirty="0"/>
@@ -6132,7 +6158,7 @@
           <a:lstStyle/>
           <a:p>
             <a:r>
-              <a:rPr lang="en-US" dirty="0" smtClean="0">
+              <a:rPr lang="en-US" dirty="0">
                 <a:latin typeface="Gabriola" panose="04040605051002020D02" pitchFamily="82" charset="0"/>
               </a:rPr>
               <a:t>n</a:t>
@@ -6214,10 +6240,9 @@
           <a:lstStyle/>
           <a:p>
             <a:r>
-              <a:rPr lang="en-US" sz="1400" dirty="0" smtClean="0"/>
+              <a:rPr lang="en-US" sz="1400" dirty="0"/>
               <a:t>Th232</a:t>
             </a:r>
-            <a:endParaRPr lang="en-US" sz="1400" dirty="0"/>
           </a:p>
         </p:txBody>
       </p:sp>
@@ -6363,7 +6388,7 @@
           <a:p>
             <a:pPr algn="ctr"/>
             <a:r>
-              <a:rPr lang="de-DE" sz="1400" dirty="0" smtClean="0"/>
+              <a:rPr lang="de-DE" sz="1400" dirty="0"/>
               <a:t>Chemische Trennung von U233 und Th232</a:t>
             </a:r>
           </a:p>
@@ -6579,15 +6604,15 @@
           <a:p>
             <a:pPr algn="ctr"/>
             <a:r>
-              <a:rPr lang="en-US" dirty="0" err="1" smtClean="0"/>
+              <a:rPr lang="en-US" dirty="0" err="1"/>
               <a:t>Warme</a:t>
             </a:r>
             <a:r>
-              <a:rPr lang="en-US" dirty="0" smtClean="0"/>
+              <a:rPr lang="en-US" dirty="0"/>
               <a:t> -</a:t>
             </a:r>
             <a:r>
-              <a:rPr lang="en-US" dirty="0" err="1" smtClean="0"/>
+              <a:rPr lang="en-US" dirty="0" err="1"/>
               <a:t>Austausch</a:t>
             </a:r>
             <a:endParaRPr lang="en-US" dirty="0"/>
@@ -6694,15 +6719,15 @@
           <a:p>
             <a:pPr algn="ctr"/>
             <a:r>
-              <a:rPr lang="en-US" sz="1400" dirty="0" err="1" smtClean="0"/>
+              <a:rPr lang="en-US" sz="1400" dirty="0" err="1"/>
               <a:t>Abfallprodukte</a:t>
             </a:r>
             <a:r>
-              <a:rPr lang="en-US" sz="1400" dirty="0" smtClean="0"/>
+              <a:rPr lang="en-US" sz="1400" dirty="0"/>
               <a:t>- </a:t>
             </a:r>
             <a:r>
-              <a:rPr lang="en-US" sz="1400" dirty="0" err="1" smtClean="0"/>
+              <a:rPr lang="en-US" sz="1400" dirty="0" err="1"/>
               <a:t>Trennung</a:t>
             </a:r>
             <a:endParaRPr lang="en-US" sz="1400" dirty="0"/>
@@ -6826,7 +6851,7 @@
           <a:lstStyle/>
           <a:p>
             <a:r>
-              <a:rPr lang="en-US" sz="1400" dirty="0" smtClean="0"/>
+              <a:rPr lang="en-US" sz="1400" dirty="0"/>
               <a:t>U233</a:t>
             </a:r>
           </a:p>
@@ -6858,10 +6883,9 @@
           <a:lstStyle/>
           <a:p>
             <a:r>
-              <a:rPr lang="en-US" sz="1400" dirty="0" smtClean="0"/>
+              <a:rPr lang="en-US" sz="1400" dirty="0"/>
               <a:t>U233</a:t>
             </a:r>
-            <a:endParaRPr lang="en-US" sz="1400" dirty="0"/>
           </a:p>
         </p:txBody>
       </p:sp>
@@ -6939,13 +6963,49 @@
           <a:p>
             <a:pPr algn="ctr"/>
             <a:r>
-              <a:rPr lang="de-DE" sz="1400" dirty="0" smtClean="0"/>
+              <a:rPr lang="de-DE" sz="1400" dirty="0"/>
               <a:t>Abfall(Xe, Kr, He, Etc.)</a:t>
             </a:r>
             <a:endParaRPr lang="en-US" sz="1400" dirty="0"/>
           </a:p>
         </p:txBody>
       </p:sp>
+      <p:pic>
+        <p:nvPicPr>
+          <p:cNvPr id="37" name="Picture 36">
+            <a:extLst>
+              <a:ext uri="{FF2B5EF4-FFF2-40B4-BE49-F238E27FC236}">
+                <a16:creationId xmlns:a16="http://schemas.microsoft.com/office/drawing/2014/main" id="{D98FEC17-BF55-47CD-98D5-70A9F8AB1B03}"/>
+              </a:ext>
+            </a:extLst>
+          </p:cNvPr>
+          <p:cNvPicPr>
+            <a:picLocks noChangeAspect="1"/>
+          </p:cNvPicPr>
+          <p:nvPr/>
+        </p:nvPicPr>
+        <p:blipFill>
+          <a:blip r:embed="rId2">
+            <a:extLst>
+              <a:ext uri="{28A0092B-C50C-407E-A947-70E740481C1C}">
+                <a14:useLocalDpi xmlns:a14="http://schemas.microsoft.com/office/drawing/2010/main" val="0"/>
+              </a:ext>
+            </a:extLst>
+          </a:blip>
+          <a:stretch>
+            <a:fillRect/>
+          </a:stretch>
+        </p:blipFill>
+        <p:spPr>
+          <a:xfrm>
+            <a:off x="4029075" y="5407221"/>
+            <a:ext cx="4374259" cy="518205"/>
+          </a:xfrm>
+          <a:prstGeom prst="rect">
+            <a:avLst/>
+          </a:prstGeom>
+        </p:spPr>
+      </p:pic>
     </p:spTree>
     <p:extLst>
       <p:ext uri="{BB962C8B-B14F-4D97-AF65-F5344CB8AC3E}">
@@ -6956,13 +7016,6 @@
   <p:clrMapOvr>
     <a:masterClrMapping/>
   </p:clrMapOvr>
-  <p:timing>
-    <p:tnLst>
-      <p:par>
-        <p:cTn id="1" dur="indefinite" restart="never" nodeType="tmRoot"/>
-      </p:par>
-    </p:tnLst>
-  </p:timing>
 </p:sld>
 </file>
 
@@ -7001,10 +7054,9 @@
           <a:lstStyle/>
           <a:p>
             <a:r>
-              <a:rPr lang="de-DE" dirty="0" smtClean="0"/>
+              <a:rPr lang="de-DE" dirty="0"/>
               <a:t>Funktionsweise eines Kernkraftwerks</a:t>
             </a:r>
-            <a:endParaRPr lang="de-DE" dirty="0"/>
           </a:p>
         </p:txBody>
       </p:sp>
@@ -7027,15 +7079,15 @@
               <a:buNone/>
             </a:pPr>
             <a:r>
-              <a:rPr lang="de-DE" dirty="0" smtClean="0"/>
+              <a:rPr lang="de-DE" dirty="0"/>
               <a:t>Genauso</a:t>
             </a:r>
             <a:r>
-              <a:rPr lang="en-US" dirty="0" smtClean="0"/>
-              <a:t> </a:t>
-            </a:r>
-            <a:r>
-              <a:rPr lang="de-DE" dirty="0" smtClean="0"/>
+              <a:rPr lang="en-US" dirty="0"/>
+              <a:t> </a:t>
+            </a:r>
+            <a:r>
+              <a:rPr lang="de-DE" dirty="0"/>
               <a:t>wie ein normales Kraftwerk</a:t>
             </a:r>
           </a:p>
@@ -7044,10 +7096,9 @@
               <a:buNone/>
             </a:pPr>
             <a:r>
-              <a:rPr lang="de-DE" dirty="0" smtClean="0"/>
+              <a:rPr lang="de-DE" dirty="0"/>
               <a:t>Energiequelle ist der Zerfall eines Element</a:t>
             </a:r>
-            <a:endParaRPr lang="de-DE" dirty="0"/>
           </a:p>
         </p:txBody>
       </p:sp>
@@ -7102,13 +7153,6 @@
   <p:clrMapOvr>
     <a:masterClrMapping/>
   </p:clrMapOvr>
-  <p:timing>
-    <p:tnLst>
-      <p:par>
-        <p:cTn id="1" dur="indefinite" restart="never" nodeType="tmRoot"/>
-      </p:par>
-    </p:tnLst>
-  </p:timing>
 </p:sld>
 </file>
 
@@ -7147,342 +7191,328 @@
           <a:lstStyle/>
           <a:p>
             <a:r>
-              <a:rPr lang="en-US" dirty="0" smtClean="0"/>
+              <a:rPr lang="en-US" dirty="0"/>
               <a:t>Was </a:t>
             </a:r>
             <a:r>
-              <a:rPr lang="en-US" dirty="0" err="1" smtClean="0"/>
+              <a:rPr lang="en-US" dirty="0" err="1"/>
               <a:t>fuer</a:t>
             </a:r>
             <a:r>
-              <a:rPr lang="en-US" dirty="0" smtClean="0"/>
-              <a:t> </a:t>
-            </a:r>
-            <a:r>
-              <a:rPr lang="en-US" dirty="0" err="1" smtClean="0"/>
+              <a:rPr lang="en-US" dirty="0"/>
+              <a:t> </a:t>
+            </a:r>
+            <a:r>
+              <a:rPr lang="en-US" dirty="0" err="1"/>
               <a:t>andere</a:t>
             </a:r>
             <a:r>
-              <a:rPr lang="en-US" dirty="0" smtClean="0"/>
-              <a:t> </a:t>
-            </a:r>
-            <a:r>
-              <a:rPr lang="en-US" dirty="0" err="1" smtClean="0"/>
+              <a:rPr lang="en-US" dirty="0"/>
+              <a:t> </a:t>
+            </a:r>
+            <a:r>
+              <a:rPr lang="en-US" dirty="0" err="1"/>
               <a:t>Gruende</a:t>
             </a:r>
             <a:r>
-              <a:rPr lang="en-US" dirty="0" smtClean="0"/>
-              <a:t> </a:t>
-            </a:r>
-            <a:r>
-              <a:rPr lang="en-US" dirty="0" err="1" smtClean="0"/>
+              <a:rPr lang="en-US" dirty="0"/>
+              <a:t> </a:t>
+            </a:r>
+            <a:r>
+              <a:rPr lang="en-US" dirty="0" err="1"/>
               <a:t>gibt</a:t>
             </a:r>
             <a:r>
-              <a:rPr lang="en-US" dirty="0" smtClean="0"/>
-              <a:t> </a:t>
-            </a:r>
-            <a:r>
-              <a:rPr lang="en-US" dirty="0" err="1" smtClean="0"/>
+              <a:rPr lang="en-US" dirty="0"/>
+              <a:t> </a:t>
+            </a:r>
+            <a:r>
+              <a:rPr lang="en-US" dirty="0" err="1"/>
               <a:t>es</a:t>
             </a:r>
             <a:r>
-              <a:rPr lang="en-US" dirty="0" smtClean="0"/>
-              <a:t> </a:t>
-            </a:r>
-            <a:r>
-              <a:rPr lang="en-US" dirty="0" err="1" smtClean="0"/>
+              <a:rPr lang="en-US" dirty="0"/>
+              <a:t> </a:t>
+            </a:r>
+            <a:r>
+              <a:rPr lang="en-US" dirty="0" err="1"/>
               <a:t>Kernkraftwerke</a:t>
             </a:r>
             <a:r>
-              <a:rPr lang="en-US" dirty="0" smtClean="0"/>
-              <a:t> </a:t>
-            </a:r>
-            <a:r>
-              <a:rPr lang="en-US" dirty="0" err="1" smtClean="0"/>
+              <a:rPr lang="en-US" dirty="0"/>
+              <a:t> </a:t>
+            </a:r>
+            <a:r>
+              <a:rPr lang="en-US" dirty="0" err="1"/>
               <a:t>zu</a:t>
             </a:r>
             <a:r>
-              <a:rPr lang="en-US" dirty="0" smtClean="0"/>
-              <a:t> </a:t>
-            </a:r>
-            <a:r>
-              <a:rPr lang="en-US" dirty="0" err="1" smtClean="0"/>
+              <a:rPr lang="en-US" dirty="0"/>
+              <a:t> </a:t>
+            </a:r>
+            <a:r>
+              <a:rPr lang="en-US" dirty="0" err="1"/>
               <a:t>bauen</a:t>
             </a:r>
             <a:r>
-              <a:rPr lang="en-US" dirty="0" smtClean="0"/>
+              <a:rPr lang="en-US" dirty="0"/>
               <a:t>?</a:t>
             </a:r>
+          </a:p>
+        </p:txBody>
+      </p:sp>
+      <p:sp>
+        <p:nvSpPr>
+          <p:cNvPr id="3" name="Content Placeholder 2"/>
+          <p:cNvSpPr>
+            <a:spLocks noGrp="1"/>
+          </p:cNvSpPr>
+          <p:nvPr>
+            <p:ph idx="1"/>
+          </p:nvPr>
+        </p:nvSpPr>
+        <p:spPr/>
+        <p:txBody>
+          <a:bodyPr/>
+          <a:lstStyle/>
+          <a:p>
+            <a:r>
+              <a:rPr lang="en-US" dirty="0" err="1"/>
+              <a:t>Kolonization</a:t>
+            </a:r>
+            <a:r>
+              <a:rPr lang="en-US" dirty="0"/>
+              <a:t>- auf den Mars </a:t>
+            </a:r>
+            <a:r>
+              <a:rPr lang="en-US" dirty="0" err="1"/>
+              <a:t>sind</a:t>
+            </a:r>
+            <a:r>
+              <a:rPr lang="en-US" dirty="0"/>
+              <a:t> </a:t>
+            </a:r>
+            <a:r>
+              <a:rPr lang="en-US" dirty="0" err="1"/>
+              <a:t>Solarzellen</a:t>
+            </a:r>
+            <a:r>
+              <a:rPr lang="en-US" dirty="0"/>
+              <a:t> </a:t>
+            </a:r>
+            <a:r>
+              <a:rPr lang="en-US" dirty="0" err="1"/>
+              <a:t>nur</a:t>
+            </a:r>
+            <a:r>
+              <a:rPr lang="en-US" dirty="0"/>
+              <a:t> </a:t>
+            </a:r>
+            <a:r>
+              <a:rPr lang="en-US" dirty="0" err="1"/>
+              <a:t>halb</a:t>
+            </a:r>
+            <a:r>
+              <a:rPr lang="en-US" dirty="0"/>
+              <a:t> so </a:t>
+            </a:r>
+            <a:r>
+              <a:rPr lang="en-US" dirty="0" err="1"/>
+              <a:t>effektiv</a:t>
+            </a:r>
+            <a:r>
+              <a:rPr lang="en-US" dirty="0"/>
+              <a:t>, </a:t>
+            </a:r>
+            <a:r>
+              <a:rPr lang="en-US" dirty="0" err="1"/>
+              <a:t>Batterien</a:t>
+            </a:r>
+            <a:r>
+              <a:rPr lang="en-US" dirty="0"/>
+              <a:t> </a:t>
+            </a:r>
+            <a:r>
+              <a:rPr lang="en-US" dirty="0" err="1"/>
+              <a:t>sind</a:t>
+            </a:r>
+            <a:r>
+              <a:rPr lang="en-US" dirty="0"/>
+              <a:t> </a:t>
+            </a:r>
+            <a:r>
+              <a:rPr lang="en-US" dirty="0" err="1"/>
+              <a:t>zu</a:t>
+            </a:r>
+            <a:r>
+              <a:rPr lang="en-US" dirty="0"/>
+              <a:t> </a:t>
+            </a:r>
+            <a:r>
+              <a:rPr lang="en-US" dirty="0" err="1"/>
+              <a:t>schwer</a:t>
+            </a:r>
             <a:endParaRPr lang="en-US" dirty="0"/>
           </a:p>
-        </p:txBody>
-      </p:sp>
-      <p:sp>
-        <p:nvSpPr>
-          <p:cNvPr id="3" name="Content Placeholder 2"/>
-          <p:cNvSpPr>
-            <a:spLocks noGrp="1"/>
-          </p:cNvSpPr>
-          <p:nvPr>
-            <p:ph idx="1"/>
-          </p:nvPr>
-        </p:nvSpPr>
-        <p:spPr/>
-        <p:txBody>
-          <a:bodyPr/>
-          <a:lstStyle/>
-          <a:p>
-            <a:r>
-              <a:rPr lang="en-US" dirty="0" err="1" smtClean="0"/>
-              <a:t>Kolonization</a:t>
-            </a:r>
-            <a:r>
-              <a:rPr lang="en-US" dirty="0" smtClean="0"/>
-              <a:t>- auf den Mars </a:t>
-            </a:r>
-            <a:r>
-              <a:rPr lang="en-US" dirty="0" err="1" smtClean="0"/>
-              <a:t>sind</a:t>
-            </a:r>
-            <a:r>
-              <a:rPr lang="en-US" dirty="0" smtClean="0"/>
-              <a:t> </a:t>
-            </a:r>
-            <a:r>
-              <a:rPr lang="en-US" dirty="0" err="1"/>
-              <a:t>S</a:t>
-            </a:r>
-            <a:r>
-              <a:rPr lang="en-US" dirty="0" err="1" smtClean="0"/>
-              <a:t>olarzellen</a:t>
-            </a:r>
-            <a:r>
-              <a:rPr lang="en-US" dirty="0" smtClean="0"/>
-              <a:t> </a:t>
-            </a:r>
-            <a:r>
-              <a:rPr lang="en-US" dirty="0" err="1" smtClean="0"/>
-              <a:t>nur</a:t>
-            </a:r>
-            <a:r>
-              <a:rPr lang="en-US" dirty="0" smtClean="0"/>
-              <a:t> </a:t>
-            </a:r>
-            <a:r>
-              <a:rPr lang="en-US" dirty="0" err="1" smtClean="0"/>
-              <a:t>halb</a:t>
-            </a:r>
-            <a:r>
-              <a:rPr lang="en-US" dirty="0" smtClean="0"/>
-              <a:t> so </a:t>
-            </a:r>
-            <a:r>
-              <a:rPr lang="en-US" dirty="0" err="1" smtClean="0"/>
+          <a:p>
+            <a:r>
+              <a:rPr lang="en-US" dirty="0" err="1"/>
+              <a:t>Sehr</a:t>
+            </a:r>
+            <a:r>
+              <a:rPr lang="en-US" dirty="0"/>
+              <a:t> </a:t>
+            </a:r>
+            <a:r>
+              <a:rPr lang="en-US" dirty="0" err="1"/>
+              <a:t>Kosten</a:t>
+            </a:r>
+            <a:r>
+              <a:rPr lang="en-US" dirty="0"/>
+              <a:t> </a:t>
+            </a:r>
+            <a:r>
+              <a:rPr lang="en-US" dirty="0" err="1"/>
               <a:t>effektiv</a:t>
             </a:r>
-            <a:r>
-              <a:rPr lang="en-US" dirty="0" smtClean="0"/>
-              <a:t>, </a:t>
-            </a:r>
-            <a:r>
-              <a:rPr lang="en-US" dirty="0" err="1" smtClean="0"/>
-              <a:t>Batterien</a:t>
-            </a:r>
-            <a:r>
-              <a:rPr lang="en-US" dirty="0" smtClean="0"/>
-              <a:t> </a:t>
-            </a:r>
-            <a:r>
-              <a:rPr lang="en-US" dirty="0" err="1" smtClean="0"/>
-              <a:t>sind</a:t>
-            </a:r>
-            <a:r>
-              <a:rPr lang="en-US" dirty="0" smtClean="0"/>
-              <a:t> </a:t>
-            </a:r>
-            <a:r>
-              <a:rPr lang="en-US" dirty="0" err="1" smtClean="0"/>
-              <a:t>zu</a:t>
-            </a:r>
-            <a:r>
-              <a:rPr lang="en-US" dirty="0" smtClean="0"/>
-              <a:t> </a:t>
-            </a:r>
-            <a:r>
-              <a:rPr lang="en-US" dirty="0" err="1" smtClean="0"/>
-              <a:t>schwer</a:t>
-            </a:r>
-            <a:endParaRPr lang="en-US" dirty="0" smtClean="0"/>
-          </a:p>
-          <a:p>
-            <a:r>
-              <a:rPr lang="en-US" dirty="0" err="1" smtClean="0"/>
-              <a:t>Sehr</a:t>
-            </a:r>
-            <a:r>
-              <a:rPr lang="en-US" dirty="0" smtClean="0"/>
-              <a:t> </a:t>
-            </a:r>
-            <a:r>
-              <a:rPr lang="en-US" dirty="0" err="1" smtClean="0"/>
-              <a:t>Kosten</a:t>
-            </a:r>
-            <a:r>
-              <a:rPr lang="en-US" dirty="0" smtClean="0"/>
-              <a:t> </a:t>
-            </a:r>
-            <a:r>
-              <a:rPr lang="en-US" dirty="0" err="1" smtClean="0"/>
-              <a:t>effektiv</a:t>
-            </a:r>
-            <a:endParaRPr lang="en-US" dirty="0" smtClean="0"/>
-          </a:p>
-          <a:p>
-            <a:r>
-              <a:rPr lang="en-US" dirty="0" err="1" smtClean="0"/>
+            <a:endParaRPr lang="en-US" dirty="0"/>
+          </a:p>
+          <a:p>
+            <a:r>
+              <a:rPr lang="en-US" dirty="0" err="1"/>
               <a:t>Besser</a:t>
             </a:r>
             <a:r>
-              <a:rPr lang="en-US" dirty="0" smtClean="0"/>
-              <a:t> </a:t>
-            </a:r>
-            <a:r>
-              <a:rPr lang="en-US" dirty="0" err="1" smtClean="0"/>
+              <a:rPr lang="en-US" dirty="0"/>
+              <a:t> </a:t>
+            </a:r>
+            <a:r>
+              <a:rPr lang="en-US" dirty="0" err="1"/>
               <a:t>fuer</a:t>
             </a:r>
             <a:r>
-              <a:rPr lang="en-US" dirty="0" smtClean="0"/>
+              <a:rPr lang="en-US" dirty="0"/>
               <a:t> die Umwelt</a:t>
             </a:r>
           </a:p>
           <a:p>
             <a:pPr lvl="1"/>
             <a:r>
-              <a:rPr lang="en-US" dirty="0" err="1" smtClean="0"/>
+              <a:rPr lang="en-US" dirty="0" err="1"/>
               <a:t>Auch</a:t>
             </a:r>
             <a:r>
-              <a:rPr lang="en-US" dirty="0" smtClean="0"/>
-              <a:t> </a:t>
-            </a:r>
-            <a:r>
-              <a:rPr lang="en-US" dirty="0" err="1" smtClean="0"/>
+              <a:rPr lang="en-US" dirty="0"/>
+              <a:t> </a:t>
+            </a:r>
+            <a:r>
+              <a:rPr lang="en-US" dirty="0" err="1"/>
               <a:t>wenn</a:t>
             </a:r>
             <a:r>
-              <a:rPr lang="en-US" dirty="0" smtClean="0"/>
-              <a:t> </a:t>
-            </a:r>
-            <a:r>
-              <a:rPr lang="en-US" dirty="0" err="1" smtClean="0"/>
+              <a:rPr lang="en-US" dirty="0"/>
+              <a:t> </a:t>
+            </a:r>
+            <a:r>
+              <a:rPr lang="en-US" dirty="0" err="1"/>
               <a:t>es</a:t>
             </a:r>
             <a:r>
-              <a:rPr lang="en-US" dirty="0" smtClean="0"/>
-              <a:t> </a:t>
-            </a:r>
-            <a:r>
-              <a:rPr lang="en-US" dirty="0" err="1" smtClean="0"/>
+              <a:rPr lang="en-US" dirty="0"/>
+              <a:t> </a:t>
+            </a:r>
+            <a:r>
+              <a:rPr lang="en-US" dirty="0" err="1"/>
               <a:t>Abfall</a:t>
             </a:r>
             <a:r>
-              <a:rPr lang="en-US" dirty="0" smtClean="0"/>
-              <a:t> </a:t>
-            </a:r>
-            <a:r>
-              <a:rPr lang="en-US" dirty="0" err="1" smtClean="0"/>
+              <a:rPr lang="en-US" dirty="0"/>
+              <a:t> </a:t>
+            </a:r>
+            <a:r>
+              <a:rPr lang="en-US" dirty="0" err="1"/>
               <a:t>gibts</a:t>
             </a:r>
             <a:r>
               <a:rPr lang="en-US" dirty="0"/>
-              <a:t> </a:t>
-            </a:r>
-            <a:r>
-              <a:rPr lang="en-US" dirty="0" smtClean="0"/>
-              <a:t>               “The solution to pollution is </a:t>
-            </a:r>
-            <a:r>
-              <a:rPr lang="en-US" dirty="0" err="1" smtClean="0"/>
+              <a:t>                “The solution to pollution is </a:t>
+            </a:r>
+            <a:r>
+              <a:rPr lang="en-US" dirty="0" err="1"/>
               <a:t>dillution</a:t>
             </a:r>
             <a:r>
-              <a:rPr lang="en-US" dirty="0" smtClean="0"/>
+              <a:rPr lang="en-US" dirty="0"/>
               <a:t>”</a:t>
             </a:r>
           </a:p>
           <a:p>
             <a:r>
               <a:rPr lang="en-US" dirty="0" err="1"/>
-              <a:t>m</a:t>
-            </a:r>
-            <a:r>
-              <a:rPr lang="en-US" dirty="0" err="1" smtClean="0"/>
-              <a:t>edizinische</a:t>
-            </a:r>
-            <a:r>
-              <a:rPr lang="en-US" dirty="0" smtClean="0"/>
-              <a:t> </a:t>
-            </a:r>
-            <a:r>
-              <a:rPr lang="en-US" dirty="0" err="1" smtClean="0"/>
+              <a:t>medizinische</a:t>
+            </a:r>
+            <a:r>
+              <a:rPr lang="en-US" dirty="0"/>
+              <a:t> </a:t>
+            </a:r>
+            <a:r>
+              <a:rPr lang="en-US" dirty="0" err="1"/>
               <a:t>Produkte</a:t>
             </a:r>
             <a:r>
-              <a:rPr lang="en-US" dirty="0" smtClean="0"/>
+              <a:rPr lang="en-US" dirty="0"/>
               <a:t> und Pu238(RTGs)</a:t>
             </a:r>
           </a:p>
           <a:p>
             <a:r>
-              <a:rPr lang="en-US" dirty="0" err="1" smtClean="0"/>
+              <a:rPr lang="en-US" dirty="0" err="1"/>
               <a:t>es</a:t>
             </a:r>
             <a:r>
-              <a:rPr lang="en-US" dirty="0" smtClean="0"/>
-              <a:t> </a:t>
-            </a:r>
-            <a:r>
-              <a:rPr lang="en-US" dirty="0" err="1" smtClean="0"/>
+              <a:rPr lang="en-US" dirty="0"/>
+              <a:t> </a:t>
+            </a:r>
+            <a:r>
+              <a:rPr lang="en-US" dirty="0" err="1"/>
               <a:t>ist</a:t>
             </a:r>
             <a:r>
-              <a:rPr lang="en-US" dirty="0" smtClean="0"/>
-              <a:t> </a:t>
-            </a:r>
-            <a:r>
-              <a:rPr lang="en-US" dirty="0" err="1" smtClean="0"/>
+              <a:rPr lang="en-US" dirty="0"/>
+              <a:t> </a:t>
+            </a:r>
+            <a:r>
+              <a:rPr lang="en-US" dirty="0" err="1"/>
               <a:t>sowieso</a:t>
             </a:r>
             <a:r>
-              <a:rPr lang="en-US" dirty="0" smtClean="0"/>
+              <a:rPr lang="en-US" dirty="0"/>
               <a:t> in </a:t>
             </a:r>
             <a:r>
-              <a:rPr lang="en-US" dirty="0" err="1" smtClean="0"/>
+              <a:rPr lang="en-US" dirty="0" err="1"/>
               <a:t>unsere</a:t>
             </a:r>
             <a:r>
-              <a:rPr lang="en-US" dirty="0" smtClean="0"/>
-              <a:t> </a:t>
-            </a:r>
-            <a:r>
-              <a:rPr lang="en-US" dirty="0" err="1" smtClean="0"/>
+              <a:rPr lang="en-US" dirty="0"/>
+              <a:t> </a:t>
+            </a:r>
+            <a:r>
+              <a:rPr lang="en-US" dirty="0" err="1"/>
               <a:t>Zukunft</a:t>
             </a:r>
             <a:r>
-              <a:rPr lang="en-US" dirty="0" smtClean="0"/>
+              <a:rPr lang="en-US" dirty="0"/>
               <a:t>(</a:t>
             </a:r>
             <a:r>
-              <a:rPr lang="en-US" dirty="0" err="1" smtClean="0"/>
+              <a:rPr lang="en-US" dirty="0" err="1"/>
               <a:t>dyson</a:t>
             </a:r>
             <a:r>
-              <a:rPr lang="en-US" dirty="0" smtClean="0"/>
+              <a:rPr lang="en-US" dirty="0"/>
               <a:t> swarm)</a:t>
             </a:r>
-            <a:endParaRPr lang="en-US" dirty="0"/>
           </a:p>
         </p:txBody>
       </p:sp>
@@ -7536,13 +7566,6 @@
   <p:clrMapOvr>
     <a:masterClrMapping/>
   </p:clrMapOvr>
-  <p:timing>
-    <p:tnLst>
-      <p:par>
-        <p:cTn id="1" dur="indefinite" restart="never" nodeType="tmRoot"/>
-      </p:par>
-    </p:tnLst>
-  </p:timing>
 </p:sld>
 </file>
 
@@ -7579,7 +7602,7 @@
           <a:lstStyle/>
           <a:p>
             <a:r>
-              <a:rPr lang="de-DE" dirty="0" smtClean="0"/>
+              <a:rPr lang="de-DE" dirty="0"/>
               <a:t>Aufbau</a:t>
             </a:r>
             <a:endParaRPr lang="en-US" dirty="0"/>
@@ -7637,13 +7660,6 @@
   <p:clrMapOvr>
     <a:masterClrMapping/>
   </p:clrMapOvr>
-  <p:timing>
-    <p:tnLst>
-      <p:par>
-        <p:cTn id="1" dur="indefinite" restart="never" nodeType="tmRoot"/>
-      </p:par>
-    </p:tnLst>
-  </p:timing>
 </p:sld>
 </file>
 
@@ -7682,10 +7698,9 @@
           <a:lstStyle/>
           <a:p>
             <a:r>
-              <a:rPr lang="en-US" sz="3200" dirty="0" smtClean="0"/>
+              <a:rPr lang="en-US" sz="3200" dirty="0"/>
               <a:t>Kern</a:t>
             </a:r>
-            <a:endParaRPr lang="en-US" sz="3200" dirty="0"/>
           </a:p>
         </p:txBody>
       </p:sp>
@@ -7710,82 +7725,78 @@
           <a:lstStyle/>
           <a:p>
             <a:r>
-              <a:rPr lang="en-US" sz="2000" dirty="0" smtClean="0"/>
+              <a:rPr lang="en-US" sz="2000" dirty="0"/>
               <a:t>Man muss </a:t>
             </a:r>
             <a:r>
-              <a:rPr lang="en-US" sz="2000" dirty="0" err="1" smtClean="0"/>
+              <a:rPr lang="en-US" sz="2000" dirty="0" err="1"/>
               <a:t>eine</a:t>
             </a:r>
             <a:r>
-              <a:rPr lang="en-US" sz="2000" dirty="0" smtClean="0"/>
-              <a:t> </a:t>
-            </a:r>
-            <a:r>
-              <a:rPr lang="en-US" sz="2000" dirty="0" err="1" smtClean="0"/>
+              <a:rPr lang="en-US" sz="2000" dirty="0"/>
+              <a:t> </a:t>
+            </a:r>
+            <a:r>
+              <a:rPr lang="en-US" sz="2000" dirty="0" err="1"/>
               <a:t>Kettenreaktion</a:t>
             </a:r>
             <a:r>
-              <a:rPr lang="en-US" sz="2000" dirty="0" smtClean="0"/>
-              <a:t> </a:t>
-            </a:r>
-            <a:r>
-              <a:rPr lang="en-US" sz="2000" dirty="0" err="1" smtClean="0"/>
+              <a:rPr lang="en-US" sz="2000" dirty="0"/>
+              <a:t> </a:t>
+            </a:r>
+            <a:r>
+              <a:rPr lang="en-US" sz="2000" dirty="0" err="1"/>
               <a:t>ausloesen</a:t>
             </a:r>
-            <a:endParaRPr lang="en-US" sz="2000" dirty="0" smtClean="0"/>
+            <a:endParaRPr lang="en-US" sz="2000" dirty="0"/>
           </a:p>
           <a:p>
             <a:pPr lvl="1"/>
             <a:r>
               <a:rPr lang="en-US" sz="2000" dirty="0" err="1"/>
-              <a:t>b</a:t>
-            </a:r>
-            <a:r>
-              <a:rPr lang="en-US" sz="2000" dirty="0" err="1" smtClean="0"/>
-              <a:t>edeutet</a:t>
-            </a:r>
-            <a:r>
-              <a:rPr lang="en-US" sz="2000" dirty="0" smtClean="0"/>
-              <a:t> </a:t>
-            </a:r>
-            <a:r>
-              <a:rPr lang="en-US" sz="2000" dirty="0" err="1" smtClean="0"/>
+              <a:t>bedeutet</a:t>
+            </a:r>
+            <a:r>
+              <a:rPr lang="en-US" sz="2000" dirty="0"/>
+              <a:t> </a:t>
+            </a:r>
+            <a:r>
+              <a:rPr lang="en-US" sz="2000" dirty="0" err="1"/>
               <a:t>mindestens</a:t>
             </a:r>
             <a:r>
-              <a:rPr lang="en-US" sz="2000" dirty="0" smtClean="0"/>
-              <a:t> </a:t>
-            </a:r>
-            <a:r>
-              <a:rPr lang="en-US" sz="2000" dirty="0" err="1" smtClean="0"/>
+              <a:rPr lang="en-US" sz="2000" dirty="0"/>
+              <a:t> </a:t>
+            </a:r>
+            <a:r>
+              <a:rPr lang="en-US" sz="2000" dirty="0" err="1"/>
               <a:t>mehr</a:t>
             </a:r>
             <a:r>
-              <a:rPr lang="en-US" sz="2000" dirty="0" smtClean="0"/>
-              <a:t> </a:t>
-            </a:r>
-            <a:r>
-              <a:rPr lang="en-US" sz="2000" dirty="0" err="1" smtClean="0"/>
+              <a:rPr lang="en-US" sz="2000" dirty="0"/>
+              <a:t> </a:t>
+            </a:r>
+            <a:r>
+              <a:rPr lang="en-US" sz="2000" dirty="0" err="1"/>
               <a:t>als</a:t>
             </a:r>
             <a:r>
-              <a:rPr lang="en-US" sz="2000" dirty="0" smtClean="0"/>
+              <a:rPr lang="en-US" sz="2000" dirty="0"/>
               <a:t> 1 </a:t>
             </a:r>
             <a:r>
-              <a:rPr lang="en-US" sz="2000" dirty="0" err="1" smtClean="0"/>
+              <a:rPr lang="en-US" sz="2000" dirty="0" err="1"/>
               <a:t>Neutronen</a:t>
             </a:r>
             <a:r>
-              <a:rPr lang="en-US" sz="2000" dirty="0" smtClean="0"/>
+              <a:rPr lang="en-US" sz="2000" dirty="0"/>
               <a:t> pro </a:t>
             </a:r>
             <a:r>
-              <a:rPr lang="en-US" sz="2000" dirty="0" err="1" smtClean="0"/>
+              <a:rPr lang="en-US" sz="2000" dirty="0" err="1"/>
               <a:t>Spaltung</a:t>
             </a:r>
-            <a:endParaRPr lang="en-US" sz="2000" dirty="0" smtClean="0"/>
+            <a:endParaRPr lang="en-US" sz="2000" dirty="0"/>
           </a:p>
           <a:p>
             <a:pPr lvl="1"/>
@@ -7882,19 +7893,15 @@
           <a:lstStyle/>
           <a:p>
             <a:r>
-              <a:rPr lang="en-US" dirty="0" smtClean="0"/>
+              <a:rPr lang="en-US" dirty="0"/>
               <a:t>Fission </a:t>
             </a:r>
             <a:r>
-              <a:rPr lang="en-US" dirty="0" err="1" smtClean="0"/>
+              <a:rPr lang="en-US" dirty="0" err="1"/>
               <a:t>Beispiel</a:t>
             </a:r>
-            <a:r>
-              <a:rPr lang="en-US" dirty="0" smtClean="0"/>
-              <a:t/>
-            </a:r>
             <a:br>
-              <a:rPr lang="en-US" dirty="0" smtClean="0"/>
+              <a:rPr lang="en-US" dirty="0"/>
             </a:br>
             <a:endParaRPr lang="en-US" dirty="0"/>
           </a:p>
@@ -7968,15 +7975,15 @@
               <a:buChar char="•"/>
             </a:pPr>
             <a:r>
-              <a:rPr lang="en-US" dirty="0" smtClean="0"/>
+              <a:rPr lang="en-US" dirty="0"/>
               <a:t>202.5 MeV-</a:t>
             </a:r>
             <a:r>
-              <a:rPr lang="en-US" dirty="0" err="1" smtClean="0"/>
+              <a:rPr lang="en-US" dirty="0" err="1"/>
               <a:t>enspricht</a:t>
             </a:r>
             <a:r>
-              <a:rPr lang="en-US" dirty="0" smtClean="0"/>
+              <a:rPr lang="en-US" dirty="0"/>
               <a:t> 83.14 TJ/kg</a:t>
             </a:r>
           </a:p>
@@ -7986,11 +7993,11 @@
               <a:buChar char="•"/>
             </a:pPr>
             <a:r>
-              <a:rPr lang="en-US" dirty="0" err="1" smtClean="0"/>
+              <a:rPr lang="en-US" dirty="0" err="1"/>
               <a:t>Benzin</a:t>
             </a:r>
             <a:r>
-              <a:rPr lang="en-US" dirty="0" smtClean="0"/>
+              <a:rPr lang="en-US" dirty="0"/>
               <a:t> ≈ 45MJ/kg</a:t>
             </a:r>
           </a:p>
@@ -8028,8 +8035,20 @@
                 <a:tableStyleId>{5940675A-B579-460E-94D1-54222C63F5DA}</a:tableStyleId>
               </a:tblPr>
               <a:tblGrid>
-                <a:gridCol w="2819400"/>
-                <a:gridCol w="1600200"/>
+                <a:gridCol w="2819400">
+                  <a:extLst>
+                    <a:ext uri="{9D8B030D-6E8A-4147-A177-3AD203B41FA5}">
+                      <a16:colId xmlns:a16="http://schemas.microsoft.com/office/drawing/2014/main" val="20000"/>
+                    </a:ext>
+                  </a:extLst>
+                </a:gridCol>
+                <a:gridCol w="1600200">
+                  <a:extLst>
+                    <a:ext uri="{9D8B030D-6E8A-4147-A177-3AD203B41FA5}">
+                      <a16:colId xmlns:a16="http://schemas.microsoft.com/office/drawing/2014/main" val="20001"/>
+                    </a:ext>
+                  </a:extLst>
+                </a:gridCol>
               </a:tblGrid>
               <a:tr h="490774">
                 <a:tc>
@@ -8048,14 +8067,18 @@
                     <a:lstStyle/>
                     <a:p>
                       <a:r>
-                        <a:rPr lang="en-US" dirty="0" smtClean="0"/>
+                        <a:rPr lang="en-US" dirty="0"/>
                         <a:t>MeV</a:t>
                       </a:r>
-                      <a:endParaRPr lang="en-US" dirty="0"/>
                     </a:p>
                   </a:txBody>
                   <a:tcPr/>
                 </a:tc>
+                <a:extLst>
+                  <a:ext uri="{0D108BD9-81ED-4DB2-BD59-A6C34878D82A}">
+                    <a16:rowId xmlns:a16="http://schemas.microsoft.com/office/drawing/2014/main" val="10000"/>
+                  </a:ext>
+                </a:extLst>
               </a:tr>
               <a:tr h="762000">
                 <a:tc>
@@ -8064,23 +8087,23 @@
                     <a:lstStyle/>
                     <a:p>
                       <a:r>
-                        <a:rPr lang="en-US" dirty="0" err="1" smtClean="0"/>
+                        <a:rPr lang="en-US" dirty="0" err="1"/>
                         <a:t>Kinetische</a:t>
                       </a:r>
                       <a:r>
-                        <a:rPr lang="en-US" baseline="0" dirty="0" smtClean="0"/>
+                        <a:rPr lang="en-US" baseline="0" dirty="0"/>
                         <a:t> Energy der </a:t>
                       </a:r>
                       <a:r>
-                        <a:rPr lang="en-US" baseline="0" dirty="0" err="1" smtClean="0"/>
+                        <a:rPr lang="en-US" baseline="0" dirty="0" err="1"/>
                         <a:t>Tochter</a:t>
                       </a:r>
                       <a:r>
-                        <a:rPr lang="en-US" baseline="0" dirty="0" smtClean="0"/>
+                        <a:rPr lang="en-US" baseline="0" dirty="0"/>
                         <a:t> </a:t>
                       </a:r>
                       <a:r>
-                        <a:rPr lang="en-US" baseline="0" dirty="0" err="1" smtClean="0"/>
+                        <a:rPr lang="en-US" baseline="0" dirty="0" err="1"/>
                         <a:t>Teilchen</a:t>
                       </a:r>
                       <a:endParaRPr lang="en-US" dirty="0"/>
@@ -8094,14 +8117,18 @@
                     <a:lstStyle/>
                     <a:p>
                       <a:r>
-                        <a:rPr lang="en-US" dirty="0" smtClean="0"/>
+                        <a:rPr lang="en-US" dirty="0"/>
                         <a:t>169.1</a:t>
                       </a:r>
-                      <a:endParaRPr lang="en-US" dirty="0"/>
                     </a:p>
                   </a:txBody>
                   <a:tcPr/>
                 </a:tc>
+                <a:extLst>
+                  <a:ext uri="{0D108BD9-81ED-4DB2-BD59-A6C34878D82A}">
+                    <a16:rowId xmlns:a16="http://schemas.microsoft.com/office/drawing/2014/main" val="10001"/>
+                  </a:ext>
+                </a:extLst>
               </a:tr>
               <a:tr h="619598">
                 <a:tc>
@@ -8110,43 +8137,43 @@
                     <a:lstStyle/>
                     <a:p>
                       <a:r>
-                        <a:rPr lang="en-US" dirty="0" err="1" smtClean="0"/>
+                        <a:rPr lang="en-US" dirty="0" err="1"/>
                         <a:t>Energie</a:t>
                       </a:r>
                       <a:r>
-                        <a:rPr lang="en-US" baseline="0" dirty="0" smtClean="0"/>
+                        <a:rPr lang="en-US" baseline="0" dirty="0"/>
                         <a:t> der </a:t>
                       </a:r>
                       <a:r>
-                        <a:rPr lang="en-US" baseline="0" dirty="0" err="1" smtClean="0"/>
+                        <a:rPr lang="en-US" baseline="0" dirty="0" err="1"/>
                         <a:t>Restteile</a:t>
                       </a:r>
                       <a:r>
-                        <a:rPr lang="en-US" baseline="0" dirty="0" smtClean="0"/>
+                        <a:rPr lang="en-US" baseline="0" dirty="0"/>
                         <a:t>(</a:t>
                       </a:r>
                       <a:r>
-                        <a:rPr lang="en-US" baseline="0" dirty="0" err="1" smtClean="0"/>
+                        <a:rPr lang="en-US" baseline="0" dirty="0" err="1"/>
                         <a:t>Strahlung</a:t>
                       </a:r>
                       <a:r>
-                        <a:rPr lang="en-US" baseline="0" dirty="0" smtClean="0"/>
+                        <a:rPr lang="en-US" baseline="0" dirty="0"/>
                         <a:t>, Antineutrinos, </a:t>
                       </a:r>
                       <a:r>
-                        <a:rPr lang="en-US" baseline="0" dirty="0" err="1" smtClean="0"/>
+                        <a:rPr lang="en-US" baseline="0" dirty="0" err="1"/>
                         <a:t>Kinetische</a:t>
                       </a:r>
                       <a:r>
-                        <a:rPr lang="en-US" baseline="0" dirty="0" smtClean="0"/>
+                        <a:rPr lang="en-US" baseline="0" dirty="0"/>
                         <a:t> </a:t>
                       </a:r>
                       <a:r>
-                        <a:rPr lang="en-US" baseline="0" dirty="0" err="1" smtClean="0"/>
+                        <a:rPr lang="en-US" baseline="0" dirty="0" err="1"/>
                         <a:t>Energie</a:t>
                       </a:r>
                       <a:r>
-                        <a:rPr lang="en-US" baseline="0" dirty="0" smtClean="0"/>
+                        <a:rPr lang="en-US" baseline="0" dirty="0"/>
                         <a:t> </a:t>
                       </a:r>
                       <a:endParaRPr lang="en-US" dirty="0"/>
@@ -8160,14 +8187,18 @@
                     <a:lstStyle/>
                     <a:p>
                       <a:r>
-                        <a:rPr lang="en-US" dirty="0" smtClean="0"/>
+                        <a:rPr lang="en-US" dirty="0"/>
                         <a:t>33.4</a:t>
                       </a:r>
-                      <a:endParaRPr lang="en-US" dirty="0"/>
                     </a:p>
                   </a:txBody>
                   <a:tcPr/>
                 </a:tc>
+                <a:extLst>
+                  <a:ext uri="{0D108BD9-81ED-4DB2-BD59-A6C34878D82A}">
+                    <a16:rowId xmlns:a16="http://schemas.microsoft.com/office/drawing/2014/main" val="10002"/>
+                  </a:ext>
+                </a:extLst>
               </a:tr>
             </a:tbl>
           </a:graphicData>
@@ -8183,13 +8214,6 @@
   <p:clrMapOvr>
     <a:masterClrMapping/>
   </p:clrMapOvr>
-  <p:timing>
-    <p:tnLst>
-      <p:par>
-        <p:cTn id="1" dur="indefinite" restart="never" nodeType="tmRoot"/>
-      </p:par>
-    </p:tnLst>
-  </p:timing>
 </p:sld>
 </file>
 
@@ -8226,10 +8250,9 @@
           <a:lstStyle/>
           <a:p>
             <a:r>
-              <a:rPr lang="en-US" dirty="0" smtClean="0"/>
+              <a:rPr lang="en-US" dirty="0"/>
               <a:t>Fissile/Fissionable</a:t>
             </a:r>
-            <a:endParaRPr lang="en-US" dirty="0"/>
           </a:p>
         </p:txBody>
       </p:sp>
@@ -8249,102 +8272,102 @@
           <a:lstStyle/>
           <a:p>
             <a:r>
-              <a:rPr lang="en-US" dirty="0" err="1" smtClean="0"/>
+              <a:rPr lang="en-US" dirty="0" err="1"/>
               <a:t>Manche</a:t>
             </a:r>
             <a:r>
-              <a:rPr lang="en-US" dirty="0" smtClean="0"/>
+              <a:rPr lang="en-US" dirty="0"/>
               <a:t> Isotope </a:t>
             </a:r>
             <a:r>
-              <a:rPr lang="en-US" dirty="0" err="1" smtClean="0"/>
+              <a:rPr lang="en-US" dirty="0" err="1"/>
               <a:t>sind</a:t>
             </a:r>
             <a:r>
-              <a:rPr lang="en-US" dirty="0" smtClean="0"/>
-              <a:t> </a:t>
-            </a:r>
-            <a:r>
-              <a:rPr lang="en-US" dirty="0" err="1" smtClean="0"/>
+              <a:rPr lang="en-US" dirty="0"/>
+              <a:t> </a:t>
+            </a:r>
+            <a:r>
+              <a:rPr lang="en-US" dirty="0" err="1"/>
               <a:t>spaltbar</a:t>
             </a:r>
             <a:r>
-              <a:rPr lang="en-US" dirty="0" smtClean="0"/>
+              <a:rPr lang="en-US" dirty="0"/>
               <a:t>, </a:t>
             </a:r>
             <a:r>
-              <a:rPr lang="en-US" dirty="0" err="1" smtClean="0"/>
+              <a:rPr lang="en-US" dirty="0" err="1"/>
               <a:t>aber</a:t>
             </a:r>
             <a:r>
-              <a:rPr lang="en-US" dirty="0" smtClean="0"/>
-              <a:t> </a:t>
-            </a:r>
-            <a:r>
-              <a:rPr lang="en-US" dirty="0" err="1" smtClean="0"/>
+              <a:rPr lang="en-US" dirty="0"/>
+              <a:t> </a:t>
+            </a:r>
+            <a:r>
+              <a:rPr lang="en-US" dirty="0" err="1"/>
               <a:t>nicht</a:t>
             </a:r>
             <a:r>
-              <a:rPr lang="en-US" dirty="0" smtClean="0"/>
+              <a:rPr lang="en-US" dirty="0"/>
               <a:t> “fissile”</a:t>
             </a:r>
           </a:p>
           <a:p>
             <a:pPr lvl="1"/>
             <a:r>
-              <a:rPr lang="en-US" dirty="0" err="1" smtClean="0"/>
+              <a:rPr lang="en-US" dirty="0" err="1"/>
               <a:t>Bedeutet</a:t>
             </a:r>
             <a:r>
-              <a:rPr lang="en-US" dirty="0" smtClean="0"/>
-              <a:t> </a:t>
-            </a:r>
-            <a:r>
-              <a:rPr lang="en-US" dirty="0" err="1" smtClean="0"/>
+              <a:rPr lang="en-US" dirty="0"/>
+              <a:t> </a:t>
+            </a:r>
+            <a:r>
+              <a:rPr lang="en-US" dirty="0" err="1"/>
               <a:t>kann</a:t>
             </a:r>
             <a:r>
-              <a:rPr lang="en-US" dirty="0" smtClean="0"/>
+              <a:rPr lang="en-US" dirty="0"/>
               <a:t> die </a:t>
             </a:r>
             <a:r>
-              <a:rPr lang="en-US" dirty="0" err="1" smtClean="0"/>
+              <a:rPr lang="en-US" dirty="0" err="1"/>
               <a:t>Reaktion</a:t>
             </a:r>
             <a:r>
-              <a:rPr lang="en-US" dirty="0" smtClean="0"/>
-              <a:t> </a:t>
-            </a:r>
-            <a:r>
-              <a:rPr lang="en-US" dirty="0" err="1" smtClean="0"/>
+              <a:rPr lang="en-US" dirty="0"/>
+              <a:t> </a:t>
+            </a:r>
+            <a:r>
+              <a:rPr lang="en-US" dirty="0" err="1"/>
               <a:t>nicht</a:t>
             </a:r>
             <a:r>
-              <a:rPr lang="en-US" dirty="0" smtClean="0"/>
+              <a:rPr lang="en-US" dirty="0"/>
               <a:t> von </a:t>
             </a:r>
             <a:r>
-              <a:rPr lang="en-US" dirty="0" err="1" smtClean="0"/>
+              <a:rPr lang="en-US" dirty="0" err="1"/>
               <a:t>selbst</a:t>
             </a:r>
             <a:r>
-              <a:rPr lang="en-US" dirty="0" smtClean="0"/>
-              <a:t> </a:t>
-            </a:r>
-            <a:r>
-              <a:rPr lang="en-US" dirty="0" err="1" smtClean="0"/>
+              <a:rPr lang="en-US" dirty="0"/>
+              <a:t> </a:t>
+            </a:r>
+            <a:r>
+              <a:rPr lang="en-US" dirty="0" err="1"/>
               <a:t>weiter</a:t>
             </a:r>
             <a:r>
-              <a:rPr lang="en-US" dirty="0" smtClean="0"/>
-              <a:t> </a:t>
-            </a:r>
-            <a:r>
-              <a:rPr lang="de-DE" dirty="0" smtClean="0"/>
+              <a:rPr lang="en-US" dirty="0"/>
+              <a:t> </a:t>
+            </a:r>
+            <a:r>
+              <a:rPr lang="de-DE" dirty="0"/>
               <a:t>durchfuehren</a:t>
             </a:r>
             <a:r>
-              <a:rPr lang="en-US" dirty="0" smtClean="0"/>
+              <a:rPr lang="en-US" dirty="0"/>
               <a:t>.</a:t>
             </a:r>
           </a:p>
@@ -8352,122 +8375,118 @@
             <a:pPr lvl="1"/>
             <a:r>
               <a:rPr lang="en-US" dirty="0"/>
-              <a:t>Z</a:t>
-            </a:r>
-            <a:r>
-              <a:rPr lang="en-US" dirty="0" smtClean="0"/>
-              <a:t>.B. U238 </a:t>
-            </a:r>
-            <a:r>
-              <a:rPr lang="en-US" dirty="0" err="1" smtClean="0"/>
+              <a:t>Z.B. U238 </a:t>
+            </a:r>
+            <a:r>
+              <a:rPr lang="en-US" dirty="0" err="1"/>
               <a:t>ist</a:t>
             </a:r>
             <a:r>
-              <a:rPr lang="en-US" dirty="0" smtClean="0"/>
-              <a:t> </a:t>
-            </a:r>
-            <a:r>
-              <a:rPr lang="en-US" dirty="0" err="1" smtClean="0"/>
+              <a:rPr lang="en-US" dirty="0"/>
+              <a:t> </a:t>
+            </a:r>
+            <a:r>
+              <a:rPr lang="en-US" dirty="0" err="1"/>
               <a:t>spaltbar</a:t>
             </a:r>
             <a:r>
-              <a:rPr lang="en-US" dirty="0" smtClean="0"/>
-              <a:t> </a:t>
-            </a:r>
-            <a:r>
-              <a:rPr lang="en-US" dirty="0" err="1" smtClean="0"/>
+              <a:rPr lang="en-US" dirty="0"/>
+              <a:t> </a:t>
+            </a:r>
+            <a:r>
+              <a:rPr lang="en-US" dirty="0" err="1"/>
               <a:t>aber</a:t>
             </a:r>
             <a:r>
-              <a:rPr lang="en-US" dirty="0" smtClean="0"/>
-              <a:t> </a:t>
-            </a:r>
-            <a:r>
-              <a:rPr lang="en-US" dirty="0" err="1" smtClean="0"/>
+              <a:rPr lang="en-US" dirty="0"/>
+              <a:t> </a:t>
+            </a:r>
+            <a:r>
+              <a:rPr lang="en-US" dirty="0" err="1"/>
               <a:t>nicht</a:t>
             </a:r>
             <a:r>
-              <a:rPr lang="en-US" dirty="0" smtClean="0"/>
+              <a:rPr lang="en-US" dirty="0"/>
               <a:t> fissile. </a:t>
             </a:r>
             <a:r>
-              <a:rPr lang="en-US" dirty="0" err="1" smtClean="0"/>
+              <a:rPr lang="en-US" dirty="0" err="1"/>
               <a:t>Trotz</a:t>
             </a:r>
             <a:r>
-              <a:rPr lang="en-US" dirty="0" smtClean="0"/>
+              <a:rPr lang="en-US" dirty="0"/>
               <a:t> des </a:t>
             </a:r>
             <a:r>
-              <a:rPr lang="en-US" dirty="0" err="1" smtClean="0"/>
+              <a:rPr lang="en-US" dirty="0" err="1"/>
               <a:t>Energiegewinns</a:t>
             </a:r>
             <a:r>
-              <a:rPr lang="en-US" dirty="0" smtClean="0"/>
-              <a:t> </a:t>
-            </a:r>
-            <a:r>
-              <a:rPr lang="en-US" dirty="0" err="1" smtClean="0"/>
+              <a:rPr lang="en-US" dirty="0"/>
+              <a:t> </a:t>
+            </a:r>
+            <a:r>
+              <a:rPr lang="en-US" dirty="0" err="1"/>
               <a:t>gibt</a:t>
             </a:r>
             <a:r>
-              <a:rPr lang="en-US" dirty="0" smtClean="0"/>
+              <a:rPr lang="en-US" dirty="0"/>
               <a:t> das U238 </a:t>
             </a:r>
             <a:r>
-              <a:rPr lang="en-US" dirty="0" err="1" smtClean="0"/>
+              <a:rPr lang="en-US" dirty="0" err="1"/>
               <a:t>nicht</a:t>
             </a:r>
             <a:r>
-              <a:rPr lang="en-US" dirty="0" smtClean="0"/>
-              <a:t> </a:t>
-            </a:r>
-            <a:r>
-              <a:rPr lang="en-US" dirty="0" err="1" smtClean="0"/>
+              <a:rPr lang="en-US" dirty="0"/>
+              <a:t> </a:t>
+            </a:r>
+            <a:r>
+              <a:rPr lang="en-US" dirty="0" err="1"/>
               <a:t>genug</a:t>
             </a:r>
             <a:r>
-              <a:rPr lang="en-US" dirty="0" smtClean="0"/>
-              <a:t> </a:t>
-            </a:r>
-            <a:r>
-              <a:rPr lang="en-US" dirty="0" err="1" smtClean="0"/>
+              <a:rPr lang="en-US" dirty="0"/>
+              <a:t> </a:t>
+            </a:r>
+            <a:r>
+              <a:rPr lang="en-US" dirty="0" err="1"/>
               <a:t>Neutronen</a:t>
             </a:r>
             <a:r>
-              <a:rPr lang="en-US" dirty="0" smtClean="0"/>
+              <a:rPr lang="en-US" dirty="0"/>
               <a:t> ab </a:t>
             </a:r>
             <a:r>
-              <a:rPr lang="en-US" dirty="0" err="1" smtClean="0"/>
+              <a:rPr lang="en-US" dirty="0" err="1"/>
               <a:t>wenn</a:t>
             </a:r>
             <a:r>
-              <a:rPr lang="en-US" dirty="0" smtClean="0"/>
-              <a:t> </a:t>
-            </a:r>
-            <a:r>
-              <a:rPr lang="en-US" dirty="0" err="1" smtClean="0"/>
+              <a:rPr lang="en-US" dirty="0"/>
+              <a:t> </a:t>
+            </a:r>
+            <a:r>
+              <a:rPr lang="en-US" dirty="0" err="1"/>
               <a:t>es</a:t>
             </a:r>
             <a:r>
-              <a:rPr lang="en-US" dirty="0" smtClean="0"/>
-              <a:t> </a:t>
-            </a:r>
-            <a:r>
-              <a:rPr lang="en-US" dirty="0" err="1" smtClean="0"/>
+              <a:rPr lang="en-US" dirty="0"/>
+              <a:t> </a:t>
+            </a:r>
+            <a:r>
+              <a:rPr lang="en-US" dirty="0" err="1"/>
               <a:t>gespaltet</a:t>
             </a:r>
             <a:r>
-              <a:rPr lang="en-US" dirty="0" smtClean="0"/>
-              <a:t> </a:t>
-            </a:r>
-            <a:r>
-              <a:rPr lang="en-US" dirty="0" err="1" smtClean="0"/>
+              <a:rPr lang="en-US" dirty="0"/>
+              <a:t> </a:t>
+            </a:r>
+            <a:r>
+              <a:rPr lang="en-US" dirty="0" err="1"/>
               <a:t>wird</a:t>
             </a:r>
             <a:r>
-              <a:rPr lang="en-US" dirty="0" smtClean="0"/>
+              <a:rPr lang="en-US" dirty="0"/>
               <a:t>.</a:t>
             </a:r>
           </a:p>
@@ -8475,11 +8494,11 @@
             <a:pPr marL="457200" lvl="1" indent="0">
               <a:buNone/>
             </a:pPr>
-            <a:endParaRPr lang="en-US" dirty="0" smtClean="0"/>
+            <a:endParaRPr lang="en-US" dirty="0"/>
           </a:p>
           <a:p>
             <a:pPr lvl="1"/>
-            <a:endParaRPr lang="en-US" dirty="0" smtClean="0"/>
+            <a:endParaRPr lang="en-US" dirty="0"/>
           </a:p>
         </p:txBody>
       </p:sp>
@@ -8493,13 +8512,6 @@
   <p:clrMapOvr>
     <a:masterClrMapping/>
   </p:clrMapOvr>
-  <p:timing>
-    <p:tnLst>
-      <p:par>
-        <p:cTn id="1" dur="indefinite" restart="never" nodeType="tmRoot"/>
-      </p:par>
-    </p:tnLst>
-  </p:timing>
 </p:sld>
 </file>
 
@@ -8538,30 +8550,29 @@
           <a:lstStyle/>
           <a:p>
             <a:r>
-              <a:rPr lang="en-US" sz="3200" dirty="0" err="1" smtClean="0"/>
+              <a:rPr lang="en-US" sz="3200" dirty="0" err="1"/>
               <a:t>Woher</a:t>
             </a:r>
             <a:r>
-              <a:rPr lang="en-US" sz="3200" dirty="0" smtClean="0"/>
-              <a:t> </a:t>
-            </a:r>
-            <a:r>
-              <a:rPr lang="en-US" sz="3200" dirty="0" err="1" smtClean="0"/>
+              <a:rPr lang="en-US" sz="3200" dirty="0"/>
+              <a:t> </a:t>
+            </a:r>
+            <a:r>
+              <a:rPr lang="en-US" sz="3200" dirty="0" err="1"/>
               <a:t>kommt</a:t>
             </a:r>
             <a:r>
-              <a:rPr lang="en-US" sz="3200" dirty="0" smtClean="0"/>
+              <a:rPr lang="en-US" sz="3200" dirty="0"/>
               <a:t> die </a:t>
             </a:r>
             <a:r>
-              <a:rPr lang="en-US" sz="3200" dirty="0" err="1" smtClean="0"/>
+              <a:rPr lang="en-US" sz="3200" dirty="0" err="1"/>
               <a:t>Energie</a:t>
             </a:r>
             <a:r>
-              <a:rPr lang="en-US" sz="3200" dirty="0" smtClean="0"/>
+              <a:rPr lang="en-US" sz="3200" dirty="0"/>
               <a:t>?</a:t>
             </a:r>
-            <a:endParaRPr lang="en-US" sz="3200" dirty="0"/>
           </a:p>
         </p:txBody>
       </p:sp>
@@ -8700,7 +8711,7 @@
           <a:lstStyle/>
           <a:p>
             <a:r>
-              <a:rPr lang="de-DE" dirty="0" smtClean="0"/>
+              <a:rPr lang="de-DE" dirty="0"/>
               <a:t>Fast vs Thermal Spektrum</a:t>
             </a:r>
             <a:endParaRPr lang="en-US" dirty="0"/>
@@ -8725,16 +8736,15 @@
           <a:lstStyle/>
           <a:p>
             <a:r>
-              <a:rPr lang="en-US" sz="2000" dirty="0" smtClean="0"/>
+              <a:rPr lang="en-US" sz="2000" dirty="0"/>
               <a:t>Thermal 0 to 100 eV </a:t>
             </a:r>
           </a:p>
           <a:p>
             <a:r>
-              <a:rPr lang="en-US" sz="2000" dirty="0" smtClean="0"/>
+              <a:rPr lang="en-US" sz="2000" dirty="0"/>
               <a:t>Fast 1 MeV</a:t>
             </a:r>
-            <a:endParaRPr lang="en-US" sz="2000" dirty="0"/>
           </a:p>
         </p:txBody>
       </p:sp>
@@ -8778,13 +8788,6 @@
   <p:clrMapOvr>
     <a:masterClrMapping/>
   </p:clrMapOvr>
-  <p:timing>
-    <p:tnLst>
-      <p:par>
-        <p:cTn id="1" dur="indefinite" restart="never" nodeType="tmRoot"/>
-      </p:par>
-    </p:tnLst>
-  </p:timing>
 </p:sld>
 </file>
 

--- a/Thorium Reactors.pptx
+++ b/Thorium Reactors.pptx
@@ -6,18 +6,18 @@
     <p:sldMasterId id="2147483678" r:id="rId2"/>
   </p:sldMasterIdLst>
   <p:notesMasterIdLst>
-    <p:notesMasterId r:id="rId25"/>
+    <p:notesMasterId r:id="rId24"/>
   </p:notesMasterIdLst>
   <p:sldIdLst>
     <p:sldId id="256" r:id="rId3"/>
     <p:sldId id="257" r:id="rId4"/>
     <p:sldId id="258" r:id="rId5"/>
-    <p:sldId id="276" r:id="rId6"/>
-    <p:sldId id="274" r:id="rId7"/>
+    <p:sldId id="264" r:id="rId6"/>
+    <p:sldId id="265" r:id="rId7"/>
     <p:sldId id="266" r:id="rId8"/>
-    <p:sldId id="268" r:id="rId9"/>
-    <p:sldId id="264" r:id="rId10"/>
-    <p:sldId id="265" r:id="rId11"/>
+    <p:sldId id="276" r:id="rId9"/>
+    <p:sldId id="274" r:id="rId10"/>
+    <p:sldId id="268" r:id="rId11"/>
     <p:sldId id="260" r:id="rId12"/>
     <p:sldId id="262" r:id="rId13"/>
     <p:sldId id="261" r:id="rId14"/>
@@ -29,8 +29,7 @@
     <p:sldId id="271" r:id="rId20"/>
     <p:sldId id="273" r:id="rId21"/>
     <p:sldId id="275" r:id="rId22"/>
-    <p:sldId id="277" r:id="rId23"/>
-    <p:sldId id="272" r:id="rId24"/>
+    <p:sldId id="272" r:id="rId23"/>
   </p:sldIdLst>
   <p:sldSz cx="9144000" cy="6858000" type="screen4x3"/>
   <p:notesSz cx="6858000" cy="9144000"/>
@@ -131,7 +130,7 @@
   </p:defaultTextStyle>
   <p:extLst>
     <p:ext uri="{EFAFB233-063F-42B5-8137-9DF3F51BA10A}">
-      <p15:sldGuideLst xmlns:p15="http://schemas.microsoft.com/office/powerpoint/2012/main">
+      <p15:sldGuideLst xmlns:p15="http://schemas.microsoft.com/office/powerpoint/2012/main" xmlns="">
         <p15:guide id="1" orient="horz" pos="2160" userDrawn="1">
           <p15:clr>
             <a:srgbClr val="A4A3A4"/>
@@ -230,7 +229,7 @@
           <a:p>
             <a:fld id="{29201BD4-4DF6-4717-A593-B2B71686CB47}" type="datetimeFigureOut">
               <a:rPr lang="en-US" smtClean="0"/>
-              <a:t>12/10/2018</a:t>
+              <a:t>12/12/2018</a:t>
             </a:fld>
             <a:endParaRPr lang="en-US"/>
           </a:p>
@@ -675,7 +674,7 @@
           <a:p>
             <a:fld id="{4052AC13-83BF-4471-B9C4-1CF1BA3DB77B}" type="slidenum">
               <a:rPr lang="en-US" smtClean="0"/>
-              <a:t>5</a:t>
+              <a:t>8</a:t>
             </a:fld>
             <a:endParaRPr lang="en-US"/>
           </a:p>
@@ -1024,38 +1023,6 @@
               <a:rPr lang="en-US" baseline="0" dirty="0"/>
               <a:t>. </a:t>
             </a:r>
-            <a:r>
-              <a:rPr lang="en-US" baseline="0" dirty="0" err="1"/>
-              <a:t>Es</a:t>
-            </a:r>
-            <a:r>
-              <a:rPr lang="en-US" baseline="0" dirty="0"/>
-              <a:t> hat </a:t>
-            </a:r>
-            <a:r>
-              <a:rPr lang="en-US" baseline="0" dirty="0" err="1"/>
-              <a:t>auch</a:t>
-            </a:r>
-            <a:r>
-              <a:rPr lang="en-US" baseline="0" dirty="0"/>
-              <a:t> </a:t>
-            </a:r>
-            <a:r>
-              <a:rPr lang="en-US" baseline="0" dirty="0" err="1"/>
-              <a:t>ein</a:t>
-            </a:r>
-            <a:r>
-              <a:rPr lang="en-US" baseline="0" dirty="0"/>
-              <a:t> </a:t>
-            </a:r>
-            <a:r>
-              <a:rPr lang="en-US" baseline="0" dirty="0" err="1"/>
-              <a:t>sicherheitsvorteil</a:t>
-            </a:r>
-            <a:r>
-              <a:rPr lang="en-US" baseline="0" dirty="0"/>
-              <a:t>.</a:t>
-            </a:r>
             <a:endParaRPr lang="en-US" dirty="0"/>
           </a:p>
         </p:txBody>
@@ -1275,7 +1242,7 @@
           <a:p>
             <a:fld id="{C26FFE9C-D722-4EBF-AC71-68D449D824E4}" type="datetimeFigureOut">
               <a:rPr lang="en-US" smtClean="0"/>
-              <a:t>12/10/2018</a:t>
+              <a:t>12/12/2018</a:t>
             </a:fld>
             <a:endParaRPr lang="en-US"/>
           </a:p>
@@ -1443,7 +1410,7 @@
           <a:p>
             <a:fld id="{C26FFE9C-D722-4EBF-AC71-68D449D824E4}" type="datetimeFigureOut">
               <a:rPr lang="en-US" smtClean="0"/>
-              <a:t>12/10/2018</a:t>
+              <a:t>12/12/2018</a:t>
             </a:fld>
             <a:endParaRPr lang="en-US"/>
           </a:p>
@@ -1621,7 +1588,7 @@
           <a:p>
             <a:fld id="{C26FFE9C-D722-4EBF-AC71-68D449D824E4}" type="datetimeFigureOut">
               <a:rPr lang="en-US" smtClean="0"/>
-              <a:t>12/10/2018</a:t>
+              <a:t>12/12/2018</a:t>
             </a:fld>
             <a:endParaRPr lang="en-US"/>
           </a:p>
@@ -1922,7 +1889,7 @@
           <a:p>
             <a:fld id="{C26FFE9C-D722-4EBF-AC71-68D449D824E4}" type="datetimeFigureOut">
               <a:rPr lang="en-US" smtClean="0"/>
-              <a:t>12/10/2018</a:t>
+              <a:t>12/12/2018</a:t>
             </a:fld>
             <a:endParaRPr lang="en-US"/>
           </a:p>
@@ -2158,7 +2125,7 @@
           <a:p>
             <a:fld id="{C26FFE9C-D722-4EBF-AC71-68D449D824E4}" type="datetimeFigureOut">
               <a:rPr lang="en-US" smtClean="0"/>
-              <a:t>12/10/2018</a:t>
+              <a:t>12/12/2018</a:t>
             </a:fld>
             <a:endParaRPr lang="en-US"/>
           </a:p>
@@ -2460,7 +2427,7 @@
           <a:p>
             <a:fld id="{C26FFE9C-D722-4EBF-AC71-68D449D824E4}" type="datetimeFigureOut">
               <a:rPr lang="en-US" smtClean="0"/>
-              <a:t>12/10/2018</a:t>
+              <a:t>12/12/2018</a:t>
             </a:fld>
             <a:endParaRPr lang="en-US"/>
           </a:p>
@@ -2757,7 +2724,7 @@
           <a:p>
             <a:fld id="{C26FFE9C-D722-4EBF-AC71-68D449D824E4}" type="datetimeFigureOut">
               <a:rPr lang="en-US" smtClean="0"/>
-              <a:t>12/10/2018</a:t>
+              <a:t>12/12/2018</a:t>
             </a:fld>
             <a:endParaRPr lang="en-US"/>
           </a:p>
@@ -3178,7 +3145,7 @@
           <a:p>
             <a:fld id="{C26FFE9C-D722-4EBF-AC71-68D449D824E4}" type="datetimeFigureOut">
               <a:rPr lang="en-US" smtClean="0"/>
-              <a:t>12/10/2018</a:t>
+              <a:t>12/12/2018</a:t>
             </a:fld>
             <a:endParaRPr lang="en-US"/>
           </a:p>
@@ -3335,7 +3302,7 @@
           <a:p>
             <a:fld id="{C26FFE9C-D722-4EBF-AC71-68D449D824E4}" type="datetimeFigureOut">
               <a:rPr lang="en-US" smtClean="0"/>
-              <a:t>12/10/2018</a:t>
+              <a:t>12/12/2018</a:t>
             </a:fld>
             <a:endParaRPr lang="en-US"/>
           </a:p>
@@ -3430,7 +3397,7 @@
           <a:p>
             <a:fld id="{C26FFE9C-D722-4EBF-AC71-68D449D824E4}" type="datetimeFigureOut">
               <a:rPr lang="en-US" smtClean="0"/>
-              <a:t>12/10/2018</a:t>
+              <a:t>12/12/2018</a:t>
             </a:fld>
             <a:endParaRPr lang="en-US"/>
           </a:p>
@@ -3808,7 +3775,7 @@
           <a:p>
             <a:fld id="{C26FFE9C-D722-4EBF-AC71-68D449D824E4}" type="datetimeFigureOut">
               <a:rPr lang="en-US" smtClean="0"/>
-              <a:t>12/10/2018</a:t>
+              <a:t>12/12/2018</a:t>
             </a:fld>
             <a:endParaRPr lang="en-US"/>
           </a:p>
@@ -3998,7 +3965,7 @@
           <a:p>
             <a:fld id="{C26FFE9C-D722-4EBF-AC71-68D449D824E4}" type="datetimeFigureOut">
               <a:rPr lang="en-US" smtClean="0"/>
-              <a:t>12/10/2018</a:t>
+              <a:t>12/12/2018</a:t>
             </a:fld>
             <a:endParaRPr lang="en-US"/>
           </a:p>
@@ -4265,7 +4232,7 @@
           <a:p>
             <a:fld id="{C26FFE9C-D722-4EBF-AC71-68D449D824E4}" type="datetimeFigureOut">
               <a:rPr lang="en-US" smtClean="0"/>
-              <a:t>12/10/2018</a:t>
+              <a:t>12/12/2018</a:t>
             </a:fld>
             <a:endParaRPr lang="en-US"/>
           </a:p>
@@ -4490,7 +4457,7 @@
           <a:p>
             <a:fld id="{C26FFE9C-D722-4EBF-AC71-68D449D824E4}" type="datetimeFigureOut">
               <a:rPr lang="en-US" smtClean="0"/>
-              <a:t>12/10/2018</a:t>
+              <a:t>12/12/2018</a:t>
             </a:fld>
             <a:endParaRPr lang="en-US"/>
           </a:p>
@@ -4725,7 +4692,7 @@
           <a:p>
             <a:fld id="{C26FFE9C-D722-4EBF-AC71-68D449D824E4}" type="datetimeFigureOut">
               <a:rPr lang="en-US" smtClean="0"/>
-              <a:t>12/10/2018</a:t>
+              <a:t>12/12/2018</a:t>
             </a:fld>
             <a:endParaRPr lang="en-US"/>
           </a:p>
@@ -4986,7 +4953,7 @@
           <a:p>
             <a:fld id="{C26FFE9C-D722-4EBF-AC71-68D449D824E4}" type="datetimeFigureOut">
               <a:rPr lang="en-US" smtClean="0"/>
-              <a:t>12/10/2018</a:t>
+              <a:t>12/12/2018</a:t>
             </a:fld>
             <a:endParaRPr lang="en-US"/>
           </a:p>
@@ -5271,7 +5238,7 @@
           <a:p>
             <a:fld id="{C26FFE9C-D722-4EBF-AC71-68D449D824E4}" type="datetimeFigureOut">
               <a:rPr lang="en-US" smtClean="0"/>
-              <a:t>12/10/2018</a:t>
+              <a:t>12/12/2018</a:t>
             </a:fld>
             <a:endParaRPr lang="en-US"/>
           </a:p>
@@ -5690,7 +5657,7 @@
           <a:p>
             <a:fld id="{C26FFE9C-D722-4EBF-AC71-68D449D824E4}" type="datetimeFigureOut">
               <a:rPr lang="en-US" smtClean="0"/>
-              <a:t>12/10/2018</a:t>
+              <a:t>12/12/2018</a:t>
             </a:fld>
             <a:endParaRPr lang="en-US"/>
           </a:p>
@@ -5807,7 +5774,7 @@
           <a:p>
             <a:fld id="{C26FFE9C-D722-4EBF-AC71-68D449D824E4}" type="datetimeFigureOut">
               <a:rPr lang="en-US" smtClean="0"/>
-              <a:t>12/10/2018</a:t>
+              <a:t>12/12/2018</a:t>
             </a:fld>
             <a:endParaRPr lang="en-US"/>
           </a:p>
@@ -5902,7 +5869,7 @@
           <a:p>
             <a:fld id="{C26FFE9C-D722-4EBF-AC71-68D449D824E4}" type="datetimeFigureOut">
               <a:rPr lang="en-US" smtClean="0"/>
-              <a:t>12/10/2018</a:t>
+              <a:t>12/12/2018</a:t>
             </a:fld>
             <a:endParaRPr lang="en-US"/>
           </a:p>
@@ -6177,7 +6144,7 @@
           <a:p>
             <a:fld id="{C26FFE9C-D722-4EBF-AC71-68D449D824E4}" type="datetimeFigureOut">
               <a:rPr lang="en-US" smtClean="0"/>
-              <a:t>12/10/2018</a:t>
+              <a:t>12/12/2018</a:t>
             </a:fld>
             <a:endParaRPr lang="en-US"/>
           </a:p>
@@ -6429,7 +6396,7 @@
           <a:p>
             <a:fld id="{C26FFE9C-D722-4EBF-AC71-68D449D824E4}" type="datetimeFigureOut">
               <a:rPr lang="en-US" smtClean="0"/>
-              <a:t>12/10/2018</a:t>
+              <a:t>12/12/2018</a:t>
             </a:fld>
             <a:endParaRPr lang="en-US"/>
           </a:p>
@@ -6640,7 +6607,7 @@
           <a:p>
             <a:fld id="{C26FFE9C-D722-4EBF-AC71-68D449D824E4}" type="datetimeFigureOut">
               <a:rPr lang="en-US" smtClean="0"/>
-              <a:t>12/10/2018</a:t>
+              <a:t>12/12/2018</a:t>
             </a:fld>
             <a:endParaRPr lang="en-US"/>
           </a:p>
@@ -7148,7 +7115,7 @@
           <a:p>
             <a:fld id="{C26FFE9C-D722-4EBF-AC71-68D449D824E4}" type="datetimeFigureOut">
               <a:rPr lang="en-US" smtClean="0"/>
-              <a:t>12/10/2018</a:t>
+              <a:t>12/12/2018</a:t>
             </a:fld>
             <a:endParaRPr lang="en-US"/>
           </a:p>
@@ -7966,6 +7933,13 @@
   <p:clrMapOvr>
     <a:masterClrMapping/>
   </p:clrMapOvr>
+  <p:timing>
+    <p:tnLst>
+      <p:par>
+        <p:cTn id="1" dur="indefinite" restart="never" nodeType="tmRoot"/>
+      </p:par>
+    </p:tnLst>
+  </p:timing>
 </p:sld>
 </file>
 
@@ -8037,6 +8011,13 @@
   <p:clrMapOvr>
     <a:masterClrMapping/>
   </p:clrMapOvr>
+  <p:timing>
+    <p:tnLst>
+      <p:par>
+        <p:cTn id="1" dur="indefinite" restart="never" nodeType="tmRoot"/>
+      </p:par>
+    </p:tnLst>
+  </p:timing>
 </p:sld>
 </file>
 
@@ -8157,6 +8138,13 @@
   <p:clrMapOvr>
     <a:masterClrMapping/>
   </p:clrMapOvr>
+  <p:timing>
+    <p:tnLst>
+      <p:par>
+        <p:cTn id="1" dur="indefinite" restart="never" nodeType="tmRoot"/>
+      </p:par>
+    </p:tnLst>
+  </p:timing>
 </p:sld>
 </file>
 
@@ -8302,6 +8290,13 @@
   <p:clrMapOvr>
     <a:masterClrMapping/>
   </p:clrMapOvr>
+  <p:timing>
+    <p:tnLst>
+      <p:par>
+        <p:cTn id="1" dur="indefinite" restart="never" nodeType="tmRoot"/>
+      </p:par>
+    </p:tnLst>
+  </p:timing>
 </p:sld>
 </file>
 
@@ -8381,20 +8376,18 @@
           </a:p>
           <a:p>
             <a:r>
+              <a:rPr lang="de-DE" sz="2000" dirty="0" smtClean="0">
+                <a:latin typeface="Microsoft YaHei UI" panose="020B0503020204020204" pitchFamily="34" charset="-122"/>
+                <a:ea typeface="Microsoft YaHei UI" panose="020B0503020204020204" pitchFamily="34" charset="-122"/>
+              </a:rPr>
+              <a:t>Entweder </a:t>
+            </a:r>
+            <a:r>
               <a:rPr lang="de-DE" sz="2000" dirty="0">
                 <a:latin typeface="Microsoft YaHei UI" panose="020B0503020204020204" pitchFamily="34" charset="-122"/>
                 <a:ea typeface="Microsoft YaHei UI" panose="020B0503020204020204" pitchFamily="34" charset="-122"/>
               </a:rPr>
-              <a:t>Thorium tretet dreimal so oft auf wie Uran</a:t>
-            </a:r>
-          </a:p>
-          <a:p>
-            <a:r>
-              <a:rPr lang="de-DE" sz="2000" dirty="0">
-                <a:latin typeface="Microsoft YaHei UI" panose="020B0503020204020204" pitchFamily="34" charset="-122"/>
-                <a:ea typeface="Microsoft YaHei UI" panose="020B0503020204020204" pitchFamily="34" charset="-122"/>
-              </a:rPr>
-              <a:t>Entweder U235 in Thermal verbrennen oder Pu239 in Fast zeuchten</a:t>
+              <a:t>U235 in Thermal verbrennen oder Pu239 in Fast zeuchten</a:t>
             </a:r>
           </a:p>
           <a:p>
@@ -8483,7 +8476,7 @@
           <p:cNvPr id="7" name="Picture 6">
             <a:extLst>
               <a:ext uri="{FF2B5EF4-FFF2-40B4-BE49-F238E27FC236}">
-                <a16:creationId xmlns:a16="http://schemas.microsoft.com/office/drawing/2014/main" id="{AA6AE425-6E7A-49CC-84E3-315F55BD4E4A}"/>
+                <a16:creationId xmlns:a16="http://schemas.microsoft.com/office/drawing/2014/main" xmlns="" id="{AA6AE425-6E7A-49CC-84E3-315F55BD4E4A}"/>
               </a:ext>
             </a:extLst>
           </p:cNvPr>
@@ -8524,6 +8517,13 @@
   <p:clrMapOvr>
     <a:masterClrMapping/>
   </p:clrMapOvr>
+  <p:timing>
+    <p:tnLst>
+      <p:par>
+        <p:cTn id="1" dur="indefinite" restart="never" nodeType="tmRoot"/>
+      </p:par>
+    </p:tnLst>
+  </p:timing>
 </p:sld>
 </file>
 
@@ -8608,7 +8608,7 @@
         </p:nvSpPr>
         <p:spPr>
           <a:xfrm>
-            <a:off x="577124" y="1871201"/>
+            <a:off x="606425" y="1981200"/>
             <a:ext cx="7989752" cy="3115598"/>
           </a:xfrm>
         </p:spPr>
@@ -8626,7 +8626,7 @@
               <a:t>Heute verbrennt man U235 im thermischen Bereich unter sehr hohen Druck ≈ 30 </a:t>
             </a:r>
             <a:r>
-              <a:rPr lang="de-DE" sz="2000" dirty="0" err="1">
+              <a:rPr lang="de-DE" sz="2000" dirty="0" smtClean="0">
                 <a:latin typeface="Microsoft YaHei UI" panose="020B0503020204020204" pitchFamily="34" charset="-122"/>
                 <a:ea typeface="Microsoft YaHei UI" panose="020B0503020204020204" pitchFamily="34" charset="-122"/>
               </a:rPr>
@@ -8664,41 +8664,35 @@
                 <a:latin typeface="Microsoft YaHei UI" panose="020B0503020204020204" pitchFamily="34" charset="-122"/>
                 <a:ea typeface="Microsoft YaHei UI" panose="020B0503020204020204" pitchFamily="34" charset="-122"/>
               </a:rPr>
-              <a:t>Ag ist .070ppm</a:t>
-            </a:r>
-          </a:p>
-        </p:txBody>
-      </p:sp>
-      <p:pic>
-        <p:nvPicPr>
-          <p:cNvPr id="4" name="Picture 3"/>
-          <p:cNvPicPr>
-            <a:picLocks noChangeAspect="1"/>
-          </p:cNvPicPr>
-          <p:nvPr/>
-        </p:nvPicPr>
-        <p:blipFill>
-          <a:blip r:embed="rId2">
-            <a:extLst>
-              <a:ext uri="{28A0092B-C50C-407E-A947-70E740481C1C}">
-                <a14:useLocalDpi xmlns:a14="http://schemas.microsoft.com/office/drawing/2010/main" val="0"/>
-              </a:ext>
-            </a:extLst>
-          </a:blip>
-          <a:stretch>
-            <a:fillRect/>
-          </a:stretch>
-        </p:blipFill>
-        <p:spPr>
-          <a:xfrm>
-            <a:off x="1081357" y="5558569"/>
-            <a:ext cx="4502523" cy="533400"/>
-          </a:xfrm>
-          <a:prstGeom prst="rect">
-            <a:avLst/>
-          </a:prstGeom>
-        </p:spPr>
-      </p:pic>
+              <a:t>Ag ist .</a:t>
+            </a:r>
+            <a:r>
+              <a:rPr lang="de-DE" sz="2000" dirty="0" smtClean="0">
+                <a:latin typeface="Microsoft YaHei UI" panose="020B0503020204020204" pitchFamily="34" charset="-122"/>
+                <a:ea typeface="Microsoft YaHei UI" panose="020B0503020204020204" pitchFamily="34" charset="-122"/>
+              </a:rPr>
+              <a:t>070ppm</a:t>
+            </a:r>
+          </a:p>
+          <a:p>
+            <a:pPr lvl="1"/>
+            <a:r>
+              <a:rPr lang="de-DE" sz="2000" dirty="0">
+                <a:latin typeface="Microsoft YaHei UI" panose="020B0503020204020204" pitchFamily="34" charset="-122"/>
+                <a:ea typeface="Microsoft YaHei UI" panose="020B0503020204020204" pitchFamily="34" charset="-122"/>
+              </a:rPr>
+              <a:t>Thorium tretet dreimal so oft auf wie Uran</a:t>
+            </a:r>
+          </a:p>
+          <a:p>
+            <a:pPr lvl="1"/>
+            <a:endParaRPr lang="de-DE" sz="2000" dirty="0">
+              <a:latin typeface="Microsoft YaHei UI" panose="020B0503020204020204" pitchFamily="34" charset="-122"/>
+              <a:ea typeface="Microsoft YaHei UI" panose="020B0503020204020204" pitchFamily="34" charset="-122"/>
+            </a:endParaRPr>
+          </a:p>
+        </p:txBody>
+      </p:sp>
       <p:sp>
         <p:nvSpPr>
           <p:cNvPr id="5" name="AutoShape 2" descr="{\displaystyle {\ce {{^{238}_{92}U}+{^{1}_{0}n}-&gt;{^{239}_{92}U}-&gt;[\beta ^{-}][23.5\ {\ce {min}}]{^{239}_{93}Np}-&gt;[\beta ^{-}][2.356\ {\ce {d}}]{^{239}_{94}Pu}}}}"/>
@@ -8777,36 +8771,6 @@
           </a:p>
         </p:txBody>
       </p:sp>
-      <p:pic>
-        <p:nvPicPr>
-          <p:cNvPr id="7" name="Picture 6"/>
-          <p:cNvPicPr>
-            <a:picLocks noChangeAspect="1"/>
-          </p:cNvPicPr>
-          <p:nvPr/>
-        </p:nvPicPr>
-        <p:blipFill>
-          <a:blip r:embed="rId3">
-            <a:extLst>
-              <a:ext uri="{28A0092B-C50C-407E-A947-70E740481C1C}">
-                <a14:useLocalDpi xmlns:a14="http://schemas.microsoft.com/office/drawing/2010/main" val="0"/>
-              </a:ext>
-            </a:extLst>
-          </a:blip>
-          <a:stretch>
-            <a:fillRect/>
-          </a:stretch>
-        </p:blipFill>
-        <p:spPr>
-          <a:xfrm>
-            <a:off x="1081357" y="4714487"/>
-            <a:ext cx="4671465" cy="929721"/>
-          </a:xfrm>
-          <a:prstGeom prst="rect">
-            <a:avLst/>
-          </a:prstGeom>
-        </p:spPr>
-      </p:pic>
     </p:spTree>
     <p:extLst>
       <p:ext uri="{BB962C8B-B14F-4D97-AF65-F5344CB8AC3E}">
@@ -8817,6 +8781,13 @@
   <p:clrMapOvr>
     <a:masterClrMapping/>
   </p:clrMapOvr>
+  <p:timing>
+    <p:tnLst>
+      <p:par>
+        <p:cTn id="1" dur="indefinite" restart="never" nodeType="tmRoot"/>
+      </p:par>
+    </p:tnLst>
+  </p:timing>
 </p:sld>
 </file>
 
@@ -8953,6 +8924,13 @@
   <p:clrMapOvr>
     <a:masterClrMapping/>
   </p:clrMapOvr>
+  <p:timing>
+    <p:tnLst>
+      <p:par>
+        <p:cTn id="1" dur="indefinite" restart="never" nodeType="tmRoot"/>
+      </p:par>
+    </p:tnLst>
+  </p:timing>
 </p:sld>
 </file>
 
@@ -9083,7 +9061,7 @@
         </p:blipFill>
         <p:spPr bwMode="auto">
           <a:xfrm>
-            <a:off x="762000" y="2242978"/>
+            <a:off x="2286000" y="1981200"/>
             <a:ext cx="6248400" cy="4581633"/>
           </a:xfrm>
           <a:prstGeom prst="rect">
@@ -9111,6 +9089,13 @@
   <p:clrMapOvr>
     <a:masterClrMapping/>
   </p:clrMapOvr>
+  <p:timing>
+    <p:tnLst>
+      <p:par>
+        <p:cTn id="1" dur="indefinite" restart="never" nodeType="tmRoot"/>
+      </p:par>
+    </p:tnLst>
+  </p:timing>
 </p:sld>
 </file>
 
@@ -9327,6 +9312,13 @@
   <p:clrMapOvr>
     <a:masterClrMapping/>
   </p:clrMapOvr>
+  <p:timing>
+    <p:tnLst>
+      <p:par>
+        <p:cTn id="1" dur="indefinite" restart="never" nodeType="tmRoot"/>
+      </p:par>
+    </p:tnLst>
+  </p:timing>
 </p:sld>
 </file>
 
@@ -9482,6 +9474,13 @@
   <p:clrMapOvr>
     <a:masterClrMapping/>
   </p:clrMapOvr>
+  <p:timing>
+    <p:tnLst>
+      <p:par>
+        <p:cTn id="1" dur="indefinite" restart="never" nodeType="tmRoot"/>
+      </p:par>
+    </p:tnLst>
+  </p:timing>
 </p:sld>
 </file>
 
@@ -10730,7 +10729,7 @@
           <p:cNvPr id="37" name="Picture 36">
             <a:extLst>
               <a:ext uri="{FF2B5EF4-FFF2-40B4-BE49-F238E27FC236}">
-                <a16:creationId xmlns:a16="http://schemas.microsoft.com/office/drawing/2014/main" id="{D98FEC17-BF55-47CD-98D5-70A9F8AB1B03}"/>
+                <a16:creationId xmlns:a16="http://schemas.microsoft.com/office/drawing/2014/main" xmlns="" id="{D98FEC17-BF55-47CD-98D5-70A9F8AB1B03}"/>
               </a:ext>
             </a:extLst>
           </p:cNvPr>
@@ -10771,6 +10770,13 @@
   <p:clrMapOvr>
     <a:masterClrMapping/>
   </p:clrMapOvr>
+  <p:timing>
+    <p:tnLst>
+      <p:par>
+        <p:cTn id="1" dur="indefinite" restart="never" nodeType="tmRoot"/>
+      </p:par>
+    </p:tnLst>
+  </p:timing>
 </p:sld>
 </file>
 
@@ -10791,83 +10797,6 @@
           <a:chExt cx="0" cy="0"/>
         </a:xfrm>
       </p:grpSpPr>
-      <p:pic>
-        <p:nvPicPr>
-          <p:cNvPr id="4" name="Picture 2" descr="Image result for molten salt reactor">
-            <a:extLst>
-              <a:ext uri="{FF2B5EF4-FFF2-40B4-BE49-F238E27FC236}">
-                <a16:creationId xmlns:a16="http://schemas.microsoft.com/office/drawing/2014/main" id="{AB15FC58-171E-43A6-B836-3BA5580C5B3F}"/>
-              </a:ext>
-            </a:extLst>
-          </p:cNvPr>
-          <p:cNvPicPr>
-            <a:picLocks noChangeAspect="1" noChangeArrowheads="1"/>
-          </p:cNvPicPr>
-          <p:nvPr/>
-        </p:nvPicPr>
-        <p:blipFill>
-          <a:blip r:embed="rId2">
-            <a:extLst>
-              <a:ext uri="{28A0092B-C50C-407E-A947-70E740481C1C}">
-                <a14:useLocalDpi xmlns:a14="http://schemas.microsoft.com/office/drawing/2010/main" val="0"/>
-              </a:ext>
-            </a:extLst>
-          </a:blip>
-          <a:srcRect/>
-          <a:stretch>
-            <a:fillRect/>
-          </a:stretch>
-        </p:blipFill>
-        <p:spPr bwMode="auto">
-          <a:xfrm>
-            <a:off x="155357" y="190500"/>
-            <a:ext cx="8833289" cy="6477000"/>
-          </a:xfrm>
-          <a:prstGeom prst="rect">
-            <a:avLst/>
-          </a:prstGeom>
-          <a:noFill/>
-          <a:extLst>
-            <a:ext uri="{909E8E84-426E-40DD-AFC4-6F175D3DCCD1}">
-              <a14:hiddenFill xmlns:a14="http://schemas.microsoft.com/office/drawing/2010/main">
-                <a:solidFill>
-                  <a:srgbClr val="FFFFFF"/>
-                </a:solidFill>
-              </a14:hiddenFill>
-            </a:ext>
-          </a:extLst>
-        </p:spPr>
-      </p:pic>
-    </p:spTree>
-    <p:extLst>
-      <p:ext uri="{BB962C8B-B14F-4D97-AF65-F5344CB8AC3E}">
-        <p14:creationId xmlns:p14="http://schemas.microsoft.com/office/powerpoint/2010/main" val="2426714332"/>
-      </p:ext>
-    </p:extLst>
-  </p:cSld>
-  <p:clrMapOvr>
-    <a:masterClrMapping/>
-  </p:clrMapOvr>
-</p:sld>
-</file>
-
-<file path=ppt/slides/slide22.xml><?xml version="1.0" encoding="utf-8"?>
-<p:sld xmlns:a="http://schemas.openxmlformats.org/drawingml/2006/main" xmlns:r="http://schemas.openxmlformats.org/officeDocument/2006/relationships" xmlns:p="http://schemas.openxmlformats.org/presentationml/2006/main">
-  <p:cSld>
-    <p:spTree>
-      <p:nvGrpSpPr>
-        <p:cNvPr id="1" name=""/>
-        <p:cNvGrpSpPr/>
-        <p:nvPr/>
-      </p:nvGrpSpPr>
-      <p:grpSpPr>
-        <a:xfrm>
-          <a:off x="0" y="0"/>
-          <a:ext cx="0" cy="0"/>
-          <a:chOff x="0" y="0"/>
-          <a:chExt cx="0" cy="0"/>
-        </a:xfrm>
-      </p:grpSpPr>
       <p:sp>
         <p:nvSpPr>
           <p:cNvPr id="2" name="Title 1"/>
@@ -10908,7 +10837,7 @@
         <p:spPr/>
         <p:txBody>
           <a:bodyPr>
-            <a:normAutofit fontScale="92500" lnSpcReduction="10000"/>
+            <a:normAutofit/>
           </a:bodyPr>
           <a:lstStyle/>
           <a:p>
@@ -11024,45 +10953,19 @@
                 <a:latin typeface="Microsoft YaHei UI" panose="020B0503020204020204" pitchFamily="34" charset="-122"/>
                 <a:ea typeface="Microsoft YaHei UI" panose="020B0503020204020204" pitchFamily="34" charset="-122"/>
               </a:rPr>
-              <a:t>medizinische Produkte und Pu238 (RTGs)</a:t>
-            </a:r>
-          </a:p>
-          <a:p>
-            <a:r>
-              <a:rPr lang="de-DE" sz="2600" noProof="0" dirty="0">
-                <a:latin typeface="Microsoft YaHei UI" panose="020B0503020204020204" pitchFamily="34" charset="-122"/>
-                <a:ea typeface="Microsoft YaHei UI" panose="020B0503020204020204" pitchFamily="34" charset="-122"/>
-              </a:rPr>
-              <a:t>es ist sowieso in unsere Zukunft(</a:t>
-            </a:r>
-            <a:r>
-              <a:rPr lang="de-DE" sz="2600" noProof="0" dirty="0" err="1">
-                <a:latin typeface="Microsoft YaHei UI" panose="020B0503020204020204" pitchFamily="34" charset="-122"/>
-                <a:ea typeface="Microsoft YaHei UI" panose="020B0503020204020204" pitchFamily="34" charset="-122"/>
-              </a:rPr>
-              <a:t>dyson</a:t>
-            </a:r>
-            <a:r>
-              <a:rPr lang="de-DE" sz="2600" noProof="0" dirty="0">
-                <a:latin typeface="Microsoft YaHei UI" panose="020B0503020204020204" pitchFamily="34" charset="-122"/>
-                <a:ea typeface="Microsoft YaHei UI" panose="020B0503020204020204" pitchFamily="34" charset="-122"/>
-              </a:rPr>
-              <a:t> </a:t>
-            </a:r>
-            <a:r>
-              <a:rPr lang="de-DE" sz="2600" noProof="0" dirty="0" err="1">
-                <a:latin typeface="Microsoft YaHei UI" panose="020B0503020204020204" pitchFamily="34" charset="-122"/>
-                <a:ea typeface="Microsoft YaHei UI" panose="020B0503020204020204" pitchFamily="34" charset="-122"/>
-              </a:rPr>
-              <a:t>swarm</a:t>
-            </a:r>
-            <a:r>
-              <a:rPr lang="de-DE" sz="2600" noProof="0" dirty="0">
+              <a:t>medizinische Produkte und Pu238 (RTGs</a:t>
+            </a:r>
+            <a:r>
+              <a:rPr lang="de-DE" sz="2600" noProof="0" dirty="0" smtClean="0">
                 <a:latin typeface="Microsoft YaHei UI" panose="020B0503020204020204" pitchFamily="34" charset="-122"/>
                 <a:ea typeface="Microsoft YaHei UI" panose="020B0503020204020204" pitchFamily="34" charset="-122"/>
               </a:rPr>
               <a:t>)</a:t>
             </a:r>
+            <a:endParaRPr lang="de-DE" sz="2600" noProof="0" dirty="0">
+              <a:latin typeface="Microsoft YaHei UI" panose="020B0503020204020204" pitchFamily="34" charset="-122"/>
+              <a:ea typeface="Microsoft YaHei UI" panose="020B0503020204020204" pitchFamily="34" charset="-122"/>
+            </a:endParaRPr>
           </a:p>
         </p:txBody>
       </p:sp>
@@ -11076,6 +10979,13 @@
   <p:clrMapOvr>
     <a:masterClrMapping/>
   </p:clrMapOvr>
+  <p:timing>
+    <p:tnLst>
+      <p:par>
+        <p:cTn id="1" dur="indefinite" restart="never" nodeType="tmRoot"/>
+      </p:par>
+    </p:tnLst>
+  </p:timing>
 </p:sld>
 </file>
 
@@ -11178,11 +11088,6 @@
 <file path=ppt/slides/slide4.xml><?xml version="1.0" encoding="utf-8"?>
 <p:sld xmlns:a="http://schemas.openxmlformats.org/drawingml/2006/main" xmlns:r="http://schemas.openxmlformats.org/officeDocument/2006/relationships" xmlns:p="http://schemas.openxmlformats.org/presentationml/2006/main">
   <p:cSld>
-    <p:bg>
-      <p:bgRef idx="1001">
-        <a:schemeClr val="bg1"/>
-      </p:bgRef>
-    </p:bg>
     <p:spTree>
       <p:nvGrpSpPr>
         <p:cNvPr id="1" name=""/>
@@ -11199,13 +11104,7 @@
       </p:grpSpPr>
       <p:sp>
         <p:nvSpPr>
-          <p:cNvPr id="2" name="Title 1">
-            <a:extLst>
-              <a:ext uri="{FF2B5EF4-FFF2-40B4-BE49-F238E27FC236}">
-                <a16:creationId xmlns:a16="http://schemas.microsoft.com/office/drawing/2014/main" id="{DAF4EBB4-3D3A-43F7-8A78-F0E060EFE75E}"/>
-              </a:ext>
-            </a:extLst>
-          </p:cNvPr>
+          <p:cNvPr id="2" name="Title 1"/>
           <p:cNvSpPr>
             <a:spLocks noGrp="1"/>
           </p:cNvSpPr>
@@ -11215,80 +11114,661 @@
         </p:nvSpPr>
         <p:spPr/>
         <p:txBody>
-          <a:bodyPr/>
-          <a:lstStyle/>
-          <a:p>
-            <a:r>
-              <a:rPr lang="de-DE" noProof="0" dirty="0">
+          <a:bodyPr>
+            <a:normAutofit/>
+          </a:bodyPr>
+          <a:lstStyle/>
+          <a:p>
+            <a:r>
+              <a:rPr lang="de-DE" sz="3200" dirty="0">
                 <a:latin typeface="Microsoft YaHei UI" panose="020B0503020204020204" pitchFamily="34" charset="-122"/>
                 <a:ea typeface="Microsoft YaHei UI" panose="020B0503020204020204" pitchFamily="34" charset="-122"/>
               </a:rPr>
-              <a:t>Atom</a:t>
-            </a:r>
-          </a:p>
-        </p:txBody>
-      </p:sp>
-      <p:sp>
-        <p:nvSpPr>
-          <p:cNvPr id="3" name="Content Placeholder 2">
+              <a:t>Woher kommt die Energie?</a:t>
+            </a:r>
+          </a:p>
+        </p:txBody>
+      </p:sp>
+      <p:pic>
+        <p:nvPicPr>
+          <p:cNvPr id="6" name="Picture 5"/>
+          <p:cNvPicPr>
+            <a:picLocks noChangeAspect="1"/>
+          </p:cNvPicPr>
+          <p:nvPr/>
+        </p:nvPicPr>
+        <p:blipFill>
+          <a:blip r:embed="rId2">
             <a:extLst>
-              <a:ext uri="{FF2B5EF4-FFF2-40B4-BE49-F238E27FC236}">
-                <a16:creationId xmlns:a16="http://schemas.microsoft.com/office/drawing/2014/main" id="{B6393B54-01D3-41B0-BE6B-1B774018F805}"/>
+              <a:ext uri="{28A0092B-C50C-407E-A947-70E740481C1C}">
+                <a14:useLocalDpi xmlns:a14="http://schemas.microsoft.com/office/drawing/2010/main" val="0"/>
               </a:ext>
             </a:extLst>
-          </p:cNvPr>
-          <p:cNvSpPr>
-            <a:spLocks noGrp="1"/>
-          </p:cNvSpPr>
-          <p:nvPr>
-            <p:ph idx="1"/>
-          </p:nvPr>
-        </p:nvSpPr>
+          </a:blip>
+          <a:stretch>
+            <a:fillRect/>
+          </a:stretch>
+        </p:blipFill>
         <p:spPr>
           <a:xfrm>
-            <a:off x="581192" y="2133600"/>
-            <a:ext cx="7989752" cy="1591598"/>
+            <a:off x="1295400" y="1676400"/>
+            <a:ext cx="6172200" cy="4629150"/>
           </a:xfrm>
+          <a:prstGeom prst="rect">
+            <a:avLst/>
+          </a:prstGeom>
         </p:spPr>
-        <p:txBody>
-          <a:bodyPr>
-            <a:normAutofit/>
-          </a:bodyPr>
-          <a:lstStyle/>
-          <a:p>
-            <a:r>
-              <a:rPr lang="de-DE" sz="2000" noProof="0" dirty="0">
-                <a:latin typeface="Microsoft YaHei UI" panose="020B0503020204020204" pitchFamily="34" charset="-122"/>
-                <a:ea typeface="Microsoft YaHei UI" panose="020B0503020204020204" pitchFamily="34" charset="-122"/>
-              </a:rPr>
-              <a:t>Atomkern besteht aus Neutronen, Protonen und Elektronen</a:t>
-            </a:r>
-          </a:p>
-          <a:p>
-            <a:r>
-              <a:rPr lang="de-DE" sz="2000" noProof="0" dirty="0">
-                <a:latin typeface="Microsoft YaHei UI" panose="020B0503020204020204" pitchFamily="34" charset="-122"/>
-                <a:ea typeface="Microsoft YaHei UI" panose="020B0503020204020204" pitchFamily="34" charset="-122"/>
-              </a:rPr>
-              <a:t>Beta-, Alpha- und Gamma-Zerfall</a:t>
-            </a:r>
-          </a:p>
-        </p:txBody>
-      </p:sp>
+      </p:pic>
     </p:spTree>
     <p:extLst>
       <p:ext uri="{BB962C8B-B14F-4D97-AF65-F5344CB8AC3E}">
-        <p14:creationId xmlns:p14="http://schemas.microsoft.com/office/powerpoint/2010/main" val="1653582940"/>
+        <p14:creationId xmlns:p14="http://schemas.microsoft.com/office/powerpoint/2010/main" val="738008722"/>
       </p:ext>
     </p:extLst>
   </p:cSld>
   <p:clrMapOvr>
-    <a:overrideClrMapping bg1="lt1" tx1="dk1" bg2="lt2" tx2="dk2" accent1="accent1" accent2="accent2" accent3="accent3" accent4="accent4" accent5="accent5" accent6="accent6" hlink="hlink" folHlink="folHlink"/>
+    <a:masterClrMapping/>
   </p:clrMapOvr>
 </p:sld>
 </file>
 
 <file path=ppt/slides/slide5.xml><?xml version="1.0" encoding="utf-8"?>
+<p:sld xmlns:a="http://schemas.openxmlformats.org/drawingml/2006/main" xmlns:r="http://schemas.openxmlformats.org/officeDocument/2006/relationships" xmlns:p="http://schemas.openxmlformats.org/presentationml/2006/main">
+  <p:cSld>
+    <p:spTree>
+      <p:nvGrpSpPr>
+        <p:cNvPr id="1" name=""/>
+        <p:cNvGrpSpPr/>
+        <p:nvPr/>
+      </p:nvGrpSpPr>
+      <p:grpSpPr>
+        <a:xfrm>
+          <a:off x="0" y="0"/>
+          <a:ext cx="0" cy="0"/>
+          <a:chOff x="0" y="0"/>
+          <a:chExt cx="0" cy="0"/>
+        </a:xfrm>
+      </p:grpSpPr>
+      <p:pic>
+        <p:nvPicPr>
+          <p:cNvPr id="4" name="Content Placeholder 3"/>
+          <p:cNvPicPr>
+            <a:picLocks noGrp="1" noChangeAspect="1"/>
+          </p:cNvPicPr>
+          <p:nvPr>
+            <p:ph idx="1"/>
+          </p:nvPr>
+        </p:nvPicPr>
+        <p:blipFill>
+          <a:blip r:embed="rId2">
+            <a:extLst>
+              <a:ext uri="{28A0092B-C50C-407E-A947-70E740481C1C}">
+                <a14:useLocalDpi xmlns:a14="http://schemas.microsoft.com/office/drawing/2010/main" val="0"/>
+              </a:ext>
+            </a:extLst>
+          </a:blip>
+          <a:stretch>
+            <a:fillRect/>
+          </a:stretch>
+        </p:blipFill>
+        <p:spPr>
+          <a:xfrm>
+            <a:off x="-152400" y="457200"/>
+            <a:ext cx="9490152" cy="5163094"/>
+          </a:xfrm>
+        </p:spPr>
+      </p:pic>
+    </p:spTree>
+    <p:extLst>
+      <p:ext uri="{BB962C8B-B14F-4D97-AF65-F5344CB8AC3E}">
+        <p14:creationId xmlns:p14="http://schemas.microsoft.com/office/powerpoint/2010/main" val="4220966055"/>
+      </p:ext>
+    </p:extLst>
+  </p:cSld>
+  <p:clrMapOvr>
+    <a:masterClrMapping/>
+  </p:clrMapOvr>
+</p:sld>
+</file>
+
+<file path=ppt/slides/slide6.xml><?xml version="1.0" encoding="utf-8"?>
+<p:sld xmlns:a="http://schemas.openxmlformats.org/drawingml/2006/main" xmlns:r="http://schemas.openxmlformats.org/officeDocument/2006/relationships" xmlns:p="http://schemas.openxmlformats.org/presentationml/2006/main">
+  <p:cSld>
+    <p:spTree>
+      <p:nvGrpSpPr>
+        <p:cNvPr id="1" name=""/>
+        <p:cNvGrpSpPr/>
+        <p:nvPr/>
+      </p:nvGrpSpPr>
+      <p:grpSpPr>
+        <a:xfrm>
+          <a:off x="0" y="0"/>
+          <a:ext cx="0" cy="0"/>
+          <a:chOff x="0" y="0"/>
+          <a:chExt cx="0" cy="0"/>
+        </a:xfrm>
+      </p:grpSpPr>
+      <p:sp>
+        <p:nvSpPr>
+          <p:cNvPr id="2" name="Title 1"/>
+          <p:cNvSpPr>
+            <a:spLocks noGrp="1"/>
+          </p:cNvSpPr>
+          <p:nvPr>
+            <p:ph type="title"/>
+          </p:nvPr>
+        </p:nvSpPr>
+        <p:spPr/>
+        <p:txBody>
+          <a:bodyPr>
+            <a:normAutofit fontScale="90000"/>
+          </a:bodyPr>
+          <a:lstStyle/>
+          <a:p>
+            <a:r>
+              <a:rPr lang="de-DE" noProof="0" dirty="0">
+                <a:latin typeface="Microsoft YaHei UI" panose="020B0503020204020204" pitchFamily="34" charset="-122"/>
+                <a:ea typeface="Microsoft YaHei UI" panose="020B0503020204020204" pitchFamily="34" charset="-122"/>
+              </a:rPr>
+              <a:t>Fission Beispiel</a:t>
+            </a:r>
+            <a:br>
+              <a:rPr lang="de-DE" noProof="0" dirty="0">
+                <a:latin typeface="Microsoft YaHei UI" panose="020B0503020204020204" pitchFamily="34" charset="-122"/>
+                <a:ea typeface="Microsoft YaHei UI" panose="020B0503020204020204" pitchFamily="34" charset="-122"/>
+              </a:rPr>
+            </a:br>
+            <a:endParaRPr lang="de-DE" noProof="0" dirty="0">
+              <a:latin typeface="Microsoft YaHei UI" panose="020B0503020204020204" pitchFamily="34" charset="-122"/>
+              <a:ea typeface="Microsoft YaHei UI" panose="020B0503020204020204" pitchFamily="34" charset="-122"/>
+            </a:endParaRPr>
+          </a:p>
+        </p:txBody>
+      </p:sp>
+      <p:pic>
+        <p:nvPicPr>
+          <p:cNvPr id="1026" name="Picture 2" descr="https://upload.wikimedia.org/wikipedia/commons/thumb/1/15/Nuclear_fission.svg/309px-Nuclear_fission.svg.png"/>
+          <p:cNvPicPr>
+            <a:picLocks noChangeAspect="1" noChangeArrowheads="1"/>
+          </p:cNvPicPr>
+          <p:nvPr/>
+        </p:nvPicPr>
+        <p:blipFill>
+          <a:blip r:embed="rId2">
+            <a:extLst>
+              <a:ext uri="{28A0092B-C50C-407E-A947-70E740481C1C}">
+                <a14:useLocalDpi xmlns:a14="http://schemas.microsoft.com/office/drawing/2010/main" val="0"/>
+              </a:ext>
+            </a:extLst>
+          </a:blip>
+          <a:srcRect/>
+          <a:stretch>
+            <a:fillRect/>
+          </a:stretch>
+        </p:blipFill>
+        <p:spPr bwMode="auto">
+          <a:xfrm>
+            <a:off x="5715002" y="1219202"/>
+            <a:ext cx="2943225" cy="4591051"/>
+          </a:xfrm>
+          <a:prstGeom prst="rect">
+            <a:avLst/>
+          </a:prstGeom>
+          <a:noFill/>
+          <a:extLst>
+            <a:ext uri="{909E8E84-426E-40DD-AFC4-6F175D3DCCD1}">
+              <a14:hiddenFill xmlns:a14="http://schemas.microsoft.com/office/drawing/2010/main">
+                <a:solidFill>
+                  <a:srgbClr val="FFFFFF"/>
+                </a:solidFill>
+              </a14:hiddenFill>
+            </a:ext>
+          </a:extLst>
+        </p:spPr>
+      </p:pic>
+      <p:sp>
+        <p:nvSpPr>
+          <p:cNvPr id="4" name="TextBox 3"/>
+          <p:cNvSpPr txBox="1"/>
+          <p:nvPr/>
+        </p:nvSpPr>
+        <p:spPr>
+          <a:xfrm>
+            <a:off x="685800" y="1447800"/>
+            <a:ext cx="4038600" cy="923330"/>
+          </a:xfrm>
+          <a:prstGeom prst="rect">
+            <a:avLst/>
+          </a:prstGeom>
+          <a:noFill/>
+        </p:spPr>
+        <p:txBody>
+          <a:bodyPr wrap="square" rtlCol="0">
+            <a:spAutoFit/>
+          </a:bodyPr>
+          <a:lstStyle/>
+          <a:p>
+            <a:pPr marL="285750" indent="-285750">
+              <a:buFont typeface="Arial" panose="020B0604020202020204" pitchFamily="34" charset="0"/>
+              <a:buChar char="•"/>
+            </a:pPr>
+            <a:r>
+              <a:rPr lang="en-US" dirty="0"/>
+              <a:t>202.5 MeV - </a:t>
+            </a:r>
+            <a:r>
+              <a:rPr lang="en-US" dirty="0" err="1"/>
+              <a:t>enspricht</a:t>
+            </a:r>
+            <a:r>
+              <a:rPr lang="en-US" dirty="0"/>
+              <a:t> 83.14 TJ/kg</a:t>
+            </a:r>
+          </a:p>
+          <a:p>
+            <a:pPr marL="285750" indent="-285750">
+              <a:buFont typeface="Arial" panose="020B0604020202020204" pitchFamily="34" charset="0"/>
+              <a:buChar char="•"/>
+            </a:pPr>
+            <a:r>
+              <a:rPr lang="en-US" dirty="0" err="1"/>
+              <a:t>Benzin</a:t>
+            </a:r>
+            <a:r>
+              <a:rPr lang="en-US" dirty="0"/>
+              <a:t> ≈ 45MJ/kg</a:t>
+            </a:r>
+          </a:p>
+          <a:p>
+            <a:pPr marL="285750" indent="-285750">
+              <a:buFont typeface="Arial" panose="020B0604020202020204" pitchFamily="34" charset="0"/>
+              <a:buChar char="•"/>
+            </a:pPr>
+            <a:endParaRPr lang="en-US" dirty="0"/>
+          </a:p>
+        </p:txBody>
+      </p:sp>
+      <p:graphicFrame>
+        <p:nvGraphicFramePr>
+          <p:cNvPr id="5" name="Table 4"/>
+          <p:cNvGraphicFramePr>
+            <a:graphicFrameLocks noGrp="1"/>
+          </p:cNvGraphicFramePr>
+          <p:nvPr>
+            <p:extLst>
+              <p:ext uri="{D42A27DB-BD31-4B8C-83A1-F6EECF244321}">
+                <p14:modId xmlns:p14="http://schemas.microsoft.com/office/powerpoint/2010/main" val="3523619675"/>
+              </p:ext>
+            </p:extLst>
+          </p:nvPr>
+        </p:nvGraphicFramePr>
+        <p:xfrm>
+          <a:off x="685800" y="2557226"/>
+          <a:ext cx="4419600" cy="2441494"/>
+        </p:xfrm>
+        <a:graphic>
+          <a:graphicData uri="http://schemas.openxmlformats.org/drawingml/2006/table">
+            <a:tbl>
+              <a:tblPr>
+                <a:tableStyleId>{5940675A-B579-460E-94D1-54222C63F5DA}</a:tableStyleId>
+              </a:tblPr>
+              <a:tblGrid>
+                <a:gridCol w="2819400">
+                  <a:extLst>
+                    <a:ext uri="{9D8B030D-6E8A-4147-A177-3AD203B41FA5}">
+                      <a16:colId xmlns:a16="http://schemas.microsoft.com/office/drawing/2014/main" xmlns="" val="20000"/>
+                    </a:ext>
+                  </a:extLst>
+                </a:gridCol>
+                <a:gridCol w="1600200">
+                  <a:extLst>
+                    <a:ext uri="{9D8B030D-6E8A-4147-A177-3AD203B41FA5}">
+                      <a16:colId xmlns:a16="http://schemas.microsoft.com/office/drawing/2014/main" xmlns="" val="20001"/>
+                    </a:ext>
+                  </a:extLst>
+                </a:gridCol>
+              </a:tblGrid>
+              <a:tr h="490774">
+                <a:tc>
+                  <a:txBody>
+                    <a:bodyPr/>
+                    <a:lstStyle/>
+                    <a:p>
+                      <a:endParaRPr lang="de-DE" noProof="0" dirty="0"/>
+                    </a:p>
+                  </a:txBody>
+                  <a:tcPr/>
+                </a:tc>
+                <a:tc>
+                  <a:txBody>
+                    <a:bodyPr/>
+                    <a:lstStyle/>
+                    <a:p>
+                      <a:r>
+                        <a:rPr lang="de-DE" noProof="0"/>
+                        <a:t>MeV</a:t>
+                      </a:r>
+                    </a:p>
+                  </a:txBody>
+                  <a:tcPr/>
+                </a:tc>
+                <a:extLst>
+                  <a:ext uri="{0D108BD9-81ED-4DB2-BD59-A6C34878D82A}">
+                    <a16:rowId xmlns:a16="http://schemas.microsoft.com/office/drawing/2014/main" xmlns="" val="10000"/>
+                  </a:ext>
+                </a:extLst>
+              </a:tr>
+              <a:tr h="762000">
+                <a:tc>
+                  <a:txBody>
+                    <a:bodyPr/>
+                    <a:lstStyle/>
+                    <a:p>
+                      <a:r>
+                        <a:rPr lang="de-DE" noProof="0"/>
+                        <a:t>Kinetische</a:t>
+                      </a:r>
+                      <a:r>
+                        <a:rPr lang="de-DE" baseline="0" noProof="0"/>
+                        <a:t> Energy der Tochter Teilchen</a:t>
+                      </a:r>
+                      <a:endParaRPr lang="de-DE" noProof="0"/>
+                    </a:p>
+                  </a:txBody>
+                  <a:tcPr/>
+                </a:tc>
+                <a:tc>
+                  <a:txBody>
+                    <a:bodyPr/>
+                    <a:lstStyle/>
+                    <a:p>
+                      <a:r>
+                        <a:rPr lang="de-DE" noProof="0"/>
+                        <a:t>169.1</a:t>
+                      </a:r>
+                    </a:p>
+                  </a:txBody>
+                  <a:tcPr/>
+                </a:tc>
+                <a:extLst>
+                  <a:ext uri="{0D108BD9-81ED-4DB2-BD59-A6C34878D82A}">
+                    <a16:rowId xmlns:a16="http://schemas.microsoft.com/office/drawing/2014/main" xmlns="" val="10001"/>
+                  </a:ext>
+                </a:extLst>
+              </a:tr>
+              <a:tr h="619598">
+                <a:tc>
+                  <a:txBody>
+                    <a:bodyPr/>
+                    <a:lstStyle/>
+                    <a:p>
+                      <a:r>
+                        <a:rPr lang="de-DE" noProof="0" dirty="0"/>
+                        <a:t>Energie</a:t>
+                      </a:r>
+                      <a:r>
+                        <a:rPr lang="de-DE" baseline="0" noProof="0" dirty="0"/>
+                        <a:t> der Restteile(Strahlung, Antineutrinos, Kinetische </a:t>
+                      </a:r>
+                      <a:r>
+                        <a:rPr lang="de-DE" baseline="0" noProof="0" dirty="0" smtClean="0"/>
+                        <a:t>Energie) </a:t>
+                      </a:r>
+                      <a:endParaRPr lang="de-DE" noProof="0" dirty="0"/>
+                    </a:p>
+                  </a:txBody>
+                  <a:tcPr/>
+                </a:tc>
+                <a:tc>
+                  <a:txBody>
+                    <a:bodyPr/>
+                    <a:lstStyle/>
+                    <a:p>
+                      <a:r>
+                        <a:rPr lang="de-DE" noProof="0" dirty="0"/>
+                        <a:t>33.4</a:t>
+                      </a:r>
+                    </a:p>
+                  </a:txBody>
+                  <a:tcPr/>
+                </a:tc>
+                <a:extLst>
+                  <a:ext uri="{0D108BD9-81ED-4DB2-BD59-A6C34878D82A}">
+                    <a16:rowId xmlns:a16="http://schemas.microsoft.com/office/drawing/2014/main" xmlns="" val="10002"/>
+                  </a:ext>
+                </a:extLst>
+              </a:tr>
+            </a:tbl>
+          </a:graphicData>
+        </a:graphic>
+      </p:graphicFrame>
+    </p:spTree>
+    <p:extLst>
+      <p:ext uri="{BB962C8B-B14F-4D97-AF65-F5344CB8AC3E}">
+        <p14:creationId xmlns:p14="http://schemas.microsoft.com/office/powerpoint/2010/main" val="3181705698"/>
+      </p:ext>
+    </p:extLst>
+  </p:cSld>
+  <p:clrMapOvr>
+    <a:masterClrMapping/>
+  </p:clrMapOvr>
+</p:sld>
+</file>
+
+<file path=ppt/slides/slide7.xml><?xml version="1.0" encoding="utf-8"?>
+<p:sld xmlns:a="http://schemas.openxmlformats.org/drawingml/2006/main" xmlns:r="http://schemas.openxmlformats.org/officeDocument/2006/relationships" xmlns:p="http://schemas.openxmlformats.org/presentationml/2006/main">
+  <p:cSld>
+    <p:spTree>
+      <p:nvGrpSpPr>
+        <p:cNvPr id="1" name=""/>
+        <p:cNvGrpSpPr/>
+        <p:nvPr/>
+      </p:nvGrpSpPr>
+      <p:grpSpPr>
+        <a:xfrm>
+          <a:off x="0" y="0"/>
+          <a:ext cx="0" cy="0"/>
+          <a:chOff x="0" y="0"/>
+          <a:chExt cx="0" cy="0"/>
+        </a:xfrm>
+      </p:grpSpPr>
+      <p:sp>
+        <p:nvSpPr>
+          <p:cNvPr id="2" name="Title 1"/>
+          <p:cNvSpPr>
+            <a:spLocks noGrp="1"/>
+          </p:cNvSpPr>
+          <p:nvPr>
+            <p:ph type="title"/>
+          </p:nvPr>
+        </p:nvSpPr>
+        <p:spPr/>
+        <p:txBody>
+          <a:bodyPr/>
+          <a:lstStyle/>
+          <a:p>
+            <a:r>
+              <a:rPr lang="en-US" dirty="0" smtClean="0">
+                <a:latin typeface="Microsoft YaHei UI" panose="020B0503020204020204" pitchFamily="34" charset="-122"/>
+                <a:ea typeface="Microsoft YaHei UI" panose="020B0503020204020204" pitchFamily="34" charset="-122"/>
+              </a:rPr>
+              <a:t>Design </a:t>
+            </a:r>
+            <a:r>
+              <a:rPr lang="en-US" dirty="0" err="1" smtClean="0">
+                <a:latin typeface="Microsoft YaHei UI" panose="020B0503020204020204" pitchFamily="34" charset="-122"/>
+                <a:ea typeface="Microsoft YaHei UI" panose="020B0503020204020204" pitchFamily="34" charset="-122"/>
+              </a:rPr>
+              <a:t>entscheidungen</a:t>
+            </a:r>
+            <a:endParaRPr lang="en-US" dirty="0">
+              <a:latin typeface="Microsoft YaHei UI" panose="020B0503020204020204" pitchFamily="34" charset="-122"/>
+              <a:ea typeface="Microsoft YaHei UI" panose="020B0503020204020204" pitchFamily="34" charset="-122"/>
+            </a:endParaRPr>
+          </a:p>
+        </p:txBody>
+      </p:sp>
+      <p:sp>
+        <p:nvSpPr>
+          <p:cNvPr id="3" name="Content Placeholder 2"/>
+          <p:cNvSpPr>
+            <a:spLocks noGrp="1"/>
+          </p:cNvSpPr>
+          <p:nvPr>
+            <p:ph idx="1"/>
+          </p:nvPr>
+        </p:nvSpPr>
+        <p:spPr>
+          <a:xfrm>
+            <a:off x="533400" y="2057399"/>
+            <a:ext cx="7989752" cy="2362201"/>
+          </a:xfrm>
+        </p:spPr>
+        <p:txBody>
+          <a:bodyPr/>
+          <a:lstStyle/>
+          <a:p>
+            <a:r>
+              <a:rPr lang="en-US" dirty="0" smtClean="0">
+                <a:latin typeface="Microsoft YaHei UI" panose="020B0503020204020204" pitchFamily="34" charset="-122"/>
+                <a:ea typeface="Microsoft YaHei UI" panose="020B0503020204020204" pitchFamily="34" charset="-122"/>
+              </a:rPr>
+              <a:t>Was </a:t>
+            </a:r>
+            <a:r>
+              <a:rPr lang="en-US" dirty="0" err="1" smtClean="0">
+                <a:latin typeface="Microsoft YaHei UI" panose="020B0503020204020204" pitchFamily="34" charset="-122"/>
+                <a:ea typeface="Microsoft YaHei UI" panose="020B0503020204020204" pitchFamily="34" charset="-122"/>
+              </a:rPr>
+              <a:t>fuer</a:t>
+            </a:r>
+            <a:r>
+              <a:rPr lang="en-US" dirty="0" smtClean="0">
+                <a:latin typeface="Microsoft YaHei UI" panose="020B0503020204020204" pitchFamily="34" charset="-122"/>
+                <a:ea typeface="Microsoft YaHei UI" panose="020B0503020204020204" pitchFamily="34" charset="-122"/>
+              </a:rPr>
+              <a:t> </a:t>
+            </a:r>
+            <a:r>
+              <a:rPr lang="en-US" dirty="0" err="1" smtClean="0">
+                <a:latin typeface="Microsoft YaHei UI" panose="020B0503020204020204" pitchFamily="34" charset="-122"/>
+                <a:ea typeface="Microsoft YaHei UI" panose="020B0503020204020204" pitchFamily="34" charset="-122"/>
+              </a:rPr>
+              <a:t>ein</a:t>
+            </a:r>
+            <a:r>
+              <a:rPr lang="en-US" dirty="0" smtClean="0">
+                <a:latin typeface="Microsoft YaHei UI" panose="020B0503020204020204" pitchFamily="34" charset="-122"/>
+                <a:ea typeface="Microsoft YaHei UI" panose="020B0503020204020204" pitchFamily="34" charset="-122"/>
+              </a:rPr>
+              <a:t> </a:t>
+            </a:r>
+            <a:r>
+              <a:rPr lang="en-US" dirty="0" err="1" smtClean="0">
+                <a:latin typeface="Microsoft YaHei UI" panose="020B0503020204020204" pitchFamily="34" charset="-122"/>
+                <a:ea typeface="Microsoft YaHei UI" panose="020B0503020204020204" pitchFamily="34" charset="-122"/>
+              </a:rPr>
+              <a:t>Brennstoff</a:t>
+            </a:r>
+            <a:r>
+              <a:rPr lang="en-US" dirty="0" smtClean="0">
+                <a:latin typeface="Microsoft YaHei UI" panose="020B0503020204020204" pitchFamily="34" charset="-122"/>
+                <a:ea typeface="Microsoft YaHei UI" panose="020B0503020204020204" pitchFamily="34" charset="-122"/>
+              </a:rPr>
+              <a:t>?</a:t>
+            </a:r>
+          </a:p>
+          <a:p>
+            <a:r>
+              <a:rPr lang="en-US" dirty="0" smtClean="0">
+                <a:latin typeface="Microsoft YaHei UI" panose="020B0503020204020204" pitchFamily="34" charset="-122"/>
+                <a:ea typeface="Microsoft YaHei UI" panose="020B0503020204020204" pitchFamily="34" charset="-122"/>
+              </a:rPr>
+              <a:t>Thermal </a:t>
+            </a:r>
+            <a:r>
+              <a:rPr lang="en-US" dirty="0" err="1" smtClean="0">
+                <a:latin typeface="Microsoft YaHei UI" panose="020B0503020204020204" pitchFamily="34" charset="-122"/>
+                <a:ea typeface="Microsoft YaHei UI" panose="020B0503020204020204" pitchFamily="34" charset="-122"/>
+              </a:rPr>
+              <a:t>oder</a:t>
+            </a:r>
+            <a:r>
+              <a:rPr lang="en-US" dirty="0" smtClean="0">
+                <a:latin typeface="Microsoft YaHei UI" panose="020B0503020204020204" pitchFamily="34" charset="-122"/>
+                <a:ea typeface="Microsoft YaHei UI" panose="020B0503020204020204" pitchFamily="34" charset="-122"/>
+              </a:rPr>
+              <a:t> Fast </a:t>
+            </a:r>
+            <a:r>
+              <a:rPr lang="en-US" dirty="0" err="1" smtClean="0">
+                <a:latin typeface="Microsoft YaHei UI" panose="020B0503020204020204" pitchFamily="34" charset="-122"/>
+                <a:ea typeface="Microsoft YaHei UI" panose="020B0503020204020204" pitchFamily="34" charset="-122"/>
+              </a:rPr>
+              <a:t>Spektrum</a:t>
+            </a:r>
+            <a:endParaRPr lang="en-US" dirty="0" smtClean="0">
+              <a:latin typeface="Microsoft YaHei UI" panose="020B0503020204020204" pitchFamily="34" charset="-122"/>
+              <a:ea typeface="Microsoft YaHei UI" panose="020B0503020204020204" pitchFamily="34" charset="-122"/>
+            </a:endParaRPr>
+          </a:p>
+          <a:p>
+            <a:r>
+              <a:rPr lang="en-US" dirty="0" err="1" smtClean="0">
+                <a:latin typeface="Microsoft YaHei UI" panose="020B0503020204020204" pitchFamily="34" charset="-122"/>
+                <a:ea typeface="Microsoft YaHei UI" panose="020B0503020204020204" pitchFamily="34" charset="-122"/>
+              </a:rPr>
+              <a:t>Traditionell</a:t>
+            </a:r>
+            <a:r>
+              <a:rPr lang="en-US" dirty="0" smtClean="0">
+                <a:latin typeface="Microsoft YaHei UI" panose="020B0503020204020204" pitchFamily="34" charset="-122"/>
+                <a:ea typeface="Microsoft YaHei UI" panose="020B0503020204020204" pitchFamily="34" charset="-122"/>
+              </a:rPr>
+              <a:t> </a:t>
+            </a:r>
+            <a:r>
+              <a:rPr lang="en-US" dirty="0" err="1" smtClean="0">
+                <a:latin typeface="Microsoft YaHei UI" panose="020B0503020204020204" pitchFamily="34" charset="-122"/>
+                <a:ea typeface="Microsoft YaHei UI" panose="020B0503020204020204" pitchFamily="34" charset="-122"/>
+              </a:rPr>
+              <a:t>oder</a:t>
+            </a:r>
+            <a:r>
+              <a:rPr lang="en-US" dirty="0" smtClean="0">
+                <a:latin typeface="Microsoft YaHei UI" panose="020B0503020204020204" pitchFamily="34" charset="-122"/>
+                <a:ea typeface="Microsoft YaHei UI" panose="020B0503020204020204" pitchFamily="34" charset="-122"/>
+              </a:rPr>
+              <a:t> MSR?</a:t>
+            </a:r>
+            <a:endParaRPr lang="en-US" dirty="0">
+              <a:latin typeface="Microsoft YaHei UI" panose="020B0503020204020204" pitchFamily="34" charset="-122"/>
+              <a:ea typeface="Microsoft YaHei UI" panose="020B0503020204020204" pitchFamily="34" charset="-122"/>
+            </a:endParaRPr>
+          </a:p>
+        </p:txBody>
+      </p:sp>
+    </p:spTree>
+    <p:extLst>
+      <p:ext uri="{BB962C8B-B14F-4D97-AF65-F5344CB8AC3E}">
+        <p14:creationId xmlns:p14="http://schemas.microsoft.com/office/powerpoint/2010/main" val="3985582872"/>
+      </p:ext>
+    </p:extLst>
+  </p:cSld>
+  <p:clrMapOvr>
+    <a:masterClrMapping/>
+  </p:clrMapOvr>
+  <p:timing>
+    <p:tnLst>
+      <p:par>
+        <p:cTn id="1" dur="indefinite" restart="never" nodeType="tmRoot"/>
+      </p:par>
+    </p:tnLst>
+  </p:timing>
+</p:sld>
+</file>
+
+<file path=ppt/slides/slide8.xml><?xml version="1.0" encoding="utf-8"?>
 <p:sld xmlns:a="http://schemas.openxmlformats.org/drawingml/2006/main" xmlns:r="http://schemas.openxmlformats.org/officeDocument/2006/relationships" xmlns:p="http://schemas.openxmlformats.org/presentationml/2006/main">
   <p:cSld>
     <p:spTree>
@@ -11432,566 +11912,13 @@
   <p:clrMapOvr>
     <a:masterClrMapping/>
   </p:clrMapOvr>
-</p:sld>
-</file>
-
-<file path=ppt/slides/slide6.xml><?xml version="1.0" encoding="utf-8"?>
-<p:sld xmlns:a="http://schemas.openxmlformats.org/drawingml/2006/main" xmlns:r="http://schemas.openxmlformats.org/officeDocument/2006/relationships" xmlns:p="http://schemas.openxmlformats.org/presentationml/2006/main">
-  <p:cSld>
-    <p:spTree>
-      <p:nvGrpSpPr>
-        <p:cNvPr id="1" name=""/>
-        <p:cNvGrpSpPr/>
-        <p:nvPr/>
-      </p:nvGrpSpPr>
-      <p:grpSpPr>
-        <a:xfrm>
-          <a:off x="0" y="0"/>
-          <a:ext cx="0" cy="0"/>
-          <a:chOff x="0" y="0"/>
-          <a:chExt cx="0" cy="0"/>
-        </a:xfrm>
-      </p:grpSpPr>
-      <p:sp>
-        <p:nvSpPr>
-          <p:cNvPr id="2" name="Title 1"/>
-          <p:cNvSpPr>
-            <a:spLocks noGrp="1"/>
-          </p:cNvSpPr>
-          <p:nvPr>
-            <p:ph type="title"/>
-          </p:nvPr>
-        </p:nvSpPr>
-        <p:spPr/>
-        <p:txBody>
-          <a:bodyPr>
-            <a:normAutofit fontScale="90000"/>
-          </a:bodyPr>
-          <a:lstStyle/>
-          <a:p>
-            <a:r>
-              <a:rPr lang="de-DE" noProof="0" dirty="0">
-                <a:latin typeface="Microsoft YaHei UI" panose="020B0503020204020204" pitchFamily="34" charset="-122"/>
-                <a:ea typeface="Microsoft YaHei UI" panose="020B0503020204020204" pitchFamily="34" charset="-122"/>
-              </a:rPr>
-              <a:t>Fission Beispiel</a:t>
-            </a:r>
-            <a:br>
-              <a:rPr lang="de-DE" noProof="0" dirty="0">
-                <a:latin typeface="Microsoft YaHei UI" panose="020B0503020204020204" pitchFamily="34" charset="-122"/>
-                <a:ea typeface="Microsoft YaHei UI" panose="020B0503020204020204" pitchFamily="34" charset="-122"/>
-              </a:rPr>
-            </a:br>
-            <a:endParaRPr lang="de-DE" noProof="0" dirty="0">
-              <a:latin typeface="Microsoft YaHei UI" panose="020B0503020204020204" pitchFamily="34" charset="-122"/>
-              <a:ea typeface="Microsoft YaHei UI" panose="020B0503020204020204" pitchFamily="34" charset="-122"/>
-            </a:endParaRPr>
-          </a:p>
-        </p:txBody>
-      </p:sp>
-      <p:pic>
-        <p:nvPicPr>
-          <p:cNvPr id="1026" name="Picture 2" descr="https://upload.wikimedia.org/wikipedia/commons/thumb/1/15/Nuclear_fission.svg/309px-Nuclear_fission.svg.png"/>
-          <p:cNvPicPr>
-            <a:picLocks noChangeAspect="1" noChangeArrowheads="1"/>
-          </p:cNvPicPr>
-          <p:nvPr/>
-        </p:nvPicPr>
-        <p:blipFill>
-          <a:blip r:embed="rId2">
-            <a:extLst>
-              <a:ext uri="{28A0092B-C50C-407E-A947-70E740481C1C}">
-                <a14:useLocalDpi xmlns:a14="http://schemas.microsoft.com/office/drawing/2010/main" val="0"/>
-              </a:ext>
-            </a:extLst>
-          </a:blip>
-          <a:srcRect/>
-          <a:stretch>
-            <a:fillRect/>
-          </a:stretch>
-        </p:blipFill>
-        <p:spPr bwMode="auto">
-          <a:xfrm>
-            <a:off x="5715002" y="1219202"/>
-            <a:ext cx="2943225" cy="4591051"/>
-          </a:xfrm>
-          <a:prstGeom prst="rect">
-            <a:avLst/>
-          </a:prstGeom>
-          <a:noFill/>
-          <a:extLst>
-            <a:ext uri="{909E8E84-426E-40DD-AFC4-6F175D3DCCD1}">
-              <a14:hiddenFill xmlns:a14="http://schemas.microsoft.com/office/drawing/2010/main">
-                <a:solidFill>
-                  <a:srgbClr val="FFFFFF"/>
-                </a:solidFill>
-              </a14:hiddenFill>
-            </a:ext>
-          </a:extLst>
-        </p:spPr>
-      </p:pic>
-      <p:sp>
-        <p:nvSpPr>
-          <p:cNvPr id="4" name="TextBox 3"/>
-          <p:cNvSpPr txBox="1"/>
-          <p:nvPr/>
-        </p:nvSpPr>
-        <p:spPr>
-          <a:xfrm>
-            <a:off x="685800" y="1447800"/>
-            <a:ext cx="4038600" cy="923330"/>
-          </a:xfrm>
-          <a:prstGeom prst="rect">
-            <a:avLst/>
-          </a:prstGeom>
-          <a:noFill/>
-        </p:spPr>
-        <p:txBody>
-          <a:bodyPr wrap="square" rtlCol="0">
-            <a:spAutoFit/>
-          </a:bodyPr>
-          <a:lstStyle/>
-          <a:p>
-            <a:pPr marL="285750" indent="-285750">
-              <a:buFont typeface="Arial" panose="020B0604020202020204" pitchFamily="34" charset="0"/>
-              <a:buChar char="•"/>
-            </a:pPr>
-            <a:r>
-              <a:rPr lang="en-US" dirty="0"/>
-              <a:t>202.5 MeV - </a:t>
-            </a:r>
-            <a:r>
-              <a:rPr lang="en-US" dirty="0" err="1"/>
-              <a:t>enspricht</a:t>
-            </a:r>
-            <a:r>
-              <a:rPr lang="en-US" dirty="0"/>
-              <a:t> 83.14 TJ/kg</a:t>
-            </a:r>
-          </a:p>
-          <a:p>
-            <a:pPr marL="285750" indent="-285750">
-              <a:buFont typeface="Arial" panose="020B0604020202020204" pitchFamily="34" charset="0"/>
-              <a:buChar char="•"/>
-            </a:pPr>
-            <a:r>
-              <a:rPr lang="en-US" dirty="0" err="1"/>
-              <a:t>Benzin</a:t>
-            </a:r>
-            <a:r>
-              <a:rPr lang="en-US" dirty="0"/>
-              <a:t> ≈ 45MJ/kg</a:t>
-            </a:r>
-          </a:p>
-          <a:p>
-            <a:pPr marL="285750" indent="-285750">
-              <a:buFont typeface="Arial" panose="020B0604020202020204" pitchFamily="34" charset="0"/>
-              <a:buChar char="•"/>
-            </a:pPr>
-            <a:endParaRPr lang="en-US" dirty="0"/>
-          </a:p>
-        </p:txBody>
-      </p:sp>
-      <p:graphicFrame>
-        <p:nvGraphicFramePr>
-          <p:cNvPr id="5" name="Table 4"/>
-          <p:cNvGraphicFramePr>
-            <a:graphicFrameLocks noGrp="1"/>
-          </p:cNvGraphicFramePr>
-          <p:nvPr>
-            <p:extLst>
-              <p:ext uri="{D42A27DB-BD31-4B8C-83A1-F6EECF244321}">
-                <p14:modId xmlns:p14="http://schemas.microsoft.com/office/powerpoint/2010/main" val="4014096407"/>
-              </p:ext>
-            </p:extLst>
-          </p:nvPr>
-        </p:nvGraphicFramePr>
-        <p:xfrm>
-          <a:off x="685800" y="2557226"/>
-          <a:ext cx="4419600" cy="2441494"/>
-        </p:xfrm>
-        <a:graphic>
-          <a:graphicData uri="http://schemas.openxmlformats.org/drawingml/2006/table">
-            <a:tbl>
-              <a:tblPr>
-                <a:tableStyleId>{5940675A-B579-460E-94D1-54222C63F5DA}</a:tableStyleId>
-              </a:tblPr>
-              <a:tblGrid>
-                <a:gridCol w="2819400">
-                  <a:extLst>
-                    <a:ext uri="{9D8B030D-6E8A-4147-A177-3AD203B41FA5}">
-                      <a16:colId xmlns:a16="http://schemas.microsoft.com/office/drawing/2014/main" val="20000"/>
-                    </a:ext>
-                  </a:extLst>
-                </a:gridCol>
-                <a:gridCol w="1600200">
-                  <a:extLst>
-                    <a:ext uri="{9D8B030D-6E8A-4147-A177-3AD203B41FA5}">
-                      <a16:colId xmlns:a16="http://schemas.microsoft.com/office/drawing/2014/main" val="20001"/>
-                    </a:ext>
-                  </a:extLst>
-                </a:gridCol>
-              </a:tblGrid>
-              <a:tr h="490774">
-                <a:tc>
-                  <a:txBody>
-                    <a:bodyPr/>
-                    <a:lstStyle/>
-                    <a:p>
-                      <a:endParaRPr lang="de-DE" noProof="0"/>
-                    </a:p>
-                  </a:txBody>
-                  <a:tcPr/>
-                </a:tc>
-                <a:tc>
-                  <a:txBody>
-                    <a:bodyPr/>
-                    <a:lstStyle/>
-                    <a:p>
-                      <a:r>
-                        <a:rPr lang="de-DE" noProof="0"/>
-                        <a:t>MeV</a:t>
-                      </a:r>
-                    </a:p>
-                  </a:txBody>
-                  <a:tcPr/>
-                </a:tc>
-                <a:extLst>
-                  <a:ext uri="{0D108BD9-81ED-4DB2-BD59-A6C34878D82A}">
-                    <a16:rowId xmlns:a16="http://schemas.microsoft.com/office/drawing/2014/main" val="10000"/>
-                  </a:ext>
-                </a:extLst>
-              </a:tr>
-              <a:tr h="762000">
-                <a:tc>
-                  <a:txBody>
-                    <a:bodyPr/>
-                    <a:lstStyle/>
-                    <a:p>
-                      <a:r>
-                        <a:rPr lang="de-DE" noProof="0"/>
-                        <a:t>Kinetische</a:t>
-                      </a:r>
-                      <a:r>
-                        <a:rPr lang="de-DE" baseline="0" noProof="0"/>
-                        <a:t> Energy der Tochter Teilchen</a:t>
-                      </a:r>
-                      <a:endParaRPr lang="de-DE" noProof="0"/>
-                    </a:p>
-                  </a:txBody>
-                  <a:tcPr/>
-                </a:tc>
-                <a:tc>
-                  <a:txBody>
-                    <a:bodyPr/>
-                    <a:lstStyle/>
-                    <a:p>
-                      <a:r>
-                        <a:rPr lang="de-DE" noProof="0"/>
-                        <a:t>169.1</a:t>
-                      </a:r>
-                    </a:p>
-                  </a:txBody>
-                  <a:tcPr/>
-                </a:tc>
-                <a:extLst>
-                  <a:ext uri="{0D108BD9-81ED-4DB2-BD59-A6C34878D82A}">
-                    <a16:rowId xmlns:a16="http://schemas.microsoft.com/office/drawing/2014/main" val="10001"/>
-                  </a:ext>
-                </a:extLst>
-              </a:tr>
-              <a:tr h="619598">
-                <a:tc>
-                  <a:txBody>
-                    <a:bodyPr/>
-                    <a:lstStyle/>
-                    <a:p>
-                      <a:r>
-                        <a:rPr lang="de-DE" noProof="0"/>
-                        <a:t>Energie</a:t>
-                      </a:r>
-                      <a:r>
-                        <a:rPr lang="de-DE" baseline="0" noProof="0"/>
-                        <a:t> der Restteile(Strahlung, Antineutrinos, Kinetische Energie </a:t>
-                      </a:r>
-                      <a:endParaRPr lang="de-DE" noProof="0"/>
-                    </a:p>
-                  </a:txBody>
-                  <a:tcPr/>
-                </a:tc>
-                <a:tc>
-                  <a:txBody>
-                    <a:bodyPr/>
-                    <a:lstStyle/>
-                    <a:p>
-                      <a:r>
-                        <a:rPr lang="de-DE" noProof="0" dirty="0"/>
-                        <a:t>33.4</a:t>
-                      </a:r>
-                    </a:p>
-                  </a:txBody>
-                  <a:tcPr/>
-                </a:tc>
-                <a:extLst>
-                  <a:ext uri="{0D108BD9-81ED-4DB2-BD59-A6C34878D82A}">
-                    <a16:rowId xmlns:a16="http://schemas.microsoft.com/office/drawing/2014/main" val="10002"/>
-                  </a:ext>
-                </a:extLst>
-              </a:tr>
-            </a:tbl>
-          </a:graphicData>
-        </a:graphic>
-      </p:graphicFrame>
-    </p:spTree>
-    <p:extLst>
-      <p:ext uri="{BB962C8B-B14F-4D97-AF65-F5344CB8AC3E}">
-        <p14:creationId xmlns:p14="http://schemas.microsoft.com/office/powerpoint/2010/main" val="3181705698"/>
-      </p:ext>
-    </p:extLst>
-  </p:cSld>
-  <p:clrMapOvr>
-    <a:masterClrMapping/>
-  </p:clrMapOvr>
-</p:sld>
-</file>
-
-<file path=ppt/slides/slide7.xml><?xml version="1.0" encoding="utf-8"?>
-<p:sld xmlns:a="http://schemas.openxmlformats.org/drawingml/2006/main" xmlns:r="http://schemas.openxmlformats.org/officeDocument/2006/relationships" xmlns:p="http://schemas.openxmlformats.org/presentationml/2006/main">
-  <p:cSld>
-    <p:spTree>
-      <p:nvGrpSpPr>
-        <p:cNvPr id="1" name=""/>
-        <p:cNvGrpSpPr/>
-        <p:nvPr/>
-      </p:nvGrpSpPr>
-      <p:grpSpPr>
-        <a:xfrm>
-          <a:off x="0" y="0"/>
-          <a:ext cx="0" cy="0"/>
-          <a:chOff x="0" y="0"/>
-          <a:chExt cx="0" cy="0"/>
-        </a:xfrm>
-      </p:grpSpPr>
-      <p:sp>
-        <p:nvSpPr>
-          <p:cNvPr id="2" name="Title 1"/>
-          <p:cNvSpPr>
-            <a:spLocks noGrp="1"/>
-          </p:cNvSpPr>
-          <p:nvPr>
-            <p:ph type="title"/>
-          </p:nvPr>
-        </p:nvSpPr>
-        <p:spPr/>
-        <p:txBody>
-          <a:bodyPr/>
-          <a:lstStyle/>
-          <a:p>
-            <a:r>
-              <a:rPr lang="de-DE" noProof="0" dirty="0">
-                <a:latin typeface="Microsoft YaHei UI" panose="020B0503020204020204" pitchFamily="34" charset="-122"/>
-                <a:ea typeface="Microsoft YaHei UI" panose="020B0503020204020204" pitchFamily="34" charset="-122"/>
-              </a:rPr>
-              <a:t>Fissile/</a:t>
-            </a:r>
-            <a:r>
-              <a:rPr lang="de-DE" noProof="0" dirty="0" err="1">
-                <a:latin typeface="Microsoft YaHei UI" panose="020B0503020204020204" pitchFamily="34" charset="-122"/>
-                <a:ea typeface="Microsoft YaHei UI" panose="020B0503020204020204" pitchFamily="34" charset="-122"/>
-              </a:rPr>
-              <a:t>Fissionable</a:t>
-            </a:r>
-            <a:endParaRPr lang="de-DE" noProof="0" dirty="0">
-              <a:latin typeface="Microsoft YaHei UI" panose="020B0503020204020204" pitchFamily="34" charset="-122"/>
-              <a:ea typeface="Microsoft YaHei UI" panose="020B0503020204020204" pitchFamily="34" charset="-122"/>
-            </a:endParaRPr>
-          </a:p>
-        </p:txBody>
-      </p:sp>
-      <p:sp>
-        <p:nvSpPr>
-          <p:cNvPr id="3" name="Content Placeholder 2"/>
-          <p:cNvSpPr>
-            <a:spLocks noGrp="1"/>
-          </p:cNvSpPr>
-          <p:nvPr>
-            <p:ph idx="1"/>
-          </p:nvPr>
-        </p:nvSpPr>
-        <p:spPr>
-          <a:xfrm>
-            <a:off x="581192" y="1981200"/>
-            <a:ext cx="7989752" cy="3630795"/>
-          </a:xfrm>
-        </p:spPr>
-        <p:txBody>
-          <a:bodyPr/>
-          <a:lstStyle/>
-          <a:p>
-            <a:r>
-              <a:rPr lang="de-DE" sz="2000" noProof="0" dirty="0">
-                <a:latin typeface="Microsoft YaHei UI" panose="020B0503020204020204" pitchFamily="34" charset="-122"/>
-                <a:ea typeface="Microsoft YaHei UI" panose="020B0503020204020204" pitchFamily="34" charset="-122"/>
-              </a:rPr>
-              <a:t>Manche Isotope sind spaltbar, aber nicht “fissile”.</a:t>
-            </a:r>
-          </a:p>
-          <a:p>
-            <a:pPr lvl="1"/>
-            <a:r>
-              <a:rPr lang="de-DE" sz="1800" dirty="0">
-                <a:latin typeface="Microsoft YaHei UI" panose="020B0503020204020204" pitchFamily="34" charset="-122"/>
-                <a:ea typeface="Microsoft YaHei UI" panose="020B0503020204020204" pitchFamily="34" charset="-122"/>
-              </a:rPr>
-              <a:t>b</a:t>
-            </a:r>
-            <a:r>
-              <a:rPr lang="de-DE" sz="1800" noProof="0" dirty="0" err="1">
-                <a:latin typeface="Microsoft YaHei UI" panose="020B0503020204020204" pitchFamily="34" charset="-122"/>
-                <a:ea typeface="Microsoft YaHei UI" panose="020B0503020204020204" pitchFamily="34" charset="-122"/>
-              </a:rPr>
-              <a:t>edeutet</a:t>
-            </a:r>
-            <a:r>
-              <a:rPr lang="de-DE" sz="1800" noProof="0" dirty="0">
-                <a:latin typeface="Microsoft YaHei UI" panose="020B0503020204020204" pitchFamily="34" charset="-122"/>
-                <a:ea typeface="Microsoft YaHei UI" panose="020B0503020204020204" pitchFamily="34" charset="-122"/>
-              </a:rPr>
-              <a:t> die Reaktion erhalt sich nicht von allein</a:t>
-            </a:r>
-          </a:p>
-          <a:p>
-            <a:pPr lvl="1"/>
-            <a:r>
-              <a:rPr lang="de-DE" sz="1800" dirty="0">
-                <a:latin typeface="Microsoft YaHei UI" panose="020B0503020204020204" pitchFamily="34" charset="-122"/>
-                <a:ea typeface="Microsoft YaHei UI" panose="020B0503020204020204" pitchFamily="34" charset="-122"/>
-              </a:rPr>
-              <a:t>z</a:t>
-            </a:r>
-            <a:r>
-              <a:rPr lang="de-DE" sz="1800" noProof="0" dirty="0">
-                <a:latin typeface="Microsoft YaHei UI" panose="020B0503020204020204" pitchFamily="34" charset="-122"/>
-                <a:ea typeface="Microsoft YaHei UI" panose="020B0503020204020204" pitchFamily="34" charset="-122"/>
-              </a:rPr>
-              <a:t>.B. U238 ist spaltbar aber nicht fissile. Trotz des Energiegewinns gibt das U238 nicht genug Neutronen ab wenn es gespalten wird.</a:t>
-            </a:r>
-          </a:p>
-          <a:p>
-            <a:pPr marL="457200" lvl="1" indent="0">
-              <a:buNone/>
-            </a:pPr>
-            <a:endParaRPr lang="de-DE" noProof="0" dirty="0">
-              <a:latin typeface="Microsoft YaHei UI" panose="020B0503020204020204" pitchFamily="34" charset="-122"/>
-              <a:ea typeface="Microsoft YaHei UI" panose="020B0503020204020204" pitchFamily="34" charset="-122"/>
-            </a:endParaRPr>
-          </a:p>
-          <a:p>
-            <a:pPr lvl="1"/>
-            <a:endParaRPr lang="de-DE" noProof="0" dirty="0">
-              <a:latin typeface="Microsoft YaHei UI" panose="020B0503020204020204" pitchFamily="34" charset="-122"/>
-              <a:ea typeface="Microsoft YaHei UI" panose="020B0503020204020204" pitchFamily="34" charset="-122"/>
-            </a:endParaRPr>
-          </a:p>
-        </p:txBody>
-      </p:sp>
-    </p:spTree>
-    <p:extLst>
-      <p:ext uri="{BB962C8B-B14F-4D97-AF65-F5344CB8AC3E}">
-        <p14:creationId xmlns:p14="http://schemas.microsoft.com/office/powerpoint/2010/main" val="2563913676"/>
-      </p:ext>
-    </p:extLst>
-  </p:cSld>
-  <p:clrMapOvr>
-    <a:masterClrMapping/>
-  </p:clrMapOvr>
-</p:sld>
-</file>
-
-<file path=ppt/slides/slide8.xml><?xml version="1.0" encoding="utf-8"?>
-<p:sld xmlns:a="http://schemas.openxmlformats.org/drawingml/2006/main" xmlns:r="http://schemas.openxmlformats.org/officeDocument/2006/relationships" xmlns:p="http://schemas.openxmlformats.org/presentationml/2006/main">
-  <p:cSld>
-    <p:spTree>
-      <p:nvGrpSpPr>
-        <p:cNvPr id="1" name=""/>
-        <p:cNvGrpSpPr/>
-        <p:nvPr/>
-      </p:nvGrpSpPr>
-      <p:grpSpPr>
-        <a:xfrm>
-          <a:off x="0" y="0"/>
-          <a:ext cx="0" cy="0"/>
-          <a:chOff x="0" y="0"/>
-          <a:chExt cx="0" cy="0"/>
-        </a:xfrm>
-      </p:grpSpPr>
-      <p:sp>
-        <p:nvSpPr>
-          <p:cNvPr id="2" name="Title 1"/>
-          <p:cNvSpPr>
-            <a:spLocks noGrp="1"/>
-          </p:cNvSpPr>
-          <p:nvPr>
-            <p:ph type="title"/>
-          </p:nvPr>
-        </p:nvSpPr>
-        <p:spPr/>
-        <p:txBody>
-          <a:bodyPr>
-            <a:normAutofit/>
-          </a:bodyPr>
-          <a:lstStyle/>
-          <a:p>
-            <a:r>
-              <a:rPr lang="de-DE" sz="3200" dirty="0">
-                <a:latin typeface="Microsoft YaHei UI" panose="020B0503020204020204" pitchFamily="34" charset="-122"/>
-                <a:ea typeface="Microsoft YaHei UI" panose="020B0503020204020204" pitchFamily="34" charset="-122"/>
-              </a:rPr>
-              <a:t>Woher kommt die Energie?</a:t>
-            </a:r>
-          </a:p>
-        </p:txBody>
-      </p:sp>
-      <p:pic>
-        <p:nvPicPr>
-          <p:cNvPr id="6" name="Picture 5"/>
-          <p:cNvPicPr>
-            <a:picLocks noChangeAspect="1"/>
-          </p:cNvPicPr>
-          <p:nvPr/>
-        </p:nvPicPr>
-        <p:blipFill>
-          <a:blip r:embed="rId2">
-            <a:extLst>
-              <a:ext uri="{28A0092B-C50C-407E-A947-70E740481C1C}">
-                <a14:useLocalDpi xmlns:a14="http://schemas.microsoft.com/office/drawing/2010/main" val="0"/>
-              </a:ext>
-            </a:extLst>
-          </a:blip>
-          <a:stretch>
-            <a:fillRect/>
-          </a:stretch>
-        </p:blipFill>
-        <p:spPr>
-          <a:xfrm>
-            <a:off x="1295400" y="1676400"/>
-            <a:ext cx="6172200" cy="4629150"/>
-          </a:xfrm>
-          <a:prstGeom prst="rect">
-            <a:avLst/>
-          </a:prstGeom>
-        </p:spPr>
-      </p:pic>
-    </p:spTree>
-    <p:extLst>
-      <p:ext uri="{BB962C8B-B14F-4D97-AF65-F5344CB8AC3E}">
-        <p14:creationId xmlns:p14="http://schemas.microsoft.com/office/powerpoint/2010/main" val="738008722"/>
-      </p:ext>
-    </p:extLst>
-  </p:cSld>
-  <p:clrMapOvr>
-    <a:masterClrMapping/>
-  </p:clrMapOvr>
+  <p:timing>
+    <p:tnLst>
+      <p:par>
+        <p:cTn id="1" dur="indefinite" restart="never" nodeType="tmRoot"/>
+      </p:par>
+    </p:tnLst>
+  </p:timing>
 </p:sld>
 </file>
 
@@ -12012,45 +11939,146 @@
           <a:chExt cx="0" cy="0"/>
         </a:xfrm>
       </p:grpSpPr>
-      <p:pic>
-        <p:nvPicPr>
-          <p:cNvPr id="4" name="Content Placeholder 3"/>
-          <p:cNvPicPr>
-            <a:picLocks noGrp="1" noChangeAspect="1"/>
-          </p:cNvPicPr>
+      <p:sp>
+        <p:nvSpPr>
+          <p:cNvPr id="2" name="Title 1"/>
+          <p:cNvSpPr>
+            <a:spLocks noGrp="1"/>
+          </p:cNvSpPr>
+          <p:nvPr>
+            <p:ph type="title"/>
+          </p:nvPr>
+        </p:nvSpPr>
+        <p:spPr/>
+        <p:txBody>
+          <a:bodyPr/>
+          <a:lstStyle/>
+          <a:p>
+            <a:r>
+              <a:rPr lang="de-DE" noProof="0" dirty="0">
+                <a:latin typeface="Microsoft YaHei UI" panose="020B0503020204020204" pitchFamily="34" charset="-122"/>
+                <a:ea typeface="Microsoft YaHei UI" panose="020B0503020204020204" pitchFamily="34" charset="-122"/>
+              </a:rPr>
+              <a:t>Fissile/</a:t>
+            </a:r>
+            <a:r>
+              <a:rPr lang="de-DE" noProof="0" dirty="0" err="1">
+                <a:latin typeface="Microsoft YaHei UI" panose="020B0503020204020204" pitchFamily="34" charset="-122"/>
+                <a:ea typeface="Microsoft YaHei UI" panose="020B0503020204020204" pitchFamily="34" charset="-122"/>
+              </a:rPr>
+              <a:t>Fissionable</a:t>
+            </a:r>
+            <a:endParaRPr lang="de-DE" noProof="0" dirty="0">
+              <a:latin typeface="Microsoft YaHei UI" panose="020B0503020204020204" pitchFamily="34" charset="-122"/>
+              <a:ea typeface="Microsoft YaHei UI" panose="020B0503020204020204" pitchFamily="34" charset="-122"/>
+            </a:endParaRPr>
+          </a:p>
+        </p:txBody>
+      </p:sp>
+      <p:sp>
+        <p:nvSpPr>
+          <p:cNvPr id="3" name="Content Placeholder 2"/>
+          <p:cNvSpPr>
+            <a:spLocks noGrp="1"/>
+          </p:cNvSpPr>
           <p:nvPr>
             <p:ph idx="1"/>
           </p:nvPr>
-        </p:nvPicPr>
-        <p:blipFill>
-          <a:blip r:embed="rId2">
-            <a:extLst>
-              <a:ext uri="{28A0092B-C50C-407E-A947-70E740481C1C}">
-                <a14:useLocalDpi xmlns:a14="http://schemas.microsoft.com/office/drawing/2010/main" val="0"/>
-              </a:ext>
-            </a:extLst>
-          </a:blip>
-          <a:stretch>
-            <a:fillRect/>
-          </a:stretch>
-        </p:blipFill>
+        </p:nvSpPr>
         <p:spPr>
           <a:xfrm>
-            <a:off x="-152400" y="457200"/>
-            <a:ext cx="9490152" cy="5163094"/>
+            <a:off x="581192" y="1981200"/>
+            <a:ext cx="7989752" cy="3630795"/>
           </a:xfrm>
         </p:spPr>
-      </p:pic>
+        <p:txBody>
+          <a:bodyPr/>
+          <a:lstStyle/>
+          <a:p>
+            <a:r>
+              <a:rPr lang="de-DE" sz="2000" noProof="0" dirty="0">
+                <a:latin typeface="Microsoft YaHei UI" panose="020B0503020204020204" pitchFamily="34" charset="-122"/>
+                <a:ea typeface="Microsoft YaHei UI" panose="020B0503020204020204" pitchFamily="34" charset="-122"/>
+              </a:rPr>
+              <a:t>Manche Isotope sind spaltbar, aber nicht “fissile”.</a:t>
+            </a:r>
+          </a:p>
+          <a:p>
+            <a:pPr lvl="1"/>
+            <a:r>
+              <a:rPr lang="de-DE" sz="1800" dirty="0">
+                <a:latin typeface="Microsoft YaHei UI" panose="020B0503020204020204" pitchFamily="34" charset="-122"/>
+                <a:ea typeface="Microsoft YaHei UI" panose="020B0503020204020204" pitchFamily="34" charset="-122"/>
+              </a:rPr>
+              <a:t>b</a:t>
+            </a:r>
+            <a:r>
+              <a:rPr lang="de-DE" sz="1800" noProof="0" dirty="0" err="1">
+                <a:latin typeface="Microsoft YaHei UI" panose="020B0503020204020204" pitchFamily="34" charset="-122"/>
+                <a:ea typeface="Microsoft YaHei UI" panose="020B0503020204020204" pitchFamily="34" charset="-122"/>
+              </a:rPr>
+              <a:t>edeutet</a:t>
+            </a:r>
+            <a:r>
+              <a:rPr lang="de-DE" sz="1800" noProof="0" dirty="0">
+                <a:latin typeface="Microsoft YaHei UI" panose="020B0503020204020204" pitchFamily="34" charset="-122"/>
+                <a:ea typeface="Microsoft YaHei UI" panose="020B0503020204020204" pitchFamily="34" charset="-122"/>
+              </a:rPr>
+              <a:t> die Reaktion erhalt sich nicht von allein</a:t>
+            </a:r>
+          </a:p>
+          <a:p>
+            <a:pPr lvl="1"/>
+            <a:r>
+              <a:rPr lang="de-DE" sz="1800" dirty="0">
+                <a:latin typeface="Microsoft YaHei UI" panose="020B0503020204020204" pitchFamily="34" charset="-122"/>
+                <a:ea typeface="Microsoft YaHei UI" panose="020B0503020204020204" pitchFamily="34" charset="-122"/>
+              </a:rPr>
+              <a:t>z</a:t>
+            </a:r>
+            <a:r>
+              <a:rPr lang="de-DE" sz="1800" noProof="0" dirty="0">
+                <a:latin typeface="Microsoft YaHei UI" panose="020B0503020204020204" pitchFamily="34" charset="-122"/>
+                <a:ea typeface="Microsoft YaHei UI" panose="020B0503020204020204" pitchFamily="34" charset="-122"/>
+              </a:rPr>
+              <a:t>.B. U238 ist spaltbar aber nicht fissile. Trotz des Energiegewinns gibt das U238 nicht genug Neutronen ab wenn es gespalten wird.</a:t>
+            </a:r>
+          </a:p>
+          <a:p>
+            <a:pPr marL="457200" lvl="1" indent="0">
+              <a:buNone/>
+            </a:pPr>
+            <a:endParaRPr lang="de-DE" noProof="0" dirty="0">
+              <a:latin typeface="Microsoft YaHei UI" panose="020B0503020204020204" pitchFamily="34" charset="-122"/>
+              <a:ea typeface="Microsoft YaHei UI" panose="020B0503020204020204" pitchFamily="34" charset="-122"/>
+            </a:endParaRPr>
+          </a:p>
+          <a:p>
+            <a:pPr lvl="1"/>
+            <a:endParaRPr lang="de-DE" noProof="0" dirty="0">
+              <a:latin typeface="Microsoft YaHei UI" panose="020B0503020204020204" pitchFamily="34" charset="-122"/>
+              <a:ea typeface="Microsoft YaHei UI" panose="020B0503020204020204" pitchFamily="34" charset="-122"/>
+            </a:endParaRPr>
+          </a:p>
+        </p:txBody>
+      </p:sp>
     </p:spTree>
     <p:extLst>
       <p:ext uri="{BB962C8B-B14F-4D97-AF65-F5344CB8AC3E}">
-        <p14:creationId xmlns:p14="http://schemas.microsoft.com/office/powerpoint/2010/main" val="4220966055"/>
+        <p14:creationId xmlns:p14="http://schemas.microsoft.com/office/powerpoint/2010/main" val="2563913676"/>
       </p:ext>
     </p:extLst>
   </p:cSld>
   <p:clrMapOvr>
     <a:masterClrMapping/>
   </p:clrMapOvr>
+  <p:timing>
+    <p:tnLst>
+      <p:par>
+        <p:cTn id="1" dur="indefinite" restart="never" nodeType="tmRoot"/>
+      </p:par>
+    </p:tnLst>
+  </p:timing>
 </p:sld>
 </file>
 
@@ -12602,7 +12630,7 @@
   <a:extraClrSchemeLst/>
   <a:extLst>
     <a:ext uri="{05A4C25C-085E-4340-85A3-A5531E510DB2}">
-      <thm15:themeFamily xmlns:thm15="http://schemas.microsoft.com/office/thememl/2012/main" name="Dividend" id="{9697A71B-4AB7-4A1A-BD5B-BB2D22835B57}" vid="{C21699FF-00E4-43C8-BBCC-D7E5536C3717}"/>
+      <thm15:themeFamily xmlns:thm15="http://schemas.microsoft.com/office/thememl/2012/main" xmlns="" name="Dividend" id="{9697A71B-4AB7-4A1A-BD5B-BB2D22835B57}" vid="{C21699FF-00E4-43C8-BBCC-D7E5536C3717}"/>
     </a:ext>
   </a:extLst>
 </a:theme>

--- a/Thorium Reactors.pptx
+++ b/Thorium Reactors.pptx
@@ -130,7 +130,7 @@
   </p:defaultTextStyle>
   <p:extLst>
     <p:ext uri="{EFAFB233-063F-42B5-8137-9DF3F51BA10A}">
-      <p15:sldGuideLst xmlns:p15="http://schemas.microsoft.com/office/powerpoint/2012/main" xmlns="">
+      <p15:sldGuideLst xmlns:p15="http://schemas.microsoft.com/office/powerpoint/2012/main">
         <p15:guide id="1" orient="horz" pos="2160" userDrawn="1">
           <p15:clr>
             <a:srgbClr val="A4A3A4"/>
@@ -229,7 +229,7 @@
           <a:p>
             <a:fld id="{29201BD4-4DF6-4717-A593-B2B71686CB47}" type="datetimeFigureOut">
               <a:rPr lang="en-US" smtClean="0"/>
-              <a:t>12/12/2018</a:t>
+              <a:t>12/13/2018</a:t>
             </a:fld>
             <a:endParaRPr lang="en-US"/>
           </a:p>
@@ -1242,7 +1242,7 @@
           <a:p>
             <a:fld id="{C26FFE9C-D722-4EBF-AC71-68D449D824E4}" type="datetimeFigureOut">
               <a:rPr lang="en-US" smtClean="0"/>
-              <a:t>12/12/2018</a:t>
+              <a:t>12/13/2018</a:t>
             </a:fld>
             <a:endParaRPr lang="en-US"/>
           </a:p>
@@ -1410,7 +1410,7 @@
           <a:p>
             <a:fld id="{C26FFE9C-D722-4EBF-AC71-68D449D824E4}" type="datetimeFigureOut">
               <a:rPr lang="en-US" smtClean="0"/>
-              <a:t>12/12/2018</a:t>
+              <a:t>12/13/2018</a:t>
             </a:fld>
             <a:endParaRPr lang="en-US"/>
           </a:p>
@@ -1588,7 +1588,7 @@
           <a:p>
             <a:fld id="{C26FFE9C-D722-4EBF-AC71-68D449D824E4}" type="datetimeFigureOut">
               <a:rPr lang="en-US" smtClean="0"/>
-              <a:t>12/12/2018</a:t>
+              <a:t>12/13/2018</a:t>
             </a:fld>
             <a:endParaRPr lang="en-US"/>
           </a:p>
@@ -1889,7 +1889,7 @@
           <a:p>
             <a:fld id="{C26FFE9C-D722-4EBF-AC71-68D449D824E4}" type="datetimeFigureOut">
               <a:rPr lang="en-US" smtClean="0"/>
-              <a:t>12/12/2018</a:t>
+              <a:t>12/13/2018</a:t>
             </a:fld>
             <a:endParaRPr lang="en-US"/>
           </a:p>
@@ -2125,7 +2125,7 @@
           <a:p>
             <a:fld id="{C26FFE9C-D722-4EBF-AC71-68D449D824E4}" type="datetimeFigureOut">
               <a:rPr lang="en-US" smtClean="0"/>
-              <a:t>12/12/2018</a:t>
+              <a:t>12/13/2018</a:t>
             </a:fld>
             <a:endParaRPr lang="en-US"/>
           </a:p>
@@ -2427,7 +2427,7 @@
           <a:p>
             <a:fld id="{C26FFE9C-D722-4EBF-AC71-68D449D824E4}" type="datetimeFigureOut">
               <a:rPr lang="en-US" smtClean="0"/>
-              <a:t>12/12/2018</a:t>
+              <a:t>12/13/2018</a:t>
             </a:fld>
             <a:endParaRPr lang="en-US"/>
           </a:p>
@@ -2724,7 +2724,7 @@
           <a:p>
             <a:fld id="{C26FFE9C-D722-4EBF-AC71-68D449D824E4}" type="datetimeFigureOut">
               <a:rPr lang="en-US" smtClean="0"/>
-              <a:t>12/12/2018</a:t>
+              <a:t>12/13/2018</a:t>
             </a:fld>
             <a:endParaRPr lang="en-US"/>
           </a:p>
@@ -3145,7 +3145,7 @@
           <a:p>
             <a:fld id="{C26FFE9C-D722-4EBF-AC71-68D449D824E4}" type="datetimeFigureOut">
               <a:rPr lang="en-US" smtClean="0"/>
-              <a:t>12/12/2018</a:t>
+              <a:t>12/13/2018</a:t>
             </a:fld>
             <a:endParaRPr lang="en-US"/>
           </a:p>
@@ -3302,7 +3302,7 @@
           <a:p>
             <a:fld id="{C26FFE9C-D722-4EBF-AC71-68D449D824E4}" type="datetimeFigureOut">
               <a:rPr lang="en-US" smtClean="0"/>
-              <a:t>12/12/2018</a:t>
+              <a:t>12/13/2018</a:t>
             </a:fld>
             <a:endParaRPr lang="en-US"/>
           </a:p>
@@ -3397,7 +3397,7 @@
           <a:p>
             <a:fld id="{C26FFE9C-D722-4EBF-AC71-68D449D824E4}" type="datetimeFigureOut">
               <a:rPr lang="en-US" smtClean="0"/>
-              <a:t>12/12/2018</a:t>
+              <a:t>12/13/2018</a:t>
             </a:fld>
             <a:endParaRPr lang="en-US"/>
           </a:p>
@@ -3775,7 +3775,7 @@
           <a:p>
             <a:fld id="{C26FFE9C-D722-4EBF-AC71-68D449D824E4}" type="datetimeFigureOut">
               <a:rPr lang="en-US" smtClean="0"/>
-              <a:t>12/12/2018</a:t>
+              <a:t>12/13/2018</a:t>
             </a:fld>
             <a:endParaRPr lang="en-US"/>
           </a:p>
@@ -3965,7 +3965,7 @@
           <a:p>
             <a:fld id="{C26FFE9C-D722-4EBF-AC71-68D449D824E4}" type="datetimeFigureOut">
               <a:rPr lang="en-US" smtClean="0"/>
-              <a:t>12/12/2018</a:t>
+              <a:t>12/13/2018</a:t>
             </a:fld>
             <a:endParaRPr lang="en-US"/>
           </a:p>
@@ -4232,7 +4232,7 @@
           <a:p>
             <a:fld id="{C26FFE9C-D722-4EBF-AC71-68D449D824E4}" type="datetimeFigureOut">
               <a:rPr lang="en-US" smtClean="0"/>
-              <a:t>12/12/2018</a:t>
+              <a:t>12/13/2018</a:t>
             </a:fld>
             <a:endParaRPr lang="en-US"/>
           </a:p>
@@ -4457,7 +4457,7 @@
           <a:p>
             <a:fld id="{C26FFE9C-D722-4EBF-AC71-68D449D824E4}" type="datetimeFigureOut">
               <a:rPr lang="en-US" smtClean="0"/>
-              <a:t>12/12/2018</a:t>
+              <a:t>12/13/2018</a:t>
             </a:fld>
             <a:endParaRPr lang="en-US"/>
           </a:p>
@@ -4692,7 +4692,7 @@
           <a:p>
             <a:fld id="{C26FFE9C-D722-4EBF-AC71-68D449D824E4}" type="datetimeFigureOut">
               <a:rPr lang="en-US" smtClean="0"/>
-              <a:t>12/12/2018</a:t>
+              <a:t>12/13/2018</a:t>
             </a:fld>
             <a:endParaRPr lang="en-US"/>
           </a:p>
@@ -4953,7 +4953,7 @@
           <a:p>
             <a:fld id="{C26FFE9C-D722-4EBF-AC71-68D449D824E4}" type="datetimeFigureOut">
               <a:rPr lang="en-US" smtClean="0"/>
-              <a:t>12/12/2018</a:t>
+              <a:t>12/13/2018</a:t>
             </a:fld>
             <a:endParaRPr lang="en-US"/>
           </a:p>
@@ -5238,7 +5238,7 @@
           <a:p>
             <a:fld id="{C26FFE9C-D722-4EBF-AC71-68D449D824E4}" type="datetimeFigureOut">
               <a:rPr lang="en-US" smtClean="0"/>
-              <a:t>12/12/2018</a:t>
+              <a:t>12/13/2018</a:t>
             </a:fld>
             <a:endParaRPr lang="en-US"/>
           </a:p>
@@ -5657,7 +5657,7 @@
           <a:p>
             <a:fld id="{C26FFE9C-D722-4EBF-AC71-68D449D824E4}" type="datetimeFigureOut">
               <a:rPr lang="en-US" smtClean="0"/>
-              <a:t>12/12/2018</a:t>
+              <a:t>12/13/2018</a:t>
             </a:fld>
             <a:endParaRPr lang="en-US"/>
           </a:p>
@@ -5774,7 +5774,7 @@
           <a:p>
             <a:fld id="{C26FFE9C-D722-4EBF-AC71-68D449D824E4}" type="datetimeFigureOut">
               <a:rPr lang="en-US" smtClean="0"/>
-              <a:t>12/12/2018</a:t>
+              <a:t>12/13/2018</a:t>
             </a:fld>
             <a:endParaRPr lang="en-US"/>
           </a:p>
@@ -5869,7 +5869,7 @@
           <a:p>
             <a:fld id="{C26FFE9C-D722-4EBF-AC71-68D449D824E4}" type="datetimeFigureOut">
               <a:rPr lang="en-US" smtClean="0"/>
-              <a:t>12/12/2018</a:t>
+              <a:t>12/13/2018</a:t>
             </a:fld>
             <a:endParaRPr lang="en-US"/>
           </a:p>
@@ -6144,7 +6144,7 @@
           <a:p>
             <a:fld id="{C26FFE9C-D722-4EBF-AC71-68D449D824E4}" type="datetimeFigureOut">
               <a:rPr lang="en-US" smtClean="0"/>
-              <a:t>12/12/2018</a:t>
+              <a:t>12/13/2018</a:t>
             </a:fld>
             <a:endParaRPr lang="en-US"/>
           </a:p>
@@ -6396,7 +6396,7 @@
           <a:p>
             <a:fld id="{C26FFE9C-D722-4EBF-AC71-68D449D824E4}" type="datetimeFigureOut">
               <a:rPr lang="en-US" smtClean="0"/>
-              <a:t>12/12/2018</a:t>
+              <a:t>12/13/2018</a:t>
             </a:fld>
             <a:endParaRPr lang="en-US"/>
           </a:p>
@@ -6607,7 +6607,7 @@
           <a:p>
             <a:fld id="{C26FFE9C-D722-4EBF-AC71-68D449D824E4}" type="datetimeFigureOut">
               <a:rPr lang="en-US" smtClean="0"/>
-              <a:t>12/12/2018</a:t>
+              <a:t>12/13/2018</a:t>
             </a:fld>
             <a:endParaRPr lang="en-US"/>
           </a:p>
@@ -7115,7 +7115,7 @@
           <a:p>
             <a:fld id="{C26FFE9C-D722-4EBF-AC71-68D449D824E4}" type="datetimeFigureOut">
               <a:rPr lang="en-US" smtClean="0"/>
-              <a:t>12/12/2018</a:t>
+              <a:t>12/13/2018</a:t>
             </a:fld>
             <a:endParaRPr lang="en-US"/>
           </a:p>
@@ -7933,13 +7933,6 @@
   <p:clrMapOvr>
     <a:masterClrMapping/>
   </p:clrMapOvr>
-  <p:timing>
-    <p:tnLst>
-      <p:par>
-        <p:cTn id="1" dur="indefinite" restart="never" nodeType="tmRoot"/>
-      </p:par>
-    </p:tnLst>
-  </p:timing>
 </p:sld>
 </file>
 
@@ -8011,13 +8004,6 @@
   <p:clrMapOvr>
     <a:masterClrMapping/>
   </p:clrMapOvr>
-  <p:timing>
-    <p:tnLst>
-      <p:par>
-        <p:cTn id="1" dur="indefinite" restart="never" nodeType="tmRoot"/>
-      </p:par>
-    </p:tnLst>
-  </p:timing>
 </p:sld>
 </file>
 
@@ -8138,13 +8124,6 @@
   <p:clrMapOvr>
     <a:masterClrMapping/>
   </p:clrMapOvr>
-  <p:timing>
-    <p:tnLst>
-      <p:par>
-        <p:cTn id="1" dur="indefinite" restart="never" nodeType="tmRoot"/>
-      </p:par>
-    </p:tnLst>
-  </p:timing>
 </p:sld>
 </file>
 
@@ -8290,13 +8269,6 @@
   <p:clrMapOvr>
     <a:masterClrMapping/>
   </p:clrMapOvr>
-  <p:timing>
-    <p:tnLst>
-      <p:par>
-        <p:cTn id="1" dur="indefinite" restart="never" nodeType="tmRoot"/>
-      </p:par>
-    </p:tnLst>
-  </p:timing>
 </p:sld>
 </file>
 
@@ -8376,18 +8348,11 @@
           </a:p>
           <a:p>
             <a:r>
-              <a:rPr lang="de-DE" sz="2000" dirty="0" smtClean="0">
-                <a:latin typeface="Microsoft YaHei UI" panose="020B0503020204020204" pitchFamily="34" charset="-122"/>
-                <a:ea typeface="Microsoft YaHei UI" panose="020B0503020204020204" pitchFamily="34" charset="-122"/>
-              </a:rPr>
-              <a:t>Entweder </a:t>
-            </a:r>
-            <a:r>
               <a:rPr lang="de-DE" sz="2000" dirty="0">
                 <a:latin typeface="Microsoft YaHei UI" panose="020B0503020204020204" pitchFamily="34" charset="-122"/>
                 <a:ea typeface="Microsoft YaHei UI" panose="020B0503020204020204" pitchFamily="34" charset="-122"/>
               </a:rPr>
-              <a:t>U235 in Thermal verbrennen oder Pu239 in Fast zeuchten</a:t>
+              <a:t>Entweder U235 in Thermal verbrennen oder Pu239 in Fast zeuchten</a:t>
             </a:r>
           </a:p>
           <a:p>
@@ -8476,7 +8441,7 @@
           <p:cNvPr id="7" name="Picture 6">
             <a:extLst>
               <a:ext uri="{FF2B5EF4-FFF2-40B4-BE49-F238E27FC236}">
-                <a16:creationId xmlns:a16="http://schemas.microsoft.com/office/drawing/2014/main" xmlns="" id="{AA6AE425-6E7A-49CC-84E3-315F55BD4E4A}"/>
+                <a16:creationId xmlns:a16="http://schemas.microsoft.com/office/drawing/2014/main" id="{AA6AE425-6E7A-49CC-84E3-315F55BD4E4A}"/>
               </a:ext>
             </a:extLst>
           </p:cNvPr>
@@ -8517,13 +8482,6 @@
   <p:clrMapOvr>
     <a:masterClrMapping/>
   </p:clrMapOvr>
-  <p:timing>
-    <p:tnLst>
-      <p:par>
-        <p:cTn id="1" dur="indefinite" restart="never" nodeType="tmRoot"/>
-      </p:par>
-    </p:tnLst>
-  </p:timing>
 </p:sld>
 </file>
 
@@ -8623,19 +8581,8 @@
                 <a:latin typeface="Microsoft YaHei UI" panose="020B0503020204020204" pitchFamily="34" charset="-122"/>
                 <a:ea typeface="Microsoft YaHei UI" panose="020B0503020204020204" pitchFamily="34" charset="-122"/>
               </a:rPr>
-              <a:t>Heute verbrennt man U235 im thermischen Bereich unter sehr hohen Druck ≈ 30 </a:t>
-            </a:r>
-            <a:r>
-              <a:rPr lang="de-DE" sz="2000" dirty="0" smtClean="0">
-                <a:latin typeface="Microsoft YaHei UI" panose="020B0503020204020204" pitchFamily="34" charset="-122"/>
-                <a:ea typeface="Microsoft YaHei UI" panose="020B0503020204020204" pitchFamily="34" charset="-122"/>
-              </a:rPr>
-              <a:t>Atm</a:t>
-            </a:r>
-            <a:endParaRPr lang="de-DE" sz="2000" dirty="0">
-              <a:latin typeface="Microsoft YaHei UI" panose="020B0503020204020204" pitchFamily="34" charset="-122"/>
-              <a:ea typeface="Microsoft YaHei UI" panose="020B0503020204020204" pitchFamily="34" charset="-122"/>
-            </a:endParaRPr>
+              <a:t>Heute verbrennt man U235 im thermischen Bereich unter sehr hohen Druck ≈ 30 Atm</a:t>
+            </a:r>
           </a:p>
           <a:p>
             <a:pPr lvl="1"/>
@@ -8664,14 +8611,7 @@
                 <a:latin typeface="Microsoft YaHei UI" panose="020B0503020204020204" pitchFamily="34" charset="-122"/>
                 <a:ea typeface="Microsoft YaHei UI" panose="020B0503020204020204" pitchFamily="34" charset="-122"/>
               </a:rPr>
-              <a:t>Ag ist .</a:t>
-            </a:r>
-            <a:r>
-              <a:rPr lang="de-DE" sz="2000" dirty="0" smtClean="0">
-                <a:latin typeface="Microsoft YaHei UI" panose="020B0503020204020204" pitchFamily="34" charset="-122"/>
-                <a:ea typeface="Microsoft YaHei UI" panose="020B0503020204020204" pitchFamily="34" charset="-122"/>
-              </a:rPr>
-              <a:t>070ppm</a:t>
+              <a:t>Ag ist .070ppm</a:t>
             </a:r>
           </a:p>
           <a:p>
@@ -8781,13 +8721,6 @@
   <p:clrMapOvr>
     <a:masterClrMapping/>
   </p:clrMapOvr>
-  <p:timing>
-    <p:tnLst>
-      <p:par>
-        <p:cTn id="1" dur="indefinite" restart="never" nodeType="tmRoot"/>
-      </p:par>
-    </p:tnLst>
-  </p:timing>
 </p:sld>
 </file>
 
@@ -8924,13 +8857,6 @@
   <p:clrMapOvr>
     <a:masterClrMapping/>
   </p:clrMapOvr>
-  <p:timing>
-    <p:tnLst>
-      <p:par>
-        <p:cTn id="1" dur="indefinite" restart="never" nodeType="tmRoot"/>
-      </p:par>
-    </p:tnLst>
-  </p:timing>
 </p:sld>
 </file>
 
@@ -9089,13 +9015,6 @@
   <p:clrMapOvr>
     <a:masterClrMapping/>
   </p:clrMapOvr>
-  <p:timing>
-    <p:tnLst>
-      <p:par>
-        <p:cTn id="1" dur="indefinite" restart="never" nodeType="tmRoot"/>
-      </p:par>
-    </p:tnLst>
-  </p:timing>
 </p:sld>
 </file>
 
@@ -9312,13 +9231,6 @@
   <p:clrMapOvr>
     <a:masterClrMapping/>
   </p:clrMapOvr>
-  <p:timing>
-    <p:tnLst>
-      <p:par>
-        <p:cTn id="1" dur="indefinite" restart="never" nodeType="tmRoot"/>
-      </p:par>
-    </p:tnLst>
-  </p:timing>
 </p:sld>
 </file>
 
@@ -9474,13 +9386,6 @@
   <p:clrMapOvr>
     <a:masterClrMapping/>
   </p:clrMapOvr>
-  <p:timing>
-    <p:tnLst>
-      <p:par>
-        <p:cTn id="1" dur="indefinite" restart="never" nodeType="tmRoot"/>
-      </p:par>
-    </p:tnLst>
-  </p:timing>
 </p:sld>
 </file>
 
@@ -10729,7 +10634,7 @@
           <p:cNvPr id="37" name="Picture 36">
             <a:extLst>
               <a:ext uri="{FF2B5EF4-FFF2-40B4-BE49-F238E27FC236}">
-                <a16:creationId xmlns:a16="http://schemas.microsoft.com/office/drawing/2014/main" xmlns="" id="{D98FEC17-BF55-47CD-98D5-70A9F8AB1B03}"/>
+                <a16:creationId xmlns:a16="http://schemas.microsoft.com/office/drawing/2014/main" id="{D98FEC17-BF55-47CD-98D5-70A9F8AB1B03}"/>
               </a:ext>
             </a:extLst>
           </p:cNvPr>
@@ -10770,13 +10675,6 @@
   <p:clrMapOvr>
     <a:masterClrMapping/>
   </p:clrMapOvr>
-  <p:timing>
-    <p:tnLst>
-      <p:par>
-        <p:cTn id="1" dur="indefinite" restart="never" nodeType="tmRoot"/>
-      </p:par>
-    </p:tnLst>
-  </p:timing>
 </p:sld>
 </file>
 
@@ -10953,19 +10851,8 @@
                 <a:latin typeface="Microsoft YaHei UI" panose="020B0503020204020204" pitchFamily="34" charset="-122"/>
                 <a:ea typeface="Microsoft YaHei UI" panose="020B0503020204020204" pitchFamily="34" charset="-122"/>
               </a:rPr>
-              <a:t>medizinische Produkte und Pu238 (RTGs</a:t>
-            </a:r>
-            <a:r>
-              <a:rPr lang="de-DE" sz="2600" noProof="0" dirty="0" smtClean="0">
-                <a:latin typeface="Microsoft YaHei UI" panose="020B0503020204020204" pitchFamily="34" charset="-122"/>
-                <a:ea typeface="Microsoft YaHei UI" panose="020B0503020204020204" pitchFamily="34" charset="-122"/>
-              </a:rPr>
-              <a:t>)</a:t>
-            </a:r>
-            <a:endParaRPr lang="de-DE" sz="2600" noProof="0" dirty="0">
-              <a:latin typeface="Microsoft YaHei UI" panose="020B0503020204020204" pitchFamily="34" charset="-122"/>
-              <a:ea typeface="Microsoft YaHei UI" panose="020B0503020204020204" pitchFamily="34" charset="-122"/>
-            </a:endParaRPr>
+              <a:t>medizinische Produkte und Pu238 (RTGs)</a:t>
+            </a:r>
           </a:p>
         </p:txBody>
       </p:sp>
@@ -10979,13 +10866,6 @@
   <p:clrMapOvr>
     <a:masterClrMapping/>
   </p:clrMapOvr>
-  <p:timing>
-    <p:tnLst>
-      <p:par>
-        <p:cTn id="1" dur="indefinite" restart="never" nodeType="tmRoot"/>
-      </p:par>
-    </p:tnLst>
-  </p:timing>
 </p:sld>
 </file>
 
@@ -11416,14 +11296,14 @@
                 <a:gridCol w="2819400">
                   <a:extLst>
                     <a:ext uri="{9D8B030D-6E8A-4147-A177-3AD203B41FA5}">
-                      <a16:colId xmlns:a16="http://schemas.microsoft.com/office/drawing/2014/main" xmlns="" val="20000"/>
+                      <a16:colId xmlns:a16="http://schemas.microsoft.com/office/drawing/2014/main" val="20000"/>
                     </a:ext>
                   </a:extLst>
                 </a:gridCol>
                 <a:gridCol w="1600200">
                   <a:extLst>
                     <a:ext uri="{9D8B030D-6E8A-4147-A177-3AD203B41FA5}">
-                      <a16:colId xmlns:a16="http://schemas.microsoft.com/office/drawing/2014/main" xmlns="" val="20001"/>
+                      <a16:colId xmlns:a16="http://schemas.microsoft.com/office/drawing/2014/main" val="20001"/>
                     </a:ext>
                   </a:extLst>
                 </a:gridCol>
@@ -11454,7 +11334,7 @@
                 </a:tc>
                 <a:extLst>
                   <a:ext uri="{0D108BD9-81ED-4DB2-BD59-A6C34878D82A}">
-                    <a16:rowId xmlns:a16="http://schemas.microsoft.com/office/drawing/2014/main" xmlns="" val="10000"/>
+                    <a16:rowId xmlns:a16="http://schemas.microsoft.com/office/drawing/2014/main" val="10000"/>
                   </a:ext>
                 </a:extLst>
               </a:tr>
@@ -11492,7 +11372,7 @@
                 </a:tc>
                 <a:extLst>
                   <a:ext uri="{0D108BD9-81ED-4DB2-BD59-A6C34878D82A}">
-                    <a16:rowId xmlns:a16="http://schemas.microsoft.com/office/drawing/2014/main" xmlns="" val="10001"/>
+                    <a16:rowId xmlns:a16="http://schemas.microsoft.com/office/drawing/2014/main" val="10001"/>
                   </a:ext>
                 </a:extLst>
               </a:tr>
@@ -11508,11 +11388,7 @@
                       </a:r>
                       <a:r>
                         <a:rPr lang="de-DE" baseline="0" noProof="0" dirty="0"/>
-                        <a:t> der Restteile(Strahlung, Antineutrinos, Kinetische </a:t>
-                      </a:r>
-                      <a:r>
-                        <a:rPr lang="de-DE" baseline="0" noProof="0" dirty="0" smtClean="0"/>
-                        <a:t>Energie) </a:t>
+                        <a:t> der Restteile(Strahlung, Antineutrinos, Kinetische Energie) </a:t>
                       </a:r>
                       <a:endParaRPr lang="de-DE" noProof="0" dirty="0"/>
                     </a:p>
@@ -11534,7 +11410,7 @@
                 </a:tc>
                 <a:extLst>
                   <a:ext uri="{0D108BD9-81ED-4DB2-BD59-A6C34878D82A}">
-                    <a16:rowId xmlns:a16="http://schemas.microsoft.com/office/drawing/2014/main" xmlns="" val="10002"/>
+                    <a16:rowId xmlns:a16="http://schemas.microsoft.com/office/drawing/2014/main" val="10002"/>
                   </a:ext>
                 </a:extLst>
               </a:tr>
@@ -11588,14 +11464,14 @@
           <a:lstStyle/>
           <a:p>
             <a:r>
-              <a:rPr lang="en-US" dirty="0" smtClean="0">
+              <a:rPr lang="en-US" dirty="0">
                 <a:latin typeface="Microsoft YaHei UI" panose="020B0503020204020204" pitchFamily="34" charset="-122"/>
                 <a:ea typeface="Microsoft YaHei UI" panose="020B0503020204020204" pitchFamily="34" charset="-122"/>
               </a:rPr>
               <a:t>Design </a:t>
             </a:r>
             <a:r>
-              <a:rPr lang="en-US" dirty="0" err="1" smtClean="0">
+              <a:rPr lang="en-US" dirty="0" err="1">
                 <a:latin typeface="Microsoft YaHei UI" panose="020B0503020204020204" pitchFamily="34" charset="-122"/>
                 <a:ea typeface="Microsoft YaHei UI" panose="020B0503020204020204" pitchFamily="34" charset="-122"/>
               </a:rPr>
@@ -11629,49 +11505,49 @@
           <a:lstStyle/>
           <a:p>
             <a:r>
-              <a:rPr lang="en-US" dirty="0" smtClean="0">
+              <a:rPr lang="en-US" dirty="0">
                 <a:latin typeface="Microsoft YaHei UI" panose="020B0503020204020204" pitchFamily="34" charset="-122"/>
                 <a:ea typeface="Microsoft YaHei UI" panose="020B0503020204020204" pitchFamily="34" charset="-122"/>
               </a:rPr>
               <a:t>Was </a:t>
             </a:r>
             <a:r>
-              <a:rPr lang="en-US" dirty="0" err="1" smtClean="0">
+              <a:rPr lang="en-US" dirty="0" err="1">
                 <a:latin typeface="Microsoft YaHei UI" panose="020B0503020204020204" pitchFamily="34" charset="-122"/>
                 <a:ea typeface="Microsoft YaHei UI" panose="020B0503020204020204" pitchFamily="34" charset="-122"/>
               </a:rPr>
               <a:t>fuer</a:t>
             </a:r>
             <a:r>
-              <a:rPr lang="en-US" dirty="0" smtClean="0">
+              <a:rPr lang="en-US" dirty="0">
                 <a:latin typeface="Microsoft YaHei UI" panose="020B0503020204020204" pitchFamily="34" charset="-122"/>
                 <a:ea typeface="Microsoft YaHei UI" panose="020B0503020204020204" pitchFamily="34" charset="-122"/>
               </a:rPr>
               <a:t> </a:t>
             </a:r>
             <a:r>
-              <a:rPr lang="en-US" dirty="0" err="1" smtClean="0">
+              <a:rPr lang="en-US" dirty="0" err="1">
                 <a:latin typeface="Microsoft YaHei UI" panose="020B0503020204020204" pitchFamily="34" charset="-122"/>
                 <a:ea typeface="Microsoft YaHei UI" panose="020B0503020204020204" pitchFamily="34" charset="-122"/>
               </a:rPr>
               <a:t>ein</a:t>
             </a:r>
             <a:r>
-              <a:rPr lang="en-US" dirty="0" smtClean="0">
+              <a:rPr lang="en-US" dirty="0">
                 <a:latin typeface="Microsoft YaHei UI" panose="020B0503020204020204" pitchFamily="34" charset="-122"/>
                 <a:ea typeface="Microsoft YaHei UI" panose="020B0503020204020204" pitchFamily="34" charset="-122"/>
               </a:rPr>
               <a:t> </a:t>
             </a:r>
             <a:r>
-              <a:rPr lang="en-US" dirty="0" err="1" smtClean="0">
+              <a:rPr lang="en-US" dirty="0" err="1">
                 <a:latin typeface="Microsoft YaHei UI" panose="020B0503020204020204" pitchFamily="34" charset="-122"/>
                 <a:ea typeface="Microsoft YaHei UI" panose="020B0503020204020204" pitchFamily="34" charset="-122"/>
               </a:rPr>
               <a:t>Brennstoff</a:t>
             </a:r>
             <a:r>
-              <a:rPr lang="en-US" dirty="0" smtClean="0">
+              <a:rPr lang="en-US" dirty="0">
                 <a:latin typeface="Microsoft YaHei UI" panose="020B0503020204020204" pitchFamily="34" charset="-122"/>
                 <a:ea typeface="Microsoft YaHei UI" panose="020B0503020204020204" pitchFamily="34" charset="-122"/>
               </a:rPr>
@@ -11680,71 +11556,67 @@
           </a:p>
           <a:p>
             <a:r>
-              <a:rPr lang="en-US" dirty="0" smtClean="0">
+              <a:rPr lang="en-US" dirty="0">
                 <a:latin typeface="Microsoft YaHei UI" panose="020B0503020204020204" pitchFamily="34" charset="-122"/>
                 <a:ea typeface="Microsoft YaHei UI" panose="020B0503020204020204" pitchFamily="34" charset="-122"/>
               </a:rPr>
               <a:t>Thermal </a:t>
             </a:r>
             <a:r>
-              <a:rPr lang="en-US" dirty="0" err="1" smtClean="0">
+              <a:rPr lang="en-US" dirty="0" err="1">
                 <a:latin typeface="Microsoft YaHei UI" panose="020B0503020204020204" pitchFamily="34" charset="-122"/>
                 <a:ea typeface="Microsoft YaHei UI" panose="020B0503020204020204" pitchFamily="34" charset="-122"/>
               </a:rPr>
               <a:t>oder</a:t>
             </a:r>
             <a:r>
-              <a:rPr lang="en-US" dirty="0" smtClean="0">
+              <a:rPr lang="en-US" dirty="0">
                 <a:latin typeface="Microsoft YaHei UI" panose="020B0503020204020204" pitchFamily="34" charset="-122"/>
                 <a:ea typeface="Microsoft YaHei UI" panose="020B0503020204020204" pitchFamily="34" charset="-122"/>
               </a:rPr>
               <a:t> Fast </a:t>
             </a:r>
             <a:r>
-              <a:rPr lang="en-US" dirty="0" err="1" smtClean="0">
+              <a:rPr lang="en-US" dirty="0" err="1">
                 <a:latin typeface="Microsoft YaHei UI" panose="020B0503020204020204" pitchFamily="34" charset="-122"/>
                 <a:ea typeface="Microsoft YaHei UI" panose="020B0503020204020204" pitchFamily="34" charset="-122"/>
               </a:rPr>
               <a:t>Spektrum</a:t>
             </a:r>
-            <a:endParaRPr lang="en-US" dirty="0" smtClean="0">
+            <a:endParaRPr lang="en-US" dirty="0">
               <a:latin typeface="Microsoft YaHei UI" panose="020B0503020204020204" pitchFamily="34" charset="-122"/>
               <a:ea typeface="Microsoft YaHei UI" panose="020B0503020204020204" pitchFamily="34" charset="-122"/>
             </a:endParaRPr>
           </a:p>
           <a:p>
             <a:r>
-              <a:rPr lang="en-US" dirty="0" err="1" smtClean="0">
+              <a:rPr lang="en-US" dirty="0" err="1">
                 <a:latin typeface="Microsoft YaHei UI" panose="020B0503020204020204" pitchFamily="34" charset="-122"/>
                 <a:ea typeface="Microsoft YaHei UI" panose="020B0503020204020204" pitchFamily="34" charset="-122"/>
               </a:rPr>
               <a:t>Traditionell</a:t>
             </a:r>
             <a:r>
-              <a:rPr lang="en-US" dirty="0" smtClean="0">
+              <a:rPr lang="en-US" dirty="0">
                 <a:latin typeface="Microsoft YaHei UI" panose="020B0503020204020204" pitchFamily="34" charset="-122"/>
                 <a:ea typeface="Microsoft YaHei UI" panose="020B0503020204020204" pitchFamily="34" charset="-122"/>
               </a:rPr>
               <a:t> </a:t>
             </a:r>
             <a:r>
-              <a:rPr lang="en-US" dirty="0" err="1" smtClean="0">
+              <a:rPr lang="en-US" dirty="0" err="1">
                 <a:latin typeface="Microsoft YaHei UI" panose="020B0503020204020204" pitchFamily="34" charset="-122"/>
                 <a:ea typeface="Microsoft YaHei UI" panose="020B0503020204020204" pitchFamily="34" charset="-122"/>
               </a:rPr>
               <a:t>oder</a:t>
             </a:r>
             <a:r>
-              <a:rPr lang="en-US" dirty="0" smtClean="0">
+              <a:rPr lang="en-US" dirty="0">
                 <a:latin typeface="Microsoft YaHei UI" panose="020B0503020204020204" pitchFamily="34" charset="-122"/>
                 <a:ea typeface="Microsoft YaHei UI" panose="020B0503020204020204" pitchFamily="34" charset="-122"/>
               </a:rPr>
               <a:t> MSR?</a:t>
             </a:r>
-            <a:endParaRPr lang="en-US" dirty="0">
-              <a:latin typeface="Microsoft YaHei UI" panose="020B0503020204020204" pitchFamily="34" charset="-122"/>
-              <a:ea typeface="Microsoft YaHei UI" panose="020B0503020204020204" pitchFamily="34" charset="-122"/>
-            </a:endParaRPr>
           </a:p>
         </p:txBody>
       </p:sp>
@@ -11758,13 +11630,6 @@
   <p:clrMapOvr>
     <a:masterClrMapping/>
   </p:clrMapOvr>
-  <p:timing>
-    <p:tnLst>
-      <p:par>
-        <p:cTn id="1" dur="indefinite" restart="never" nodeType="tmRoot"/>
-      </p:par>
-    </p:tnLst>
-  </p:timing>
 </p:sld>
 </file>
 
@@ -11912,13 +11777,6 @@
   <p:clrMapOvr>
     <a:masterClrMapping/>
   </p:clrMapOvr>
-  <p:timing>
-    <p:tnLst>
-      <p:par>
-        <p:cTn id="1" dur="indefinite" restart="never" nodeType="tmRoot"/>
-      </p:par>
-    </p:tnLst>
-  </p:timing>
 </p:sld>
 </file>
 
@@ -12072,13 +11930,6 @@
   <p:clrMapOvr>
     <a:masterClrMapping/>
   </p:clrMapOvr>
-  <p:timing>
-    <p:tnLst>
-      <p:par>
-        <p:cTn id="1" dur="indefinite" restart="never" nodeType="tmRoot"/>
-      </p:par>
-    </p:tnLst>
-  </p:timing>
 </p:sld>
 </file>
 
@@ -12630,7 +12481,7 @@
   <a:extraClrSchemeLst/>
   <a:extLst>
     <a:ext uri="{05A4C25C-085E-4340-85A3-A5531E510DB2}">
-      <thm15:themeFamily xmlns:thm15="http://schemas.microsoft.com/office/thememl/2012/main" xmlns="" name="Dividend" id="{9697A71B-4AB7-4A1A-BD5B-BB2D22835B57}" vid="{C21699FF-00E4-43C8-BBCC-D7E5536C3717}"/>
+      <thm15:themeFamily xmlns:thm15="http://schemas.microsoft.com/office/thememl/2012/main" name="Dividend" id="{9697A71B-4AB7-4A1A-BD5B-BB2D22835B57}" vid="{C21699FF-00E4-43C8-BBCC-D7E5536C3717}"/>
     </a:ext>
   </a:extLst>
 </a:theme>
